--- a/output_data/Presentation.pptx
+++ b/output_data/Presentation.pptx
@@ -180,6 +180,9 @@
         </p14:section>
       </p14:sectionLst>
     </p:ext>
+    <p:ext uri="{EFAFB233-063F-42B5-8137-9DF3F51BA10A}">
+      <p15:sldGuideLst xmlns:p15="http://schemas.microsoft.com/office/powerpoint/2012/main"/>
+    </p:ext>
   </p:extLst>
 </p:presentation>
 </file>
@@ -422,7 +425,7 @@
           <a:p>
             <a:fld id="{ED291B17-9318-49DB-B28B-6E5994AE9581}" type="datetime1">
               <a:rPr lang="en-US" smtClean="0"/>
-              <a:t>10/25/20</a:t>
+              <a:t>10/26/20</a:t>
             </a:fld>
             <a:endParaRPr lang="en-US" dirty="0"/>
           </a:p>
@@ -625,7 +628,7 @@
           <a:p>
             <a:fld id="{2CED4963-E985-44C4-B8C4-FDD613B7C2F8}" type="datetime1">
               <a:rPr lang="en-US" smtClean="0"/>
-              <a:t>10/25/20</a:t>
+              <a:t>10/26/20</a:t>
             </a:fld>
             <a:endParaRPr lang="en-US" dirty="0"/>
           </a:p>
@@ -987,7 +990,7 @@
           <a:p>
             <a:fld id="{ED291B17-9318-49DB-B28B-6E5994AE9581}" type="datetime1">
               <a:rPr lang="en-US" smtClean="0"/>
-              <a:t>10/25/20</a:t>
+              <a:t>10/26/20</a:t>
             </a:fld>
             <a:endParaRPr lang="en-US" dirty="0"/>
           </a:p>
@@ -1185,7 +1188,7 @@
           <a:p>
             <a:fld id="{78DD82B9-B8EE-4375-B6FF-88FA6ABB15D9}" type="datetime1">
               <a:rPr lang="en-US" smtClean="0"/>
-              <a:t>10/25/20</a:t>
+              <a:t>10/26/20</a:t>
             </a:fld>
             <a:endParaRPr lang="en-US" dirty="0"/>
           </a:p>
@@ -1497,7 +1500,7 @@
           <a:p>
             <a:fld id="{B2497495-0637-405E-AE64-5CC7506D51F5}" type="datetime1">
               <a:rPr lang="en-US" smtClean="0"/>
-              <a:t>10/25/20</a:t>
+              <a:t>10/26/20</a:t>
             </a:fld>
             <a:endParaRPr lang="en-US" dirty="0"/>
           </a:p>
@@ -1750,7 +1753,7 @@
           <a:p>
             <a:fld id="{7BFFD690-9426-415D-8B65-26881E07B2D4}" type="datetime1">
               <a:rPr lang="en-US" smtClean="0"/>
-              <a:t>10/25/20</a:t>
+              <a:t>10/26/20</a:t>
             </a:fld>
             <a:endParaRPr lang="en-US" dirty="0"/>
           </a:p>
@@ -2172,7 +2175,7 @@
           <a:p>
             <a:fld id="{04C4989A-474C-40DE-95B9-011C28B71673}" type="datetime1">
               <a:rPr lang="en-US" smtClean="0"/>
-              <a:t>10/25/20</a:t>
+              <a:t>10/26/20</a:t>
             </a:fld>
             <a:endParaRPr lang="en-US" dirty="0"/>
           </a:p>
@@ -2295,7 +2298,7 @@
           <a:p>
             <a:fld id="{5DB4ED54-5B5E-4A04-93D3-5772E3CE3818}" type="datetime1">
               <a:rPr lang="en-US" smtClean="0"/>
-              <a:t>10/25/20</a:t>
+              <a:t>10/26/20</a:t>
             </a:fld>
             <a:endParaRPr lang="en-US" dirty="0"/>
           </a:p>
@@ -2390,7 +2393,7 @@
           <a:p>
             <a:fld id="{4EDE50D6-574B-40AF-946F-D52A04ADE379}" type="datetime1">
               <a:rPr lang="en-US" smtClean="0"/>
-              <a:t>10/25/20</a:t>
+              <a:t>10/26/20</a:t>
             </a:fld>
             <a:endParaRPr lang="en-US" dirty="0"/>
           </a:p>
@@ -2767,7 +2770,7 @@
           <a:p>
             <a:fld id="{D82884F1-FFEA-405F-9602-3DCA865EDA4E}" type="datetime1">
               <a:rPr lang="en-US" smtClean="0"/>
-              <a:t>10/25/20</a:t>
+              <a:t>10/26/20</a:t>
             </a:fld>
             <a:endParaRPr lang="en-US" dirty="0"/>
           </a:p>
@@ -3060,7 +3063,7 @@
           <a:p>
             <a:fld id="{7E18DB4A-8810-4A10-AD5C-D5E2C667F5B3}" type="datetime1">
               <a:rPr lang="en-US" smtClean="0"/>
-              <a:t>10/25/20</a:t>
+              <a:t>10/26/20</a:t>
             </a:fld>
             <a:endParaRPr lang="en-US" dirty="0"/>
           </a:p>
@@ -3275,7 +3278,7 @@
           <a:p>
             <a:fld id="{ED291B17-9318-49DB-B28B-6E5994AE9581}" type="datetime1">
               <a:rPr lang="en-US" smtClean="0"/>
-              <a:t>10/25/20</a:t>
+              <a:t>10/26/20</a:t>
             </a:fld>
             <a:endParaRPr lang="en-US" dirty="0"/>
           </a:p>
@@ -10226,7 +10229,7 @@
         </p:blipFill>
         <p:spPr>
           <a:xfrm>
-            <a:off x="8635470" y="2444819"/>
+            <a:off x="5122836" y="2444819"/>
             <a:ext cx="3426574" cy="3426574"/>
           </a:xfrm>
           <a:prstGeom prst="rect">
@@ -10236,7 +10239,7 @@
             <a:miter lim="400000"/>
           </a:ln>
           <a:effectLst>
-            <a:outerShdw blurRad="190500" dist="101600" dir="5400000" rotWithShape="0">
+            <a:outerShdw blurRad="190500" dist="139700" dir="5400000" rotWithShape="0">
               <a:srgbClr val="000000">
                 <a:alpha val="40000"/>
               </a:srgbClr>
@@ -10246,10 +10249,10 @@
       </p:pic>
       <p:pic>
         <p:nvPicPr>
-          <p:cNvPr id="6" name="piechart_deathsbyincome.png" descr="piechart_deathsbyincome.png">
-            <a:extLst>
-              <a:ext uri="{FF2B5EF4-FFF2-40B4-BE49-F238E27FC236}">
-                <a16:creationId xmlns:a16="http://schemas.microsoft.com/office/drawing/2014/main" id="{E1EFC2EA-C6D2-324C-B990-BAE7CBA08402}"/>
+          <p:cNvPr id="8" name="Picture 7" descr="Chart&#10;&#10;Description automatically generated">
+            <a:extLst>
+              <a:ext uri="{FF2B5EF4-FFF2-40B4-BE49-F238E27FC236}">
+                <a16:creationId xmlns:a16="http://schemas.microsoft.com/office/drawing/2014/main" id="{82C94F21-86CD-EB41-AE18-342FDD8889E5}"/>
               </a:ext>
             </a:extLst>
           </p:cNvPr>
@@ -10266,20 +10269,17 @@
         </p:blipFill>
         <p:spPr>
           <a:xfrm>
-            <a:off x="5007743" y="2444818"/>
-            <a:ext cx="3426575" cy="3426575"/>
+            <a:off x="8662337" y="2444819"/>
+            <a:ext cx="3426574" cy="3426574"/>
           </a:xfrm>
           <a:prstGeom prst="rect">
             <a:avLst/>
           </a:prstGeom>
-          <a:ln w="25400">
-            <a:miter lim="400000"/>
-          </a:ln>
           <a:effectLst>
-            <a:outerShdw blurRad="190500" dist="101600" dir="5400000" rotWithShape="0">
-              <a:srgbClr val="000000">
+            <a:outerShdw blurRad="50800" dist="127000" dir="2700000" algn="tl" rotWithShape="0">
+              <a:prstClr val="black">
                 <a:alpha val="40000"/>
-              </a:srgbClr>
+              </a:prstClr>
             </a:outerShdw>
           </a:effectLst>
         </p:spPr>

--- a/output_data/Presentation.pptx
+++ b/output_data/Presentation.pptx
@@ -26,9 +26,11 @@
     <p:sldId id="279" r:id="rId20"/>
     <p:sldId id="282" r:id="rId21"/>
     <p:sldId id="273" r:id="rId22"/>
-    <p:sldId id="274" r:id="rId23"/>
-    <p:sldId id="275" r:id="rId24"/>
-    <p:sldId id="276" r:id="rId25"/>
+    <p:sldId id="283" r:id="rId23"/>
+    <p:sldId id="284" r:id="rId24"/>
+    <p:sldId id="274" r:id="rId25"/>
+    <p:sldId id="275" r:id="rId26"/>
+    <p:sldId id="276" r:id="rId27"/>
   </p:sldIdLst>
   <p:sldSz cx="12192000" cy="6858000"/>
   <p:notesSz cx="6858000" cy="9144000"/>
@@ -169,6 +171,8 @@
         </p14:section>
         <p14:section name="Seranica" id="{9A0EEC91-5F66-AA4E-987B-F22015E3EEB4}">
           <p14:sldIdLst>
+            <p14:sldId id="283"/>
+            <p14:sldId id="284"/>
             <p14:sldId id="274"/>
           </p14:sldIdLst>
         </p14:section>
@@ -425,7 +429,7 @@
           <a:p>
             <a:fld id="{ED291B17-9318-49DB-B28B-6E5994AE9581}" type="datetime1">
               <a:rPr lang="en-US" smtClean="0"/>
-              <a:t>10/26/20</a:t>
+              <a:t>10/26/2020</a:t>
             </a:fld>
             <a:endParaRPr lang="en-US" dirty="0"/>
           </a:p>
@@ -628,7 +632,7 @@
           <a:p>
             <a:fld id="{2CED4963-E985-44C4-B8C4-FDD613B7C2F8}" type="datetime1">
               <a:rPr lang="en-US" smtClean="0"/>
-              <a:t>10/26/20</a:t>
+              <a:t>10/26/2020</a:t>
             </a:fld>
             <a:endParaRPr lang="en-US" dirty="0"/>
           </a:p>
@@ -990,7 +994,7 @@
           <a:p>
             <a:fld id="{ED291B17-9318-49DB-B28B-6E5994AE9581}" type="datetime1">
               <a:rPr lang="en-US" smtClean="0"/>
-              <a:t>10/26/20</a:t>
+              <a:t>10/26/2020</a:t>
             </a:fld>
             <a:endParaRPr lang="en-US" dirty="0"/>
           </a:p>
@@ -1188,7 +1192,7 @@
           <a:p>
             <a:fld id="{78DD82B9-B8EE-4375-B6FF-88FA6ABB15D9}" type="datetime1">
               <a:rPr lang="en-US" smtClean="0"/>
-              <a:t>10/26/20</a:t>
+              <a:t>10/26/2020</a:t>
             </a:fld>
             <a:endParaRPr lang="en-US" dirty="0"/>
           </a:p>
@@ -1500,7 +1504,7 @@
           <a:p>
             <a:fld id="{B2497495-0637-405E-AE64-5CC7506D51F5}" type="datetime1">
               <a:rPr lang="en-US" smtClean="0"/>
-              <a:t>10/26/20</a:t>
+              <a:t>10/26/2020</a:t>
             </a:fld>
             <a:endParaRPr lang="en-US" dirty="0"/>
           </a:p>
@@ -1753,7 +1757,7 @@
           <a:p>
             <a:fld id="{7BFFD690-9426-415D-8B65-26881E07B2D4}" type="datetime1">
               <a:rPr lang="en-US" smtClean="0"/>
-              <a:t>10/26/20</a:t>
+              <a:t>10/26/2020</a:t>
             </a:fld>
             <a:endParaRPr lang="en-US" dirty="0"/>
           </a:p>
@@ -2175,7 +2179,7 @@
           <a:p>
             <a:fld id="{04C4989A-474C-40DE-95B9-011C28B71673}" type="datetime1">
               <a:rPr lang="en-US" smtClean="0"/>
-              <a:t>10/26/20</a:t>
+              <a:t>10/26/2020</a:t>
             </a:fld>
             <a:endParaRPr lang="en-US" dirty="0"/>
           </a:p>
@@ -2298,7 +2302,7 @@
           <a:p>
             <a:fld id="{5DB4ED54-5B5E-4A04-93D3-5772E3CE3818}" type="datetime1">
               <a:rPr lang="en-US" smtClean="0"/>
-              <a:t>10/26/20</a:t>
+              <a:t>10/26/2020</a:t>
             </a:fld>
             <a:endParaRPr lang="en-US" dirty="0"/>
           </a:p>
@@ -2393,7 +2397,7 @@
           <a:p>
             <a:fld id="{4EDE50D6-574B-40AF-946F-D52A04ADE379}" type="datetime1">
               <a:rPr lang="en-US" smtClean="0"/>
-              <a:t>10/26/20</a:t>
+              <a:t>10/26/2020</a:t>
             </a:fld>
             <a:endParaRPr lang="en-US" dirty="0"/>
           </a:p>
@@ -2770,7 +2774,7 @@
           <a:p>
             <a:fld id="{D82884F1-FFEA-405F-9602-3DCA865EDA4E}" type="datetime1">
               <a:rPr lang="en-US" smtClean="0"/>
-              <a:t>10/26/20</a:t>
+              <a:t>10/26/2020</a:t>
             </a:fld>
             <a:endParaRPr lang="en-US" dirty="0"/>
           </a:p>
@@ -3063,7 +3067,7 @@
           <a:p>
             <a:fld id="{7E18DB4A-8810-4A10-AD5C-D5E2C667F5B3}" type="datetime1">
               <a:rPr lang="en-US" smtClean="0"/>
-              <a:t>10/26/20</a:t>
+              <a:t>10/26/2020</a:t>
             </a:fld>
             <a:endParaRPr lang="en-US" dirty="0"/>
           </a:p>
@@ -3278,7 +3282,7 @@
           <a:p>
             <a:fld id="{ED291B17-9318-49DB-B28B-6E5994AE9581}" type="datetime1">
               <a:rPr lang="en-US" smtClean="0"/>
-              <a:t>10/26/20</a:t>
+              <a:t>10/26/2020</a:t>
             </a:fld>
             <a:endParaRPr lang="en-US" dirty="0"/>
           </a:p>
@@ -4191,12 +4195,66 @@
           </a:p>
         </p:txBody>
       </p:sp>
+      <p:sp>
+        <p:nvSpPr>
+          <p:cNvPr id="13" name="Rectangle 12">
+            <a:extLst>
+              <a:ext uri="{FF2B5EF4-FFF2-40B4-BE49-F238E27FC236}">
+                <a16:creationId xmlns:a16="http://schemas.microsoft.com/office/drawing/2014/main" id="{B01B0E58-A5C8-4CDA-A2E0-35DF94E59857}"/>
+              </a:ext>
+              <a:ext uri="{C183D7F6-B498-43B3-948B-1728B52AA6E4}">
+                <adec:decorative xmlns:adec="http://schemas.microsoft.com/office/drawing/2017/decorative" val="1"/>
+              </a:ext>
+            </a:extLst>
+          </p:cNvPr>
+          <p:cNvSpPr>
+            <a:spLocks noGrp="1" noRot="1" noChangeAspect="1" noMove="1" noResize="1" noEditPoints="1" noAdjustHandles="1" noChangeArrowheads="1" noChangeShapeType="1" noTextEdit="1"/>
+          </p:cNvSpPr>
+          <p:nvPr>
+            <p:extLst>
+              <p:ext uri="{386F3935-93C4-4BCD-93E2-E3B085C9AB24}">
+                <p16:designElem xmlns:p16="http://schemas.microsoft.com/office/powerpoint/2015/main" val="1"/>
+              </p:ext>
+            </p:extLst>
+          </p:nvPr>
+        </p:nvSpPr>
+        <p:spPr>
+          <a:xfrm>
+            <a:off x="8109235" y="457200"/>
+            <a:ext cx="3511233" cy="91439"/>
+          </a:xfrm>
+          <a:prstGeom prst="rect">
+            <a:avLst/>
+          </a:prstGeom>
+          <a:solidFill>
+            <a:schemeClr val="accent1"/>
+          </a:solidFill>
+          <a:ln>
+            <a:noFill/>
+          </a:ln>
+          <a:effectLst/>
+        </p:spPr>
+        <p:style>
+          <a:lnRef idx="1">
+            <a:schemeClr val="accent1"/>
+          </a:lnRef>
+          <a:fillRef idx="3">
+            <a:schemeClr val="accent1"/>
+          </a:fillRef>
+          <a:effectRef idx="2">
+            <a:schemeClr val="accent1"/>
+          </a:effectRef>
+          <a:fontRef idx="minor">
+            <a:schemeClr val="lt1"/>
+          </a:fontRef>
+        </p:style>
+      </p:sp>
       <p:pic>
         <p:nvPicPr>
-          <p:cNvPr id="22" name="Picture 3">
-            <a:extLst>
-              <a:ext uri="{FF2B5EF4-FFF2-40B4-BE49-F238E27FC236}">
-                <a16:creationId xmlns:a16="http://schemas.microsoft.com/office/drawing/2014/main" id="{CAA3A90F-C654-4E0B-BEE7-B2D21449EACC}"/>
+          <p:cNvPr id="4" name="Picture 3">
+            <a:extLst>
+              <a:ext uri="{FF2B5EF4-FFF2-40B4-BE49-F238E27FC236}">
+                <a16:creationId xmlns:a16="http://schemas.microsoft.com/office/drawing/2014/main" id="{59FE9A76-BD5D-4A15-9CA9-6485C3078D63}"/>
               </a:ext>
             </a:extLst>
           </p:cNvPr>
@@ -4205,75 +4263,24 @@
           </p:cNvPicPr>
           <p:nvPr/>
         </p:nvPicPr>
-        <p:blipFill rotWithShape="1">
-          <a:blip r:embed="rId2"/>
-          <a:srcRect l="4770" r="21864" b="-1"/>
-          <a:stretch/>
+        <p:blipFill>
+          <a:blip r:embed="rId2">
+            <a:alphaModFix amt="71000"/>
+          </a:blip>
+          <a:stretch>
+            <a:fillRect/>
+          </a:stretch>
         </p:blipFill>
         <p:spPr>
           <a:xfrm>
-            <a:off x="20" y="10"/>
-            <a:ext cx="7537685" cy="6857990"/>
+            <a:off x="8555" y="0"/>
+            <a:ext cx="7741276" cy="6861712"/>
           </a:xfrm>
           <a:prstGeom prst="rect">
             <a:avLst/>
           </a:prstGeom>
         </p:spPr>
       </p:pic>
-      <p:sp>
-        <p:nvSpPr>
-          <p:cNvPr id="13" name="Rectangle 12">
-            <a:extLst>
-              <a:ext uri="{FF2B5EF4-FFF2-40B4-BE49-F238E27FC236}">
-                <a16:creationId xmlns:a16="http://schemas.microsoft.com/office/drawing/2014/main" id="{B01B0E58-A5C8-4CDA-A2E0-35DF94E59857}"/>
-              </a:ext>
-              <a:ext uri="{C183D7F6-B498-43B3-948B-1728B52AA6E4}">
-                <adec:decorative xmlns:adec="http://schemas.microsoft.com/office/drawing/2017/decorative" val="1"/>
-              </a:ext>
-            </a:extLst>
-          </p:cNvPr>
-          <p:cNvSpPr>
-            <a:spLocks noGrp="1" noRot="1" noChangeAspect="1" noMove="1" noResize="1" noEditPoints="1" noAdjustHandles="1" noChangeArrowheads="1" noChangeShapeType="1" noTextEdit="1"/>
-          </p:cNvSpPr>
-          <p:nvPr>
-            <p:extLst>
-              <p:ext uri="{386F3935-93C4-4BCD-93E2-E3B085C9AB24}">
-                <p16:designElem xmlns:p16="http://schemas.microsoft.com/office/powerpoint/2015/main" val="1"/>
-              </p:ext>
-            </p:extLst>
-          </p:nvPr>
-        </p:nvSpPr>
-        <p:spPr>
-          <a:xfrm>
-            <a:off x="8109235" y="457200"/>
-            <a:ext cx="3511233" cy="91439"/>
-          </a:xfrm>
-          <a:prstGeom prst="rect">
-            <a:avLst/>
-          </a:prstGeom>
-          <a:solidFill>
-            <a:schemeClr val="accent1"/>
-          </a:solidFill>
-          <a:ln>
-            <a:noFill/>
-          </a:ln>
-          <a:effectLst/>
-        </p:spPr>
-        <p:style>
-          <a:lnRef idx="1">
-            <a:schemeClr val="accent1"/>
-          </a:lnRef>
-          <a:fillRef idx="3">
-            <a:schemeClr val="accent1"/>
-          </a:fillRef>
-          <a:effectRef idx="2">
-            <a:schemeClr val="accent1"/>
-          </a:effectRef>
-          <a:fontRef idx="minor">
-            <a:schemeClr val="lt1"/>
-          </a:fontRef>
-        </p:style>
-      </p:sp>
     </p:spTree>
     <p:extLst>
       <p:ext uri="{BB962C8B-B14F-4D97-AF65-F5344CB8AC3E}">
@@ -4586,7 +4593,7 @@
         </p:spPr>
         <p:txBody>
           <a:bodyPr>
-            <a:normAutofit lnSpcReduction="10000"/>
+            <a:normAutofit fontScale="92500" lnSpcReduction="10000"/>
           </a:bodyPr>
           <a:lstStyle/>
           <a:p>
@@ -4601,23 +4608,7 @@
                   <a:srgbClr val="FFFFFF"/>
                 </a:solidFill>
               </a:rPr>
-              <a:t>Child restraints are highly effective in reducing injury and death to </a:t>
-            </a:r>
-            <a:r>
-              <a:rPr lang="en-US" dirty="0" err="1">
-                <a:solidFill>
-                  <a:srgbClr val="FFFFFF"/>
-                </a:solidFill>
-              </a:rPr>
-              <a:t>chid</a:t>
-            </a:r>
-            <a:r>
-              <a:rPr lang="en-US" dirty="0">
-                <a:solidFill>
-                  <a:srgbClr val="FFFFFF"/>
-                </a:solidFill>
-              </a:rPr>
-              <a:t> occupants. </a:t>
+              <a:t>Child restraints are highly effective in reducing injury and death to children. </a:t>
             </a:r>
           </a:p>
           <a:p>
@@ -4647,7 +4638,7 @@
                   <a:srgbClr val="FFFFFF"/>
                 </a:solidFill>
               </a:rPr>
-              <a:t> What is clear on this chart, there is a negative relationship between using child restraints laws and the number of road traffic deaths. In other words, as the usage of child restraints laws goes up, the number of deaths on the road will decrease. </a:t>
+              <a:t> What is clear on this chart, there is a negative relationship between using child restraints laws and the number of road traffic deaths. In other words, as the usage of child restraints laws goes up, the number of deaths on the road decreases. </a:t>
             </a:r>
           </a:p>
           <a:p>
@@ -4662,7 +4653,7 @@
                   <a:srgbClr val="FFFFFF"/>
                 </a:solidFill>
               </a:rPr>
-              <a:t>By calculating the r-squared which is 0.34, we can see there is a weak correlation between these items. </a:t>
+              <a:t>By calculating the r-squared which is 0.34, we can see there is a weak correlation between these  </a:t>
             </a:r>
           </a:p>
         </p:txBody>
@@ -5187,23 +5178,7 @@
             </a:pPr>
             <a:r>
               <a:rPr lang="en-US" sz="1600" dirty="0"/>
-              <a:t>Using mobile devices such as smartphones and/or other in-vehicle devices is a major source of distraction while driving. Some </a:t>
-            </a:r>
-            <a:r>
-              <a:rPr lang="en-US" sz="1600" dirty="0" err="1"/>
-              <a:t>behaviour</a:t>
-            </a:r>
-            <a:r>
-              <a:rPr lang="en-US" sz="1600" dirty="0"/>
-              <a:t> studies show that using mobile phone while driving has the same effect as drink-driving. Evidence suggests that if there is no enforcement, this </a:t>
-            </a:r>
-            <a:r>
-              <a:rPr lang="en-US" sz="1600" dirty="0" err="1"/>
-              <a:t>behaviour</a:t>
-            </a:r>
-            <a:r>
-              <a:rPr lang="en-US" sz="1600" dirty="0"/>
-              <a:t> will increase in society because of human nature. </a:t>
+              <a:t>Using mobile devices such as smartphones and/or other in-vehicle devices is a major source of distraction while driving. Some behavioral studies show that using mobile phone while driving has the same effect as drink-driving. Evidence suggests that if there is no enforcement, this behavior will increase in society because of human nature. </a:t>
             </a:r>
           </a:p>
           <a:p>
@@ -5236,7 +5211,7 @@
             </a:pPr>
             <a:r>
               <a:rPr lang="en-US" sz="1600" dirty="0"/>
-              <a:t>It can be inferred from the above information that most of countries understand the importance of this laws. </a:t>
+              <a:t>It can be inferred from the above information that most countries understand the importance of this laws. </a:t>
             </a:r>
           </a:p>
         </p:txBody>
@@ -6568,12 +6543,12 @@
           <a:lstStyle/>
           <a:p>
             <a:r>
-              <a:rPr lang="en-US">
+              <a:rPr lang="en-US" dirty="0">
                 <a:solidFill>
                   <a:srgbClr val="FFFFFF"/>
                 </a:solidFill>
               </a:rPr>
-              <a:t>Which day is safer to go on road?</a:t>
+              <a:t>Which day is safer to Drive?</a:t>
             </a:r>
           </a:p>
         </p:txBody>
@@ -6612,7 +6587,7 @@
                   <a:srgbClr val="FFFFFF"/>
                 </a:solidFill>
               </a:rPr>
-              <a:t>A trend is seen when it is approaching weekend </a:t>
+              <a:t>A trend is seen when it is approaching the weekend </a:t>
             </a:r>
           </a:p>
           <a:p>
@@ -6634,7 +6609,7 @@
                   <a:srgbClr val="FFFFFF"/>
                 </a:solidFill>
               </a:rPr>
-              <a:t>Monday and Tuesday got the least amount of fatalities</a:t>
+              <a:t>Monday and Tuesday have the lowest fatalities</a:t>
             </a:r>
           </a:p>
         </p:txBody>
@@ -6692,7 +6667,7 @@
           <a:p>
             <a:r>
               <a:rPr lang="en-US" dirty="0"/>
-              <a:t>Does a speed limit help save life?</a:t>
+              <a:t>Do speed limits help save lives?</a:t>
             </a:r>
           </a:p>
         </p:txBody>
@@ -6731,13 +6706,13 @@
           <a:p>
             <a:r>
               <a:rPr lang="en-US" dirty="0"/>
-              <a:t>We believed that it’s due to there is a larger proportion of road designed with these speed limit</a:t>
+              <a:t>There is a larger proportion of road designed with these speed limit</a:t>
             </a:r>
           </a:p>
           <a:p>
             <a:r>
               <a:rPr lang="en-US" dirty="0"/>
-              <a:t>This does not convey the </a:t>
+              <a:t>This does not convey the relative safety of the speeds in isolation from other variables</a:t>
             </a:r>
           </a:p>
         </p:txBody>
@@ -7415,7 +7390,7 @@
           <p:cNvPr id="2" name="Title 1">
             <a:extLst>
               <a:ext uri="{FF2B5EF4-FFF2-40B4-BE49-F238E27FC236}">
-                <a16:creationId xmlns:a16="http://schemas.microsoft.com/office/drawing/2014/main" id="{2DE00F1B-125D-F646-968E-25186BE7775D}"/>
+                <a16:creationId xmlns:a16="http://schemas.microsoft.com/office/drawing/2014/main" id="{DA75614F-B11B-424B-82E0-0AFF9AD0EB31}"/>
               </a:ext>
             </a:extLst>
           </p:cNvPr>
@@ -7426,44 +7401,56 @@
             <p:ph type="title"/>
           </p:nvPr>
         </p:nvSpPr>
-        <p:spPr/>
+        <p:spPr>
+          <a:xfrm>
+            <a:off x="665082" y="625820"/>
+            <a:ext cx="11029616" cy="615749"/>
+          </a:xfrm>
+        </p:spPr>
         <p:txBody>
           <a:bodyPr/>
           <a:lstStyle/>
           <a:p>
-            <a:endParaRPr lang="en-US"/>
-          </a:p>
-        </p:txBody>
-      </p:sp>
-      <p:sp>
-        <p:nvSpPr>
-          <p:cNvPr id="3" name="Content Placeholder 2">
-            <a:extLst>
-              <a:ext uri="{FF2B5EF4-FFF2-40B4-BE49-F238E27FC236}">
-                <a16:creationId xmlns:a16="http://schemas.microsoft.com/office/drawing/2014/main" id="{2CAD55AF-7B59-C541-9EBE-D2ECD851D866}"/>
-              </a:ext>
-            </a:extLst>
-          </p:cNvPr>
-          <p:cNvSpPr>
-            <a:spLocks noGrp="1"/>
-          </p:cNvSpPr>
+            <a:r>
+              <a:rPr lang="en-AU" dirty="0"/>
+              <a:t>Drink driving laws and influence on road fatalities</a:t>
+            </a:r>
+          </a:p>
+        </p:txBody>
+      </p:sp>
+      <p:pic>
+        <p:nvPicPr>
+          <p:cNvPr id="5" name="Content Placeholder 4" descr="Map&#10;&#10;Description automatically generated">
+            <a:extLst>
+              <a:ext uri="{FF2B5EF4-FFF2-40B4-BE49-F238E27FC236}">
+                <a16:creationId xmlns:a16="http://schemas.microsoft.com/office/drawing/2014/main" id="{F1949C2F-9D5E-4E87-ACB1-E5E28C733D74}"/>
+              </a:ext>
+            </a:extLst>
+          </p:cNvPr>
+          <p:cNvPicPr>
+            <a:picLocks noGrp="1" noChangeAspect="1"/>
+          </p:cNvPicPr>
           <p:nvPr>
             <p:ph idx="1"/>
           </p:nvPr>
-        </p:nvSpPr>
-        <p:spPr/>
-        <p:txBody>
-          <a:bodyPr/>
-          <a:lstStyle/>
-          <a:p>
-            <a:endParaRPr lang="en-US"/>
-          </a:p>
-        </p:txBody>
-      </p:sp>
+        </p:nvPicPr>
+        <p:blipFill>
+          <a:blip r:embed="rId2"/>
+          <a:stretch>
+            <a:fillRect/>
+          </a:stretch>
+        </p:blipFill>
+        <p:spPr>
+          <a:xfrm>
+            <a:off x="1003620" y="1462190"/>
+            <a:ext cx="10352539" cy="4259102"/>
+          </a:xfrm>
+        </p:spPr>
+      </p:pic>
     </p:spTree>
     <p:extLst>
       <p:ext uri="{BB962C8B-B14F-4D97-AF65-F5344CB8AC3E}">
-        <p14:creationId xmlns:p14="http://schemas.microsoft.com/office/powerpoint/2010/main" val="295816866"/>
+        <p14:creationId xmlns:p14="http://schemas.microsoft.com/office/powerpoint/2010/main" val="2380875080"/>
       </p:ext>
     </p:extLst>
   </p:cSld>
@@ -7492,6 +7479,1193 @@
       </p:grpSpPr>
       <p:sp>
         <p:nvSpPr>
+          <p:cNvPr id="2" name="Title 1">
+            <a:extLst>
+              <a:ext uri="{FF2B5EF4-FFF2-40B4-BE49-F238E27FC236}">
+                <a16:creationId xmlns:a16="http://schemas.microsoft.com/office/drawing/2014/main" id="{DA75614F-B11B-424B-82E0-0AFF9AD0EB31}"/>
+              </a:ext>
+            </a:extLst>
+          </p:cNvPr>
+          <p:cNvSpPr>
+            <a:spLocks noGrp="1"/>
+          </p:cNvSpPr>
+          <p:nvPr>
+            <p:ph type="title"/>
+          </p:nvPr>
+        </p:nvSpPr>
+        <p:spPr>
+          <a:xfrm>
+            <a:off x="665082" y="625820"/>
+            <a:ext cx="11029616" cy="615749"/>
+          </a:xfrm>
+        </p:spPr>
+        <p:txBody>
+          <a:bodyPr/>
+          <a:lstStyle/>
+          <a:p>
+            <a:r>
+              <a:rPr lang="en-AU" dirty="0"/>
+              <a:t>Drink driving laws and influence on road fatalities</a:t>
+            </a:r>
+          </a:p>
+        </p:txBody>
+      </p:sp>
+      <p:pic>
+        <p:nvPicPr>
+          <p:cNvPr id="7" name="Picture 6" descr="Chart, box and whisker chart&#10;&#10;Description automatically generated">
+            <a:extLst>
+              <a:ext uri="{FF2B5EF4-FFF2-40B4-BE49-F238E27FC236}">
+                <a16:creationId xmlns:a16="http://schemas.microsoft.com/office/drawing/2014/main" id="{1D66413D-2DC6-4D77-B04D-7B0106646563}"/>
+              </a:ext>
+            </a:extLst>
+          </p:cNvPr>
+          <p:cNvPicPr>
+            <a:picLocks noChangeAspect="1"/>
+          </p:cNvPicPr>
+          <p:nvPr/>
+        </p:nvPicPr>
+        <p:blipFill>
+          <a:blip r:embed="rId2"/>
+          <a:stretch>
+            <a:fillRect/>
+          </a:stretch>
+        </p:blipFill>
+        <p:spPr>
+          <a:xfrm>
+            <a:off x="5930133" y="1181985"/>
+            <a:ext cx="5705397" cy="3803598"/>
+          </a:xfrm>
+          <a:prstGeom prst="rect">
+            <a:avLst/>
+          </a:prstGeom>
+        </p:spPr>
+      </p:pic>
+      <p:sp>
+        <p:nvSpPr>
+          <p:cNvPr id="8" name="Content Placeholder 2">
+            <a:extLst>
+              <a:ext uri="{FF2B5EF4-FFF2-40B4-BE49-F238E27FC236}">
+                <a16:creationId xmlns:a16="http://schemas.microsoft.com/office/drawing/2014/main" id="{AB240367-D123-4E86-9D2B-2937B4E33006}"/>
+              </a:ext>
+            </a:extLst>
+          </p:cNvPr>
+          <p:cNvSpPr>
+            <a:spLocks noGrp="1"/>
+          </p:cNvSpPr>
+          <p:nvPr>
+            <p:ph idx="1"/>
+          </p:nvPr>
+        </p:nvSpPr>
+        <p:spPr>
+          <a:xfrm>
+            <a:off x="790352" y="5045166"/>
+            <a:ext cx="5169366" cy="1622487"/>
+          </a:xfrm>
+        </p:spPr>
+        <p:txBody>
+          <a:bodyPr/>
+          <a:lstStyle/>
+          <a:p>
+            <a:r>
+              <a:rPr lang="en-US" dirty="0"/>
+              <a:t>Majority of countries surveyed attributed &lt;15% of traffic fatalities to incidents involving alcohol</a:t>
+            </a:r>
+          </a:p>
+          <a:p>
+            <a:r>
+              <a:rPr lang="en-US" dirty="0"/>
+              <a:t>Notwithstanding, some countries had a very high prevalence of fatalities related to DUI offences</a:t>
+            </a:r>
+          </a:p>
+        </p:txBody>
+      </p:sp>
+      <p:pic>
+        <p:nvPicPr>
+          <p:cNvPr id="10" name="Picture 9" descr="Chart, histogram&#10;&#10;Description automatically generated">
+            <a:extLst>
+              <a:ext uri="{FF2B5EF4-FFF2-40B4-BE49-F238E27FC236}">
+                <a16:creationId xmlns:a16="http://schemas.microsoft.com/office/drawing/2014/main" id="{8F38DBD1-64DC-4F97-AE3D-5A2DE2B047F0}"/>
+              </a:ext>
+            </a:extLst>
+          </p:cNvPr>
+          <p:cNvPicPr>
+            <a:picLocks noChangeAspect="1"/>
+          </p:cNvPicPr>
+          <p:nvPr/>
+        </p:nvPicPr>
+        <p:blipFill>
+          <a:blip r:embed="rId3"/>
+          <a:stretch>
+            <a:fillRect/>
+          </a:stretch>
+        </p:blipFill>
+        <p:spPr>
+          <a:xfrm>
+            <a:off x="475371" y="1360735"/>
+            <a:ext cx="5454762" cy="3741156"/>
+          </a:xfrm>
+          <a:prstGeom prst="rect">
+            <a:avLst/>
+          </a:prstGeom>
+        </p:spPr>
+      </p:pic>
+      <p:sp>
+        <p:nvSpPr>
+          <p:cNvPr id="13" name="Content Placeholder 2">
+            <a:extLst>
+              <a:ext uri="{FF2B5EF4-FFF2-40B4-BE49-F238E27FC236}">
+                <a16:creationId xmlns:a16="http://schemas.microsoft.com/office/drawing/2014/main" id="{F3880EAD-1FE1-429D-BF09-75E3987B8C95}"/>
+              </a:ext>
+            </a:extLst>
+          </p:cNvPr>
+          <p:cNvSpPr txBox="1">
+            <a:spLocks/>
+          </p:cNvSpPr>
+          <p:nvPr/>
+        </p:nvSpPr>
+        <p:spPr>
+          <a:xfrm>
+            <a:off x="6371248" y="4985583"/>
+            <a:ext cx="4823936" cy="1622487"/>
+          </a:xfrm>
+          <a:prstGeom prst="rect">
+            <a:avLst/>
+          </a:prstGeom>
+        </p:spPr>
+        <p:txBody>
+          <a:bodyPr vert="horz" lIns="91440" tIns="45720" rIns="91440" bIns="45720" rtlCol="0" anchor="ctr">
+            <a:normAutofit/>
+          </a:bodyPr>
+          <a:lstStyle>
+            <a:lvl1pPr marL="306000" indent="-306000" algn="l" defTabSz="457200" rtl="0" eaLnBrk="1" latinLnBrk="0" hangingPunct="1">
+              <a:lnSpc>
+                <a:spcPct val="100000"/>
+              </a:lnSpc>
+              <a:spcBef>
+                <a:spcPct val="20000"/>
+              </a:spcBef>
+              <a:spcAft>
+                <a:spcPts val="600"/>
+              </a:spcAft>
+              <a:buClr>
+                <a:schemeClr val="accent1"/>
+              </a:buClr>
+              <a:buSzPct val="92000"/>
+              <a:buFont typeface="Wingdings 2" panose="05020102010507070707" pitchFamily="18" charset="2"/>
+              <a:buChar char=""/>
+              <a:defRPr sz="1800" kern="1200">
+                <a:solidFill>
+                  <a:schemeClr val="tx1">
+                    <a:lumMod val="75000"/>
+                    <a:lumOff val="25000"/>
+                  </a:schemeClr>
+                </a:solidFill>
+                <a:latin typeface="+mn-lt"/>
+                <a:ea typeface="+mn-ea"/>
+                <a:cs typeface="+mn-cs"/>
+              </a:defRPr>
+            </a:lvl1pPr>
+            <a:lvl2pPr marL="630000" indent="-306000" algn="l" defTabSz="457200" rtl="0" eaLnBrk="1" latinLnBrk="0" hangingPunct="1">
+              <a:lnSpc>
+                <a:spcPct val="100000"/>
+              </a:lnSpc>
+              <a:spcBef>
+                <a:spcPct val="20000"/>
+              </a:spcBef>
+              <a:spcAft>
+                <a:spcPts val="600"/>
+              </a:spcAft>
+              <a:buClr>
+                <a:schemeClr val="accent1"/>
+              </a:buClr>
+              <a:buSzPct val="92000"/>
+              <a:buFont typeface="Wingdings 2" panose="05020102010507070707" pitchFamily="18" charset="2"/>
+              <a:buChar char=""/>
+              <a:defRPr sz="1600" kern="1200">
+                <a:solidFill>
+                  <a:schemeClr val="tx1">
+                    <a:lumMod val="75000"/>
+                    <a:lumOff val="25000"/>
+                  </a:schemeClr>
+                </a:solidFill>
+                <a:latin typeface="+mn-lt"/>
+                <a:ea typeface="+mn-ea"/>
+                <a:cs typeface="+mn-cs"/>
+              </a:defRPr>
+            </a:lvl2pPr>
+            <a:lvl3pPr marL="900000" indent="-270000" algn="l" defTabSz="457200" rtl="0" eaLnBrk="1" latinLnBrk="0" hangingPunct="1">
+              <a:lnSpc>
+                <a:spcPct val="100000"/>
+              </a:lnSpc>
+              <a:spcBef>
+                <a:spcPct val="20000"/>
+              </a:spcBef>
+              <a:spcAft>
+                <a:spcPts val="600"/>
+              </a:spcAft>
+              <a:buClr>
+                <a:schemeClr val="accent1"/>
+              </a:buClr>
+              <a:buSzPct val="92000"/>
+              <a:buFont typeface="Wingdings 2" panose="05020102010507070707" pitchFamily="18" charset="2"/>
+              <a:buChar char=""/>
+              <a:defRPr sz="1400" kern="1200">
+                <a:solidFill>
+                  <a:schemeClr val="tx1">
+                    <a:lumMod val="75000"/>
+                    <a:lumOff val="25000"/>
+                  </a:schemeClr>
+                </a:solidFill>
+                <a:latin typeface="+mn-lt"/>
+                <a:ea typeface="+mn-ea"/>
+                <a:cs typeface="+mn-cs"/>
+              </a:defRPr>
+            </a:lvl3pPr>
+            <a:lvl4pPr marL="1242000" indent="-234000" algn="l" defTabSz="457200" rtl="0" eaLnBrk="1" latinLnBrk="0" hangingPunct="1">
+              <a:lnSpc>
+                <a:spcPct val="100000"/>
+              </a:lnSpc>
+              <a:spcBef>
+                <a:spcPct val="20000"/>
+              </a:spcBef>
+              <a:spcAft>
+                <a:spcPts val="600"/>
+              </a:spcAft>
+              <a:buClr>
+                <a:schemeClr val="accent1"/>
+              </a:buClr>
+              <a:buSzPct val="92000"/>
+              <a:buFont typeface="Wingdings 2" panose="05020102010507070707" pitchFamily="18" charset="2"/>
+              <a:buChar char=""/>
+              <a:defRPr sz="1200" kern="1200">
+                <a:solidFill>
+                  <a:schemeClr val="tx1">
+                    <a:lumMod val="75000"/>
+                    <a:lumOff val="25000"/>
+                  </a:schemeClr>
+                </a:solidFill>
+                <a:latin typeface="+mn-lt"/>
+                <a:ea typeface="+mn-ea"/>
+                <a:cs typeface="+mn-cs"/>
+              </a:defRPr>
+            </a:lvl4pPr>
+            <a:lvl5pPr marL="1602000" indent="-234000" algn="l" defTabSz="457200" rtl="0" eaLnBrk="1" latinLnBrk="0" hangingPunct="1">
+              <a:lnSpc>
+                <a:spcPct val="100000"/>
+              </a:lnSpc>
+              <a:spcBef>
+                <a:spcPct val="20000"/>
+              </a:spcBef>
+              <a:spcAft>
+                <a:spcPts val="600"/>
+              </a:spcAft>
+              <a:buClr>
+                <a:schemeClr val="accent1"/>
+              </a:buClr>
+              <a:buSzPct val="92000"/>
+              <a:buFont typeface="Wingdings 2" panose="05020102010507070707" pitchFamily="18" charset="2"/>
+              <a:buChar char=""/>
+              <a:defRPr sz="1200" kern="1200">
+                <a:solidFill>
+                  <a:schemeClr val="tx1">
+                    <a:lumMod val="75000"/>
+                    <a:lumOff val="25000"/>
+                  </a:schemeClr>
+                </a:solidFill>
+                <a:latin typeface="+mn-lt"/>
+                <a:ea typeface="+mn-ea"/>
+                <a:cs typeface="+mn-cs"/>
+              </a:defRPr>
+            </a:lvl5pPr>
+            <a:lvl6pPr marL="1900000" indent="-228600" algn="l" defTabSz="457200" rtl="0" eaLnBrk="1" latinLnBrk="0" hangingPunct="1">
+              <a:spcBef>
+                <a:spcPct val="20000"/>
+              </a:spcBef>
+              <a:spcAft>
+                <a:spcPts val="600"/>
+              </a:spcAft>
+              <a:buClr>
+                <a:schemeClr val="accent2"/>
+              </a:buClr>
+              <a:buSzPct val="92000"/>
+              <a:buFont typeface="Wingdings 2" panose="05020102010507070707" pitchFamily="18" charset="2"/>
+              <a:buChar char=""/>
+              <a:defRPr sz="1200" kern="1200">
+                <a:solidFill>
+                  <a:schemeClr val="tx2"/>
+                </a:solidFill>
+                <a:latin typeface="+mn-lt"/>
+                <a:ea typeface="+mn-ea"/>
+                <a:cs typeface="+mn-cs"/>
+              </a:defRPr>
+            </a:lvl6pPr>
+            <a:lvl7pPr marL="2200000" indent="-228600" algn="l" defTabSz="457200" rtl="0" eaLnBrk="1" latinLnBrk="0" hangingPunct="1">
+              <a:spcBef>
+                <a:spcPct val="20000"/>
+              </a:spcBef>
+              <a:spcAft>
+                <a:spcPts val="600"/>
+              </a:spcAft>
+              <a:buClr>
+                <a:schemeClr val="accent2"/>
+              </a:buClr>
+              <a:buSzPct val="92000"/>
+              <a:buFont typeface="Wingdings 2" panose="05020102010507070707" pitchFamily="18" charset="2"/>
+              <a:buChar char=""/>
+              <a:defRPr sz="1200" kern="1200">
+                <a:solidFill>
+                  <a:schemeClr val="tx2"/>
+                </a:solidFill>
+                <a:latin typeface="+mn-lt"/>
+                <a:ea typeface="+mn-ea"/>
+                <a:cs typeface="+mn-cs"/>
+              </a:defRPr>
+            </a:lvl7pPr>
+            <a:lvl8pPr marL="2500000" indent="-228600" algn="l" defTabSz="457200" rtl="0" eaLnBrk="1" latinLnBrk="0" hangingPunct="1">
+              <a:spcBef>
+                <a:spcPct val="20000"/>
+              </a:spcBef>
+              <a:spcAft>
+                <a:spcPts val="600"/>
+              </a:spcAft>
+              <a:buClr>
+                <a:schemeClr val="accent2"/>
+              </a:buClr>
+              <a:buSzPct val="92000"/>
+              <a:buFont typeface="Wingdings 2" panose="05020102010507070707" pitchFamily="18" charset="2"/>
+              <a:buChar char=""/>
+              <a:defRPr sz="1200" kern="1200">
+                <a:solidFill>
+                  <a:schemeClr val="tx2"/>
+                </a:solidFill>
+                <a:latin typeface="+mn-lt"/>
+                <a:ea typeface="+mn-ea"/>
+                <a:cs typeface="+mn-cs"/>
+              </a:defRPr>
+            </a:lvl8pPr>
+            <a:lvl9pPr marL="2800000" indent="-228600" algn="l" defTabSz="457200" rtl="0" eaLnBrk="1" latinLnBrk="0" hangingPunct="1">
+              <a:spcBef>
+                <a:spcPct val="20000"/>
+              </a:spcBef>
+              <a:spcAft>
+                <a:spcPts val="600"/>
+              </a:spcAft>
+              <a:buClr>
+                <a:schemeClr val="accent2"/>
+              </a:buClr>
+              <a:buSzPct val="92000"/>
+              <a:buFont typeface="Wingdings 2" panose="05020102010507070707" pitchFamily="18" charset="2"/>
+              <a:buChar char=""/>
+              <a:defRPr sz="1200" kern="1200">
+                <a:solidFill>
+                  <a:schemeClr val="tx2"/>
+                </a:solidFill>
+                <a:latin typeface="+mn-lt"/>
+                <a:ea typeface="+mn-ea"/>
+                <a:cs typeface="+mn-cs"/>
+              </a:defRPr>
+            </a:lvl9pPr>
+          </a:lstStyle>
+          <a:p>
+            <a:r>
+              <a:rPr lang="en-US" dirty="0"/>
+              <a:t>The correlation between BAC limit and percentage of fatalities was found to be weak (r</a:t>
+            </a:r>
+            <a:r>
+              <a:rPr lang="en-US" baseline="30000" dirty="0"/>
+              <a:t>2</a:t>
+            </a:r>
+            <a:r>
+              <a:rPr lang="en-US" dirty="0"/>
+              <a:t> = 4%), therefore likely that correlation ≠ causation. </a:t>
+            </a:r>
+          </a:p>
+        </p:txBody>
+      </p:sp>
+    </p:spTree>
+    <p:extLst>
+      <p:ext uri="{BB962C8B-B14F-4D97-AF65-F5344CB8AC3E}">
+        <p14:creationId xmlns:p14="http://schemas.microsoft.com/office/powerpoint/2010/main" val="3479678397"/>
+      </p:ext>
+    </p:extLst>
+  </p:cSld>
+  <p:clrMapOvr>
+    <a:masterClrMapping/>
+  </p:clrMapOvr>
+</p:sld>
+</file>
+
+<file path=ppt/slides/slide24.xml><?xml version="1.0" encoding="utf-8"?>
+<p:sld xmlns:a="http://schemas.openxmlformats.org/drawingml/2006/main" xmlns:r="http://schemas.openxmlformats.org/officeDocument/2006/relationships" xmlns:p="http://schemas.openxmlformats.org/presentationml/2006/main">
+  <p:cSld>
+    <p:spTree>
+      <p:nvGrpSpPr>
+        <p:cNvPr id="1" name=""/>
+        <p:cNvGrpSpPr/>
+        <p:nvPr/>
+      </p:nvGrpSpPr>
+      <p:grpSpPr>
+        <a:xfrm>
+          <a:off x="0" y="0"/>
+          <a:ext cx="0" cy="0"/>
+          <a:chOff x="0" y="0"/>
+          <a:chExt cx="0" cy="0"/>
+        </a:xfrm>
+      </p:grpSpPr>
+      <p:pic>
+        <p:nvPicPr>
+          <p:cNvPr id="5" name="Content Placeholder 4" descr="Chart, scatter chart, bubble chart&#10;&#10;Description automatically generated">
+            <a:extLst>
+              <a:ext uri="{FF2B5EF4-FFF2-40B4-BE49-F238E27FC236}">
+                <a16:creationId xmlns:a16="http://schemas.microsoft.com/office/drawing/2014/main" id="{16DA9EC3-564B-47AE-85B6-C57C3422F7EF}"/>
+              </a:ext>
+            </a:extLst>
+          </p:cNvPr>
+          <p:cNvPicPr>
+            <a:picLocks noGrp="1" noChangeAspect="1"/>
+          </p:cNvPicPr>
+          <p:nvPr>
+            <p:ph idx="1"/>
+          </p:nvPr>
+        </p:nvPicPr>
+        <p:blipFill>
+          <a:blip r:embed="rId2"/>
+          <a:stretch>
+            <a:fillRect/>
+          </a:stretch>
+        </p:blipFill>
+        <p:spPr>
+          <a:xfrm>
+            <a:off x="6179890" y="1455087"/>
+            <a:ext cx="3556916" cy="3578344"/>
+          </a:xfrm>
+        </p:spPr>
+      </p:pic>
+      <p:pic>
+        <p:nvPicPr>
+          <p:cNvPr id="7" name="Picture 6" descr="Chart&#10;&#10;Description automatically generated">
+            <a:extLst>
+              <a:ext uri="{FF2B5EF4-FFF2-40B4-BE49-F238E27FC236}">
+                <a16:creationId xmlns:a16="http://schemas.microsoft.com/office/drawing/2014/main" id="{953FB980-220A-4E38-9640-2BDAF174988C}"/>
+              </a:ext>
+            </a:extLst>
+          </p:cNvPr>
+          <p:cNvPicPr>
+            <a:picLocks noChangeAspect="1"/>
+          </p:cNvPicPr>
+          <p:nvPr/>
+        </p:nvPicPr>
+        <p:blipFill>
+          <a:blip r:embed="rId3"/>
+          <a:stretch>
+            <a:fillRect/>
+          </a:stretch>
+        </p:blipFill>
+        <p:spPr>
+          <a:xfrm>
+            <a:off x="665082" y="1241569"/>
+            <a:ext cx="4674665" cy="3671136"/>
+          </a:xfrm>
+          <a:prstGeom prst="rect">
+            <a:avLst/>
+          </a:prstGeom>
+        </p:spPr>
+      </p:pic>
+      <p:sp>
+        <p:nvSpPr>
+          <p:cNvPr id="16" name="Title 1">
+            <a:extLst>
+              <a:ext uri="{FF2B5EF4-FFF2-40B4-BE49-F238E27FC236}">
+                <a16:creationId xmlns:a16="http://schemas.microsoft.com/office/drawing/2014/main" id="{D4EAA9A9-B96C-45D2-8396-923D759D46A3}"/>
+              </a:ext>
+            </a:extLst>
+          </p:cNvPr>
+          <p:cNvSpPr txBox="1">
+            <a:spLocks/>
+          </p:cNvSpPr>
+          <p:nvPr/>
+        </p:nvSpPr>
+        <p:spPr>
+          <a:xfrm>
+            <a:off x="665082" y="625820"/>
+            <a:ext cx="11029616" cy="615749"/>
+          </a:xfrm>
+          <a:prstGeom prst="rect">
+            <a:avLst/>
+          </a:prstGeom>
+        </p:spPr>
+        <p:txBody>
+          <a:bodyPr vert="horz" lIns="91440" tIns="45720" rIns="91440" bIns="45720" rtlCol="0" anchor="b">
+            <a:normAutofit/>
+          </a:bodyPr>
+          <a:lstStyle>
+            <a:lvl1pPr algn="l" defTabSz="457200" rtl="0" eaLnBrk="1" latinLnBrk="0" hangingPunct="1">
+              <a:lnSpc>
+                <a:spcPct val="100000"/>
+              </a:lnSpc>
+              <a:spcBef>
+                <a:spcPct val="0"/>
+              </a:spcBef>
+              <a:buNone/>
+              <a:defRPr sz="2800" b="0" kern="1200" cap="all">
+                <a:solidFill>
+                  <a:schemeClr val="tx1">
+                    <a:lumMod val="75000"/>
+                    <a:lumOff val="25000"/>
+                  </a:schemeClr>
+                </a:solidFill>
+                <a:latin typeface="+mj-lt"/>
+                <a:ea typeface="+mj-ea"/>
+                <a:cs typeface="+mj-cs"/>
+              </a:defRPr>
+            </a:lvl1pPr>
+            <a:lvl2pPr eaLnBrk="1" hangingPunct="1">
+              <a:defRPr>
+                <a:solidFill>
+                  <a:schemeClr val="tx2"/>
+                </a:solidFill>
+              </a:defRPr>
+            </a:lvl2pPr>
+            <a:lvl3pPr eaLnBrk="1" hangingPunct="1">
+              <a:defRPr>
+                <a:solidFill>
+                  <a:schemeClr val="tx2"/>
+                </a:solidFill>
+              </a:defRPr>
+            </a:lvl3pPr>
+            <a:lvl4pPr eaLnBrk="1" hangingPunct="1">
+              <a:defRPr>
+                <a:solidFill>
+                  <a:schemeClr val="tx2"/>
+                </a:solidFill>
+              </a:defRPr>
+            </a:lvl4pPr>
+            <a:lvl5pPr eaLnBrk="1" hangingPunct="1">
+              <a:defRPr>
+                <a:solidFill>
+                  <a:schemeClr val="tx2"/>
+                </a:solidFill>
+              </a:defRPr>
+            </a:lvl5pPr>
+            <a:lvl6pPr eaLnBrk="1" hangingPunct="1">
+              <a:defRPr>
+                <a:solidFill>
+                  <a:schemeClr val="tx2"/>
+                </a:solidFill>
+              </a:defRPr>
+            </a:lvl6pPr>
+            <a:lvl7pPr eaLnBrk="1" hangingPunct="1">
+              <a:defRPr>
+                <a:solidFill>
+                  <a:schemeClr val="tx2"/>
+                </a:solidFill>
+              </a:defRPr>
+            </a:lvl7pPr>
+            <a:lvl8pPr eaLnBrk="1" hangingPunct="1">
+              <a:defRPr>
+                <a:solidFill>
+                  <a:schemeClr val="tx2"/>
+                </a:solidFill>
+              </a:defRPr>
+            </a:lvl8pPr>
+            <a:lvl9pPr eaLnBrk="1" hangingPunct="1">
+              <a:defRPr>
+                <a:solidFill>
+                  <a:schemeClr val="tx2"/>
+                </a:solidFill>
+              </a:defRPr>
+            </a:lvl9pPr>
+          </a:lstStyle>
+          <a:p>
+            <a:r>
+              <a:rPr lang="en-AU" dirty="0"/>
+              <a:t>Drink driving laws and influence on road fatalities</a:t>
+            </a:r>
+          </a:p>
+        </p:txBody>
+      </p:sp>
+      <p:sp>
+        <p:nvSpPr>
+          <p:cNvPr id="19" name="Content Placeholder 2">
+            <a:extLst>
+              <a:ext uri="{FF2B5EF4-FFF2-40B4-BE49-F238E27FC236}">
+                <a16:creationId xmlns:a16="http://schemas.microsoft.com/office/drawing/2014/main" id="{8405397F-5799-41D2-B923-D378173F34DB}"/>
+              </a:ext>
+            </a:extLst>
+          </p:cNvPr>
+          <p:cNvSpPr txBox="1">
+            <a:spLocks/>
+          </p:cNvSpPr>
+          <p:nvPr/>
+        </p:nvSpPr>
+        <p:spPr>
+          <a:xfrm>
+            <a:off x="760765" y="4913529"/>
+            <a:ext cx="4926971" cy="1622487"/>
+          </a:xfrm>
+          <a:prstGeom prst="rect">
+            <a:avLst/>
+          </a:prstGeom>
+        </p:spPr>
+        <p:txBody>
+          <a:bodyPr vert="horz" lIns="91440" tIns="45720" rIns="91440" bIns="45720" rtlCol="0" anchor="ctr">
+            <a:normAutofit/>
+          </a:bodyPr>
+          <a:lstStyle>
+            <a:lvl1pPr marL="306000" indent="-306000" algn="l" defTabSz="457200" rtl="0" eaLnBrk="1" latinLnBrk="0" hangingPunct="1">
+              <a:lnSpc>
+                <a:spcPct val="100000"/>
+              </a:lnSpc>
+              <a:spcBef>
+                <a:spcPct val="20000"/>
+              </a:spcBef>
+              <a:spcAft>
+                <a:spcPts val="600"/>
+              </a:spcAft>
+              <a:buClr>
+                <a:schemeClr val="accent1"/>
+              </a:buClr>
+              <a:buSzPct val="92000"/>
+              <a:buFont typeface="Wingdings 2" panose="05020102010507070707" pitchFamily="18" charset="2"/>
+              <a:buChar char=""/>
+              <a:defRPr sz="1800" kern="1200">
+                <a:solidFill>
+                  <a:schemeClr val="tx1">
+                    <a:lumMod val="75000"/>
+                    <a:lumOff val="25000"/>
+                  </a:schemeClr>
+                </a:solidFill>
+                <a:latin typeface="+mn-lt"/>
+                <a:ea typeface="+mn-ea"/>
+                <a:cs typeface="+mn-cs"/>
+              </a:defRPr>
+            </a:lvl1pPr>
+            <a:lvl2pPr marL="630000" indent="-306000" algn="l" defTabSz="457200" rtl="0" eaLnBrk="1" latinLnBrk="0" hangingPunct="1">
+              <a:lnSpc>
+                <a:spcPct val="100000"/>
+              </a:lnSpc>
+              <a:spcBef>
+                <a:spcPct val="20000"/>
+              </a:spcBef>
+              <a:spcAft>
+                <a:spcPts val="600"/>
+              </a:spcAft>
+              <a:buClr>
+                <a:schemeClr val="accent1"/>
+              </a:buClr>
+              <a:buSzPct val="92000"/>
+              <a:buFont typeface="Wingdings 2" panose="05020102010507070707" pitchFamily="18" charset="2"/>
+              <a:buChar char=""/>
+              <a:defRPr sz="1600" kern="1200">
+                <a:solidFill>
+                  <a:schemeClr val="tx1">
+                    <a:lumMod val="75000"/>
+                    <a:lumOff val="25000"/>
+                  </a:schemeClr>
+                </a:solidFill>
+                <a:latin typeface="+mn-lt"/>
+                <a:ea typeface="+mn-ea"/>
+                <a:cs typeface="+mn-cs"/>
+              </a:defRPr>
+            </a:lvl2pPr>
+            <a:lvl3pPr marL="900000" indent="-270000" algn="l" defTabSz="457200" rtl="0" eaLnBrk="1" latinLnBrk="0" hangingPunct="1">
+              <a:lnSpc>
+                <a:spcPct val="100000"/>
+              </a:lnSpc>
+              <a:spcBef>
+                <a:spcPct val="20000"/>
+              </a:spcBef>
+              <a:spcAft>
+                <a:spcPts val="600"/>
+              </a:spcAft>
+              <a:buClr>
+                <a:schemeClr val="accent1"/>
+              </a:buClr>
+              <a:buSzPct val="92000"/>
+              <a:buFont typeface="Wingdings 2" panose="05020102010507070707" pitchFamily="18" charset="2"/>
+              <a:buChar char=""/>
+              <a:defRPr sz="1400" kern="1200">
+                <a:solidFill>
+                  <a:schemeClr val="tx1">
+                    <a:lumMod val="75000"/>
+                    <a:lumOff val="25000"/>
+                  </a:schemeClr>
+                </a:solidFill>
+                <a:latin typeface="+mn-lt"/>
+                <a:ea typeface="+mn-ea"/>
+                <a:cs typeface="+mn-cs"/>
+              </a:defRPr>
+            </a:lvl3pPr>
+            <a:lvl4pPr marL="1242000" indent="-234000" algn="l" defTabSz="457200" rtl="0" eaLnBrk="1" latinLnBrk="0" hangingPunct="1">
+              <a:lnSpc>
+                <a:spcPct val="100000"/>
+              </a:lnSpc>
+              <a:spcBef>
+                <a:spcPct val="20000"/>
+              </a:spcBef>
+              <a:spcAft>
+                <a:spcPts val="600"/>
+              </a:spcAft>
+              <a:buClr>
+                <a:schemeClr val="accent1"/>
+              </a:buClr>
+              <a:buSzPct val="92000"/>
+              <a:buFont typeface="Wingdings 2" panose="05020102010507070707" pitchFamily="18" charset="2"/>
+              <a:buChar char=""/>
+              <a:defRPr sz="1200" kern="1200">
+                <a:solidFill>
+                  <a:schemeClr val="tx1">
+                    <a:lumMod val="75000"/>
+                    <a:lumOff val="25000"/>
+                  </a:schemeClr>
+                </a:solidFill>
+                <a:latin typeface="+mn-lt"/>
+                <a:ea typeface="+mn-ea"/>
+                <a:cs typeface="+mn-cs"/>
+              </a:defRPr>
+            </a:lvl4pPr>
+            <a:lvl5pPr marL="1602000" indent="-234000" algn="l" defTabSz="457200" rtl="0" eaLnBrk="1" latinLnBrk="0" hangingPunct="1">
+              <a:lnSpc>
+                <a:spcPct val="100000"/>
+              </a:lnSpc>
+              <a:spcBef>
+                <a:spcPct val="20000"/>
+              </a:spcBef>
+              <a:spcAft>
+                <a:spcPts val="600"/>
+              </a:spcAft>
+              <a:buClr>
+                <a:schemeClr val="accent1"/>
+              </a:buClr>
+              <a:buSzPct val="92000"/>
+              <a:buFont typeface="Wingdings 2" panose="05020102010507070707" pitchFamily="18" charset="2"/>
+              <a:buChar char=""/>
+              <a:defRPr sz="1200" kern="1200">
+                <a:solidFill>
+                  <a:schemeClr val="tx1">
+                    <a:lumMod val="75000"/>
+                    <a:lumOff val="25000"/>
+                  </a:schemeClr>
+                </a:solidFill>
+                <a:latin typeface="+mn-lt"/>
+                <a:ea typeface="+mn-ea"/>
+                <a:cs typeface="+mn-cs"/>
+              </a:defRPr>
+            </a:lvl5pPr>
+            <a:lvl6pPr marL="1900000" indent="-228600" algn="l" defTabSz="457200" rtl="0" eaLnBrk="1" latinLnBrk="0" hangingPunct="1">
+              <a:spcBef>
+                <a:spcPct val="20000"/>
+              </a:spcBef>
+              <a:spcAft>
+                <a:spcPts val="600"/>
+              </a:spcAft>
+              <a:buClr>
+                <a:schemeClr val="accent2"/>
+              </a:buClr>
+              <a:buSzPct val="92000"/>
+              <a:buFont typeface="Wingdings 2" panose="05020102010507070707" pitchFamily="18" charset="2"/>
+              <a:buChar char=""/>
+              <a:defRPr sz="1200" kern="1200">
+                <a:solidFill>
+                  <a:schemeClr val="tx2"/>
+                </a:solidFill>
+                <a:latin typeface="+mn-lt"/>
+                <a:ea typeface="+mn-ea"/>
+                <a:cs typeface="+mn-cs"/>
+              </a:defRPr>
+            </a:lvl6pPr>
+            <a:lvl7pPr marL="2200000" indent="-228600" algn="l" defTabSz="457200" rtl="0" eaLnBrk="1" latinLnBrk="0" hangingPunct="1">
+              <a:spcBef>
+                <a:spcPct val="20000"/>
+              </a:spcBef>
+              <a:spcAft>
+                <a:spcPts val="600"/>
+              </a:spcAft>
+              <a:buClr>
+                <a:schemeClr val="accent2"/>
+              </a:buClr>
+              <a:buSzPct val="92000"/>
+              <a:buFont typeface="Wingdings 2" panose="05020102010507070707" pitchFamily="18" charset="2"/>
+              <a:buChar char=""/>
+              <a:defRPr sz="1200" kern="1200">
+                <a:solidFill>
+                  <a:schemeClr val="tx2"/>
+                </a:solidFill>
+                <a:latin typeface="+mn-lt"/>
+                <a:ea typeface="+mn-ea"/>
+                <a:cs typeface="+mn-cs"/>
+              </a:defRPr>
+            </a:lvl7pPr>
+            <a:lvl8pPr marL="2500000" indent="-228600" algn="l" defTabSz="457200" rtl="0" eaLnBrk="1" latinLnBrk="0" hangingPunct="1">
+              <a:spcBef>
+                <a:spcPct val="20000"/>
+              </a:spcBef>
+              <a:spcAft>
+                <a:spcPts val="600"/>
+              </a:spcAft>
+              <a:buClr>
+                <a:schemeClr val="accent2"/>
+              </a:buClr>
+              <a:buSzPct val="92000"/>
+              <a:buFont typeface="Wingdings 2" panose="05020102010507070707" pitchFamily="18" charset="2"/>
+              <a:buChar char=""/>
+              <a:defRPr sz="1200" kern="1200">
+                <a:solidFill>
+                  <a:schemeClr val="tx2"/>
+                </a:solidFill>
+                <a:latin typeface="+mn-lt"/>
+                <a:ea typeface="+mn-ea"/>
+                <a:cs typeface="+mn-cs"/>
+              </a:defRPr>
+            </a:lvl8pPr>
+            <a:lvl9pPr marL="2800000" indent="-228600" algn="l" defTabSz="457200" rtl="0" eaLnBrk="1" latinLnBrk="0" hangingPunct="1">
+              <a:spcBef>
+                <a:spcPct val="20000"/>
+              </a:spcBef>
+              <a:spcAft>
+                <a:spcPts val="600"/>
+              </a:spcAft>
+              <a:buClr>
+                <a:schemeClr val="accent2"/>
+              </a:buClr>
+              <a:buSzPct val="92000"/>
+              <a:buFont typeface="Wingdings 2" panose="05020102010507070707" pitchFamily="18" charset="2"/>
+              <a:buChar char=""/>
+              <a:defRPr sz="1200" kern="1200">
+                <a:solidFill>
+                  <a:schemeClr val="tx2"/>
+                </a:solidFill>
+                <a:latin typeface="+mn-lt"/>
+                <a:ea typeface="+mn-ea"/>
+                <a:cs typeface="+mn-cs"/>
+              </a:defRPr>
+            </a:lvl9pPr>
+          </a:lstStyle>
+          <a:p>
+            <a:r>
+              <a:rPr lang="en-US" dirty="0"/>
+              <a:t>68% of countries had BAC limits between 0.03 and 0.05g/dl</a:t>
+            </a:r>
+          </a:p>
+          <a:p>
+            <a:r>
+              <a:rPr lang="en-US" dirty="0"/>
+              <a:t>Limits above 0.07g/l accounted for 19% of counties</a:t>
+            </a:r>
+          </a:p>
+        </p:txBody>
+      </p:sp>
+      <p:sp>
+        <p:nvSpPr>
+          <p:cNvPr id="23" name="Content Placeholder 2">
+            <a:extLst>
+              <a:ext uri="{FF2B5EF4-FFF2-40B4-BE49-F238E27FC236}">
+                <a16:creationId xmlns:a16="http://schemas.microsoft.com/office/drawing/2014/main" id="{AC5B34F1-982D-470F-889B-FD92313D3C55}"/>
+              </a:ext>
+            </a:extLst>
+          </p:cNvPr>
+          <p:cNvSpPr txBox="1">
+            <a:spLocks/>
+          </p:cNvSpPr>
+          <p:nvPr/>
+        </p:nvSpPr>
+        <p:spPr>
+          <a:xfrm>
+            <a:off x="6366009" y="4748206"/>
+            <a:ext cx="4926971" cy="1622487"/>
+          </a:xfrm>
+          <a:prstGeom prst="rect">
+            <a:avLst/>
+          </a:prstGeom>
+        </p:spPr>
+        <p:txBody>
+          <a:bodyPr vert="horz" lIns="91440" tIns="45720" rIns="91440" bIns="45720" rtlCol="0" anchor="ctr">
+            <a:normAutofit/>
+          </a:bodyPr>
+          <a:lstStyle>
+            <a:lvl1pPr marL="306000" indent="-306000" algn="l" defTabSz="457200" rtl="0" eaLnBrk="1" latinLnBrk="0" hangingPunct="1">
+              <a:lnSpc>
+                <a:spcPct val="100000"/>
+              </a:lnSpc>
+              <a:spcBef>
+                <a:spcPct val="20000"/>
+              </a:spcBef>
+              <a:spcAft>
+                <a:spcPts val="600"/>
+              </a:spcAft>
+              <a:buClr>
+                <a:schemeClr val="accent1"/>
+              </a:buClr>
+              <a:buSzPct val="92000"/>
+              <a:buFont typeface="Wingdings 2" panose="05020102010507070707" pitchFamily="18" charset="2"/>
+              <a:buChar char=""/>
+              <a:defRPr sz="1800" kern="1200">
+                <a:solidFill>
+                  <a:schemeClr val="tx1">
+                    <a:lumMod val="75000"/>
+                    <a:lumOff val="25000"/>
+                  </a:schemeClr>
+                </a:solidFill>
+                <a:latin typeface="+mn-lt"/>
+                <a:ea typeface="+mn-ea"/>
+                <a:cs typeface="+mn-cs"/>
+              </a:defRPr>
+            </a:lvl1pPr>
+            <a:lvl2pPr marL="630000" indent="-306000" algn="l" defTabSz="457200" rtl="0" eaLnBrk="1" latinLnBrk="0" hangingPunct="1">
+              <a:lnSpc>
+                <a:spcPct val="100000"/>
+              </a:lnSpc>
+              <a:spcBef>
+                <a:spcPct val="20000"/>
+              </a:spcBef>
+              <a:spcAft>
+                <a:spcPts val="600"/>
+              </a:spcAft>
+              <a:buClr>
+                <a:schemeClr val="accent1"/>
+              </a:buClr>
+              <a:buSzPct val="92000"/>
+              <a:buFont typeface="Wingdings 2" panose="05020102010507070707" pitchFamily="18" charset="2"/>
+              <a:buChar char=""/>
+              <a:defRPr sz="1600" kern="1200">
+                <a:solidFill>
+                  <a:schemeClr val="tx1">
+                    <a:lumMod val="75000"/>
+                    <a:lumOff val="25000"/>
+                  </a:schemeClr>
+                </a:solidFill>
+                <a:latin typeface="+mn-lt"/>
+                <a:ea typeface="+mn-ea"/>
+                <a:cs typeface="+mn-cs"/>
+              </a:defRPr>
+            </a:lvl2pPr>
+            <a:lvl3pPr marL="900000" indent="-270000" algn="l" defTabSz="457200" rtl="0" eaLnBrk="1" latinLnBrk="0" hangingPunct="1">
+              <a:lnSpc>
+                <a:spcPct val="100000"/>
+              </a:lnSpc>
+              <a:spcBef>
+                <a:spcPct val="20000"/>
+              </a:spcBef>
+              <a:spcAft>
+                <a:spcPts val="600"/>
+              </a:spcAft>
+              <a:buClr>
+                <a:schemeClr val="accent1"/>
+              </a:buClr>
+              <a:buSzPct val="92000"/>
+              <a:buFont typeface="Wingdings 2" panose="05020102010507070707" pitchFamily="18" charset="2"/>
+              <a:buChar char=""/>
+              <a:defRPr sz="1400" kern="1200">
+                <a:solidFill>
+                  <a:schemeClr val="tx1">
+                    <a:lumMod val="75000"/>
+                    <a:lumOff val="25000"/>
+                  </a:schemeClr>
+                </a:solidFill>
+                <a:latin typeface="+mn-lt"/>
+                <a:ea typeface="+mn-ea"/>
+                <a:cs typeface="+mn-cs"/>
+              </a:defRPr>
+            </a:lvl3pPr>
+            <a:lvl4pPr marL="1242000" indent="-234000" algn="l" defTabSz="457200" rtl="0" eaLnBrk="1" latinLnBrk="0" hangingPunct="1">
+              <a:lnSpc>
+                <a:spcPct val="100000"/>
+              </a:lnSpc>
+              <a:spcBef>
+                <a:spcPct val="20000"/>
+              </a:spcBef>
+              <a:spcAft>
+                <a:spcPts val="600"/>
+              </a:spcAft>
+              <a:buClr>
+                <a:schemeClr val="accent1"/>
+              </a:buClr>
+              <a:buSzPct val="92000"/>
+              <a:buFont typeface="Wingdings 2" panose="05020102010507070707" pitchFamily="18" charset="2"/>
+              <a:buChar char=""/>
+              <a:defRPr sz="1200" kern="1200">
+                <a:solidFill>
+                  <a:schemeClr val="tx1">
+                    <a:lumMod val="75000"/>
+                    <a:lumOff val="25000"/>
+                  </a:schemeClr>
+                </a:solidFill>
+                <a:latin typeface="+mn-lt"/>
+                <a:ea typeface="+mn-ea"/>
+                <a:cs typeface="+mn-cs"/>
+              </a:defRPr>
+            </a:lvl4pPr>
+            <a:lvl5pPr marL="1602000" indent="-234000" algn="l" defTabSz="457200" rtl="0" eaLnBrk="1" latinLnBrk="0" hangingPunct="1">
+              <a:lnSpc>
+                <a:spcPct val="100000"/>
+              </a:lnSpc>
+              <a:spcBef>
+                <a:spcPct val="20000"/>
+              </a:spcBef>
+              <a:spcAft>
+                <a:spcPts val="600"/>
+              </a:spcAft>
+              <a:buClr>
+                <a:schemeClr val="accent1"/>
+              </a:buClr>
+              <a:buSzPct val="92000"/>
+              <a:buFont typeface="Wingdings 2" panose="05020102010507070707" pitchFamily="18" charset="2"/>
+              <a:buChar char=""/>
+              <a:defRPr sz="1200" kern="1200">
+                <a:solidFill>
+                  <a:schemeClr val="tx1">
+                    <a:lumMod val="75000"/>
+                    <a:lumOff val="25000"/>
+                  </a:schemeClr>
+                </a:solidFill>
+                <a:latin typeface="+mn-lt"/>
+                <a:ea typeface="+mn-ea"/>
+                <a:cs typeface="+mn-cs"/>
+              </a:defRPr>
+            </a:lvl5pPr>
+            <a:lvl6pPr marL="1900000" indent="-228600" algn="l" defTabSz="457200" rtl="0" eaLnBrk="1" latinLnBrk="0" hangingPunct="1">
+              <a:spcBef>
+                <a:spcPct val="20000"/>
+              </a:spcBef>
+              <a:spcAft>
+                <a:spcPts val="600"/>
+              </a:spcAft>
+              <a:buClr>
+                <a:schemeClr val="accent2"/>
+              </a:buClr>
+              <a:buSzPct val="92000"/>
+              <a:buFont typeface="Wingdings 2" panose="05020102010507070707" pitchFamily="18" charset="2"/>
+              <a:buChar char=""/>
+              <a:defRPr sz="1200" kern="1200">
+                <a:solidFill>
+                  <a:schemeClr val="tx2"/>
+                </a:solidFill>
+                <a:latin typeface="+mn-lt"/>
+                <a:ea typeface="+mn-ea"/>
+                <a:cs typeface="+mn-cs"/>
+              </a:defRPr>
+            </a:lvl6pPr>
+            <a:lvl7pPr marL="2200000" indent="-228600" algn="l" defTabSz="457200" rtl="0" eaLnBrk="1" latinLnBrk="0" hangingPunct="1">
+              <a:spcBef>
+                <a:spcPct val="20000"/>
+              </a:spcBef>
+              <a:spcAft>
+                <a:spcPts val="600"/>
+              </a:spcAft>
+              <a:buClr>
+                <a:schemeClr val="accent2"/>
+              </a:buClr>
+              <a:buSzPct val="92000"/>
+              <a:buFont typeface="Wingdings 2" panose="05020102010507070707" pitchFamily="18" charset="2"/>
+              <a:buChar char=""/>
+              <a:defRPr sz="1200" kern="1200">
+                <a:solidFill>
+                  <a:schemeClr val="tx2"/>
+                </a:solidFill>
+                <a:latin typeface="+mn-lt"/>
+                <a:ea typeface="+mn-ea"/>
+                <a:cs typeface="+mn-cs"/>
+              </a:defRPr>
+            </a:lvl7pPr>
+            <a:lvl8pPr marL="2500000" indent="-228600" algn="l" defTabSz="457200" rtl="0" eaLnBrk="1" latinLnBrk="0" hangingPunct="1">
+              <a:spcBef>
+                <a:spcPct val="20000"/>
+              </a:spcBef>
+              <a:spcAft>
+                <a:spcPts val="600"/>
+              </a:spcAft>
+              <a:buClr>
+                <a:schemeClr val="accent2"/>
+              </a:buClr>
+              <a:buSzPct val="92000"/>
+              <a:buFont typeface="Wingdings 2" panose="05020102010507070707" pitchFamily="18" charset="2"/>
+              <a:buChar char=""/>
+              <a:defRPr sz="1200" kern="1200">
+                <a:solidFill>
+                  <a:schemeClr val="tx2"/>
+                </a:solidFill>
+                <a:latin typeface="+mn-lt"/>
+                <a:ea typeface="+mn-ea"/>
+                <a:cs typeface="+mn-cs"/>
+              </a:defRPr>
+            </a:lvl8pPr>
+            <a:lvl9pPr marL="2800000" indent="-228600" algn="l" defTabSz="457200" rtl="0" eaLnBrk="1" latinLnBrk="0" hangingPunct="1">
+              <a:spcBef>
+                <a:spcPct val="20000"/>
+              </a:spcBef>
+              <a:spcAft>
+                <a:spcPts val="600"/>
+              </a:spcAft>
+              <a:buClr>
+                <a:schemeClr val="accent2"/>
+              </a:buClr>
+              <a:buSzPct val="92000"/>
+              <a:buFont typeface="Wingdings 2" panose="05020102010507070707" pitchFamily="18" charset="2"/>
+              <a:buChar char=""/>
+              <a:defRPr sz="1200" kern="1200">
+                <a:solidFill>
+                  <a:schemeClr val="tx2"/>
+                </a:solidFill>
+                <a:latin typeface="+mn-lt"/>
+                <a:ea typeface="+mn-ea"/>
+                <a:cs typeface="+mn-cs"/>
+              </a:defRPr>
+            </a:lvl9pPr>
+          </a:lstStyle>
+          <a:p>
+            <a:r>
+              <a:rPr lang="en-US" dirty="0"/>
+              <a:t>Limited correlation between GNIPC and limits</a:t>
+            </a:r>
+          </a:p>
+          <a:p>
+            <a:r>
+              <a:rPr lang="en-US" dirty="0"/>
+              <a:t>Hypothesis: countries’ penalties may influence </a:t>
+            </a:r>
+            <a:r>
+              <a:rPr lang="en-US" dirty="0" err="1"/>
+              <a:t>behaviour</a:t>
+            </a:r>
+            <a:r>
+              <a:rPr lang="en-US" dirty="0"/>
+              <a:t> </a:t>
+            </a:r>
+          </a:p>
+        </p:txBody>
+      </p:sp>
+    </p:spTree>
+    <p:extLst>
+      <p:ext uri="{BB962C8B-B14F-4D97-AF65-F5344CB8AC3E}">
+        <p14:creationId xmlns:p14="http://schemas.microsoft.com/office/powerpoint/2010/main" val="295816866"/>
+      </p:ext>
+    </p:extLst>
+  </p:cSld>
+  <p:clrMapOvr>
+    <a:masterClrMapping/>
+  </p:clrMapOvr>
+</p:sld>
+</file>
+
+<file path=ppt/slides/slide25.xml><?xml version="1.0" encoding="utf-8"?>
+<p:sld xmlns:a="http://schemas.openxmlformats.org/drawingml/2006/main" xmlns:r="http://schemas.openxmlformats.org/officeDocument/2006/relationships" xmlns:p="http://schemas.openxmlformats.org/presentationml/2006/main">
+  <p:cSld>
+    <p:spTree>
+      <p:nvGrpSpPr>
+        <p:cNvPr id="1" name=""/>
+        <p:cNvGrpSpPr/>
+        <p:nvPr/>
+      </p:nvGrpSpPr>
+      <p:grpSpPr>
+        <a:xfrm>
+          <a:off x="0" y="0"/>
+          <a:ext cx="0" cy="0"/>
+          <a:chOff x="0" y="0"/>
+          <a:chExt cx="0" cy="0"/>
+        </a:xfrm>
+      </p:grpSpPr>
+      <p:sp>
+        <p:nvSpPr>
           <p:cNvPr id="4" name="Title 3">
             <a:extLst>
               <a:ext uri="{FF2B5EF4-FFF2-40B4-BE49-F238E27FC236}">
@@ -7506,7 +8680,12 @@
             <p:ph type="title"/>
           </p:nvPr>
         </p:nvSpPr>
-        <p:spPr/>
+        <p:spPr>
+          <a:xfrm>
+            <a:off x="581190" y="1716027"/>
+            <a:ext cx="11029615" cy="2147467"/>
+          </a:xfrm>
+        </p:spPr>
         <p:txBody>
           <a:bodyPr>
             <a:normAutofit/>
@@ -7520,31 +8699,38 @@
           </a:p>
         </p:txBody>
       </p:sp>
-      <p:sp>
-        <p:nvSpPr>
-          <p:cNvPr id="5" name="Text Placeholder 4">
-            <a:extLst>
-              <a:ext uri="{FF2B5EF4-FFF2-40B4-BE49-F238E27FC236}">
-                <a16:creationId xmlns:a16="http://schemas.microsoft.com/office/drawing/2014/main" id="{26DBE18B-0DFA-A443-8E1A-D43AD212B958}"/>
-              </a:ext>
-            </a:extLst>
-          </p:cNvPr>
-          <p:cNvSpPr>
-            <a:spLocks noGrp="1"/>
-          </p:cNvSpPr>
-          <p:nvPr>
-            <p:ph type="body" idx="1"/>
-          </p:nvPr>
-        </p:nvSpPr>
-        <p:spPr/>
-        <p:txBody>
-          <a:bodyPr/>
-          <a:lstStyle/>
-          <a:p>
-            <a:endParaRPr lang="en-US" dirty="0"/>
-          </a:p>
-        </p:txBody>
-      </p:sp>
+      <p:pic>
+        <p:nvPicPr>
+          <p:cNvPr id="2" name="Picture 1">
+            <a:extLst>
+              <a:ext uri="{FF2B5EF4-FFF2-40B4-BE49-F238E27FC236}">
+                <a16:creationId xmlns:a16="http://schemas.microsoft.com/office/drawing/2014/main" id="{C7A78BF8-A9F8-4F81-9099-2129E9AE9140}"/>
+              </a:ext>
+            </a:extLst>
+          </p:cNvPr>
+          <p:cNvPicPr>
+            <a:picLocks noChangeAspect="1"/>
+          </p:cNvPicPr>
+          <p:nvPr/>
+        </p:nvPicPr>
+        <p:blipFill>
+          <a:blip r:embed="rId2">
+            <a:alphaModFix amt="54000"/>
+          </a:blip>
+          <a:stretch>
+            <a:fillRect/>
+          </a:stretch>
+        </p:blipFill>
+        <p:spPr>
+          <a:xfrm>
+            <a:off x="423861" y="5141973"/>
+            <a:ext cx="11344275" cy="1266825"/>
+          </a:xfrm>
+          <a:prstGeom prst="rect">
+            <a:avLst/>
+          </a:prstGeom>
+        </p:spPr>
+      </p:pic>
     </p:spTree>
     <p:extLst>
       <p:ext uri="{BB962C8B-B14F-4D97-AF65-F5344CB8AC3E}">
@@ -7558,7 +8744,7 @@
 </p:sld>
 </file>
 
-<file path=ppt/slides/slide24.xml><?xml version="1.0" encoding="utf-8"?>
+<file path=ppt/slides/slide26.xml><?xml version="1.0" encoding="utf-8"?>
 <p:sld xmlns:a="http://schemas.openxmlformats.org/drawingml/2006/main" xmlns:r="http://schemas.openxmlformats.org/officeDocument/2006/relationships" xmlns:p="http://schemas.openxmlformats.org/presentationml/2006/main">
   <p:cSld>
     <p:bg>
@@ -7643,6 +8829,41 @@
           </a:p>
         </p:txBody>
       </p:sp>
+      <p:pic>
+        <p:nvPicPr>
+          <p:cNvPr id="2" name="Picture 1">
+            <a:extLst>
+              <a:ext uri="{FF2B5EF4-FFF2-40B4-BE49-F238E27FC236}">
+                <a16:creationId xmlns:a16="http://schemas.microsoft.com/office/drawing/2014/main" id="{B6D5126A-E4D3-443C-9903-31A2CF2C0E63}"/>
+              </a:ext>
+              <a:ext uri="{C183D7F6-B498-43B3-948B-1728B52AA6E4}">
+                <adec:decorative xmlns:adec="http://schemas.microsoft.com/office/drawing/2017/decorative" val="1"/>
+              </a:ext>
+            </a:extLst>
+          </p:cNvPr>
+          <p:cNvPicPr>
+            <a:picLocks noChangeAspect="1"/>
+          </p:cNvPicPr>
+          <p:nvPr/>
+        </p:nvPicPr>
+        <p:blipFill>
+          <a:blip r:embed="rId2">
+            <a:alphaModFix amt="70000"/>
+          </a:blip>
+          <a:stretch>
+            <a:fillRect/>
+          </a:stretch>
+        </p:blipFill>
+        <p:spPr>
+          <a:xfrm>
+            <a:off x="0" y="31923"/>
+            <a:ext cx="12181113" cy="6851876"/>
+          </a:xfrm>
+          <a:prstGeom prst="rect">
+            <a:avLst/>
+          </a:prstGeom>
+        </p:spPr>
+      </p:pic>
       <p:sp>
         <p:nvSpPr>
           <p:cNvPr id="4" name="Title 3">
@@ -7662,7 +8883,7 @@
         <p:spPr>
           <a:xfrm>
             <a:off x="581192" y="1124999"/>
-            <a:ext cx="4076149" cy="4608003"/>
+            <a:ext cx="4076149" cy="1766791"/>
           </a:xfrm>
         </p:spPr>
         <p:txBody>
@@ -7672,14 +8893,14 @@
           <a:lstStyle/>
           <a:p>
             <a:r>
-              <a:rPr lang="en-HK" sz="4000">
+              <a:rPr lang="en-HK" sz="4000" dirty="0">
                 <a:solidFill>
                   <a:schemeClr val="accent1"/>
                 </a:solidFill>
               </a:rPr>
               <a:t>References</a:t>
             </a:r>
-            <a:endParaRPr lang="en-US" sz="4000">
+            <a:endParaRPr lang="en-US" sz="4000" dirty="0">
               <a:solidFill>
                 <a:schemeClr val="accent1"/>
               </a:solidFill>
@@ -7813,8 +9034,8 @@
         </p:nvSpPr>
         <p:spPr>
           <a:xfrm>
-            <a:off x="5117586" y="1124998"/>
-            <a:ext cx="6143248" cy="4608003"/>
+            <a:off x="581192" y="1792797"/>
+            <a:ext cx="10805161" cy="4608003"/>
           </a:xfrm>
         </p:spPr>
         <p:txBody>
@@ -7823,11 +9044,10 @@
           </a:bodyPr>
           <a:lstStyle/>
           <a:p>
-            <a:pPr marL="234950" indent="-234950">
+            <a:pPr marL="0" indent="0">
               <a:buClrTx/>
               <a:buSzPct val="75000"/>
-              <a:buFontTx/>
-              <a:buChar char="•"/>
+              <a:buNone/>
               <a:defRPr sz="1800" b="1">
                 <a:latin typeface="Helvetica"/>
                 <a:ea typeface="Helvetica"/>
@@ -7836,18 +9056,26 @@
               </a:defRPr>
             </a:pPr>
             <a:r>
-              <a:rPr lang="en-HK" sz="2000" u="sng">
-                <a:hlinkClick r:id="rId2"/>
+              <a:rPr lang="en-HK" sz="2000" u="sng" dirty="0">
+                <a:solidFill>
+                  <a:schemeClr val="tx1"/>
+                </a:solidFill>
+                <a:hlinkClick r:id="rId3">
+                  <a:extLst>
+                    <a:ext uri="{A12FA001-AC4F-418D-AE19-62706E023703}">
+                      <ahyp:hlinkClr xmlns:ahyp="http://schemas.microsoft.com/office/drawing/2018/hyperlinkcolor" val="tx"/>
+                    </a:ext>
+                  </a:extLst>
+                </a:hlinkClick>
               </a:rPr>
               <a:t>https://www.optalert.com/the-evolution-of-road-safety/</a:t>
             </a:r>
           </a:p>
           <a:p>
-            <a:pPr marL="234950" indent="-234950">
+            <a:pPr marL="0" indent="0">
               <a:buClrTx/>
               <a:buSzPct val="75000"/>
-              <a:buFontTx/>
-              <a:buChar char="•"/>
+              <a:buNone/>
               <a:defRPr sz="1800" b="1">
                 <a:latin typeface="Helvetica"/>
                 <a:ea typeface="Helvetica"/>
@@ -7855,19 +9083,24 @@
                 <a:sym typeface="Helvetica"/>
               </a:defRPr>
             </a:pPr>
-            <a:r>
-              <a:rPr lang="en-HK" sz="2000" u="sng">
-                <a:hlinkClick r:id="rId3"/>
-              </a:rPr>
-              <a:t>https://commons.wikimedia.org/wiki/File:World_Health_Organization_Logo.svg</a:t>
-            </a:r>
-          </a:p>
-          <a:p>
-            <a:pPr marL="234950" indent="-234950">
+            <a:endParaRPr lang="en-HK" sz="2000" u="sng" dirty="0">
+              <a:solidFill>
+                <a:schemeClr val="tx1"/>
+              </a:solidFill>
+              <a:hlinkClick r:id="rId3">
+                <a:extLst>
+                  <a:ext uri="{A12FA001-AC4F-418D-AE19-62706E023703}">
+                    <ahyp:hlinkClr xmlns:ahyp="http://schemas.microsoft.com/office/drawing/2018/hyperlinkcolor" val="tx"/>
+                  </a:ext>
+                </a:extLst>
+              </a:hlinkClick>
+            </a:endParaRPr>
+          </a:p>
+          <a:p>
+            <a:pPr marL="0" indent="0">
               <a:buClrTx/>
               <a:buSzPct val="75000"/>
-              <a:buFontTx/>
-              <a:buChar char="•"/>
+              <a:buNone/>
               <a:defRPr sz="1800" b="1">
                 <a:latin typeface="Helvetica"/>
                 <a:ea typeface="Helvetica"/>
@@ -7876,18 +9109,26 @@
               </a:defRPr>
             </a:pPr>
             <a:r>
-              <a:rPr lang="en-HK" sz="2000" u="sng">
-                <a:hlinkClick r:id="rId4"/>
+              <a:rPr lang="en-HK" sz="2000" u="sng" dirty="0">
+                <a:solidFill>
+                  <a:schemeClr val="tx1"/>
+                </a:solidFill>
+                <a:hlinkClick r:id="rId4">
+                  <a:extLst>
+                    <a:ext uri="{A12FA001-AC4F-418D-AE19-62706E023703}">
+                      <ahyp:hlinkClr xmlns:ahyp="http://schemas.microsoft.com/office/drawing/2018/hyperlinkcolor" val="tx"/>
+                    </a:ext>
+                  </a:extLst>
+                </a:hlinkClick>
               </a:rPr>
-              <a:t>https://knowinjury.org.au/2016/12/funding-for-road-trauma-data-another-step-towards-safer-australian-roads/</a:t>
-            </a:r>
-          </a:p>
-          <a:p>
-            <a:pPr marL="234950" indent="-234950">
+              <a:t>https://commons.wikimedia.org/wiki/File:World_Health_Organization_Logo.svg</a:t>
+            </a:r>
+          </a:p>
+          <a:p>
+            <a:pPr marL="0" indent="0">
               <a:buClrTx/>
               <a:buSzPct val="75000"/>
-              <a:buFontTx/>
-              <a:buChar char="•"/>
+              <a:buNone/>
               <a:defRPr sz="1800" b="1">
                 <a:latin typeface="Helvetica"/>
                 <a:ea typeface="Helvetica"/>
@@ -7895,9 +9136,96 @@
                 <a:sym typeface="Helvetica"/>
               </a:defRPr>
             </a:pPr>
-            <a:r>
-              <a:rPr lang="en-HK" sz="2000" u="sng">
-                <a:hlinkClick r:id="rId5"/>
+            <a:endParaRPr lang="en-HK" sz="2000" u="sng" dirty="0">
+              <a:solidFill>
+                <a:schemeClr val="tx1"/>
+              </a:solidFill>
+              <a:hlinkClick r:id="rId4">
+                <a:extLst>
+                  <a:ext uri="{A12FA001-AC4F-418D-AE19-62706E023703}">
+                    <ahyp:hlinkClr xmlns:ahyp="http://schemas.microsoft.com/office/drawing/2018/hyperlinkcolor" val="tx"/>
+                  </a:ext>
+                </a:extLst>
+              </a:hlinkClick>
+            </a:endParaRPr>
+          </a:p>
+          <a:p>
+            <a:pPr marL="0" indent="0">
+              <a:buClrTx/>
+              <a:buSzPct val="75000"/>
+              <a:buNone/>
+              <a:defRPr sz="1800" b="1">
+                <a:latin typeface="Helvetica"/>
+                <a:ea typeface="Helvetica"/>
+                <a:cs typeface="Helvetica"/>
+                <a:sym typeface="Helvetica"/>
+              </a:defRPr>
+            </a:pPr>
+            <a:r>
+              <a:rPr lang="en-HK" sz="2000" u="sng" dirty="0">
+                <a:solidFill>
+                  <a:schemeClr val="tx1"/>
+                </a:solidFill>
+                <a:hlinkClick r:id="rId5">
+                  <a:extLst>
+                    <a:ext uri="{A12FA001-AC4F-418D-AE19-62706E023703}">
+                      <ahyp:hlinkClr xmlns:ahyp="http://schemas.microsoft.com/office/drawing/2018/hyperlinkcolor" val="tx"/>
+                    </a:ext>
+                  </a:extLst>
+                </a:hlinkClick>
+              </a:rPr>
+              <a:t>https://knowinjury.org.au/2016/12/funding-for-road-trauma-data-another-step-towards-safer-australian-roads/</a:t>
+            </a:r>
+          </a:p>
+          <a:p>
+            <a:pPr marL="0" indent="0">
+              <a:buClrTx/>
+              <a:buSzPct val="75000"/>
+              <a:buNone/>
+              <a:defRPr sz="1800" b="1">
+                <a:latin typeface="Helvetica"/>
+                <a:ea typeface="Helvetica"/>
+                <a:cs typeface="Helvetica"/>
+                <a:sym typeface="Helvetica"/>
+              </a:defRPr>
+            </a:pPr>
+            <a:endParaRPr lang="en-HK" sz="2000" u="sng" dirty="0">
+              <a:solidFill>
+                <a:schemeClr val="tx1"/>
+              </a:solidFill>
+              <a:hlinkClick r:id="rId5">
+                <a:extLst>
+                  <a:ext uri="{A12FA001-AC4F-418D-AE19-62706E023703}">
+                    <ahyp:hlinkClr xmlns:ahyp="http://schemas.microsoft.com/office/drawing/2018/hyperlinkcolor" val="tx"/>
+                  </a:ext>
+                </a:extLst>
+              </a:hlinkClick>
+            </a:endParaRPr>
+          </a:p>
+          <a:p>
+            <a:pPr marL="0" indent="0">
+              <a:buClrTx/>
+              <a:buSzPct val="75000"/>
+              <a:buNone/>
+              <a:defRPr sz="1800" b="1">
+                <a:latin typeface="Helvetica"/>
+                <a:ea typeface="Helvetica"/>
+                <a:cs typeface="Helvetica"/>
+                <a:sym typeface="Helvetica"/>
+              </a:defRPr>
+            </a:pPr>
+            <a:r>
+              <a:rPr lang="en-HK" sz="2000" u="sng" dirty="0">
+                <a:solidFill>
+                  <a:schemeClr val="tx1"/>
+                </a:solidFill>
+                <a:hlinkClick r:id="rId6">
+                  <a:extLst>
+                    <a:ext uri="{A12FA001-AC4F-418D-AE19-62706E023703}">
+                      <ahyp:hlinkClr xmlns:ahyp="http://schemas.microsoft.com/office/drawing/2018/hyperlinkcolor" val="tx"/>
+                    </a:ext>
+                  </a:extLst>
+                </a:hlinkClick>
               </a:rPr>
               <a:t>https://www.who.int/violence_injury_prevention/road_safety_status/2018/en/</a:t>
             </a:r>
@@ -7950,14 +9278,14 @@
         </p:nvPicPr>
         <p:blipFill rotWithShape="1">
           <a:blip r:embed="rId2">
-            <a:alphaModFix amt="50000"/>
+            <a:alphaModFix amt="74000"/>
           </a:blip>
           <a:srcRect l="13125" t="9692" r="13125" b="15383"/>
           <a:stretch/>
         </p:blipFill>
         <p:spPr>
           <a:xfrm>
-            <a:off x="-6065" y="1"/>
+            <a:off x="-18854" y="0"/>
             <a:ext cx="12204204" cy="6858000"/>
           </a:xfrm>
           <a:prstGeom prst="rect">
@@ -7979,8 +9307,8 @@
         </p:nvSpPr>
         <p:spPr>
           <a:xfrm>
-            <a:off x="1119672" y="2381314"/>
-            <a:ext cx="6096000" cy="1585049"/>
+            <a:off x="399172" y="1221820"/>
+            <a:ext cx="6096000" cy="1354217"/>
           </a:xfrm>
           <a:prstGeom prst="rect">
             <a:avLst/>
@@ -8006,18 +9334,15 @@
             <a:r>
               <a:rPr lang="en-HK" dirty="0">
                 <a:solidFill>
-                  <a:schemeClr val="tx1">
-                    <a:lumMod val="85000"/>
-                    <a:lumOff val="15000"/>
-                  </a:schemeClr>
+                  <a:schemeClr val="bg1"/>
                 </a:solidFill>
               </a:rPr>
-              <a:t>1.35 million</a:t>
+              <a:t>1.35 million people</a:t>
             </a:r>
           </a:p>
           <a:p>
             <a:pPr defTabSz="457200">
-              <a:defRPr sz="3600">
+              <a:defRPr sz="2100">
                 <a:solidFill>
                   <a:srgbClr val="FFFFFF"/>
                 </a:solidFill>
@@ -8030,13 +9355,10 @@
             <a:r>
               <a:rPr lang="en-HK" dirty="0">
                 <a:solidFill>
-                  <a:schemeClr val="tx1">
-                    <a:lumMod val="85000"/>
-                    <a:lumOff val="15000"/>
-                  </a:schemeClr>
+                  <a:schemeClr val="bg1"/>
                 </a:solidFill>
               </a:rPr>
-              <a:t>people</a:t>
+              <a:t>die each year </a:t>
             </a:r>
           </a:p>
           <a:p>
@@ -8054,13 +9376,21 @@
             <a:r>
               <a:rPr lang="en-HK" dirty="0">
                 <a:solidFill>
+                  <a:schemeClr val="bg1"/>
+                </a:solidFill>
+              </a:rPr>
+              <a:t>as a result of road traffic crashes</a:t>
+            </a:r>
+            <a:r>
+              <a:rPr lang="en-HK" dirty="0">
+                <a:solidFill>
                   <a:schemeClr val="tx1">
                     <a:lumMod val="85000"/>
                     <a:lumOff val="15000"/>
                   </a:schemeClr>
                 </a:solidFill>
               </a:rPr>
-              <a:t>die each year as a result of road traffic crashes.</a:t>
+              <a:t>.</a:t>
             </a:r>
           </a:p>
         </p:txBody>
@@ -8079,8 +9409,8 @@
         </p:nvSpPr>
         <p:spPr>
           <a:xfrm>
-            <a:off x="6677192" y="605400"/>
-            <a:ext cx="5181600" cy="1487458"/>
+            <a:off x="6366107" y="691490"/>
+            <a:ext cx="5181600" cy="1631216"/>
           </a:xfrm>
           <a:prstGeom prst="rect">
             <a:avLst/>
@@ -8107,12 +9437,9 @@
               </a:defRPr>
             </a:pPr>
             <a:r>
-              <a:rPr lang="en-HK" sz="4400" baseline="-46000" dirty="0">
-                <a:solidFill>
-                  <a:schemeClr val="tx1">
-                    <a:lumMod val="85000"/>
-                    <a:lumOff val="15000"/>
-                  </a:schemeClr>
+              <a:rPr lang="en-HK" sz="6000" baseline="-46000" dirty="0">
+                <a:solidFill>
+                  <a:schemeClr val="bg1"/>
                 </a:solidFill>
                 <a:latin typeface="Arial"/>
                 <a:ea typeface="Arial"/>
@@ -8122,22 +9449,16 @@
               <a:t>#1</a:t>
             </a:r>
             <a:r>
-              <a:rPr lang="en-HK" dirty="0">
-                <a:solidFill>
-                  <a:schemeClr val="tx1">
-                    <a:lumMod val="85000"/>
-                    <a:lumOff val="15000"/>
-                  </a:schemeClr>
+              <a:rPr lang="en-HK" sz="4800" dirty="0">
+                <a:solidFill>
+                  <a:schemeClr val="bg1"/>
                 </a:solidFill>
               </a:rPr>
               <a:t> </a:t>
             </a:r>
             <a:endParaRPr lang="en-HK" sz="1050" dirty="0">
               <a:solidFill>
-                <a:schemeClr val="tx1">
-                  <a:lumMod val="85000"/>
-                  <a:lumOff val="15000"/>
-                </a:schemeClr>
+                <a:schemeClr val="bg1"/>
               </a:solidFill>
             </a:endParaRPr>
           </a:p>
@@ -8159,10 +9480,7 @@
             <a:r>
               <a:rPr lang="en-HK" dirty="0">
                 <a:solidFill>
-                  <a:schemeClr val="tx1">
-                    <a:lumMod val="85000"/>
-                    <a:lumOff val="15000"/>
-                  </a:schemeClr>
+                  <a:schemeClr val="bg1"/>
                 </a:solidFill>
               </a:rPr>
               <a:t>cause of death for children and young adults 5-29 years of age</a:t>
@@ -8184,15 +9502,15 @@
         </p:nvSpPr>
         <p:spPr>
           <a:xfrm>
-            <a:off x="662472" y="4883130"/>
-            <a:ext cx="6096000" cy="1246495"/>
+            <a:off x="2704739" y="4141311"/>
+            <a:ext cx="2992090" cy="1569660"/>
           </a:xfrm>
           <a:prstGeom prst="rect">
             <a:avLst/>
           </a:prstGeom>
         </p:spPr>
         <p:txBody>
-          <a:bodyPr>
+          <a:bodyPr wrap="square">
             <a:spAutoFit/>
           </a:bodyPr>
           <a:lstStyle/>
@@ -8214,10 +9532,7 @@
             <a:r>
               <a:rPr lang="en-HK" sz="4400" dirty="0">
                 <a:solidFill>
-                  <a:schemeClr val="tx1">
-                    <a:lumMod val="85000"/>
-                    <a:lumOff val="15000"/>
-                  </a:schemeClr>
+                  <a:schemeClr val="bg1"/>
                 </a:solidFill>
                 <a:latin typeface="Arial"/>
                 <a:ea typeface="Arial"/>
@@ -8229,10 +9544,7 @@
             <a:r>
               <a:rPr lang="en-HK" sz="4400" baseline="30000" dirty="0">
                 <a:solidFill>
-                  <a:schemeClr val="tx1">
-                    <a:lumMod val="85000"/>
-                    <a:lumOff val="15000"/>
-                  </a:schemeClr>
+                  <a:schemeClr val="bg1"/>
                 </a:solidFill>
                 <a:latin typeface="Arial"/>
                 <a:ea typeface="Arial"/>
@@ -8244,20 +9556,14 @@
             <a:r>
               <a:rPr lang="en-HK" dirty="0">
                 <a:solidFill>
-                  <a:schemeClr val="tx1">
-                    <a:lumMod val="85000"/>
-                    <a:lumOff val="15000"/>
-                  </a:schemeClr>
+                  <a:schemeClr val="bg1"/>
                 </a:solidFill>
               </a:rPr>
               <a:t> </a:t>
             </a:r>
             <a:endParaRPr lang="en-HK" sz="1050" dirty="0">
               <a:solidFill>
-                <a:schemeClr val="tx1">
-                  <a:lumMod val="85000"/>
-                  <a:lumOff val="15000"/>
-                </a:schemeClr>
+                <a:schemeClr val="bg1"/>
               </a:solidFill>
             </a:endParaRPr>
           </a:p>
@@ -8279,10 +9585,7 @@
             <a:r>
               <a:rPr lang="en-HK" dirty="0">
                 <a:solidFill>
-                  <a:schemeClr val="tx1">
-                    <a:lumMod val="85000"/>
-                    <a:lumOff val="15000"/>
-                  </a:schemeClr>
+                  <a:schemeClr val="bg1"/>
                 </a:solidFill>
               </a:rPr>
               <a:t>leading cause of death for people of all ages </a:t>
@@ -8304,7 +9607,7 @@
         </p:nvSpPr>
         <p:spPr>
           <a:xfrm>
-            <a:off x="6532880" y="4090606"/>
+            <a:off x="6495172" y="4147168"/>
             <a:ext cx="6096000" cy="1585049"/>
           </a:xfrm>
           <a:prstGeom prst="rect">
@@ -8331,10 +9634,7 @@
             <a:r>
               <a:rPr lang="en-HK" dirty="0">
                 <a:solidFill>
-                  <a:schemeClr val="tx1">
-                    <a:lumMod val="85000"/>
-                    <a:lumOff val="15000"/>
-                  </a:schemeClr>
+                  <a:schemeClr val="bg1"/>
                 </a:solidFill>
               </a:rPr>
               <a:t>88%</a:t>
@@ -8355,10 +9655,7 @@
             <a:r>
               <a:rPr lang="en-HK" dirty="0">
                 <a:solidFill>
-                  <a:schemeClr val="tx1">
-                    <a:lumMod val="85000"/>
-                    <a:lumOff val="15000"/>
-                  </a:schemeClr>
+                  <a:schemeClr val="bg1"/>
                 </a:solidFill>
               </a:rPr>
               <a:t>of pedestrian</a:t>
@@ -8379,13 +9676,10 @@
             <a:r>
               <a:rPr lang="en-HK" dirty="0">
                 <a:solidFill>
-                  <a:schemeClr val="tx1">
-                    <a:lumMod val="85000"/>
-                    <a:lumOff val="15000"/>
-                  </a:schemeClr>
+                  <a:schemeClr val="bg1"/>
                 </a:solidFill>
               </a:rPr>
-              <a:t>travel occurs on roads that are unsafe.</a:t>
+              <a:t>travel occurs on roads that are unsafe</a:t>
             </a:r>
           </a:p>
         </p:txBody>
@@ -9858,12 +11152,101 @@
           </a:p>
         </p:txBody>
       </p:sp>
-      <p:sp>
-        <p:nvSpPr>
-          <p:cNvPr id="2" name="Title 1">
-            <a:extLst>
-              <a:ext uri="{FF2B5EF4-FFF2-40B4-BE49-F238E27FC236}">
-                <a16:creationId xmlns:a16="http://schemas.microsoft.com/office/drawing/2014/main" id="{FE22BB0D-B205-524E-AC7E-62DB4B3488BD}"/>
+      <p:pic>
+        <p:nvPicPr>
+          <p:cNvPr id="4" name="Picture 3">
+            <a:extLst>
+              <a:ext uri="{FF2B5EF4-FFF2-40B4-BE49-F238E27FC236}">
+                <a16:creationId xmlns:a16="http://schemas.microsoft.com/office/drawing/2014/main" id="{2EF01957-A489-426F-8A75-92F204C33202}"/>
+              </a:ext>
+              <a:ext uri="{C183D7F6-B498-43B3-948B-1728B52AA6E4}">
+                <adec:decorative xmlns:adec="http://schemas.microsoft.com/office/drawing/2017/decorative" val="1"/>
+              </a:ext>
+            </a:extLst>
+          </p:cNvPr>
+          <p:cNvPicPr>
+            <a:picLocks noChangeAspect="1"/>
+          </p:cNvPicPr>
+          <p:nvPr/>
+        </p:nvPicPr>
+        <p:blipFill>
+          <a:blip r:embed="rId2">
+            <a:alphaModFix amt="52000"/>
+          </a:blip>
+          <a:stretch>
+            <a:fillRect/>
+          </a:stretch>
+        </p:blipFill>
+        <p:spPr>
+          <a:xfrm>
+            <a:off x="1086861" y="0"/>
+            <a:ext cx="10305740" cy="6858000"/>
+          </a:xfrm>
+          <a:prstGeom prst="rect">
+            <a:avLst/>
+          </a:prstGeom>
+        </p:spPr>
+      </p:pic>
+      <p:sp>
+        <p:nvSpPr>
+          <p:cNvPr id="18" name="Rectangle 17">
+            <a:extLst>
+              <a:ext uri="{FF2B5EF4-FFF2-40B4-BE49-F238E27FC236}">
+                <a16:creationId xmlns:a16="http://schemas.microsoft.com/office/drawing/2014/main" id="{3580CFD6-E44A-486A-9E73-D8D948F78A34}"/>
+              </a:ext>
+              <a:ext uri="{C183D7F6-B498-43B3-948B-1728B52AA6E4}">
+                <adec:decorative xmlns:adec="http://schemas.microsoft.com/office/drawing/2017/decorative" val="1"/>
+              </a:ext>
+            </a:extLst>
+          </p:cNvPr>
+          <p:cNvSpPr>
+            <a:spLocks noGrp="1" noRot="1" noChangeAspect="1" noMove="1" noResize="1" noEditPoints="1" noAdjustHandles="1" noChangeArrowheads="1" noChangeShapeType="1" noTextEdit="1"/>
+          </p:cNvSpPr>
+          <p:nvPr>
+            <p:extLst>
+              <p:ext uri="{386F3935-93C4-4BCD-93E2-E3B085C9AB24}">
+                <p16:designElem xmlns:p16="http://schemas.microsoft.com/office/powerpoint/2015/main" val="1"/>
+              </p:ext>
+            </p:extLst>
+          </p:nvPr>
+        </p:nvSpPr>
+        <p:spPr>
+          <a:xfrm rot="16200000">
+            <a:off x="5171433" y="3396996"/>
+            <a:ext cx="3703320" cy="64008"/>
+          </a:xfrm>
+          <a:prstGeom prst="rect">
+            <a:avLst/>
+          </a:prstGeom>
+          <a:solidFill>
+            <a:schemeClr val="accent1"/>
+          </a:solidFill>
+          <a:ln>
+            <a:noFill/>
+          </a:ln>
+          <a:effectLst/>
+        </p:spPr>
+        <p:style>
+          <a:lnRef idx="1">
+            <a:schemeClr val="accent1"/>
+          </a:lnRef>
+          <a:fillRef idx="3">
+            <a:schemeClr val="accent1"/>
+          </a:fillRef>
+          <a:effectRef idx="2">
+            <a:schemeClr val="accent1"/>
+          </a:effectRef>
+          <a:fontRef idx="minor">
+            <a:schemeClr val="lt1"/>
+          </a:fontRef>
+        </p:style>
+      </p:sp>
+      <p:sp>
+        <p:nvSpPr>
+          <p:cNvPr id="3" name="Content Placeholder 2">
+            <a:extLst>
+              <a:ext uri="{FF2B5EF4-FFF2-40B4-BE49-F238E27FC236}">
+                <a16:creationId xmlns:a16="http://schemas.microsoft.com/office/drawing/2014/main" id="{DA591FB6-EB4D-A14A-8547-C912F09E14DB}"/>
               </a:ext>
             </a:extLst>
           </p:cNvPr>
@@ -9871,14 +11254,17 @@
             <a:spLocks noGrp="1"/>
           </p:cNvSpPr>
           <p:nvPr>
-            <p:ph type="title"/>
-          </p:nvPr>
-        </p:nvSpPr>
-        <p:spPr>
-          <a:xfrm>
-            <a:off x="783771" y="1066800"/>
-            <a:ext cx="5727760" cy="4724400"/>
-          </a:xfrm>
+            <p:ph idx="1"/>
+          </p:nvPr>
+        </p:nvSpPr>
+        <p:spPr>
+          <a:xfrm>
+            <a:off x="7295302" y="1066800"/>
+            <a:ext cx="4660137" cy="4724400"/>
+          </a:xfrm>
+          <a:ln w="57150">
+            <a:noFill/>
+          </a:ln>
         </p:spPr>
         <p:txBody>
           <a:bodyPr vert="horz" lIns="91440" tIns="45720" rIns="91440" bIns="45720" rtlCol="0" anchor="ctr">
@@ -9886,9 +11272,123 @@
           </a:bodyPr>
           <a:lstStyle/>
           <a:p>
+            <a:pPr marL="0" indent="0">
+              <a:buNone/>
+            </a:pPr>
+            <a:r>
+              <a:rPr lang="en-US" sz="2800" cap="all" dirty="0">
+                <a:solidFill>
+                  <a:srgbClr val="FFFFFF"/>
+                </a:solidFill>
+              </a:rPr>
+              <a:t>This analysis could have been more </a:t>
+            </a:r>
+            <a:r>
+              <a:rPr lang="en-US" sz="4000" i="1" cap="all" dirty="0">
+                <a:solidFill>
+                  <a:srgbClr val="FFFFFF"/>
+                </a:solidFill>
+                <a:latin typeface="Calibri Light" panose="020F0302020204030204" pitchFamily="34" charset="0"/>
+                <a:cs typeface="Calibri Light" panose="020F0302020204030204" pitchFamily="34" charset="0"/>
+              </a:rPr>
+              <a:t>comprehensive</a:t>
+            </a:r>
+            <a:r>
+              <a:rPr lang="en-US" sz="2800" cap="all" dirty="0">
+                <a:solidFill>
+                  <a:srgbClr val="FFFFFF"/>
+                </a:solidFill>
+              </a:rPr>
+              <a:t> </a:t>
+            </a:r>
+          </a:p>
+          <a:p>
+            <a:pPr marL="0" indent="0">
+              <a:buNone/>
+            </a:pPr>
+            <a:r>
+              <a:rPr lang="en-US" sz="2800" cap="all" dirty="0">
+                <a:solidFill>
+                  <a:srgbClr val="FFFFFF"/>
+                </a:solidFill>
+              </a:rPr>
+              <a:t>if we had </a:t>
+            </a:r>
+            <a:r>
+              <a:rPr lang="en-US" sz="4000" i="1" cap="all" dirty="0">
+                <a:solidFill>
+                  <a:srgbClr val="FFFFFF"/>
+                </a:solidFill>
+                <a:latin typeface="Avenir Next Ultra Light" panose="020B0203020202020204" pitchFamily="34" charset="77"/>
+                <a:cs typeface="Apple Chancery" panose="03020702040506060504" pitchFamily="66" charset="-79"/>
+              </a:rPr>
+              <a:t>full information </a:t>
+            </a:r>
+            <a:r>
+              <a:rPr lang="en-US" sz="2800" cap="all" dirty="0">
+                <a:solidFill>
+                  <a:srgbClr val="FFFFFF"/>
+                </a:solidFill>
+              </a:rPr>
+              <a:t>from </a:t>
+            </a:r>
+            <a:r>
+              <a:rPr lang="en-US" sz="4000" i="1" cap="all" dirty="0">
+                <a:solidFill>
+                  <a:srgbClr val="FFFFFF"/>
+                </a:solidFill>
+                <a:latin typeface="Avenir Next Ultra Light" panose="020B0203020202020204" pitchFamily="34" charset="77"/>
+                <a:cs typeface="Apple Chancery" panose="03020702040506060504" pitchFamily="66" charset="-79"/>
+              </a:rPr>
+              <a:t>All countries</a:t>
+            </a:r>
+            <a:r>
+              <a:rPr lang="en-US" sz="4000" cap="all" dirty="0">
+                <a:solidFill>
+                  <a:srgbClr val="FFFFFF"/>
+                </a:solidFill>
+              </a:rPr>
+              <a:t>.</a:t>
+            </a:r>
+            <a:endParaRPr lang="en-US" sz="2800" cap="all" dirty="0">
+              <a:solidFill>
+                <a:srgbClr val="FFFFFF"/>
+              </a:solidFill>
+            </a:endParaRPr>
+          </a:p>
+        </p:txBody>
+      </p:sp>
+      <p:sp>
+        <p:nvSpPr>
+          <p:cNvPr id="2" name="Title 1">
+            <a:extLst>
+              <a:ext uri="{FF2B5EF4-FFF2-40B4-BE49-F238E27FC236}">
+                <a16:creationId xmlns:a16="http://schemas.microsoft.com/office/drawing/2014/main" id="{FE22BB0D-B205-524E-AC7E-62DB4B3488BD}"/>
+              </a:ext>
+            </a:extLst>
+          </p:cNvPr>
+          <p:cNvSpPr>
+            <a:spLocks noGrp="1"/>
+          </p:cNvSpPr>
+          <p:nvPr>
+            <p:ph type="title"/>
+          </p:nvPr>
+        </p:nvSpPr>
+        <p:spPr>
+          <a:xfrm>
+            <a:off x="783771" y="1066800"/>
+            <a:ext cx="5727760" cy="4724400"/>
+          </a:xfrm>
+        </p:spPr>
+        <p:txBody>
+          <a:bodyPr vert="horz" lIns="91440" tIns="45720" rIns="91440" bIns="45720" rtlCol="0" anchor="ctr">
+            <a:normAutofit/>
+          </a:bodyPr>
+          <a:lstStyle/>
+          <a:p>
             <a:pPr algn="r"/>
             <a:r>
-              <a:rPr lang="en-US" sz="6600" b="0" kern="1200" cap="all">
+              <a:rPr lang="en-US" sz="6600" b="0" kern="1200" cap="all" dirty="0">
                 <a:solidFill>
                   <a:srgbClr val="FFFFFF">
                     <a:alpha val="90000"/>
@@ -9902,177 +11402,6 @@
             </a:r>
           </a:p>
         </p:txBody>
-      </p:sp>
-      <p:sp>
-        <p:nvSpPr>
-          <p:cNvPr id="3" name="Content Placeholder 2">
-            <a:extLst>
-              <a:ext uri="{FF2B5EF4-FFF2-40B4-BE49-F238E27FC236}">
-                <a16:creationId xmlns:a16="http://schemas.microsoft.com/office/drawing/2014/main" id="{DA591FB6-EB4D-A14A-8547-C912F09E14DB}"/>
-              </a:ext>
-            </a:extLst>
-          </p:cNvPr>
-          <p:cNvSpPr>
-            <a:spLocks noGrp="1"/>
-          </p:cNvSpPr>
-          <p:nvPr>
-            <p:ph idx="1"/>
-          </p:nvPr>
-        </p:nvSpPr>
-        <p:spPr>
-          <a:xfrm>
-            <a:off x="7295302" y="1066800"/>
-            <a:ext cx="4660137" cy="4724400"/>
-          </a:xfrm>
-          <a:ln w="57150">
-            <a:noFill/>
-          </a:ln>
-        </p:spPr>
-        <p:txBody>
-          <a:bodyPr vert="horz" lIns="91440" tIns="45720" rIns="91440" bIns="45720" rtlCol="0" anchor="ctr">
-            <a:normAutofit/>
-          </a:bodyPr>
-          <a:lstStyle/>
-          <a:p>
-            <a:pPr marL="0" indent="0">
-              <a:buNone/>
-            </a:pPr>
-            <a:r>
-              <a:rPr lang="en-US" sz="2800" cap="all" dirty="0">
-                <a:solidFill>
-                  <a:srgbClr val="FFFFFF"/>
-                </a:solidFill>
-              </a:rPr>
-              <a:t>This analysis could have been more </a:t>
-            </a:r>
-            <a:r>
-              <a:rPr lang="en-US" sz="4000" i="1" cap="all" dirty="0">
-                <a:solidFill>
-                  <a:srgbClr val="FFFFFF"/>
-                </a:solidFill>
-                <a:latin typeface="Calibri Light" panose="020F0302020204030204" pitchFamily="34" charset="0"/>
-                <a:cs typeface="Calibri Light" panose="020F0302020204030204" pitchFamily="34" charset="0"/>
-              </a:rPr>
-              <a:t>comprehensive</a:t>
-            </a:r>
-            <a:r>
-              <a:rPr lang="en-US" sz="2800" cap="all" dirty="0">
-                <a:solidFill>
-                  <a:srgbClr val="FFFFFF"/>
-                </a:solidFill>
-              </a:rPr>
-              <a:t> </a:t>
-            </a:r>
-          </a:p>
-          <a:p>
-            <a:pPr marL="0" indent="0">
-              <a:buNone/>
-            </a:pPr>
-            <a:r>
-              <a:rPr lang="en-US" sz="2800" cap="all" dirty="0">
-                <a:solidFill>
-                  <a:srgbClr val="FFFFFF"/>
-                </a:solidFill>
-              </a:rPr>
-              <a:t>if we had </a:t>
-            </a:r>
-            <a:r>
-              <a:rPr lang="en-US" sz="4000" i="1" cap="all" dirty="0">
-                <a:solidFill>
-                  <a:srgbClr val="FFFFFF"/>
-                </a:solidFill>
-                <a:latin typeface="Avenir Next Ultra Light" panose="020B0203020202020204" pitchFamily="34" charset="77"/>
-                <a:cs typeface="Apple Chancery" panose="03020702040506060504" pitchFamily="66" charset="-79"/>
-              </a:rPr>
-              <a:t>full information </a:t>
-            </a:r>
-            <a:r>
-              <a:rPr lang="en-US" sz="2800" cap="all" dirty="0">
-                <a:solidFill>
-                  <a:srgbClr val="FFFFFF"/>
-                </a:solidFill>
-              </a:rPr>
-              <a:t>of</a:t>
-            </a:r>
-            <a:r>
-              <a:rPr lang="en-US" sz="4000" i="1" cap="all" dirty="0">
-                <a:solidFill>
-                  <a:srgbClr val="FFFFFF"/>
-                </a:solidFill>
-                <a:latin typeface="Avenir Next Ultra Light" panose="020B0203020202020204" pitchFamily="34" charset="77"/>
-                <a:cs typeface="Apple Chancery" panose="03020702040506060504" pitchFamily="66" charset="-79"/>
-              </a:rPr>
-              <a:t> all countries</a:t>
-            </a:r>
-            <a:r>
-              <a:rPr lang="en-US" sz="4000" cap="all" dirty="0">
-                <a:solidFill>
-                  <a:srgbClr val="FFFFFF"/>
-                </a:solidFill>
-              </a:rPr>
-              <a:t>.</a:t>
-            </a:r>
-            <a:endParaRPr lang="en-US" sz="2800" cap="all" dirty="0">
-              <a:solidFill>
-                <a:srgbClr val="FFFFFF"/>
-              </a:solidFill>
-            </a:endParaRPr>
-          </a:p>
-        </p:txBody>
-      </p:sp>
-      <p:sp>
-        <p:nvSpPr>
-          <p:cNvPr id="18" name="Rectangle 17">
-            <a:extLst>
-              <a:ext uri="{FF2B5EF4-FFF2-40B4-BE49-F238E27FC236}">
-                <a16:creationId xmlns:a16="http://schemas.microsoft.com/office/drawing/2014/main" id="{3580CFD6-E44A-486A-9E73-D8D948F78A34}"/>
-              </a:ext>
-              <a:ext uri="{C183D7F6-B498-43B3-948B-1728B52AA6E4}">
-                <adec:decorative xmlns:adec="http://schemas.microsoft.com/office/drawing/2017/decorative" val="1"/>
-              </a:ext>
-            </a:extLst>
-          </p:cNvPr>
-          <p:cNvSpPr>
-            <a:spLocks noGrp="1" noRot="1" noChangeAspect="1" noMove="1" noResize="1" noEditPoints="1" noAdjustHandles="1" noChangeArrowheads="1" noChangeShapeType="1" noTextEdit="1"/>
-          </p:cNvSpPr>
-          <p:nvPr>
-            <p:extLst>
-              <p:ext uri="{386F3935-93C4-4BCD-93E2-E3B085C9AB24}">
-                <p16:designElem xmlns:p16="http://schemas.microsoft.com/office/powerpoint/2015/main" val="1"/>
-              </p:ext>
-            </p:extLst>
-          </p:nvPr>
-        </p:nvSpPr>
-        <p:spPr>
-          <a:xfrm rot="16200000">
-            <a:off x="5171433" y="3396996"/>
-            <a:ext cx="3703320" cy="64008"/>
-          </a:xfrm>
-          <a:prstGeom prst="rect">
-            <a:avLst/>
-          </a:prstGeom>
-          <a:solidFill>
-            <a:schemeClr val="accent1"/>
-          </a:solidFill>
-          <a:ln>
-            <a:noFill/>
-          </a:ln>
-          <a:effectLst/>
-        </p:spPr>
-        <p:style>
-          <a:lnRef idx="1">
-            <a:schemeClr val="accent1"/>
-          </a:lnRef>
-          <a:fillRef idx="3">
-            <a:schemeClr val="accent1"/>
-          </a:fillRef>
-          <a:effectRef idx="2">
-            <a:schemeClr val="accent1"/>
-          </a:effectRef>
-          <a:fontRef idx="minor">
-            <a:schemeClr val="lt1"/>
-          </a:fontRef>
-        </p:style>
       </p:sp>
     </p:spTree>
     <p:extLst>

--- a/output_data/Presentation.pptx
+++ b/output_data/Presentation.pptx
@@ -429,7 +429,7 @@
           <a:p>
             <a:fld id="{ED291B17-9318-49DB-B28B-6E5994AE9581}" type="datetime1">
               <a:rPr lang="en-US" smtClean="0"/>
-              <a:t>10/26/2020</a:t>
+              <a:t>10/26/20</a:t>
             </a:fld>
             <a:endParaRPr lang="en-US" dirty="0"/>
           </a:p>
@@ -632,7 +632,7 @@
           <a:p>
             <a:fld id="{2CED4963-E985-44C4-B8C4-FDD613B7C2F8}" type="datetime1">
               <a:rPr lang="en-US" smtClean="0"/>
-              <a:t>10/26/2020</a:t>
+              <a:t>10/26/20</a:t>
             </a:fld>
             <a:endParaRPr lang="en-US" dirty="0"/>
           </a:p>
@@ -994,7 +994,7 @@
           <a:p>
             <a:fld id="{ED291B17-9318-49DB-B28B-6E5994AE9581}" type="datetime1">
               <a:rPr lang="en-US" smtClean="0"/>
-              <a:t>10/26/2020</a:t>
+              <a:t>10/26/20</a:t>
             </a:fld>
             <a:endParaRPr lang="en-US" dirty="0"/>
           </a:p>
@@ -1192,7 +1192,7 @@
           <a:p>
             <a:fld id="{78DD82B9-B8EE-4375-B6FF-88FA6ABB15D9}" type="datetime1">
               <a:rPr lang="en-US" smtClean="0"/>
-              <a:t>10/26/2020</a:t>
+              <a:t>10/26/20</a:t>
             </a:fld>
             <a:endParaRPr lang="en-US" dirty="0"/>
           </a:p>
@@ -1504,7 +1504,7 @@
           <a:p>
             <a:fld id="{B2497495-0637-405E-AE64-5CC7506D51F5}" type="datetime1">
               <a:rPr lang="en-US" smtClean="0"/>
-              <a:t>10/26/2020</a:t>
+              <a:t>10/26/20</a:t>
             </a:fld>
             <a:endParaRPr lang="en-US" dirty="0"/>
           </a:p>
@@ -1757,7 +1757,7 @@
           <a:p>
             <a:fld id="{7BFFD690-9426-415D-8B65-26881E07B2D4}" type="datetime1">
               <a:rPr lang="en-US" smtClean="0"/>
-              <a:t>10/26/2020</a:t>
+              <a:t>10/26/20</a:t>
             </a:fld>
             <a:endParaRPr lang="en-US" dirty="0"/>
           </a:p>
@@ -2179,7 +2179,7 @@
           <a:p>
             <a:fld id="{04C4989A-474C-40DE-95B9-011C28B71673}" type="datetime1">
               <a:rPr lang="en-US" smtClean="0"/>
-              <a:t>10/26/2020</a:t>
+              <a:t>10/26/20</a:t>
             </a:fld>
             <a:endParaRPr lang="en-US" dirty="0"/>
           </a:p>
@@ -2302,7 +2302,7 @@
           <a:p>
             <a:fld id="{5DB4ED54-5B5E-4A04-93D3-5772E3CE3818}" type="datetime1">
               <a:rPr lang="en-US" smtClean="0"/>
-              <a:t>10/26/2020</a:t>
+              <a:t>10/26/20</a:t>
             </a:fld>
             <a:endParaRPr lang="en-US" dirty="0"/>
           </a:p>
@@ -2397,7 +2397,7 @@
           <a:p>
             <a:fld id="{4EDE50D6-574B-40AF-946F-D52A04ADE379}" type="datetime1">
               <a:rPr lang="en-US" smtClean="0"/>
-              <a:t>10/26/2020</a:t>
+              <a:t>10/26/20</a:t>
             </a:fld>
             <a:endParaRPr lang="en-US" dirty="0"/>
           </a:p>
@@ -2774,7 +2774,7 @@
           <a:p>
             <a:fld id="{D82884F1-FFEA-405F-9602-3DCA865EDA4E}" type="datetime1">
               <a:rPr lang="en-US" smtClean="0"/>
-              <a:t>10/26/2020</a:t>
+              <a:t>10/26/20</a:t>
             </a:fld>
             <a:endParaRPr lang="en-US" dirty="0"/>
           </a:p>
@@ -3067,7 +3067,7 @@
           <a:p>
             <a:fld id="{7E18DB4A-8810-4A10-AD5C-D5E2C667F5B3}" type="datetime1">
               <a:rPr lang="en-US" smtClean="0"/>
-              <a:t>10/26/2020</a:t>
+              <a:t>10/26/20</a:t>
             </a:fld>
             <a:endParaRPr lang="en-US" dirty="0"/>
           </a:p>
@@ -3282,7 +3282,7 @@
           <a:p>
             <a:fld id="{ED291B17-9318-49DB-B28B-6E5994AE9581}" type="datetime1">
               <a:rPr lang="en-US" smtClean="0"/>
-              <a:t>10/26/2020</a:t>
+              <a:t>10/26/20</a:t>
             </a:fld>
             <a:endParaRPr lang="en-US" dirty="0"/>
           </a:p>
@@ -11558,7 +11558,7 @@
         </p:blipFill>
         <p:spPr>
           <a:xfrm>
-            <a:off x="5122836" y="2444819"/>
+            <a:off x="4894233" y="2444819"/>
             <a:ext cx="3426574" cy="3426574"/>
           </a:xfrm>
           <a:prstGeom prst="rect">
@@ -11568,20 +11568,18 @@
             <a:miter lim="400000"/>
           </a:ln>
           <a:effectLst>
-            <a:outerShdw blurRad="190500" dist="139700" dir="5400000" rotWithShape="0">
-              <a:srgbClr val="000000">
-                <a:alpha val="40000"/>
-              </a:srgbClr>
+            <a:outerShdw blurRad="292100" dist="50800" dir="5400000" sx="98000" sy="98000" algn="ctr" rotWithShape="0">
+              <a:srgbClr val="000000"/>
             </a:outerShdw>
           </a:effectLst>
         </p:spPr>
       </p:pic>
       <p:pic>
         <p:nvPicPr>
-          <p:cNvPr id="8" name="Picture 7" descr="Chart&#10;&#10;Description automatically generated">
-            <a:extLst>
-              <a:ext uri="{FF2B5EF4-FFF2-40B4-BE49-F238E27FC236}">
-                <a16:creationId xmlns:a16="http://schemas.microsoft.com/office/drawing/2014/main" id="{82C94F21-86CD-EB41-AE18-342FDD8889E5}"/>
+          <p:cNvPr id="7" name="Picture 6" descr="A picture containing chart&#10;&#10;Description automatically generated">
+            <a:extLst>
+              <a:ext uri="{FF2B5EF4-FFF2-40B4-BE49-F238E27FC236}">
+                <a16:creationId xmlns:a16="http://schemas.microsoft.com/office/drawing/2014/main" id="{477D4308-6BBA-364F-AE29-C3D87E90ECBA}"/>
               </a:ext>
             </a:extLst>
           </p:cNvPr>
@@ -11598,17 +11596,15 @@
         </p:blipFill>
         <p:spPr>
           <a:xfrm>
-            <a:off x="8662337" y="2444819"/>
+            <a:off x="8487128" y="2444819"/>
             <a:ext cx="3426574" cy="3426574"/>
           </a:xfrm>
           <a:prstGeom prst="rect">
             <a:avLst/>
           </a:prstGeom>
           <a:effectLst>
-            <a:outerShdw blurRad="50800" dist="127000" dir="2700000" algn="tl" rotWithShape="0">
-              <a:prstClr val="black">
-                <a:alpha val="40000"/>
-              </a:prstClr>
+            <a:outerShdw blurRad="292100" dist="50800" dir="5400000" sx="98000" sy="98000" algn="ctr" rotWithShape="0">
+              <a:srgbClr val="000000"/>
             </a:outerShdw>
           </a:effectLst>
         </p:spPr>

--- a/output_data/Presentation.pptx
+++ b/output_data/Presentation.pptx
@@ -26,11 +26,12 @@
     <p:sldId id="279" r:id="rId20"/>
     <p:sldId id="282" r:id="rId21"/>
     <p:sldId id="273" r:id="rId22"/>
-    <p:sldId id="283" r:id="rId23"/>
-    <p:sldId id="284" r:id="rId24"/>
-    <p:sldId id="274" r:id="rId25"/>
-    <p:sldId id="275" r:id="rId26"/>
-    <p:sldId id="276" r:id="rId27"/>
+    <p:sldId id="285" r:id="rId23"/>
+    <p:sldId id="283" r:id="rId24"/>
+    <p:sldId id="284" r:id="rId25"/>
+    <p:sldId id="274" r:id="rId26"/>
+    <p:sldId id="275" r:id="rId27"/>
+    <p:sldId id="276" r:id="rId28"/>
   </p:sldIdLst>
   <p:sldSz cx="12192000" cy="6858000"/>
   <p:notesSz cx="6858000" cy="9144000"/>
@@ -167,6 +168,7 @@
         <p14:section name="John" id="{7A401C20-3636-B546-9CF0-11FED4B93153}">
           <p14:sldIdLst>
             <p14:sldId id="273"/>
+            <p14:sldId id="285"/>
           </p14:sldIdLst>
         </p14:section>
         <p14:section name="Seranica" id="{9A0EEC91-5F66-AA4E-987B-F22015E3EEB4}">
@@ -7305,12 +7307,41 @@
           <a:chExt cx="0" cy="0"/>
         </a:xfrm>
       </p:grpSpPr>
-      <p:sp>
-        <p:nvSpPr>
-          <p:cNvPr id="2" name="Title 1">
-            <a:extLst>
-              <a:ext uri="{FF2B5EF4-FFF2-40B4-BE49-F238E27FC236}">
-                <a16:creationId xmlns:a16="http://schemas.microsoft.com/office/drawing/2014/main" id="{A65F2E7C-8CA6-904E-815C-98DA02BBB736}"/>
+      <p:pic>
+        <p:nvPicPr>
+          <p:cNvPr id="6" name="Content Placeholder 5" descr="Chart, bar chart&#10;&#10;Description automatically generated">
+            <a:extLst>
+              <a:ext uri="{FF2B5EF4-FFF2-40B4-BE49-F238E27FC236}">
+                <a16:creationId xmlns:a16="http://schemas.microsoft.com/office/drawing/2014/main" id="{D41D2F3E-C46B-40D0-B700-21C3A85C3A57}"/>
+              </a:ext>
+            </a:extLst>
+          </p:cNvPr>
+          <p:cNvPicPr>
+            <a:picLocks noGrp="1" noChangeAspect="1"/>
+          </p:cNvPicPr>
+          <p:nvPr>
+            <p:ph idx="1"/>
+          </p:nvPr>
+        </p:nvPicPr>
+        <p:blipFill>
+          <a:blip r:embed="rId2"/>
+          <a:stretch>
+            <a:fillRect/>
+          </a:stretch>
+        </p:blipFill>
+        <p:spPr>
+          <a:xfrm>
+            <a:off x="175698" y="1241569"/>
+            <a:ext cx="10853273" cy="3617758"/>
+          </a:xfrm>
+        </p:spPr>
+      </p:pic>
+      <p:sp>
+        <p:nvSpPr>
+          <p:cNvPr id="4" name="Title 1">
+            <a:extLst>
+              <a:ext uri="{FF2B5EF4-FFF2-40B4-BE49-F238E27FC236}">
+                <a16:creationId xmlns:a16="http://schemas.microsoft.com/office/drawing/2014/main" id="{0DD65E92-7B94-4EDA-B2DA-35276E377510}"/>
               </a:ext>
             </a:extLst>
           </p:cNvPr>
@@ -7321,37 +7352,292 @@
             <p:ph type="title"/>
           </p:nvPr>
         </p:nvSpPr>
-        <p:spPr/>
+        <p:spPr>
+          <a:xfrm>
+            <a:off x="665082" y="625820"/>
+            <a:ext cx="11029616" cy="615749"/>
+          </a:xfrm>
+        </p:spPr>
         <p:txBody>
           <a:bodyPr/>
           <a:lstStyle/>
           <a:p>
-            <a:endParaRPr lang="en-US"/>
+            <a:r>
+              <a:rPr lang="en-AU" dirty="0"/>
+              <a:t>Does Vehicle type matter?</a:t>
+            </a:r>
           </a:p>
         </p:txBody>
       </p:sp>
       <p:sp>
         <p:nvSpPr>
-          <p:cNvPr id="3" name="Content Placeholder 2">
-            <a:extLst>
-              <a:ext uri="{FF2B5EF4-FFF2-40B4-BE49-F238E27FC236}">
-                <a16:creationId xmlns:a16="http://schemas.microsoft.com/office/drawing/2014/main" id="{BF291466-C7F4-4B49-83B1-132C8A91881E}"/>
-              </a:ext>
-            </a:extLst>
-          </p:cNvPr>
-          <p:cNvSpPr>
-            <a:spLocks noGrp="1"/>
-          </p:cNvSpPr>
-          <p:nvPr>
-            <p:ph idx="1"/>
-          </p:nvPr>
-        </p:nvSpPr>
-        <p:spPr/>
+          <p:cNvPr id="9" name="Content Placeholder 2">
+            <a:extLst>
+              <a:ext uri="{FF2B5EF4-FFF2-40B4-BE49-F238E27FC236}">
+                <a16:creationId xmlns:a16="http://schemas.microsoft.com/office/drawing/2014/main" id="{2F0877B3-27E0-4680-9D06-D38AF18F6A8F}"/>
+              </a:ext>
+            </a:extLst>
+          </p:cNvPr>
+          <p:cNvSpPr txBox="1">
+            <a:spLocks/>
+          </p:cNvSpPr>
+          <p:nvPr/>
+        </p:nvSpPr>
+        <p:spPr>
+          <a:xfrm>
+            <a:off x="1546963" y="3994775"/>
+            <a:ext cx="10042287" cy="2960602"/>
+          </a:xfrm>
+          <a:prstGeom prst="rect">
+            <a:avLst/>
+          </a:prstGeom>
+        </p:spPr>
         <p:txBody>
-          <a:bodyPr/>
-          <a:lstStyle/>
-          <a:p>
-            <a:endParaRPr lang="en-US"/>
+          <a:bodyPr vert="horz" lIns="91440" tIns="45720" rIns="91440" bIns="45720" rtlCol="0" anchor="ctr">
+            <a:normAutofit/>
+          </a:bodyPr>
+          <a:lstStyle>
+            <a:lvl1pPr marL="306000" indent="-306000" algn="l" defTabSz="457200" rtl="0" eaLnBrk="1" latinLnBrk="0" hangingPunct="1">
+              <a:lnSpc>
+                <a:spcPct val="100000"/>
+              </a:lnSpc>
+              <a:spcBef>
+                <a:spcPct val="20000"/>
+              </a:spcBef>
+              <a:spcAft>
+                <a:spcPts val="600"/>
+              </a:spcAft>
+              <a:buClr>
+                <a:schemeClr val="accent1"/>
+              </a:buClr>
+              <a:buSzPct val="92000"/>
+              <a:buFont typeface="Wingdings 2" panose="05020102010507070707" pitchFamily="18" charset="2"/>
+              <a:buChar char=""/>
+              <a:defRPr sz="1800" kern="1200">
+                <a:solidFill>
+                  <a:schemeClr val="tx1">
+                    <a:lumMod val="75000"/>
+                    <a:lumOff val="25000"/>
+                  </a:schemeClr>
+                </a:solidFill>
+                <a:latin typeface="+mn-lt"/>
+                <a:ea typeface="+mn-ea"/>
+                <a:cs typeface="+mn-cs"/>
+              </a:defRPr>
+            </a:lvl1pPr>
+            <a:lvl2pPr marL="630000" indent="-306000" algn="l" defTabSz="457200" rtl="0" eaLnBrk="1" latinLnBrk="0" hangingPunct="1">
+              <a:lnSpc>
+                <a:spcPct val="100000"/>
+              </a:lnSpc>
+              <a:spcBef>
+                <a:spcPct val="20000"/>
+              </a:spcBef>
+              <a:spcAft>
+                <a:spcPts val="600"/>
+              </a:spcAft>
+              <a:buClr>
+                <a:schemeClr val="accent1"/>
+              </a:buClr>
+              <a:buSzPct val="92000"/>
+              <a:buFont typeface="Wingdings 2" panose="05020102010507070707" pitchFamily="18" charset="2"/>
+              <a:buChar char=""/>
+              <a:defRPr sz="1600" kern="1200">
+                <a:solidFill>
+                  <a:schemeClr val="tx1">
+                    <a:lumMod val="75000"/>
+                    <a:lumOff val="25000"/>
+                  </a:schemeClr>
+                </a:solidFill>
+                <a:latin typeface="+mn-lt"/>
+                <a:ea typeface="+mn-ea"/>
+                <a:cs typeface="+mn-cs"/>
+              </a:defRPr>
+            </a:lvl2pPr>
+            <a:lvl3pPr marL="900000" indent="-270000" algn="l" defTabSz="457200" rtl="0" eaLnBrk="1" latinLnBrk="0" hangingPunct="1">
+              <a:lnSpc>
+                <a:spcPct val="100000"/>
+              </a:lnSpc>
+              <a:spcBef>
+                <a:spcPct val="20000"/>
+              </a:spcBef>
+              <a:spcAft>
+                <a:spcPts val="600"/>
+              </a:spcAft>
+              <a:buClr>
+                <a:schemeClr val="accent1"/>
+              </a:buClr>
+              <a:buSzPct val="92000"/>
+              <a:buFont typeface="Wingdings 2" panose="05020102010507070707" pitchFamily="18" charset="2"/>
+              <a:buChar char=""/>
+              <a:defRPr sz="1400" kern="1200">
+                <a:solidFill>
+                  <a:schemeClr val="tx1">
+                    <a:lumMod val="75000"/>
+                    <a:lumOff val="25000"/>
+                  </a:schemeClr>
+                </a:solidFill>
+                <a:latin typeface="+mn-lt"/>
+                <a:ea typeface="+mn-ea"/>
+                <a:cs typeface="+mn-cs"/>
+              </a:defRPr>
+            </a:lvl3pPr>
+            <a:lvl4pPr marL="1242000" indent="-234000" algn="l" defTabSz="457200" rtl="0" eaLnBrk="1" latinLnBrk="0" hangingPunct="1">
+              <a:lnSpc>
+                <a:spcPct val="100000"/>
+              </a:lnSpc>
+              <a:spcBef>
+                <a:spcPct val="20000"/>
+              </a:spcBef>
+              <a:spcAft>
+                <a:spcPts val="600"/>
+              </a:spcAft>
+              <a:buClr>
+                <a:schemeClr val="accent1"/>
+              </a:buClr>
+              <a:buSzPct val="92000"/>
+              <a:buFont typeface="Wingdings 2" panose="05020102010507070707" pitchFamily="18" charset="2"/>
+              <a:buChar char=""/>
+              <a:defRPr sz="1200" kern="1200">
+                <a:solidFill>
+                  <a:schemeClr val="tx1">
+                    <a:lumMod val="75000"/>
+                    <a:lumOff val="25000"/>
+                  </a:schemeClr>
+                </a:solidFill>
+                <a:latin typeface="+mn-lt"/>
+                <a:ea typeface="+mn-ea"/>
+                <a:cs typeface="+mn-cs"/>
+              </a:defRPr>
+            </a:lvl4pPr>
+            <a:lvl5pPr marL="1602000" indent="-234000" algn="l" defTabSz="457200" rtl="0" eaLnBrk="1" latinLnBrk="0" hangingPunct="1">
+              <a:lnSpc>
+                <a:spcPct val="100000"/>
+              </a:lnSpc>
+              <a:spcBef>
+                <a:spcPct val="20000"/>
+              </a:spcBef>
+              <a:spcAft>
+                <a:spcPts val="600"/>
+              </a:spcAft>
+              <a:buClr>
+                <a:schemeClr val="accent1"/>
+              </a:buClr>
+              <a:buSzPct val="92000"/>
+              <a:buFont typeface="Wingdings 2" panose="05020102010507070707" pitchFamily="18" charset="2"/>
+              <a:buChar char=""/>
+              <a:defRPr sz="1200" kern="1200">
+                <a:solidFill>
+                  <a:schemeClr val="tx1">
+                    <a:lumMod val="75000"/>
+                    <a:lumOff val="25000"/>
+                  </a:schemeClr>
+                </a:solidFill>
+                <a:latin typeface="+mn-lt"/>
+                <a:ea typeface="+mn-ea"/>
+                <a:cs typeface="+mn-cs"/>
+              </a:defRPr>
+            </a:lvl5pPr>
+            <a:lvl6pPr marL="1900000" indent="-228600" algn="l" defTabSz="457200" rtl="0" eaLnBrk="1" latinLnBrk="0" hangingPunct="1">
+              <a:spcBef>
+                <a:spcPct val="20000"/>
+              </a:spcBef>
+              <a:spcAft>
+                <a:spcPts val="600"/>
+              </a:spcAft>
+              <a:buClr>
+                <a:schemeClr val="accent2"/>
+              </a:buClr>
+              <a:buSzPct val="92000"/>
+              <a:buFont typeface="Wingdings 2" panose="05020102010507070707" pitchFamily="18" charset="2"/>
+              <a:buChar char=""/>
+              <a:defRPr sz="1200" kern="1200">
+                <a:solidFill>
+                  <a:schemeClr val="tx2"/>
+                </a:solidFill>
+                <a:latin typeface="+mn-lt"/>
+                <a:ea typeface="+mn-ea"/>
+                <a:cs typeface="+mn-cs"/>
+              </a:defRPr>
+            </a:lvl6pPr>
+            <a:lvl7pPr marL="2200000" indent="-228600" algn="l" defTabSz="457200" rtl="0" eaLnBrk="1" latinLnBrk="0" hangingPunct="1">
+              <a:spcBef>
+                <a:spcPct val="20000"/>
+              </a:spcBef>
+              <a:spcAft>
+                <a:spcPts val="600"/>
+              </a:spcAft>
+              <a:buClr>
+                <a:schemeClr val="accent2"/>
+              </a:buClr>
+              <a:buSzPct val="92000"/>
+              <a:buFont typeface="Wingdings 2" panose="05020102010507070707" pitchFamily="18" charset="2"/>
+              <a:buChar char=""/>
+              <a:defRPr sz="1200" kern="1200">
+                <a:solidFill>
+                  <a:schemeClr val="tx2"/>
+                </a:solidFill>
+                <a:latin typeface="+mn-lt"/>
+                <a:ea typeface="+mn-ea"/>
+                <a:cs typeface="+mn-cs"/>
+              </a:defRPr>
+            </a:lvl7pPr>
+            <a:lvl8pPr marL="2500000" indent="-228600" algn="l" defTabSz="457200" rtl="0" eaLnBrk="1" latinLnBrk="0" hangingPunct="1">
+              <a:spcBef>
+                <a:spcPct val="20000"/>
+              </a:spcBef>
+              <a:spcAft>
+                <a:spcPts val="600"/>
+              </a:spcAft>
+              <a:buClr>
+                <a:schemeClr val="accent2"/>
+              </a:buClr>
+              <a:buSzPct val="92000"/>
+              <a:buFont typeface="Wingdings 2" panose="05020102010507070707" pitchFamily="18" charset="2"/>
+              <a:buChar char=""/>
+              <a:defRPr sz="1200" kern="1200">
+                <a:solidFill>
+                  <a:schemeClr val="tx2"/>
+                </a:solidFill>
+                <a:latin typeface="+mn-lt"/>
+                <a:ea typeface="+mn-ea"/>
+                <a:cs typeface="+mn-cs"/>
+              </a:defRPr>
+            </a:lvl8pPr>
+            <a:lvl9pPr marL="2800000" indent="-228600" algn="l" defTabSz="457200" rtl="0" eaLnBrk="1" latinLnBrk="0" hangingPunct="1">
+              <a:spcBef>
+                <a:spcPct val="20000"/>
+              </a:spcBef>
+              <a:spcAft>
+                <a:spcPts val="600"/>
+              </a:spcAft>
+              <a:buClr>
+                <a:schemeClr val="accent2"/>
+              </a:buClr>
+              <a:buSzPct val="92000"/>
+              <a:buFont typeface="Wingdings 2" panose="05020102010507070707" pitchFamily="18" charset="2"/>
+              <a:buChar char=""/>
+              <a:defRPr sz="1200" kern="1200">
+                <a:solidFill>
+                  <a:schemeClr val="tx2"/>
+                </a:solidFill>
+                <a:latin typeface="+mn-lt"/>
+                <a:ea typeface="+mn-ea"/>
+                <a:cs typeface="+mn-cs"/>
+              </a:defRPr>
+            </a:lvl9pPr>
+          </a:lstStyle>
+          <a:p>
+            <a:r>
+              <a:rPr lang="en-AU" dirty="0"/>
+              <a:t>Cars (4-wheel vehicles) are ubiquitously represented as the most common source of fatalities</a:t>
+            </a:r>
+          </a:p>
+          <a:p>
+            <a:r>
+              <a:rPr lang="en-AU" dirty="0"/>
+              <a:t>Motorcycles and pedestrians are the next most predominant category for road fatalities</a:t>
+            </a:r>
+            <a:endParaRPr lang="en-US" dirty="0"/>
           </a:p>
         </p:txBody>
       </p:sp>
@@ -7385,45 +7671,12 @@
           <a:chExt cx="0" cy="0"/>
         </a:xfrm>
       </p:grpSpPr>
-      <p:sp>
-        <p:nvSpPr>
-          <p:cNvPr id="2" name="Title 1">
-            <a:extLst>
-              <a:ext uri="{FF2B5EF4-FFF2-40B4-BE49-F238E27FC236}">
-                <a16:creationId xmlns:a16="http://schemas.microsoft.com/office/drawing/2014/main" id="{DA75614F-B11B-424B-82E0-0AFF9AD0EB31}"/>
-              </a:ext>
-            </a:extLst>
-          </p:cNvPr>
-          <p:cNvSpPr>
-            <a:spLocks noGrp="1"/>
-          </p:cNvSpPr>
-          <p:nvPr>
-            <p:ph type="title"/>
-          </p:nvPr>
-        </p:nvSpPr>
-        <p:spPr>
-          <a:xfrm>
-            <a:off x="665082" y="625820"/>
-            <a:ext cx="11029616" cy="615749"/>
-          </a:xfrm>
-        </p:spPr>
-        <p:txBody>
-          <a:bodyPr/>
-          <a:lstStyle/>
-          <a:p>
-            <a:r>
-              <a:rPr lang="en-AU" dirty="0"/>
-              <a:t>Drink driving laws and influence on road fatalities</a:t>
-            </a:r>
-          </a:p>
-        </p:txBody>
-      </p:sp>
       <p:pic>
         <p:nvPicPr>
-          <p:cNvPr id="5" name="Content Placeholder 4" descr="Map&#10;&#10;Description automatically generated">
-            <a:extLst>
-              <a:ext uri="{FF2B5EF4-FFF2-40B4-BE49-F238E27FC236}">
-                <a16:creationId xmlns:a16="http://schemas.microsoft.com/office/drawing/2014/main" id="{F1949C2F-9D5E-4E87-ACB1-E5E28C733D74}"/>
+          <p:cNvPr id="6" name="Content Placeholder 5" descr="Chart, bar chart&#10;&#10;Description automatically generated">
+            <a:extLst>
+              <a:ext uri="{FF2B5EF4-FFF2-40B4-BE49-F238E27FC236}">
+                <a16:creationId xmlns:a16="http://schemas.microsoft.com/office/drawing/2014/main" id="{D41D2F3E-C46B-40D0-B700-21C3A85C3A57}"/>
               </a:ext>
             </a:extLst>
           </p:cNvPr>
@@ -7442,15 +7695,343 @@
         </p:blipFill>
         <p:spPr>
           <a:xfrm>
-            <a:off x="1003620" y="1462190"/>
-            <a:ext cx="10352539" cy="4259102"/>
+            <a:off x="0" y="1026471"/>
+            <a:ext cx="10901360" cy="3633787"/>
           </a:xfrm>
         </p:spPr>
       </p:pic>
+      <p:sp>
+        <p:nvSpPr>
+          <p:cNvPr id="4" name="Title 1">
+            <a:extLst>
+              <a:ext uri="{FF2B5EF4-FFF2-40B4-BE49-F238E27FC236}">
+                <a16:creationId xmlns:a16="http://schemas.microsoft.com/office/drawing/2014/main" id="{0DD65E92-7B94-4EDA-B2DA-35276E377510}"/>
+              </a:ext>
+            </a:extLst>
+          </p:cNvPr>
+          <p:cNvSpPr>
+            <a:spLocks noGrp="1"/>
+          </p:cNvSpPr>
+          <p:nvPr>
+            <p:ph type="title"/>
+          </p:nvPr>
+        </p:nvSpPr>
+        <p:spPr>
+          <a:xfrm>
+            <a:off x="665082" y="625820"/>
+            <a:ext cx="11029616" cy="615749"/>
+          </a:xfrm>
+        </p:spPr>
+        <p:txBody>
+          <a:bodyPr/>
+          <a:lstStyle/>
+          <a:p>
+            <a:r>
+              <a:rPr lang="en-AU" dirty="0"/>
+              <a:t>Does Vehicle type matter?</a:t>
+            </a:r>
+          </a:p>
+        </p:txBody>
+      </p:sp>
+      <p:pic>
+        <p:nvPicPr>
+          <p:cNvPr id="3" name="Picture 2" descr="Chart, bar chart&#10;&#10;Description automatically generated">
+            <a:extLst>
+              <a:ext uri="{FF2B5EF4-FFF2-40B4-BE49-F238E27FC236}">
+                <a16:creationId xmlns:a16="http://schemas.microsoft.com/office/drawing/2014/main" id="{CD3B867D-07D9-4B7B-80A5-ADF28106D7A7}"/>
+              </a:ext>
+            </a:extLst>
+          </p:cNvPr>
+          <p:cNvPicPr>
+            <a:picLocks noChangeAspect="1"/>
+          </p:cNvPicPr>
+          <p:nvPr/>
+        </p:nvPicPr>
+        <p:blipFill>
+          <a:blip r:embed="rId3"/>
+          <a:stretch>
+            <a:fillRect/>
+          </a:stretch>
+        </p:blipFill>
+        <p:spPr>
+          <a:xfrm>
+            <a:off x="45334" y="1026471"/>
+            <a:ext cx="12192000" cy="4064000"/>
+          </a:xfrm>
+          <a:prstGeom prst="rect">
+            <a:avLst/>
+          </a:prstGeom>
+        </p:spPr>
+      </p:pic>
+      <p:sp>
+        <p:nvSpPr>
+          <p:cNvPr id="5" name="Content Placeholder 2">
+            <a:extLst>
+              <a:ext uri="{FF2B5EF4-FFF2-40B4-BE49-F238E27FC236}">
+                <a16:creationId xmlns:a16="http://schemas.microsoft.com/office/drawing/2014/main" id="{9FEA1DB0-81D4-4887-915A-3F0C381A0934}"/>
+              </a:ext>
+            </a:extLst>
+          </p:cNvPr>
+          <p:cNvSpPr txBox="1">
+            <a:spLocks/>
+          </p:cNvSpPr>
+          <p:nvPr/>
+        </p:nvSpPr>
+        <p:spPr>
+          <a:xfrm>
+            <a:off x="1527060" y="4249146"/>
+            <a:ext cx="10042287" cy="2960602"/>
+          </a:xfrm>
+          <a:prstGeom prst="rect">
+            <a:avLst/>
+          </a:prstGeom>
+        </p:spPr>
+        <p:txBody>
+          <a:bodyPr vert="horz" lIns="91440" tIns="45720" rIns="91440" bIns="45720" rtlCol="0" anchor="ctr">
+            <a:normAutofit/>
+          </a:bodyPr>
+          <a:lstStyle>
+            <a:lvl1pPr marL="306000" indent="-306000" algn="l" defTabSz="457200" rtl="0" eaLnBrk="1" latinLnBrk="0" hangingPunct="1">
+              <a:lnSpc>
+                <a:spcPct val="100000"/>
+              </a:lnSpc>
+              <a:spcBef>
+                <a:spcPct val="20000"/>
+              </a:spcBef>
+              <a:spcAft>
+                <a:spcPts val="600"/>
+              </a:spcAft>
+              <a:buClr>
+                <a:schemeClr val="accent1"/>
+              </a:buClr>
+              <a:buSzPct val="92000"/>
+              <a:buFont typeface="Wingdings 2" panose="05020102010507070707" pitchFamily="18" charset="2"/>
+              <a:buChar char=""/>
+              <a:defRPr sz="1800" kern="1200">
+                <a:solidFill>
+                  <a:schemeClr val="tx1">
+                    <a:lumMod val="75000"/>
+                    <a:lumOff val="25000"/>
+                  </a:schemeClr>
+                </a:solidFill>
+                <a:latin typeface="+mn-lt"/>
+                <a:ea typeface="+mn-ea"/>
+                <a:cs typeface="+mn-cs"/>
+              </a:defRPr>
+            </a:lvl1pPr>
+            <a:lvl2pPr marL="630000" indent="-306000" algn="l" defTabSz="457200" rtl="0" eaLnBrk="1" latinLnBrk="0" hangingPunct="1">
+              <a:lnSpc>
+                <a:spcPct val="100000"/>
+              </a:lnSpc>
+              <a:spcBef>
+                <a:spcPct val="20000"/>
+              </a:spcBef>
+              <a:spcAft>
+                <a:spcPts val="600"/>
+              </a:spcAft>
+              <a:buClr>
+                <a:schemeClr val="accent1"/>
+              </a:buClr>
+              <a:buSzPct val="92000"/>
+              <a:buFont typeface="Wingdings 2" panose="05020102010507070707" pitchFamily="18" charset="2"/>
+              <a:buChar char=""/>
+              <a:defRPr sz="1600" kern="1200">
+                <a:solidFill>
+                  <a:schemeClr val="tx1">
+                    <a:lumMod val="75000"/>
+                    <a:lumOff val="25000"/>
+                  </a:schemeClr>
+                </a:solidFill>
+                <a:latin typeface="+mn-lt"/>
+                <a:ea typeface="+mn-ea"/>
+                <a:cs typeface="+mn-cs"/>
+              </a:defRPr>
+            </a:lvl2pPr>
+            <a:lvl3pPr marL="900000" indent="-270000" algn="l" defTabSz="457200" rtl="0" eaLnBrk="1" latinLnBrk="0" hangingPunct="1">
+              <a:lnSpc>
+                <a:spcPct val="100000"/>
+              </a:lnSpc>
+              <a:spcBef>
+                <a:spcPct val="20000"/>
+              </a:spcBef>
+              <a:spcAft>
+                <a:spcPts val="600"/>
+              </a:spcAft>
+              <a:buClr>
+                <a:schemeClr val="accent1"/>
+              </a:buClr>
+              <a:buSzPct val="92000"/>
+              <a:buFont typeface="Wingdings 2" panose="05020102010507070707" pitchFamily="18" charset="2"/>
+              <a:buChar char=""/>
+              <a:defRPr sz="1400" kern="1200">
+                <a:solidFill>
+                  <a:schemeClr val="tx1">
+                    <a:lumMod val="75000"/>
+                    <a:lumOff val="25000"/>
+                  </a:schemeClr>
+                </a:solidFill>
+                <a:latin typeface="+mn-lt"/>
+                <a:ea typeface="+mn-ea"/>
+                <a:cs typeface="+mn-cs"/>
+              </a:defRPr>
+            </a:lvl3pPr>
+            <a:lvl4pPr marL="1242000" indent="-234000" algn="l" defTabSz="457200" rtl="0" eaLnBrk="1" latinLnBrk="0" hangingPunct="1">
+              <a:lnSpc>
+                <a:spcPct val="100000"/>
+              </a:lnSpc>
+              <a:spcBef>
+                <a:spcPct val="20000"/>
+              </a:spcBef>
+              <a:spcAft>
+                <a:spcPts val="600"/>
+              </a:spcAft>
+              <a:buClr>
+                <a:schemeClr val="accent1"/>
+              </a:buClr>
+              <a:buSzPct val="92000"/>
+              <a:buFont typeface="Wingdings 2" panose="05020102010507070707" pitchFamily="18" charset="2"/>
+              <a:buChar char=""/>
+              <a:defRPr sz="1200" kern="1200">
+                <a:solidFill>
+                  <a:schemeClr val="tx1">
+                    <a:lumMod val="75000"/>
+                    <a:lumOff val="25000"/>
+                  </a:schemeClr>
+                </a:solidFill>
+                <a:latin typeface="+mn-lt"/>
+                <a:ea typeface="+mn-ea"/>
+                <a:cs typeface="+mn-cs"/>
+              </a:defRPr>
+            </a:lvl4pPr>
+            <a:lvl5pPr marL="1602000" indent="-234000" algn="l" defTabSz="457200" rtl="0" eaLnBrk="1" latinLnBrk="0" hangingPunct="1">
+              <a:lnSpc>
+                <a:spcPct val="100000"/>
+              </a:lnSpc>
+              <a:spcBef>
+                <a:spcPct val="20000"/>
+              </a:spcBef>
+              <a:spcAft>
+                <a:spcPts val="600"/>
+              </a:spcAft>
+              <a:buClr>
+                <a:schemeClr val="accent1"/>
+              </a:buClr>
+              <a:buSzPct val="92000"/>
+              <a:buFont typeface="Wingdings 2" panose="05020102010507070707" pitchFamily="18" charset="2"/>
+              <a:buChar char=""/>
+              <a:defRPr sz="1200" kern="1200">
+                <a:solidFill>
+                  <a:schemeClr val="tx1">
+                    <a:lumMod val="75000"/>
+                    <a:lumOff val="25000"/>
+                  </a:schemeClr>
+                </a:solidFill>
+                <a:latin typeface="+mn-lt"/>
+                <a:ea typeface="+mn-ea"/>
+                <a:cs typeface="+mn-cs"/>
+              </a:defRPr>
+            </a:lvl5pPr>
+            <a:lvl6pPr marL="1900000" indent="-228600" algn="l" defTabSz="457200" rtl="0" eaLnBrk="1" latinLnBrk="0" hangingPunct="1">
+              <a:spcBef>
+                <a:spcPct val="20000"/>
+              </a:spcBef>
+              <a:spcAft>
+                <a:spcPts val="600"/>
+              </a:spcAft>
+              <a:buClr>
+                <a:schemeClr val="accent2"/>
+              </a:buClr>
+              <a:buSzPct val="92000"/>
+              <a:buFont typeface="Wingdings 2" panose="05020102010507070707" pitchFamily="18" charset="2"/>
+              <a:buChar char=""/>
+              <a:defRPr sz="1200" kern="1200">
+                <a:solidFill>
+                  <a:schemeClr val="tx2"/>
+                </a:solidFill>
+                <a:latin typeface="+mn-lt"/>
+                <a:ea typeface="+mn-ea"/>
+                <a:cs typeface="+mn-cs"/>
+              </a:defRPr>
+            </a:lvl6pPr>
+            <a:lvl7pPr marL="2200000" indent="-228600" algn="l" defTabSz="457200" rtl="0" eaLnBrk="1" latinLnBrk="0" hangingPunct="1">
+              <a:spcBef>
+                <a:spcPct val="20000"/>
+              </a:spcBef>
+              <a:spcAft>
+                <a:spcPts val="600"/>
+              </a:spcAft>
+              <a:buClr>
+                <a:schemeClr val="accent2"/>
+              </a:buClr>
+              <a:buSzPct val="92000"/>
+              <a:buFont typeface="Wingdings 2" panose="05020102010507070707" pitchFamily="18" charset="2"/>
+              <a:buChar char=""/>
+              <a:defRPr sz="1200" kern="1200">
+                <a:solidFill>
+                  <a:schemeClr val="tx2"/>
+                </a:solidFill>
+                <a:latin typeface="+mn-lt"/>
+                <a:ea typeface="+mn-ea"/>
+                <a:cs typeface="+mn-cs"/>
+              </a:defRPr>
+            </a:lvl7pPr>
+            <a:lvl8pPr marL="2500000" indent="-228600" algn="l" defTabSz="457200" rtl="0" eaLnBrk="1" latinLnBrk="0" hangingPunct="1">
+              <a:spcBef>
+                <a:spcPct val="20000"/>
+              </a:spcBef>
+              <a:spcAft>
+                <a:spcPts val="600"/>
+              </a:spcAft>
+              <a:buClr>
+                <a:schemeClr val="accent2"/>
+              </a:buClr>
+              <a:buSzPct val="92000"/>
+              <a:buFont typeface="Wingdings 2" panose="05020102010507070707" pitchFamily="18" charset="2"/>
+              <a:buChar char=""/>
+              <a:defRPr sz="1200" kern="1200">
+                <a:solidFill>
+                  <a:schemeClr val="tx2"/>
+                </a:solidFill>
+                <a:latin typeface="+mn-lt"/>
+                <a:ea typeface="+mn-ea"/>
+                <a:cs typeface="+mn-cs"/>
+              </a:defRPr>
+            </a:lvl8pPr>
+            <a:lvl9pPr marL="2800000" indent="-228600" algn="l" defTabSz="457200" rtl="0" eaLnBrk="1" latinLnBrk="0" hangingPunct="1">
+              <a:spcBef>
+                <a:spcPct val="20000"/>
+              </a:spcBef>
+              <a:spcAft>
+                <a:spcPts val="600"/>
+              </a:spcAft>
+              <a:buClr>
+                <a:schemeClr val="accent2"/>
+              </a:buClr>
+              <a:buSzPct val="92000"/>
+              <a:buFont typeface="Wingdings 2" panose="05020102010507070707" pitchFamily="18" charset="2"/>
+              <a:buChar char=""/>
+              <a:defRPr sz="1200" kern="1200">
+                <a:solidFill>
+                  <a:schemeClr val="tx2"/>
+                </a:solidFill>
+                <a:latin typeface="+mn-lt"/>
+                <a:ea typeface="+mn-ea"/>
+                <a:cs typeface="+mn-cs"/>
+              </a:defRPr>
+            </a:lvl9pPr>
+          </a:lstStyle>
+          <a:p>
+            <a:r>
+              <a:rPr lang="en-US" dirty="0"/>
+              <a:t>The contribution of enclosed vehicles to road fatalities is dependent on country</a:t>
+            </a:r>
+          </a:p>
+        </p:txBody>
+      </p:sp>
     </p:spTree>
     <p:extLst>
       <p:ext uri="{BB962C8B-B14F-4D97-AF65-F5344CB8AC3E}">
-        <p14:creationId xmlns:p14="http://schemas.microsoft.com/office/powerpoint/2010/main" val="2380875080"/>
+        <p14:creationId xmlns:p14="http://schemas.microsoft.com/office/powerpoint/2010/main" val="4127941811"/>
       </p:ext>
     </p:extLst>
   </p:cSld>
@@ -7505,24 +8086,26 @@
           <a:p>
             <a:r>
               <a:rPr lang="en-AU" dirty="0"/>
-              <a:t>Drink driving laws and influence on road fatalities</a:t>
+              <a:t>What about drink Driving laws?</a:t>
             </a:r>
           </a:p>
         </p:txBody>
       </p:sp>
       <p:pic>
         <p:nvPicPr>
-          <p:cNvPr id="7" name="Picture 6" descr="Chart, box and whisker chart&#10;&#10;Description automatically generated">
-            <a:extLst>
-              <a:ext uri="{FF2B5EF4-FFF2-40B4-BE49-F238E27FC236}">
-                <a16:creationId xmlns:a16="http://schemas.microsoft.com/office/drawing/2014/main" id="{1D66413D-2DC6-4D77-B04D-7B0106646563}"/>
+          <p:cNvPr id="5" name="Content Placeholder 4" descr="Map&#10;&#10;Description automatically generated">
+            <a:extLst>
+              <a:ext uri="{FF2B5EF4-FFF2-40B4-BE49-F238E27FC236}">
+                <a16:creationId xmlns:a16="http://schemas.microsoft.com/office/drawing/2014/main" id="{F1949C2F-9D5E-4E87-ACB1-E5E28C733D74}"/>
               </a:ext>
             </a:extLst>
           </p:cNvPr>
           <p:cNvPicPr>
-            <a:picLocks noChangeAspect="1"/>
+            <a:picLocks noGrp="1" noChangeAspect="1"/>
           </p:cNvPicPr>
-          <p:nvPr/>
+          <p:nvPr>
+            <p:ph idx="1"/>
+          </p:nvPr>
         </p:nvPicPr>
         <p:blipFill>
           <a:blip r:embed="rId2"/>
@@ -7532,360 +8115,15 @@
         </p:blipFill>
         <p:spPr>
           <a:xfrm>
-            <a:off x="5930133" y="1181985"/>
-            <a:ext cx="5705397" cy="3803598"/>
-          </a:xfrm>
-          <a:prstGeom prst="rect">
-            <a:avLst/>
-          </a:prstGeom>
+            <a:off x="1003620" y="1462190"/>
+            <a:ext cx="10352539" cy="4259102"/>
+          </a:xfrm>
         </p:spPr>
       </p:pic>
-      <p:sp>
-        <p:nvSpPr>
-          <p:cNvPr id="8" name="Content Placeholder 2">
-            <a:extLst>
-              <a:ext uri="{FF2B5EF4-FFF2-40B4-BE49-F238E27FC236}">
-                <a16:creationId xmlns:a16="http://schemas.microsoft.com/office/drawing/2014/main" id="{AB240367-D123-4E86-9D2B-2937B4E33006}"/>
-              </a:ext>
-            </a:extLst>
-          </p:cNvPr>
-          <p:cNvSpPr>
-            <a:spLocks noGrp="1"/>
-          </p:cNvSpPr>
-          <p:nvPr>
-            <p:ph idx="1"/>
-          </p:nvPr>
-        </p:nvSpPr>
-        <p:spPr>
-          <a:xfrm>
-            <a:off x="790352" y="5045166"/>
-            <a:ext cx="5169366" cy="1622487"/>
-          </a:xfrm>
-        </p:spPr>
-        <p:txBody>
-          <a:bodyPr/>
-          <a:lstStyle/>
-          <a:p>
-            <a:r>
-              <a:rPr lang="en-US" dirty="0"/>
-              <a:t>Majority of countries surveyed attributed &lt;15% of traffic fatalities to incidents involving alcohol</a:t>
-            </a:r>
-          </a:p>
-          <a:p>
-            <a:r>
-              <a:rPr lang="en-US" dirty="0"/>
-              <a:t>Notwithstanding, some countries had a very high prevalence of fatalities related to DUI offences</a:t>
-            </a:r>
-          </a:p>
-        </p:txBody>
-      </p:sp>
-      <p:pic>
-        <p:nvPicPr>
-          <p:cNvPr id="10" name="Picture 9" descr="Chart, histogram&#10;&#10;Description automatically generated">
-            <a:extLst>
-              <a:ext uri="{FF2B5EF4-FFF2-40B4-BE49-F238E27FC236}">
-                <a16:creationId xmlns:a16="http://schemas.microsoft.com/office/drawing/2014/main" id="{8F38DBD1-64DC-4F97-AE3D-5A2DE2B047F0}"/>
-              </a:ext>
-            </a:extLst>
-          </p:cNvPr>
-          <p:cNvPicPr>
-            <a:picLocks noChangeAspect="1"/>
-          </p:cNvPicPr>
-          <p:nvPr/>
-        </p:nvPicPr>
-        <p:blipFill>
-          <a:blip r:embed="rId3"/>
-          <a:stretch>
-            <a:fillRect/>
-          </a:stretch>
-        </p:blipFill>
-        <p:spPr>
-          <a:xfrm>
-            <a:off x="475371" y="1360735"/>
-            <a:ext cx="5454762" cy="3741156"/>
-          </a:xfrm>
-          <a:prstGeom prst="rect">
-            <a:avLst/>
-          </a:prstGeom>
-        </p:spPr>
-      </p:pic>
-      <p:sp>
-        <p:nvSpPr>
-          <p:cNvPr id="13" name="Content Placeholder 2">
-            <a:extLst>
-              <a:ext uri="{FF2B5EF4-FFF2-40B4-BE49-F238E27FC236}">
-                <a16:creationId xmlns:a16="http://schemas.microsoft.com/office/drawing/2014/main" id="{F3880EAD-1FE1-429D-BF09-75E3987B8C95}"/>
-              </a:ext>
-            </a:extLst>
-          </p:cNvPr>
-          <p:cNvSpPr txBox="1">
-            <a:spLocks/>
-          </p:cNvSpPr>
-          <p:nvPr/>
-        </p:nvSpPr>
-        <p:spPr>
-          <a:xfrm>
-            <a:off x="6371248" y="4985583"/>
-            <a:ext cx="4823936" cy="1622487"/>
-          </a:xfrm>
-          <a:prstGeom prst="rect">
-            <a:avLst/>
-          </a:prstGeom>
-        </p:spPr>
-        <p:txBody>
-          <a:bodyPr vert="horz" lIns="91440" tIns="45720" rIns="91440" bIns="45720" rtlCol="0" anchor="ctr">
-            <a:normAutofit/>
-          </a:bodyPr>
-          <a:lstStyle>
-            <a:lvl1pPr marL="306000" indent="-306000" algn="l" defTabSz="457200" rtl="0" eaLnBrk="1" latinLnBrk="0" hangingPunct="1">
-              <a:lnSpc>
-                <a:spcPct val="100000"/>
-              </a:lnSpc>
-              <a:spcBef>
-                <a:spcPct val="20000"/>
-              </a:spcBef>
-              <a:spcAft>
-                <a:spcPts val="600"/>
-              </a:spcAft>
-              <a:buClr>
-                <a:schemeClr val="accent1"/>
-              </a:buClr>
-              <a:buSzPct val="92000"/>
-              <a:buFont typeface="Wingdings 2" panose="05020102010507070707" pitchFamily="18" charset="2"/>
-              <a:buChar char=""/>
-              <a:defRPr sz="1800" kern="1200">
-                <a:solidFill>
-                  <a:schemeClr val="tx1">
-                    <a:lumMod val="75000"/>
-                    <a:lumOff val="25000"/>
-                  </a:schemeClr>
-                </a:solidFill>
-                <a:latin typeface="+mn-lt"/>
-                <a:ea typeface="+mn-ea"/>
-                <a:cs typeface="+mn-cs"/>
-              </a:defRPr>
-            </a:lvl1pPr>
-            <a:lvl2pPr marL="630000" indent="-306000" algn="l" defTabSz="457200" rtl="0" eaLnBrk="1" latinLnBrk="0" hangingPunct="1">
-              <a:lnSpc>
-                <a:spcPct val="100000"/>
-              </a:lnSpc>
-              <a:spcBef>
-                <a:spcPct val="20000"/>
-              </a:spcBef>
-              <a:spcAft>
-                <a:spcPts val="600"/>
-              </a:spcAft>
-              <a:buClr>
-                <a:schemeClr val="accent1"/>
-              </a:buClr>
-              <a:buSzPct val="92000"/>
-              <a:buFont typeface="Wingdings 2" panose="05020102010507070707" pitchFamily="18" charset="2"/>
-              <a:buChar char=""/>
-              <a:defRPr sz="1600" kern="1200">
-                <a:solidFill>
-                  <a:schemeClr val="tx1">
-                    <a:lumMod val="75000"/>
-                    <a:lumOff val="25000"/>
-                  </a:schemeClr>
-                </a:solidFill>
-                <a:latin typeface="+mn-lt"/>
-                <a:ea typeface="+mn-ea"/>
-                <a:cs typeface="+mn-cs"/>
-              </a:defRPr>
-            </a:lvl2pPr>
-            <a:lvl3pPr marL="900000" indent="-270000" algn="l" defTabSz="457200" rtl="0" eaLnBrk="1" latinLnBrk="0" hangingPunct="1">
-              <a:lnSpc>
-                <a:spcPct val="100000"/>
-              </a:lnSpc>
-              <a:spcBef>
-                <a:spcPct val="20000"/>
-              </a:spcBef>
-              <a:spcAft>
-                <a:spcPts val="600"/>
-              </a:spcAft>
-              <a:buClr>
-                <a:schemeClr val="accent1"/>
-              </a:buClr>
-              <a:buSzPct val="92000"/>
-              <a:buFont typeface="Wingdings 2" panose="05020102010507070707" pitchFamily="18" charset="2"/>
-              <a:buChar char=""/>
-              <a:defRPr sz="1400" kern="1200">
-                <a:solidFill>
-                  <a:schemeClr val="tx1">
-                    <a:lumMod val="75000"/>
-                    <a:lumOff val="25000"/>
-                  </a:schemeClr>
-                </a:solidFill>
-                <a:latin typeface="+mn-lt"/>
-                <a:ea typeface="+mn-ea"/>
-                <a:cs typeface="+mn-cs"/>
-              </a:defRPr>
-            </a:lvl3pPr>
-            <a:lvl4pPr marL="1242000" indent="-234000" algn="l" defTabSz="457200" rtl="0" eaLnBrk="1" latinLnBrk="0" hangingPunct="1">
-              <a:lnSpc>
-                <a:spcPct val="100000"/>
-              </a:lnSpc>
-              <a:spcBef>
-                <a:spcPct val="20000"/>
-              </a:spcBef>
-              <a:spcAft>
-                <a:spcPts val="600"/>
-              </a:spcAft>
-              <a:buClr>
-                <a:schemeClr val="accent1"/>
-              </a:buClr>
-              <a:buSzPct val="92000"/>
-              <a:buFont typeface="Wingdings 2" panose="05020102010507070707" pitchFamily="18" charset="2"/>
-              <a:buChar char=""/>
-              <a:defRPr sz="1200" kern="1200">
-                <a:solidFill>
-                  <a:schemeClr val="tx1">
-                    <a:lumMod val="75000"/>
-                    <a:lumOff val="25000"/>
-                  </a:schemeClr>
-                </a:solidFill>
-                <a:latin typeface="+mn-lt"/>
-                <a:ea typeface="+mn-ea"/>
-                <a:cs typeface="+mn-cs"/>
-              </a:defRPr>
-            </a:lvl4pPr>
-            <a:lvl5pPr marL="1602000" indent="-234000" algn="l" defTabSz="457200" rtl="0" eaLnBrk="1" latinLnBrk="0" hangingPunct="1">
-              <a:lnSpc>
-                <a:spcPct val="100000"/>
-              </a:lnSpc>
-              <a:spcBef>
-                <a:spcPct val="20000"/>
-              </a:spcBef>
-              <a:spcAft>
-                <a:spcPts val="600"/>
-              </a:spcAft>
-              <a:buClr>
-                <a:schemeClr val="accent1"/>
-              </a:buClr>
-              <a:buSzPct val="92000"/>
-              <a:buFont typeface="Wingdings 2" panose="05020102010507070707" pitchFamily="18" charset="2"/>
-              <a:buChar char=""/>
-              <a:defRPr sz="1200" kern="1200">
-                <a:solidFill>
-                  <a:schemeClr val="tx1">
-                    <a:lumMod val="75000"/>
-                    <a:lumOff val="25000"/>
-                  </a:schemeClr>
-                </a:solidFill>
-                <a:latin typeface="+mn-lt"/>
-                <a:ea typeface="+mn-ea"/>
-                <a:cs typeface="+mn-cs"/>
-              </a:defRPr>
-            </a:lvl5pPr>
-            <a:lvl6pPr marL="1900000" indent="-228600" algn="l" defTabSz="457200" rtl="0" eaLnBrk="1" latinLnBrk="0" hangingPunct="1">
-              <a:spcBef>
-                <a:spcPct val="20000"/>
-              </a:spcBef>
-              <a:spcAft>
-                <a:spcPts val="600"/>
-              </a:spcAft>
-              <a:buClr>
-                <a:schemeClr val="accent2"/>
-              </a:buClr>
-              <a:buSzPct val="92000"/>
-              <a:buFont typeface="Wingdings 2" panose="05020102010507070707" pitchFamily="18" charset="2"/>
-              <a:buChar char=""/>
-              <a:defRPr sz="1200" kern="1200">
-                <a:solidFill>
-                  <a:schemeClr val="tx2"/>
-                </a:solidFill>
-                <a:latin typeface="+mn-lt"/>
-                <a:ea typeface="+mn-ea"/>
-                <a:cs typeface="+mn-cs"/>
-              </a:defRPr>
-            </a:lvl6pPr>
-            <a:lvl7pPr marL="2200000" indent="-228600" algn="l" defTabSz="457200" rtl="0" eaLnBrk="1" latinLnBrk="0" hangingPunct="1">
-              <a:spcBef>
-                <a:spcPct val="20000"/>
-              </a:spcBef>
-              <a:spcAft>
-                <a:spcPts val="600"/>
-              </a:spcAft>
-              <a:buClr>
-                <a:schemeClr val="accent2"/>
-              </a:buClr>
-              <a:buSzPct val="92000"/>
-              <a:buFont typeface="Wingdings 2" panose="05020102010507070707" pitchFamily="18" charset="2"/>
-              <a:buChar char=""/>
-              <a:defRPr sz="1200" kern="1200">
-                <a:solidFill>
-                  <a:schemeClr val="tx2"/>
-                </a:solidFill>
-                <a:latin typeface="+mn-lt"/>
-                <a:ea typeface="+mn-ea"/>
-                <a:cs typeface="+mn-cs"/>
-              </a:defRPr>
-            </a:lvl7pPr>
-            <a:lvl8pPr marL="2500000" indent="-228600" algn="l" defTabSz="457200" rtl="0" eaLnBrk="1" latinLnBrk="0" hangingPunct="1">
-              <a:spcBef>
-                <a:spcPct val="20000"/>
-              </a:spcBef>
-              <a:spcAft>
-                <a:spcPts val="600"/>
-              </a:spcAft>
-              <a:buClr>
-                <a:schemeClr val="accent2"/>
-              </a:buClr>
-              <a:buSzPct val="92000"/>
-              <a:buFont typeface="Wingdings 2" panose="05020102010507070707" pitchFamily="18" charset="2"/>
-              <a:buChar char=""/>
-              <a:defRPr sz="1200" kern="1200">
-                <a:solidFill>
-                  <a:schemeClr val="tx2"/>
-                </a:solidFill>
-                <a:latin typeface="+mn-lt"/>
-                <a:ea typeface="+mn-ea"/>
-                <a:cs typeface="+mn-cs"/>
-              </a:defRPr>
-            </a:lvl8pPr>
-            <a:lvl9pPr marL="2800000" indent="-228600" algn="l" defTabSz="457200" rtl="0" eaLnBrk="1" latinLnBrk="0" hangingPunct="1">
-              <a:spcBef>
-                <a:spcPct val="20000"/>
-              </a:spcBef>
-              <a:spcAft>
-                <a:spcPts val="600"/>
-              </a:spcAft>
-              <a:buClr>
-                <a:schemeClr val="accent2"/>
-              </a:buClr>
-              <a:buSzPct val="92000"/>
-              <a:buFont typeface="Wingdings 2" panose="05020102010507070707" pitchFamily="18" charset="2"/>
-              <a:buChar char=""/>
-              <a:defRPr sz="1200" kern="1200">
-                <a:solidFill>
-                  <a:schemeClr val="tx2"/>
-                </a:solidFill>
-                <a:latin typeface="+mn-lt"/>
-                <a:ea typeface="+mn-ea"/>
-                <a:cs typeface="+mn-cs"/>
-              </a:defRPr>
-            </a:lvl9pPr>
-          </a:lstStyle>
-          <a:p>
-            <a:r>
-              <a:rPr lang="en-US" dirty="0"/>
-              <a:t>The correlation between BAC limit and percentage of fatalities was found to be weak (r</a:t>
-            </a:r>
-            <a:r>
-              <a:rPr lang="en-US" baseline="30000" dirty="0"/>
-              <a:t>2</a:t>
-            </a:r>
-            <a:r>
-              <a:rPr lang="en-US" dirty="0"/>
-              <a:t> = 4%), therefore likely that correlation ≠ causation. </a:t>
-            </a:r>
-          </a:p>
-        </p:txBody>
-      </p:sp>
     </p:spTree>
     <p:extLst>
       <p:ext uri="{BB962C8B-B14F-4D97-AF65-F5344CB8AC3E}">
-        <p14:creationId xmlns:p14="http://schemas.microsoft.com/office/powerpoint/2010/main" val="3479678397"/>
+        <p14:creationId xmlns:p14="http://schemas.microsoft.com/office/powerpoint/2010/main" val="2380875080"/>
       </p:ext>
     </p:extLst>
   </p:cSld>
@@ -7912,21 +8150,52 @@
           <a:chExt cx="0" cy="0"/>
         </a:xfrm>
       </p:grpSpPr>
+      <p:sp>
+        <p:nvSpPr>
+          <p:cNvPr id="2" name="Title 1">
+            <a:extLst>
+              <a:ext uri="{FF2B5EF4-FFF2-40B4-BE49-F238E27FC236}">
+                <a16:creationId xmlns:a16="http://schemas.microsoft.com/office/drawing/2014/main" id="{DA75614F-B11B-424B-82E0-0AFF9AD0EB31}"/>
+              </a:ext>
+            </a:extLst>
+          </p:cNvPr>
+          <p:cNvSpPr>
+            <a:spLocks noGrp="1"/>
+          </p:cNvSpPr>
+          <p:nvPr>
+            <p:ph type="title"/>
+          </p:nvPr>
+        </p:nvSpPr>
+        <p:spPr>
+          <a:xfrm>
+            <a:off x="665082" y="625820"/>
+            <a:ext cx="11029616" cy="615749"/>
+          </a:xfrm>
+        </p:spPr>
+        <p:txBody>
+          <a:bodyPr/>
+          <a:lstStyle/>
+          <a:p>
+            <a:r>
+              <a:rPr lang="en-AU" dirty="0"/>
+              <a:t>Drink driving laws and influence on road fatalities</a:t>
+            </a:r>
+          </a:p>
+        </p:txBody>
+      </p:sp>
       <p:pic>
         <p:nvPicPr>
-          <p:cNvPr id="5" name="Content Placeholder 4" descr="Chart, scatter chart, bubble chart&#10;&#10;Description automatically generated">
-            <a:extLst>
-              <a:ext uri="{FF2B5EF4-FFF2-40B4-BE49-F238E27FC236}">
-                <a16:creationId xmlns:a16="http://schemas.microsoft.com/office/drawing/2014/main" id="{16DA9EC3-564B-47AE-85B6-C57C3422F7EF}"/>
+          <p:cNvPr id="7" name="Picture 6" descr="Chart, box and whisker chart&#10;&#10;Description automatically generated">
+            <a:extLst>
+              <a:ext uri="{FF2B5EF4-FFF2-40B4-BE49-F238E27FC236}">
+                <a16:creationId xmlns:a16="http://schemas.microsoft.com/office/drawing/2014/main" id="{1D66413D-2DC6-4D77-B04D-7B0106646563}"/>
               </a:ext>
             </a:extLst>
           </p:cNvPr>
           <p:cNvPicPr>
-            <a:picLocks noGrp="1" noChangeAspect="1"/>
+            <a:picLocks noChangeAspect="1"/>
           </p:cNvPicPr>
-          <p:nvPr>
-            <p:ph idx="1"/>
-          </p:nvPr>
+          <p:nvPr/>
         </p:nvPicPr>
         <p:blipFill>
           <a:blip r:embed="rId2"/>
@@ -7936,17 +8205,59 @@
         </p:blipFill>
         <p:spPr>
           <a:xfrm>
-            <a:off x="6179890" y="1455087"/>
-            <a:ext cx="3556916" cy="3578344"/>
-          </a:xfrm>
+            <a:off x="5930133" y="1181985"/>
+            <a:ext cx="5705397" cy="3803598"/>
+          </a:xfrm>
+          <a:prstGeom prst="rect">
+            <a:avLst/>
+          </a:prstGeom>
         </p:spPr>
       </p:pic>
+      <p:sp>
+        <p:nvSpPr>
+          <p:cNvPr id="8" name="Content Placeholder 2">
+            <a:extLst>
+              <a:ext uri="{FF2B5EF4-FFF2-40B4-BE49-F238E27FC236}">
+                <a16:creationId xmlns:a16="http://schemas.microsoft.com/office/drawing/2014/main" id="{AB240367-D123-4E86-9D2B-2937B4E33006}"/>
+              </a:ext>
+            </a:extLst>
+          </p:cNvPr>
+          <p:cNvSpPr>
+            <a:spLocks noGrp="1"/>
+          </p:cNvSpPr>
+          <p:nvPr>
+            <p:ph idx="1"/>
+          </p:nvPr>
+        </p:nvSpPr>
+        <p:spPr>
+          <a:xfrm>
+            <a:off x="790352" y="5045166"/>
+            <a:ext cx="5169366" cy="1622487"/>
+          </a:xfrm>
+        </p:spPr>
+        <p:txBody>
+          <a:bodyPr/>
+          <a:lstStyle/>
+          <a:p>
+            <a:r>
+              <a:rPr lang="en-US" dirty="0"/>
+              <a:t>Majority of countries surveyed attributed &lt;15% of traffic fatalities to incidents involving alcohol</a:t>
+            </a:r>
+          </a:p>
+          <a:p>
+            <a:r>
+              <a:rPr lang="en-US" dirty="0"/>
+              <a:t>Notwithstanding, some countries had a very high prevalence of fatalities related to DUI offences</a:t>
+            </a:r>
+          </a:p>
+        </p:txBody>
+      </p:sp>
       <p:pic>
         <p:nvPicPr>
-          <p:cNvPr id="7" name="Picture 6" descr="Chart&#10;&#10;Description automatically generated">
-            <a:extLst>
-              <a:ext uri="{FF2B5EF4-FFF2-40B4-BE49-F238E27FC236}">
-                <a16:creationId xmlns:a16="http://schemas.microsoft.com/office/drawing/2014/main" id="{953FB980-220A-4E38-9640-2BDAF174988C}"/>
+          <p:cNvPr id="10" name="Picture 9" descr="Chart, histogram&#10;&#10;Description automatically generated">
+            <a:extLst>
+              <a:ext uri="{FF2B5EF4-FFF2-40B4-BE49-F238E27FC236}">
+                <a16:creationId xmlns:a16="http://schemas.microsoft.com/office/drawing/2014/main" id="{8F38DBD1-64DC-4F97-AE3D-5A2DE2B047F0}"/>
               </a:ext>
             </a:extLst>
           </p:cNvPr>
@@ -7963,8 +8274,8 @@
         </p:blipFill>
         <p:spPr>
           <a:xfrm>
-            <a:off x="665082" y="1241569"/>
-            <a:ext cx="4674665" cy="3671136"/>
+            <a:off x="475371" y="1360735"/>
+            <a:ext cx="5454762" cy="3741156"/>
           </a:xfrm>
           <a:prstGeom prst="rect">
             <a:avLst/>
@@ -7973,10 +8284,10 @@
       </p:pic>
       <p:sp>
         <p:nvSpPr>
-          <p:cNvPr id="16" name="Title 1">
-            <a:extLst>
-              <a:ext uri="{FF2B5EF4-FFF2-40B4-BE49-F238E27FC236}">
-                <a16:creationId xmlns:a16="http://schemas.microsoft.com/office/drawing/2014/main" id="{D4EAA9A9-B96C-45D2-8396-923D759D46A3}"/>
+          <p:cNvPr id="13" name="Content Placeholder 2">
+            <a:extLst>
+              <a:ext uri="{FF2B5EF4-FFF2-40B4-BE49-F238E27FC236}">
+                <a16:creationId xmlns:a16="http://schemas.microsoft.com/office/drawing/2014/main" id="{F3880EAD-1FE1-429D-BF09-75E3987B8C95}"/>
               </a:ext>
             </a:extLst>
           </p:cNvPr>
@@ -7987,121 +8298,8 @@
         </p:nvSpPr>
         <p:spPr>
           <a:xfrm>
-            <a:off x="665082" y="625820"/>
-            <a:ext cx="11029616" cy="615749"/>
-          </a:xfrm>
-          <a:prstGeom prst="rect">
-            <a:avLst/>
-          </a:prstGeom>
-        </p:spPr>
-        <p:txBody>
-          <a:bodyPr vert="horz" lIns="91440" tIns="45720" rIns="91440" bIns="45720" rtlCol="0" anchor="b">
-            <a:normAutofit/>
-          </a:bodyPr>
-          <a:lstStyle>
-            <a:lvl1pPr algn="l" defTabSz="457200" rtl="0" eaLnBrk="1" latinLnBrk="0" hangingPunct="1">
-              <a:lnSpc>
-                <a:spcPct val="100000"/>
-              </a:lnSpc>
-              <a:spcBef>
-                <a:spcPct val="0"/>
-              </a:spcBef>
-              <a:buNone/>
-              <a:defRPr sz="2800" b="0" kern="1200" cap="all">
-                <a:solidFill>
-                  <a:schemeClr val="tx1">
-                    <a:lumMod val="75000"/>
-                    <a:lumOff val="25000"/>
-                  </a:schemeClr>
-                </a:solidFill>
-                <a:latin typeface="+mj-lt"/>
-                <a:ea typeface="+mj-ea"/>
-                <a:cs typeface="+mj-cs"/>
-              </a:defRPr>
-            </a:lvl1pPr>
-            <a:lvl2pPr eaLnBrk="1" hangingPunct="1">
-              <a:defRPr>
-                <a:solidFill>
-                  <a:schemeClr val="tx2"/>
-                </a:solidFill>
-              </a:defRPr>
-            </a:lvl2pPr>
-            <a:lvl3pPr eaLnBrk="1" hangingPunct="1">
-              <a:defRPr>
-                <a:solidFill>
-                  <a:schemeClr val="tx2"/>
-                </a:solidFill>
-              </a:defRPr>
-            </a:lvl3pPr>
-            <a:lvl4pPr eaLnBrk="1" hangingPunct="1">
-              <a:defRPr>
-                <a:solidFill>
-                  <a:schemeClr val="tx2"/>
-                </a:solidFill>
-              </a:defRPr>
-            </a:lvl4pPr>
-            <a:lvl5pPr eaLnBrk="1" hangingPunct="1">
-              <a:defRPr>
-                <a:solidFill>
-                  <a:schemeClr val="tx2"/>
-                </a:solidFill>
-              </a:defRPr>
-            </a:lvl5pPr>
-            <a:lvl6pPr eaLnBrk="1" hangingPunct="1">
-              <a:defRPr>
-                <a:solidFill>
-                  <a:schemeClr val="tx2"/>
-                </a:solidFill>
-              </a:defRPr>
-            </a:lvl6pPr>
-            <a:lvl7pPr eaLnBrk="1" hangingPunct="1">
-              <a:defRPr>
-                <a:solidFill>
-                  <a:schemeClr val="tx2"/>
-                </a:solidFill>
-              </a:defRPr>
-            </a:lvl7pPr>
-            <a:lvl8pPr eaLnBrk="1" hangingPunct="1">
-              <a:defRPr>
-                <a:solidFill>
-                  <a:schemeClr val="tx2"/>
-                </a:solidFill>
-              </a:defRPr>
-            </a:lvl8pPr>
-            <a:lvl9pPr eaLnBrk="1" hangingPunct="1">
-              <a:defRPr>
-                <a:solidFill>
-                  <a:schemeClr val="tx2"/>
-                </a:solidFill>
-              </a:defRPr>
-            </a:lvl9pPr>
-          </a:lstStyle>
-          <a:p>
-            <a:r>
-              <a:rPr lang="en-AU" dirty="0"/>
-              <a:t>Drink driving laws and influence on road fatalities</a:t>
-            </a:r>
-          </a:p>
-        </p:txBody>
-      </p:sp>
-      <p:sp>
-        <p:nvSpPr>
-          <p:cNvPr id="19" name="Content Placeholder 2">
-            <a:extLst>
-              <a:ext uri="{FF2B5EF4-FFF2-40B4-BE49-F238E27FC236}">
-                <a16:creationId xmlns:a16="http://schemas.microsoft.com/office/drawing/2014/main" id="{8405397F-5799-41D2-B923-D378173F34DB}"/>
-              </a:ext>
-            </a:extLst>
-          </p:cNvPr>
-          <p:cNvSpPr txBox="1">
-            <a:spLocks/>
-          </p:cNvSpPr>
-          <p:nvPr/>
-        </p:nvSpPr>
-        <p:spPr>
-          <a:xfrm>
-            <a:off x="760765" y="4913529"/>
-            <a:ext cx="4926971" cy="1622487"/>
+            <a:off x="6371248" y="4985583"/>
+            <a:ext cx="4823936" cy="1622487"/>
           </a:xfrm>
           <a:prstGeom prst="rect">
             <a:avLst/>
@@ -8344,292 +8542,15 @@
           <a:p>
             <a:r>
               <a:rPr lang="en-US" dirty="0"/>
-              <a:t>68% of countries had BAC limits between 0.03 and 0.05g/dl</a:t>
-            </a:r>
-          </a:p>
-          <a:p>
+              <a:t>The correlation between BAC limit and percentage of fatalities was found to be weak (r</a:t>
+            </a:r>
+            <a:r>
+              <a:rPr lang="en-US" baseline="30000" dirty="0"/>
+              <a:t>2</a:t>
+            </a:r>
             <a:r>
               <a:rPr lang="en-US" dirty="0"/>
-              <a:t>Limits above 0.07g/l accounted for 19% of counties</a:t>
-            </a:r>
-          </a:p>
-        </p:txBody>
-      </p:sp>
-      <p:sp>
-        <p:nvSpPr>
-          <p:cNvPr id="23" name="Content Placeholder 2">
-            <a:extLst>
-              <a:ext uri="{FF2B5EF4-FFF2-40B4-BE49-F238E27FC236}">
-                <a16:creationId xmlns:a16="http://schemas.microsoft.com/office/drawing/2014/main" id="{AC5B34F1-982D-470F-889B-FD92313D3C55}"/>
-              </a:ext>
-            </a:extLst>
-          </p:cNvPr>
-          <p:cNvSpPr txBox="1">
-            <a:spLocks/>
-          </p:cNvSpPr>
-          <p:nvPr/>
-        </p:nvSpPr>
-        <p:spPr>
-          <a:xfrm>
-            <a:off x="6366009" y="4748206"/>
-            <a:ext cx="4926971" cy="1622487"/>
-          </a:xfrm>
-          <a:prstGeom prst="rect">
-            <a:avLst/>
-          </a:prstGeom>
-        </p:spPr>
-        <p:txBody>
-          <a:bodyPr vert="horz" lIns="91440" tIns="45720" rIns="91440" bIns="45720" rtlCol="0" anchor="ctr">
-            <a:normAutofit/>
-          </a:bodyPr>
-          <a:lstStyle>
-            <a:lvl1pPr marL="306000" indent="-306000" algn="l" defTabSz="457200" rtl="0" eaLnBrk="1" latinLnBrk="0" hangingPunct="1">
-              <a:lnSpc>
-                <a:spcPct val="100000"/>
-              </a:lnSpc>
-              <a:spcBef>
-                <a:spcPct val="20000"/>
-              </a:spcBef>
-              <a:spcAft>
-                <a:spcPts val="600"/>
-              </a:spcAft>
-              <a:buClr>
-                <a:schemeClr val="accent1"/>
-              </a:buClr>
-              <a:buSzPct val="92000"/>
-              <a:buFont typeface="Wingdings 2" panose="05020102010507070707" pitchFamily="18" charset="2"/>
-              <a:buChar char=""/>
-              <a:defRPr sz="1800" kern="1200">
-                <a:solidFill>
-                  <a:schemeClr val="tx1">
-                    <a:lumMod val="75000"/>
-                    <a:lumOff val="25000"/>
-                  </a:schemeClr>
-                </a:solidFill>
-                <a:latin typeface="+mn-lt"/>
-                <a:ea typeface="+mn-ea"/>
-                <a:cs typeface="+mn-cs"/>
-              </a:defRPr>
-            </a:lvl1pPr>
-            <a:lvl2pPr marL="630000" indent="-306000" algn="l" defTabSz="457200" rtl="0" eaLnBrk="1" latinLnBrk="0" hangingPunct="1">
-              <a:lnSpc>
-                <a:spcPct val="100000"/>
-              </a:lnSpc>
-              <a:spcBef>
-                <a:spcPct val="20000"/>
-              </a:spcBef>
-              <a:spcAft>
-                <a:spcPts val="600"/>
-              </a:spcAft>
-              <a:buClr>
-                <a:schemeClr val="accent1"/>
-              </a:buClr>
-              <a:buSzPct val="92000"/>
-              <a:buFont typeface="Wingdings 2" panose="05020102010507070707" pitchFamily="18" charset="2"/>
-              <a:buChar char=""/>
-              <a:defRPr sz="1600" kern="1200">
-                <a:solidFill>
-                  <a:schemeClr val="tx1">
-                    <a:lumMod val="75000"/>
-                    <a:lumOff val="25000"/>
-                  </a:schemeClr>
-                </a:solidFill>
-                <a:latin typeface="+mn-lt"/>
-                <a:ea typeface="+mn-ea"/>
-                <a:cs typeface="+mn-cs"/>
-              </a:defRPr>
-            </a:lvl2pPr>
-            <a:lvl3pPr marL="900000" indent="-270000" algn="l" defTabSz="457200" rtl="0" eaLnBrk="1" latinLnBrk="0" hangingPunct="1">
-              <a:lnSpc>
-                <a:spcPct val="100000"/>
-              </a:lnSpc>
-              <a:spcBef>
-                <a:spcPct val="20000"/>
-              </a:spcBef>
-              <a:spcAft>
-                <a:spcPts val="600"/>
-              </a:spcAft>
-              <a:buClr>
-                <a:schemeClr val="accent1"/>
-              </a:buClr>
-              <a:buSzPct val="92000"/>
-              <a:buFont typeface="Wingdings 2" panose="05020102010507070707" pitchFamily="18" charset="2"/>
-              <a:buChar char=""/>
-              <a:defRPr sz="1400" kern="1200">
-                <a:solidFill>
-                  <a:schemeClr val="tx1">
-                    <a:lumMod val="75000"/>
-                    <a:lumOff val="25000"/>
-                  </a:schemeClr>
-                </a:solidFill>
-                <a:latin typeface="+mn-lt"/>
-                <a:ea typeface="+mn-ea"/>
-                <a:cs typeface="+mn-cs"/>
-              </a:defRPr>
-            </a:lvl3pPr>
-            <a:lvl4pPr marL="1242000" indent="-234000" algn="l" defTabSz="457200" rtl="0" eaLnBrk="1" latinLnBrk="0" hangingPunct="1">
-              <a:lnSpc>
-                <a:spcPct val="100000"/>
-              </a:lnSpc>
-              <a:spcBef>
-                <a:spcPct val="20000"/>
-              </a:spcBef>
-              <a:spcAft>
-                <a:spcPts val="600"/>
-              </a:spcAft>
-              <a:buClr>
-                <a:schemeClr val="accent1"/>
-              </a:buClr>
-              <a:buSzPct val="92000"/>
-              <a:buFont typeface="Wingdings 2" panose="05020102010507070707" pitchFamily="18" charset="2"/>
-              <a:buChar char=""/>
-              <a:defRPr sz="1200" kern="1200">
-                <a:solidFill>
-                  <a:schemeClr val="tx1">
-                    <a:lumMod val="75000"/>
-                    <a:lumOff val="25000"/>
-                  </a:schemeClr>
-                </a:solidFill>
-                <a:latin typeface="+mn-lt"/>
-                <a:ea typeface="+mn-ea"/>
-                <a:cs typeface="+mn-cs"/>
-              </a:defRPr>
-            </a:lvl4pPr>
-            <a:lvl5pPr marL="1602000" indent="-234000" algn="l" defTabSz="457200" rtl="0" eaLnBrk="1" latinLnBrk="0" hangingPunct="1">
-              <a:lnSpc>
-                <a:spcPct val="100000"/>
-              </a:lnSpc>
-              <a:spcBef>
-                <a:spcPct val="20000"/>
-              </a:spcBef>
-              <a:spcAft>
-                <a:spcPts val="600"/>
-              </a:spcAft>
-              <a:buClr>
-                <a:schemeClr val="accent1"/>
-              </a:buClr>
-              <a:buSzPct val="92000"/>
-              <a:buFont typeface="Wingdings 2" panose="05020102010507070707" pitchFamily="18" charset="2"/>
-              <a:buChar char=""/>
-              <a:defRPr sz="1200" kern="1200">
-                <a:solidFill>
-                  <a:schemeClr val="tx1">
-                    <a:lumMod val="75000"/>
-                    <a:lumOff val="25000"/>
-                  </a:schemeClr>
-                </a:solidFill>
-                <a:latin typeface="+mn-lt"/>
-                <a:ea typeface="+mn-ea"/>
-                <a:cs typeface="+mn-cs"/>
-              </a:defRPr>
-            </a:lvl5pPr>
-            <a:lvl6pPr marL="1900000" indent="-228600" algn="l" defTabSz="457200" rtl="0" eaLnBrk="1" latinLnBrk="0" hangingPunct="1">
-              <a:spcBef>
-                <a:spcPct val="20000"/>
-              </a:spcBef>
-              <a:spcAft>
-                <a:spcPts val="600"/>
-              </a:spcAft>
-              <a:buClr>
-                <a:schemeClr val="accent2"/>
-              </a:buClr>
-              <a:buSzPct val="92000"/>
-              <a:buFont typeface="Wingdings 2" panose="05020102010507070707" pitchFamily="18" charset="2"/>
-              <a:buChar char=""/>
-              <a:defRPr sz="1200" kern="1200">
-                <a:solidFill>
-                  <a:schemeClr val="tx2"/>
-                </a:solidFill>
-                <a:latin typeface="+mn-lt"/>
-                <a:ea typeface="+mn-ea"/>
-                <a:cs typeface="+mn-cs"/>
-              </a:defRPr>
-            </a:lvl6pPr>
-            <a:lvl7pPr marL="2200000" indent="-228600" algn="l" defTabSz="457200" rtl="0" eaLnBrk="1" latinLnBrk="0" hangingPunct="1">
-              <a:spcBef>
-                <a:spcPct val="20000"/>
-              </a:spcBef>
-              <a:spcAft>
-                <a:spcPts val="600"/>
-              </a:spcAft>
-              <a:buClr>
-                <a:schemeClr val="accent2"/>
-              </a:buClr>
-              <a:buSzPct val="92000"/>
-              <a:buFont typeface="Wingdings 2" panose="05020102010507070707" pitchFamily="18" charset="2"/>
-              <a:buChar char=""/>
-              <a:defRPr sz="1200" kern="1200">
-                <a:solidFill>
-                  <a:schemeClr val="tx2"/>
-                </a:solidFill>
-                <a:latin typeface="+mn-lt"/>
-                <a:ea typeface="+mn-ea"/>
-                <a:cs typeface="+mn-cs"/>
-              </a:defRPr>
-            </a:lvl7pPr>
-            <a:lvl8pPr marL="2500000" indent="-228600" algn="l" defTabSz="457200" rtl="0" eaLnBrk="1" latinLnBrk="0" hangingPunct="1">
-              <a:spcBef>
-                <a:spcPct val="20000"/>
-              </a:spcBef>
-              <a:spcAft>
-                <a:spcPts val="600"/>
-              </a:spcAft>
-              <a:buClr>
-                <a:schemeClr val="accent2"/>
-              </a:buClr>
-              <a:buSzPct val="92000"/>
-              <a:buFont typeface="Wingdings 2" panose="05020102010507070707" pitchFamily="18" charset="2"/>
-              <a:buChar char=""/>
-              <a:defRPr sz="1200" kern="1200">
-                <a:solidFill>
-                  <a:schemeClr val="tx2"/>
-                </a:solidFill>
-                <a:latin typeface="+mn-lt"/>
-                <a:ea typeface="+mn-ea"/>
-                <a:cs typeface="+mn-cs"/>
-              </a:defRPr>
-            </a:lvl8pPr>
-            <a:lvl9pPr marL="2800000" indent="-228600" algn="l" defTabSz="457200" rtl="0" eaLnBrk="1" latinLnBrk="0" hangingPunct="1">
-              <a:spcBef>
-                <a:spcPct val="20000"/>
-              </a:spcBef>
-              <a:spcAft>
-                <a:spcPts val="600"/>
-              </a:spcAft>
-              <a:buClr>
-                <a:schemeClr val="accent2"/>
-              </a:buClr>
-              <a:buSzPct val="92000"/>
-              <a:buFont typeface="Wingdings 2" panose="05020102010507070707" pitchFamily="18" charset="2"/>
-              <a:buChar char=""/>
-              <a:defRPr sz="1200" kern="1200">
-                <a:solidFill>
-                  <a:schemeClr val="tx2"/>
-                </a:solidFill>
-                <a:latin typeface="+mn-lt"/>
-                <a:ea typeface="+mn-ea"/>
-                <a:cs typeface="+mn-cs"/>
-              </a:defRPr>
-            </a:lvl9pPr>
-          </a:lstStyle>
-          <a:p>
-            <a:r>
-              <a:rPr lang="en-US" dirty="0"/>
-              <a:t>Limited correlation between GNIPC and limits</a:t>
-            </a:r>
-          </a:p>
-          <a:p>
-            <a:r>
-              <a:rPr lang="en-US" dirty="0"/>
-              <a:t>Hypothesis: countries’ penalties may influence </a:t>
-            </a:r>
-            <a:r>
-              <a:rPr lang="en-US" dirty="0" err="1"/>
-              <a:t>behaviour</a:t>
-            </a:r>
-            <a:r>
-              <a:rPr lang="en-US" dirty="0"/>
-              <a:t> </a:t>
+              <a:t> = 4%), therefore likely that correlation ≠ causation. </a:t>
             </a:r>
           </a:p>
         </p:txBody>
@@ -8637,7 +8558,7 @@
     </p:spTree>
     <p:extLst>
       <p:ext uri="{BB962C8B-B14F-4D97-AF65-F5344CB8AC3E}">
-        <p14:creationId xmlns:p14="http://schemas.microsoft.com/office/powerpoint/2010/main" val="295816866"/>
+        <p14:creationId xmlns:p14="http://schemas.microsoft.com/office/powerpoint/2010/main" val="3479678397"/>
       </p:ext>
     </p:extLst>
   </p:cSld>
@@ -8664,6 +8585,758 @@
           <a:chExt cx="0" cy="0"/>
         </a:xfrm>
       </p:grpSpPr>
+      <p:pic>
+        <p:nvPicPr>
+          <p:cNvPr id="5" name="Content Placeholder 4" descr="Chart, scatter chart, bubble chart&#10;&#10;Description automatically generated">
+            <a:extLst>
+              <a:ext uri="{FF2B5EF4-FFF2-40B4-BE49-F238E27FC236}">
+                <a16:creationId xmlns:a16="http://schemas.microsoft.com/office/drawing/2014/main" id="{16DA9EC3-564B-47AE-85B6-C57C3422F7EF}"/>
+              </a:ext>
+            </a:extLst>
+          </p:cNvPr>
+          <p:cNvPicPr>
+            <a:picLocks noGrp="1" noChangeAspect="1"/>
+          </p:cNvPicPr>
+          <p:nvPr>
+            <p:ph idx="1"/>
+          </p:nvPr>
+        </p:nvPicPr>
+        <p:blipFill>
+          <a:blip r:embed="rId2"/>
+          <a:stretch>
+            <a:fillRect/>
+          </a:stretch>
+        </p:blipFill>
+        <p:spPr>
+          <a:xfrm>
+            <a:off x="6179890" y="1455087"/>
+            <a:ext cx="3556916" cy="3578344"/>
+          </a:xfrm>
+        </p:spPr>
+      </p:pic>
+      <p:pic>
+        <p:nvPicPr>
+          <p:cNvPr id="7" name="Picture 6" descr="Chart&#10;&#10;Description automatically generated">
+            <a:extLst>
+              <a:ext uri="{FF2B5EF4-FFF2-40B4-BE49-F238E27FC236}">
+                <a16:creationId xmlns:a16="http://schemas.microsoft.com/office/drawing/2014/main" id="{953FB980-220A-4E38-9640-2BDAF174988C}"/>
+              </a:ext>
+            </a:extLst>
+          </p:cNvPr>
+          <p:cNvPicPr>
+            <a:picLocks noChangeAspect="1"/>
+          </p:cNvPicPr>
+          <p:nvPr/>
+        </p:nvPicPr>
+        <p:blipFill>
+          <a:blip r:embed="rId3"/>
+          <a:stretch>
+            <a:fillRect/>
+          </a:stretch>
+        </p:blipFill>
+        <p:spPr>
+          <a:xfrm>
+            <a:off x="665082" y="1241569"/>
+            <a:ext cx="4674665" cy="3671136"/>
+          </a:xfrm>
+          <a:prstGeom prst="rect">
+            <a:avLst/>
+          </a:prstGeom>
+        </p:spPr>
+      </p:pic>
+      <p:sp>
+        <p:nvSpPr>
+          <p:cNvPr id="16" name="Title 1">
+            <a:extLst>
+              <a:ext uri="{FF2B5EF4-FFF2-40B4-BE49-F238E27FC236}">
+                <a16:creationId xmlns:a16="http://schemas.microsoft.com/office/drawing/2014/main" id="{D4EAA9A9-B96C-45D2-8396-923D759D46A3}"/>
+              </a:ext>
+            </a:extLst>
+          </p:cNvPr>
+          <p:cNvSpPr txBox="1">
+            <a:spLocks/>
+          </p:cNvSpPr>
+          <p:nvPr/>
+        </p:nvSpPr>
+        <p:spPr>
+          <a:xfrm>
+            <a:off x="665082" y="625820"/>
+            <a:ext cx="11029616" cy="615749"/>
+          </a:xfrm>
+          <a:prstGeom prst="rect">
+            <a:avLst/>
+          </a:prstGeom>
+        </p:spPr>
+        <p:txBody>
+          <a:bodyPr vert="horz" lIns="91440" tIns="45720" rIns="91440" bIns="45720" rtlCol="0" anchor="b">
+            <a:normAutofit/>
+          </a:bodyPr>
+          <a:lstStyle>
+            <a:lvl1pPr algn="l" defTabSz="457200" rtl="0" eaLnBrk="1" latinLnBrk="0" hangingPunct="1">
+              <a:lnSpc>
+                <a:spcPct val="100000"/>
+              </a:lnSpc>
+              <a:spcBef>
+                <a:spcPct val="0"/>
+              </a:spcBef>
+              <a:buNone/>
+              <a:defRPr sz="2800" b="0" kern="1200" cap="all">
+                <a:solidFill>
+                  <a:schemeClr val="tx1">
+                    <a:lumMod val="75000"/>
+                    <a:lumOff val="25000"/>
+                  </a:schemeClr>
+                </a:solidFill>
+                <a:latin typeface="+mj-lt"/>
+                <a:ea typeface="+mj-ea"/>
+                <a:cs typeface="+mj-cs"/>
+              </a:defRPr>
+            </a:lvl1pPr>
+            <a:lvl2pPr eaLnBrk="1" hangingPunct="1">
+              <a:defRPr>
+                <a:solidFill>
+                  <a:schemeClr val="tx2"/>
+                </a:solidFill>
+              </a:defRPr>
+            </a:lvl2pPr>
+            <a:lvl3pPr eaLnBrk="1" hangingPunct="1">
+              <a:defRPr>
+                <a:solidFill>
+                  <a:schemeClr val="tx2"/>
+                </a:solidFill>
+              </a:defRPr>
+            </a:lvl3pPr>
+            <a:lvl4pPr eaLnBrk="1" hangingPunct="1">
+              <a:defRPr>
+                <a:solidFill>
+                  <a:schemeClr val="tx2"/>
+                </a:solidFill>
+              </a:defRPr>
+            </a:lvl4pPr>
+            <a:lvl5pPr eaLnBrk="1" hangingPunct="1">
+              <a:defRPr>
+                <a:solidFill>
+                  <a:schemeClr val="tx2"/>
+                </a:solidFill>
+              </a:defRPr>
+            </a:lvl5pPr>
+            <a:lvl6pPr eaLnBrk="1" hangingPunct="1">
+              <a:defRPr>
+                <a:solidFill>
+                  <a:schemeClr val="tx2"/>
+                </a:solidFill>
+              </a:defRPr>
+            </a:lvl6pPr>
+            <a:lvl7pPr eaLnBrk="1" hangingPunct="1">
+              <a:defRPr>
+                <a:solidFill>
+                  <a:schemeClr val="tx2"/>
+                </a:solidFill>
+              </a:defRPr>
+            </a:lvl7pPr>
+            <a:lvl8pPr eaLnBrk="1" hangingPunct="1">
+              <a:defRPr>
+                <a:solidFill>
+                  <a:schemeClr val="tx2"/>
+                </a:solidFill>
+              </a:defRPr>
+            </a:lvl8pPr>
+            <a:lvl9pPr eaLnBrk="1" hangingPunct="1">
+              <a:defRPr>
+                <a:solidFill>
+                  <a:schemeClr val="tx2"/>
+                </a:solidFill>
+              </a:defRPr>
+            </a:lvl9pPr>
+          </a:lstStyle>
+          <a:p>
+            <a:r>
+              <a:rPr lang="en-AU" dirty="0"/>
+              <a:t>Drink driving laws and influence on road fatalities</a:t>
+            </a:r>
+          </a:p>
+        </p:txBody>
+      </p:sp>
+      <p:sp>
+        <p:nvSpPr>
+          <p:cNvPr id="19" name="Content Placeholder 2">
+            <a:extLst>
+              <a:ext uri="{FF2B5EF4-FFF2-40B4-BE49-F238E27FC236}">
+                <a16:creationId xmlns:a16="http://schemas.microsoft.com/office/drawing/2014/main" id="{8405397F-5799-41D2-B923-D378173F34DB}"/>
+              </a:ext>
+            </a:extLst>
+          </p:cNvPr>
+          <p:cNvSpPr txBox="1">
+            <a:spLocks/>
+          </p:cNvSpPr>
+          <p:nvPr/>
+        </p:nvSpPr>
+        <p:spPr>
+          <a:xfrm>
+            <a:off x="760765" y="4913529"/>
+            <a:ext cx="4926971" cy="1622487"/>
+          </a:xfrm>
+          <a:prstGeom prst="rect">
+            <a:avLst/>
+          </a:prstGeom>
+        </p:spPr>
+        <p:txBody>
+          <a:bodyPr vert="horz" lIns="91440" tIns="45720" rIns="91440" bIns="45720" rtlCol="0" anchor="ctr">
+            <a:normAutofit/>
+          </a:bodyPr>
+          <a:lstStyle>
+            <a:lvl1pPr marL="306000" indent="-306000" algn="l" defTabSz="457200" rtl="0" eaLnBrk="1" latinLnBrk="0" hangingPunct="1">
+              <a:lnSpc>
+                <a:spcPct val="100000"/>
+              </a:lnSpc>
+              <a:spcBef>
+                <a:spcPct val="20000"/>
+              </a:spcBef>
+              <a:spcAft>
+                <a:spcPts val="600"/>
+              </a:spcAft>
+              <a:buClr>
+                <a:schemeClr val="accent1"/>
+              </a:buClr>
+              <a:buSzPct val="92000"/>
+              <a:buFont typeface="Wingdings 2" panose="05020102010507070707" pitchFamily="18" charset="2"/>
+              <a:buChar char=""/>
+              <a:defRPr sz="1800" kern="1200">
+                <a:solidFill>
+                  <a:schemeClr val="tx1">
+                    <a:lumMod val="75000"/>
+                    <a:lumOff val="25000"/>
+                  </a:schemeClr>
+                </a:solidFill>
+                <a:latin typeface="+mn-lt"/>
+                <a:ea typeface="+mn-ea"/>
+                <a:cs typeface="+mn-cs"/>
+              </a:defRPr>
+            </a:lvl1pPr>
+            <a:lvl2pPr marL="630000" indent="-306000" algn="l" defTabSz="457200" rtl="0" eaLnBrk="1" latinLnBrk="0" hangingPunct="1">
+              <a:lnSpc>
+                <a:spcPct val="100000"/>
+              </a:lnSpc>
+              <a:spcBef>
+                <a:spcPct val="20000"/>
+              </a:spcBef>
+              <a:spcAft>
+                <a:spcPts val="600"/>
+              </a:spcAft>
+              <a:buClr>
+                <a:schemeClr val="accent1"/>
+              </a:buClr>
+              <a:buSzPct val="92000"/>
+              <a:buFont typeface="Wingdings 2" panose="05020102010507070707" pitchFamily="18" charset="2"/>
+              <a:buChar char=""/>
+              <a:defRPr sz="1600" kern="1200">
+                <a:solidFill>
+                  <a:schemeClr val="tx1">
+                    <a:lumMod val="75000"/>
+                    <a:lumOff val="25000"/>
+                  </a:schemeClr>
+                </a:solidFill>
+                <a:latin typeface="+mn-lt"/>
+                <a:ea typeface="+mn-ea"/>
+                <a:cs typeface="+mn-cs"/>
+              </a:defRPr>
+            </a:lvl2pPr>
+            <a:lvl3pPr marL="900000" indent="-270000" algn="l" defTabSz="457200" rtl="0" eaLnBrk="1" latinLnBrk="0" hangingPunct="1">
+              <a:lnSpc>
+                <a:spcPct val="100000"/>
+              </a:lnSpc>
+              <a:spcBef>
+                <a:spcPct val="20000"/>
+              </a:spcBef>
+              <a:spcAft>
+                <a:spcPts val="600"/>
+              </a:spcAft>
+              <a:buClr>
+                <a:schemeClr val="accent1"/>
+              </a:buClr>
+              <a:buSzPct val="92000"/>
+              <a:buFont typeface="Wingdings 2" panose="05020102010507070707" pitchFamily="18" charset="2"/>
+              <a:buChar char=""/>
+              <a:defRPr sz="1400" kern="1200">
+                <a:solidFill>
+                  <a:schemeClr val="tx1">
+                    <a:lumMod val="75000"/>
+                    <a:lumOff val="25000"/>
+                  </a:schemeClr>
+                </a:solidFill>
+                <a:latin typeface="+mn-lt"/>
+                <a:ea typeface="+mn-ea"/>
+                <a:cs typeface="+mn-cs"/>
+              </a:defRPr>
+            </a:lvl3pPr>
+            <a:lvl4pPr marL="1242000" indent="-234000" algn="l" defTabSz="457200" rtl="0" eaLnBrk="1" latinLnBrk="0" hangingPunct="1">
+              <a:lnSpc>
+                <a:spcPct val="100000"/>
+              </a:lnSpc>
+              <a:spcBef>
+                <a:spcPct val="20000"/>
+              </a:spcBef>
+              <a:spcAft>
+                <a:spcPts val="600"/>
+              </a:spcAft>
+              <a:buClr>
+                <a:schemeClr val="accent1"/>
+              </a:buClr>
+              <a:buSzPct val="92000"/>
+              <a:buFont typeface="Wingdings 2" panose="05020102010507070707" pitchFamily="18" charset="2"/>
+              <a:buChar char=""/>
+              <a:defRPr sz="1200" kern="1200">
+                <a:solidFill>
+                  <a:schemeClr val="tx1">
+                    <a:lumMod val="75000"/>
+                    <a:lumOff val="25000"/>
+                  </a:schemeClr>
+                </a:solidFill>
+                <a:latin typeface="+mn-lt"/>
+                <a:ea typeface="+mn-ea"/>
+                <a:cs typeface="+mn-cs"/>
+              </a:defRPr>
+            </a:lvl4pPr>
+            <a:lvl5pPr marL="1602000" indent="-234000" algn="l" defTabSz="457200" rtl="0" eaLnBrk="1" latinLnBrk="0" hangingPunct="1">
+              <a:lnSpc>
+                <a:spcPct val="100000"/>
+              </a:lnSpc>
+              <a:spcBef>
+                <a:spcPct val="20000"/>
+              </a:spcBef>
+              <a:spcAft>
+                <a:spcPts val="600"/>
+              </a:spcAft>
+              <a:buClr>
+                <a:schemeClr val="accent1"/>
+              </a:buClr>
+              <a:buSzPct val="92000"/>
+              <a:buFont typeface="Wingdings 2" panose="05020102010507070707" pitchFamily="18" charset="2"/>
+              <a:buChar char=""/>
+              <a:defRPr sz="1200" kern="1200">
+                <a:solidFill>
+                  <a:schemeClr val="tx1">
+                    <a:lumMod val="75000"/>
+                    <a:lumOff val="25000"/>
+                  </a:schemeClr>
+                </a:solidFill>
+                <a:latin typeface="+mn-lt"/>
+                <a:ea typeface="+mn-ea"/>
+                <a:cs typeface="+mn-cs"/>
+              </a:defRPr>
+            </a:lvl5pPr>
+            <a:lvl6pPr marL="1900000" indent="-228600" algn="l" defTabSz="457200" rtl="0" eaLnBrk="1" latinLnBrk="0" hangingPunct="1">
+              <a:spcBef>
+                <a:spcPct val="20000"/>
+              </a:spcBef>
+              <a:spcAft>
+                <a:spcPts val="600"/>
+              </a:spcAft>
+              <a:buClr>
+                <a:schemeClr val="accent2"/>
+              </a:buClr>
+              <a:buSzPct val="92000"/>
+              <a:buFont typeface="Wingdings 2" panose="05020102010507070707" pitchFamily="18" charset="2"/>
+              <a:buChar char=""/>
+              <a:defRPr sz="1200" kern="1200">
+                <a:solidFill>
+                  <a:schemeClr val="tx2"/>
+                </a:solidFill>
+                <a:latin typeface="+mn-lt"/>
+                <a:ea typeface="+mn-ea"/>
+                <a:cs typeface="+mn-cs"/>
+              </a:defRPr>
+            </a:lvl6pPr>
+            <a:lvl7pPr marL="2200000" indent="-228600" algn="l" defTabSz="457200" rtl="0" eaLnBrk="1" latinLnBrk="0" hangingPunct="1">
+              <a:spcBef>
+                <a:spcPct val="20000"/>
+              </a:spcBef>
+              <a:spcAft>
+                <a:spcPts val="600"/>
+              </a:spcAft>
+              <a:buClr>
+                <a:schemeClr val="accent2"/>
+              </a:buClr>
+              <a:buSzPct val="92000"/>
+              <a:buFont typeface="Wingdings 2" panose="05020102010507070707" pitchFamily="18" charset="2"/>
+              <a:buChar char=""/>
+              <a:defRPr sz="1200" kern="1200">
+                <a:solidFill>
+                  <a:schemeClr val="tx2"/>
+                </a:solidFill>
+                <a:latin typeface="+mn-lt"/>
+                <a:ea typeface="+mn-ea"/>
+                <a:cs typeface="+mn-cs"/>
+              </a:defRPr>
+            </a:lvl7pPr>
+            <a:lvl8pPr marL="2500000" indent="-228600" algn="l" defTabSz="457200" rtl="0" eaLnBrk="1" latinLnBrk="0" hangingPunct="1">
+              <a:spcBef>
+                <a:spcPct val="20000"/>
+              </a:spcBef>
+              <a:spcAft>
+                <a:spcPts val="600"/>
+              </a:spcAft>
+              <a:buClr>
+                <a:schemeClr val="accent2"/>
+              </a:buClr>
+              <a:buSzPct val="92000"/>
+              <a:buFont typeface="Wingdings 2" panose="05020102010507070707" pitchFamily="18" charset="2"/>
+              <a:buChar char=""/>
+              <a:defRPr sz="1200" kern="1200">
+                <a:solidFill>
+                  <a:schemeClr val="tx2"/>
+                </a:solidFill>
+                <a:latin typeface="+mn-lt"/>
+                <a:ea typeface="+mn-ea"/>
+                <a:cs typeface="+mn-cs"/>
+              </a:defRPr>
+            </a:lvl8pPr>
+            <a:lvl9pPr marL="2800000" indent="-228600" algn="l" defTabSz="457200" rtl="0" eaLnBrk="1" latinLnBrk="0" hangingPunct="1">
+              <a:spcBef>
+                <a:spcPct val="20000"/>
+              </a:spcBef>
+              <a:spcAft>
+                <a:spcPts val="600"/>
+              </a:spcAft>
+              <a:buClr>
+                <a:schemeClr val="accent2"/>
+              </a:buClr>
+              <a:buSzPct val="92000"/>
+              <a:buFont typeface="Wingdings 2" panose="05020102010507070707" pitchFamily="18" charset="2"/>
+              <a:buChar char=""/>
+              <a:defRPr sz="1200" kern="1200">
+                <a:solidFill>
+                  <a:schemeClr val="tx2"/>
+                </a:solidFill>
+                <a:latin typeface="+mn-lt"/>
+                <a:ea typeface="+mn-ea"/>
+                <a:cs typeface="+mn-cs"/>
+              </a:defRPr>
+            </a:lvl9pPr>
+          </a:lstStyle>
+          <a:p>
+            <a:r>
+              <a:rPr lang="en-US" dirty="0"/>
+              <a:t>68% of countries had BAC limits between 0.03 and 0.05g/dl</a:t>
+            </a:r>
+          </a:p>
+          <a:p>
+            <a:r>
+              <a:rPr lang="en-US" dirty="0"/>
+              <a:t>Limits above 0.07g/l accounted for 19% of counties</a:t>
+            </a:r>
+          </a:p>
+        </p:txBody>
+      </p:sp>
+      <p:sp>
+        <p:nvSpPr>
+          <p:cNvPr id="23" name="Content Placeholder 2">
+            <a:extLst>
+              <a:ext uri="{FF2B5EF4-FFF2-40B4-BE49-F238E27FC236}">
+                <a16:creationId xmlns:a16="http://schemas.microsoft.com/office/drawing/2014/main" id="{AC5B34F1-982D-470F-889B-FD92313D3C55}"/>
+              </a:ext>
+            </a:extLst>
+          </p:cNvPr>
+          <p:cNvSpPr txBox="1">
+            <a:spLocks/>
+          </p:cNvSpPr>
+          <p:nvPr/>
+        </p:nvSpPr>
+        <p:spPr>
+          <a:xfrm>
+            <a:off x="6366009" y="4748206"/>
+            <a:ext cx="4926971" cy="1622487"/>
+          </a:xfrm>
+          <a:prstGeom prst="rect">
+            <a:avLst/>
+          </a:prstGeom>
+        </p:spPr>
+        <p:txBody>
+          <a:bodyPr vert="horz" lIns="91440" tIns="45720" rIns="91440" bIns="45720" rtlCol="0" anchor="ctr">
+            <a:normAutofit/>
+          </a:bodyPr>
+          <a:lstStyle>
+            <a:lvl1pPr marL="306000" indent="-306000" algn="l" defTabSz="457200" rtl="0" eaLnBrk="1" latinLnBrk="0" hangingPunct="1">
+              <a:lnSpc>
+                <a:spcPct val="100000"/>
+              </a:lnSpc>
+              <a:spcBef>
+                <a:spcPct val="20000"/>
+              </a:spcBef>
+              <a:spcAft>
+                <a:spcPts val="600"/>
+              </a:spcAft>
+              <a:buClr>
+                <a:schemeClr val="accent1"/>
+              </a:buClr>
+              <a:buSzPct val="92000"/>
+              <a:buFont typeface="Wingdings 2" panose="05020102010507070707" pitchFamily="18" charset="2"/>
+              <a:buChar char=""/>
+              <a:defRPr sz="1800" kern="1200">
+                <a:solidFill>
+                  <a:schemeClr val="tx1">
+                    <a:lumMod val="75000"/>
+                    <a:lumOff val="25000"/>
+                  </a:schemeClr>
+                </a:solidFill>
+                <a:latin typeface="+mn-lt"/>
+                <a:ea typeface="+mn-ea"/>
+                <a:cs typeface="+mn-cs"/>
+              </a:defRPr>
+            </a:lvl1pPr>
+            <a:lvl2pPr marL="630000" indent="-306000" algn="l" defTabSz="457200" rtl="0" eaLnBrk="1" latinLnBrk="0" hangingPunct="1">
+              <a:lnSpc>
+                <a:spcPct val="100000"/>
+              </a:lnSpc>
+              <a:spcBef>
+                <a:spcPct val="20000"/>
+              </a:spcBef>
+              <a:spcAft>
+                <a:spcPts val="600"/>
+              </a:spcAft>
+              <a:buClr>
+                <a:schemeClr val="accent1"/>
+              </a:buClr>
+              <a:buSzPct val="92000"/>
+              <a:buFont typeface="Wingdings 2" panose="05020102010507070707" pitchFamily="18" charset="2"/>
+              <a:buChar char=""/>
+              <a:defRPr sz="1600" kern="1200">
+                <a:solidFill>
+                  <a:schemeClr val="tx1">
+                    <a:lumMod val="75000"/>
+                    <a:lumOff val="25000"/>
+                  </a:schemeClr>
+                </a:solidFill>
+                <a:latin typeface="+mn-lt"/>
+                <a:ea typeface="+mn-ea"/>
+                <a:cs typeface="+mn-cs"/>
+              </a:defRPr>
+            </a:lvl2pPr>
+            <a:lvl3pPr marL="900000" indent="-270000" algn="l" defTabSz="457200" rtl="0" eaLnBrk="1" latinLnBrk="0" hangingPunct="1">
+              <a:lnSpc>
+                <a:spcPct val="100000"/>
+              </a:lnSpc>
+              <a:spcBef>
+                <a:spcPct val="20000"/>
+              </a:spcBef>
+              <a:spcAft>
+                <a:spcPts val="600"/>
+              </a:spcAft>
+              <a:buClr>
+                <a:schemeClr val="accent1"/>
+              </a:buClr>
+              <a:buSzPct val="92000"/>
+              <a:buFont typeface="Wingdings 2" panose="05020102010507070707" pitchFamily="18" charset="2"/>
+              <a:buChar char=""/>
+              <a:defRPr sz="1400" kern="1200">
+                <a:solidFill>
+                  <a:schemeClr val="tx1">
+                    <a:lumMod val="75000"/>
+                    <a:lumOff val="25000"/>
+                  </a:schemeClr>
+                </a:solidFill>
+                <a:latin typeface="+mn-lt"/>
+                <a:ea typeface="+mn-ea"/>
+                <a:cs typeface="+mn-cs"/>
+              </a:defRPr>
+            </a:lvl3pPr>
+            <a:lvl4pPr marL="1242000" indent="-234000" algn="l" defTabSz="457200" rtl="0" eaLnBrk="1" latinLnBrk="0" hangingPunct="1">
+              <a:lnSpc>
+                <a:spcPct val="100000"/>
+              </a:lnSpc>
+              <a:spcBef>
+                <a:spcPct val="20000"/>
+              </a:spcBef>
+              <a:spcAft>
+                <a:spcPts val="600"/>
+              </a:spcAft>
+              <a:buClr>
+                <a:schemeClr val="accent1"/>
+              </a:buClr>
+              <a:buSzPct val="92000"/>
+              <a:buFont typeface="Wingdings 2" panose="05020102010507070707" pitchFamily="18" charset="2"/>
+              <a:buChar char=""/>
+              <a:defRPr sz="1200" kern="1200">
+                <a:solidFill>
+                  <a:schemeClr val="tx1">
+                    <a:lumMod val="75000"/>
+                    <a:lumOff val="25000"/>
+                  </a:schemeClr>
+                </a:solidFill>
+                <a:latin typeface="+mn-lt"/>
+                <a:ea typeface="+mn-ea"/>
+                <a:cs typeface="+mn-cs"/>
+              </a:defRPr>
+            </a:lvl4pPr>
+            <a:lvl5pPr marL="1602000" indent="-234000" algn="l" defTabSz="457200" rtl="0" eaLnBrk="1" latinLnBrk="0" hangingPunct="1">
+              <a:lnSpc>
+                <a:spcPct val="100000"/>
+              </a:lnSpc>
+              <a:spcBef>
+                <a:spcPct val="20000"/>
+              </a:spcBef>
+              <a:spcAft>
+                <a:spcPts val="600"/>
+              </a:spcAft>
+              <a:buClr>
+                <a:schemeClr val="accent1"/>
+              </a:buClr>
+              <a:buSzPct val="92000"/>
+              <a:buFont typeface="Wingdings 2" panose="05020102010507070707" pitchFamily="18" charset="2"/>
+              <a:buChar char=""/>
+              <a:defRPr sz="1200" kern="1200">
+                <a:solidFill>
+                  <a:schemeClr val="tx1">
+                    <a:lumMod val="75000"/>
+                    <a:lumOff val="25000"/>
+                  </a:schemeClr>
+                </a:solidFill>
+                <a:latin typeface="+mn-lt"/>
+                <a:ea typeface="+mn-ea"/>
+                <a:cs typeface="+mn-cs"/>
+              </a:defRPr>
+            </a:lvl5pPr>
+            <a:lvl6pPr marL="1900000" indent="-228600" algn="l" defTabSz="457200" rtl="0" eaLnBrk="1" latinLnBrk="0" hangingPunct="1">
+              <a:spcBef>
+                <a:spcPct val="20000"/>
+              </a:spcBef>
+              <a:spcAft>
+                <a:spcPts val="600"/>
+              </a:spcAft>
+              <a:buClr>
+                <a:schemeClr val="accent2"/>
+              </a:buClr>
+              <a:buSzPct val="92000"/>
+              <a:buFont typeface="Wingdings 2" panose="05020102010507070707" pitchFamily="18" charset="2"/>
+              <a:buChar char=""/>
+              <a:defRPr sz="1200" kern="1200">
+                <a:solidFill>
+                  <a:schemeClr val="tx2"/>
+                </a:solidFill>
+                <a:latin typeface="+mn-lt"/>
+                <a:ea typeface="+mn-ea"/>
+                <a:cs typeface="+mn-cs"/>
+              </a:defRPr>
+            </a:lvl6pPr>
+            <a:lvl7pPr marL="2200000" indent="-228600" algn="l" defTabSz="457200" rtl="0" eaLnBrk="1" latinLnBrk="0" hangingPunct="1">
+              <a:spcBef>
+                <a:spcPct val="20000"/>
+              </a:spcBef>
+              <a:spcAft>
+                <a:spcPts val="600"/>
+              </a:spcAft>
+              <a:buClr>
+                <a:schemeClr val="accent2"/>
+              </a:buClr>
+              <a:buSzPct val="92000"/>
+              <a:buFont typeface="Wingdings 2" panose="05020102010507070707" pitchFamily="18" charset="2"/>
+              <a:buChar char=""/>
+              <a:defRPr sz="1200" kern="1200">
+                <a:solidFill>
+                  <a:schemeClr val="tx2"/>
+                </a:solidFill>
+                <a:latin typeface="+mn-lt"/>
+                <a:ea typeface="+mn-ea"/>
+                <a:cs typeface="+mn-cs"/>
+              </a:defRPr>
+            </a:lvl7pPr>
+            <a:lvl8pPr marL="2500000" indent="-228600" algn="l" defTabSz="457200" rtl="0" eaLnBrk="1" latinLnBrk="0" hangingPunct="1">
+              <a:spcBef>
+                <a:spcPct val="20000"/>
+              </a:spcBef>
+              <a:spcAft>
+                <a:spcPts val="600"/>
+              </a:spcAft>
+              <a:buClr>
+                <a:schemeClr val="accent2"/>
+              </a:buClr>
+              <a:buSzPct val="92000"/>
+              <a:buFont typeface="Wingdings 2" panose="05020102010507070707" pitchFamily="18" charset="2"/>
+              <a:buChar char=""/>
+              <a:defRPr sz="1200" kern="1200">
+                <a:solidFill>
+                  <a:schemeClr val="tx2"/>
+                </a:solidFill>
+                <a:latin typeface="+mn-lt"/>
+                <a:ea typeface="+mn-ea"/>
+                <a:cs typeface="+mn-cs"/>
+              </a:defRPr>
+            </a:lvl8pPr>
+            <a:lvl9pPr marL="2800000" indent="-228600" algn="l" defTabSz="457200" rtl="0" eaLnBrk="1" latinLnBrk="0" hangingPunct="1">
+              <a:spcBef>
+                <a:spcPct val="20000"/>
+              </a:spcBef>
+              <a:spcAft>
+                <a:spcPts val="600"/>
+              </a:spcAft>
+              <a:buClr>
+                <a:schemeClr val="accent2"/>
+              </a:buClr>
+              <a:buSzPct val="92000"/>
+              <a:buFont typeface="Wingdings 2" panose="05020102010507070707" pitchFamily="18" charset="2"/>
+              <a:buChar char=""/>
+              <a:defRPr sz="1200" kern="1200">
+                <a:solidFill>
+                  <a:schemeClr val="tx2"/>
+                </a:solidFill>
+                <a:latin typeface="+mn-lt"/>
+                <a:ea typeface="+mn-ea"/>
+                <a:cs typeface="+mn-cs"/>
+              </a:defRPr>
+            </a:lvl9pPr>
+          </a:lstStyle>
+          <a:p>
+            <a:r>
+              <a:rPr lang="en-US" dirty="0"/>
+              <a:t>Limited correlation between GNIPC and limits</a:t>
+            </a:r>
+          </a:p>
+          <a:p>
+            <a:r>
+              <a:rPr lang="en-US" dirty="0"/>
+              <a:t>Hypothesis: countries’ penalties may influence </a:t>
+            </a:r>
+            <a:r>
+              <a:rPr lang="en-US" dirty="0" err="1"/>
+              <a:t>behaviour</a:t>
+            </a:r>
+            <a:r>
+              <a:rPr lang="en-US" dirty="0"/>
+              <a:t> </a:t>
+            </a:r>
+          </a:p>
+        </p:txBody>
+      </p:sp>
+    </p:spTree>
+    <p:extLst>
+      <p:ext uri="{BB962C8B-B14F-4D97-AF65-F5344CB8AC3E}">
+        <p14:creationId xmlns:p14="http://schemas.microsoft.com/office/powerpoint/2010/main" val="295816866"/>
+      </p:ext>
+    </p:extLst>
+  </p:cSld>
+  <p:clrMapOvr>
+    <a:masterClrMapping/>
+  </p:clrMapOvr>
+</p:sld>
+</file>
+
+<file path=ppt/slides/slide26.xml><?xml version="1.0" encoding="utf-8"?>
+<p:sld xmlns:a="http://schemas.openxmlformats.org/drawingml/2006/main" xmlns:r="http://schemas.openxmlformats.org/officeDocument/2006/relationships" xmlns:p="http://schemas.openxmlformats.org/presentationml/2006/main">
+  <p:cSld>
+    <p:spTree>
+      <p:nvGrpSpPr>
+        <p:cNvPr id="1" name=""/>
+        <p:cNvGrpSpPr/>
+        <p:nvPr/>
+      </p:nvGrpSpPr>
+      <p:grpSpPr>
+        <a:xfrm>
+          <a:off x="0" y="0"/>
+          <a:ext cx="0" cy="0"/>
+          <a:chOff x="0" y="0"/>
+          <a:chExt cx="0" cy="0"/>
+        </a:xfrm>
+      </p:grpSpPr>
       <p:sp>
         <p:nvSpPr>
           <p:cNvPr id="4" name="Title 3">
@@ -8744,7 +9417,7 @@
 </p:sld>
 </file>
 
-<file path=ppt/slides/slide26.xml><?xml version="1.0" encoding="utf-8"?>
+<file path=ppt/slides/slide27.xml><?xml version="1.0" encoding="utf-8"?>
 <p:sld xmlns:a="http://schemas.openxmlformats.org/drawingml/2006/main" xmlns:r="http://schemas.openxmlformats.org/officeDocument/2006/relationships" xmlns:p="http://schemas.openxmlformats.org/presentationml/2006/main">
   <p:cSld>
     <p:bg>

--- a/output_data/Presentation.pptx
+++ b/output_data/Presentation.pptx
@@ -12,23 +12,26 @@
     <p:sldId id="260" r:id="rId6"/>
     <p:sldId id="261" r:id="rId7"/>
     <p:sldId id="263" r:id="rId8"/>
-    <p:sldId id="264" r:id="rId9"/>
-    <p:sldId id="265" r:id="rId10"/>
-    <p:sldId id="266" r:id="rId11"/>
-    <p:sldId id="267" r:id="rId12"/>
-    <p:sldId id="268" r:id="rId13"/>
-    <p:sldId id="269" r:id="rId14"/>
-    <p:sldId id="270" r:id="rId15"/>
-    <p:sldId id="280" r:id="rId16"/>
-    <p:sldId id="277" r:id="rId17"/>
-    <p:sldId id="281" r:id="rId18"/>
-    <p:sldId id="278" r:id="rId19"/>
-    <p:sldId id="279" r:id="rId20"/>
-    <p:sldId id="282" r:id="rId21"/>
-    <p:sldId id="273" r:id="rId22"/>
-    <p:sldId id="274" r:id="rId23"/>
-    <p:sldId id="275" r:id="rId24"/>
-    <p:sldId id="276" r:id="rId25"/>
+    <p:sldId id="283" r:id="rId9"/>
+    <p:sldId id="264" r:id="rId10"/>
+    <p:sldId id="265" r:id="rId11"/>
+    <p:sldId id="266" r:id="rId12"/>
+    <p:sldId id="267" r:id="rId13"/>
+    <p:sldId id="268" r:id="rId14"/>
+    <p:sldId id="269" r:id="rId15"/>
+    <p:sldId id="270" r:id="rId16"/>
+    <p:sldId id="280" r:id="rId17"/>
+    <p:sldId id="277" r:id="rId18"/>
+    <p:sldId id="281" r:id="rId19"/>
+    <p:sldId id="278" r:id="rId20"/>
+    <p:sldId id="279" r:id="rId21"/>
+    <p:sldId id="282" r:id="rId22"/>
+    <p:sldId id="273" r:id="rId23"/>
+    <p:sldId id="284" r:id="rId24"/>
+    <p:sldId id="285" r:id="rId25"/>
+    <p:sldId id="274" r:id="rId26"/>
+    <p:sldId id="275" r:id="rId27"/>
+    <p:sldId id="276" r:id="rId28"/>
   </p:sldIdLst>
   <p:sldSz cx="12192000" cy="6858000"/>
   <p:notesSz cx="6858000" cy="9144000"/>
@@ -139,6 +142,7 @@
             <p14:sldId id="260"/>
             <p14:sldId id="261"/>
             <p14:sldId id="263"/>
+            <p14:sldId id="283"/>
           </p14:sldIdLst>
         </p14:section>
         <p14:section name="Parastoo" id="{4B41DFC2-9648-ED46-8A41-AE83A94310D8}">
@@ -165,6 +169,8 @@
         <p14:section name="John" id="{7A401C20-3636-B546-9CF0-11FED4B93153}">
           <p14:sldIdLst>
             <p14:sldId id="273"/>
+            <p14:sldId id="284"/>
+            <p14:sldId id="285"/>
           </p14:sldIdLst>
         </p14:section>
         <p14:section name="Seranica" id="{9A0EEC91-5F66-AA4E-987B-F22015E3EEB4}">
@@ -179,6 +185,9 @@
           </p14:sldIdLst>
         </p14:section>
       </p14:sectionLst>
+    </p:ext>
+    <p:ext uri="{EFAFB233-063F-42B5-8137-9DF3F51BA10A}">
+      <p15:sldGuideLst xmlns:p15="http://schemas.microsoft.com/office/powerpoint/2012/main"/>
     </p:ext>
   </p:extLst>
 </p:presentation>
@@ -422,7 +431,7 @@
           <a:p>
             <a:fld id="{ED291B17-9318-49DB-B28B-6E5994AE9581}" type="datetime1">
               <a:rPr lang="en-US" smtClean="0"/>
-              <a:t>10/25/20</a:t>
+              <a:t>10/26/2020</a:t>
             </a:fld>
             <a:endParaRPr lang="en-US" dirty="0"/>
           </a:p>
@@ -625,7 +634,7 @@
           <a:p>
             <a:fld id="{2CED4963-E985-44C4-B8C4-FDD613B7C2F8}" type="datetime1">
               <a:rPr lang="en-US" smtClean="0"/>
-              <a:t>10/25/20</a:t>
+              <a:t>10/26/2020</a:t>
             </a:fld>
             <a:endParaRPr lang="en-US" dirty="0"/>
           </a:p>
@@ -987,7 +996,7 @@
           <a:p>
             <a:fld id="{ED291B17-9318-49DB-B28B-6E5994AE9581}" type="datetime1">
               <a:rPr lang="en-US" smtClean="0"/>
-              <a:t>10/25/20</a:t>
+              <a:t>10/26/2020</a:t>
             </a:fld>
             <a:endParaRPr lang="en-US" dirty="0"/>
           </a:p>
@@ -1185,7 +1194,7 @@
           <a:p>
             <a:fld id="{78DD82B9-B8EE-4375-B6FF-88FA6ABB15D9}" type="datetime1">
               <a:rPr lang="en-US" smtClean="0"/>
-              <a:t>10/25/20</a:t>
+              <a:t>10/26/2020</a:t>
             </a:fld>
             <a:endParaRPr lang="en-US" dirty="0"/>
           </a:p>
@@ -1497,7 +1506,7 @@
           <a:p>
             <a:fld id="{B2497495-0637-405E-AE64-5CC7506D51F5}" type="datetime1">
               <a:rPr lang="en-US" smtClean="0"/>
-              <a:t>10/25/20</a:t>
+              <a:t>10/26/2020</a:t>
             </a:fld>
             <a:endParaRPr lang="en-US" dirty="0"/>
           </a:p>
@@ -1750,7 +1759,7 @@
           <a:p>
             <a:fld id="{7BFFD690-9426-415D-8B65-26881E07B2D4}" type="datetime1">
               <a:rPr lang="en-US" smtClean="0"/>
-              <a:t>10/25/20</a:t>
+              <a:t>10/26/2020</a:t>
             </a:fld>
             <a:endParaRPr lang="en-US" dirty="0"/>
           </a:p>
@@ -2172,7 +2181,7 @@
           <a:p>
             <a:fld id="{04C4989A-474C-40DE-95B9-011C28B71673}" type="datetime1">
               <a:rPr lang="en-US" smtClean="0"/>
-              <a:t>10/25/20</a:t>
+              <a:t>10/26/2020</a:t>
             </a:fld>
             <a:endParaRPr lang="en-US" dirty="0"/>
           </a:p>
@@ -2295,7 +2304,7 @@
           <a:p>
             <a:fld id="{5DB4ED54-5B5E-4A04-93D3-5772E3CE3818}" type="datetime1">
               <a:rPr lang="en-US" smtClean="0"/>
-              <a:t>10/25/20</a:t>
+              <a:t>10/26/2020</a:t>
             </a:fld>
             <a:endParaRPr lang="en-US" dirty="0"/>
           </a:p>
@@ -2390,7 +2399,7 @@
           <a:p>
             <a:fld id="{4EDE50D6-574B-40AF-946F-D52A04ADE379}" type="datetime1">
               <a:rPr lang="en-US" smtClean="0"/>
-              <a:t>10/25/20</a:t>
+              <a:t>10/26/2020</a:t>
             </a:fld>
             <a:endParaRPr lang="en-US" dirty="0"/>
           </a:p>
@@ -2767,7 +2776,7 @@
           <a:p>
             <a:fld id="{D82884F1-FFEA-405F-9602-3DCA865EDA4E}" type="datetime1">
               <a:rPr lang="en-US" smtClean="0"/>
-              <a:t>10/25/20</a:t>
+              <a:t>10/26/2020</a:t>
             </a:fld>
             <a:endParaRPr lang="en-US" dirty="0"/>
           </a:p>
@@ -3060,7 +3069,7 @@
           <a:p>
             <a:fld id="{7E18DB4A-8810-4A10-AD5C-D5E2C667F5B3}" type="datetime1">
               <a:rPr lang="en-US" smtClean="0"/>
-              <a:t>10/25/20</a:t>
+              <a:t>10/26/2020</a:t>
             </a:fld>
             <a:endParaRPr lang="en-US" dirty="0"/>
           </a:p>
@@ -3275,7 +3284,7 @@
           <a:p>
             <a:fld id="{ED291B17-9318-49DB-B28B-6E5994AE9581}" type="datetime1">
               <a:rPr lang="en-US" smtClean="0"/>
-              <a:t>10/25/20</a:t>
+              <a:t>10/26/2020</a:t>
             </a:fld>
             <a:endParaRPr lang="en-US" dirty="0"/>
           </a:p>
@@ -4290,6 +4299,277 @@
     <p:bg>
       <p:bgPr>
         <a:solidFill>
+          <a:schemeClr val="bg1"/>
+        </a:solidFill>
+        <a:effectLst/>
+      </p:bgPr>
+    </p:bg>
+    <p:spTree>
+      <p:nvGrpSpPr>
+        <p:cNvPr id="1" name=""/>
+        <p:cNvGrpSpPr/>
+        <p:nvPr/>
+      </p:nvGrpSpPr>
+      <p:grpSpPr>
+        <a:xfrm>
+          <a:off x="0" y="0"/>
+          <a:ext cx="0" cy="0"/>
+          <a:chOff x="0" y="0"/>
+          <a:chExt cx="0" cy="0"/>
+        </a:xfrm>
+      </p:grpSpPr>
+      <p:sp>
+        <p:nvSpPr>
+          <p:cNvPr id="9" name="Rectangle 8">
+            <a:extLst>
+              <a:ext uri="{FF2B5EF4-FFF2-40B4-BE49-F238E27FC236}">
+                <a16:creationId xmlns:a16="http://schemas.microsoft.com/office/drawing/2014/main" id="{3CED7894-4F62-4A6C-8DB5-DB5BE08E9C03}"/>
+              </a:ext>
+              <a:ext uri="{C183D7F6-B498-43B3-948B-1728B52AA6E4}">
+                <adec:decorative xmlns:adec="http://schemas.microsoft.com/office/drawing/2017/decorative" val="1"/>
+              </a:ext>
+            </a:extLst>
+          </p:cNvPr>
+          <p:cNvSpPr>
+            <a:spLocks noGrp="1" noRot="1" noChangeAspect="1" noMove="1" noResize="1" noEditPoints="1" noAdjustHandles="1" noChangeArrowheads="1" noChangeShapeType="1" noTextEdit="1"/>
+          </p:cNvSpPr>
+          <p:nvPr>
+            <p:extLst>
+              <p:ext uri="{386F3935-93C4-4BCD-93E2-E3B085C9AB24}">
+                <p16:designElem xmlns:p16="http://schemas.microsoft.com/office/powerpoint/2015/main" val="1"/>
+              </p:ext>
+            </p:extLst>
+          </p:nvPr>
+        </p:nvSpPr>
+        <p:spPr>
+          <a:xfrm>
+            <a:off x="0" y="0"/>
+            <a:ext cx="12192000" cy="6858000"/>
+          </a:xfrm>
+          <a:prstGeom prst="rect">
+            <a:avLst/>
+          </a:prstGeom>
+          <a:solidFill>
+            <a:schemeClr val="bg1">
+              <a:lumMod val="75000"/>
+              <a:lumOff val="25000"/>
+            </a:schemeClr>
+          </a:solidFill>
+          <a:ln>
+            <a:noFill/>
+          </a:ln>
+          <a:effectLst/>
+        </p:spPr>
+        <p:style>
+          <a:lnRef idx="1">
+            <a:schemeClr val="accent1"/>
+          </a:lnRef>
+          <a:fillRef idx="3">
+            <a:schemeClr val="accent1"/>
+          </a:fillRef>
+          <a:effectRef idx="2">
+            <a:schemeClr val="accent1"/>
+          </a:effectRef>
+          <a:fontRef idx="minor">
+            <a:schemeClr val="lt1"/>
+          </a:fontRef>
+        </p:style>
+      </p:sp>
+      <p:sp>
+        <p:nvSpPr>
+          <p:cNvPr id="2" name="Title 1">
+            <a:extLst>
+              <a:ext uri="{FF2B5EF4-FFF2-40B4-BE49-F238E27FC236}">
+                <a16:creationId xmlns:a16="http://schemas.microsoft.com/office/drawing/2014/main" id="{6DAC1D67-5DB9-ED4A-8C92-8E4ECD0368CC}"/>
+              </a:ext>
+            </a:extLst>
+          </p:cNvPr>
+          <p:cNvSpPr>
+            <a:spLocks noGrp="1"/>
+          </p:cNvSpPr>
+          <p:nvPr>
+            <p:ph type="title"/>
+          </p:nvPr>
+        </p:nvSpPr>
+        <p:spPr>
+          <a:xfrm>
+            <a:off x="609906" y="702155"/>
+            <a:ext cx="3568661" cy="1269713"/>
+          </a:xfrm>
+        </p:spPr>
+        <p:txBody>
+          <a:bodyPr>
+            <a:normAutofit/>
+          </a:bodyPr>
+          <a:lstStyle/>
+          <a:p>
+            <a:pPr>
+              <a:lnSpc>
+                <a:spcPct val="90000"/>
+              </a:lnSpc>
+            </a:pPr>
+            <a:r>
+              <a:rPr lang="en-HK" sz="2400"/>
+              <a:t>Influence of child restraints laws on road traffic deaths</a:t>
+            </a:r>
+            <a:endParaRPr lang="en-US" sz="2400"/>
+          </a:p>
+        </p:txBody>
+      </p:sp>
+      <p:sp>
+        <p:nvSpPr>
+          <p:cNvPr id="11" name="Rectangle 10">
+            <a:extLst>
+              <a:ext uri="{FF2B5EF4-FFF2-40B4-BE49-F238E27FC236}">
+                <a16:creationId xmlns:a16="http://schemas.microsoft.com/office/drawing/2014/main" id="{E536F3B4-50F6-4C52-8F76-4EB1214719DC}"/>
+              </a:ext>
+              <a:ext uri="{C183D7F6-B498-43B3-948B-1728B52AA6E4}">
+                <adec:decorative xmlns:adec="http://schemas.microsoft.com/office/drawing/2017/decorative" val="1"/>
+              </a:ext>
+            </a:extLst>
+          </p:cNvPr>
+          <p:cNvSpPr>
+            <a:spLocks noGrp="1" noRot="1" noChangeAspect="1" noMove="1" noResize="1" noEditPoints="1" noAdjustHandles="1" noChangeArrowheads="1" noChangeShapeType="1" noTextEdit="1"/>
+          </p:cNvSpPr>
+          <p:nvPr>
+            <p:extLst>
+              <p:ext uri="{386F3935-93C4-4BCD-93E2-E3B085C9AB24}">
+                <p16:designElem xmlns:p16="http://schemas.microsoft.com/office/powerpoint/2015/main" val="1"/>
+              </p:ext>
+            </p:extLst>
+          </p:nvPr>
+        </p:nvSpPr>
+        <p:spPr>
+          <a:xfrm>
+            <a:off x="638620" y="457200"/>
+            <a:ext cx="3511233" cy="91439"/>
+          </a:xfrm>
+          <a:prstGeom prst="rect">
+            <a:avLst/>
+          </a:prstGeom>
+          <a:solidFill>
+            <a:schemeClr val="accent1"/>
+          </a:solidFill>
+          <a:ln>
+            <a:noFill/>
+          </a:ln>
+          <a:effectLst/>
+        </p:spPr>
+        <p:style>
+          <a:lnRef idx="1">
+            <a:schemeClr val="accent1"/>
+          </a:lnRef>
+          <a:fillRef idx="3">
+            <a:schemeClr val="accent1"/>
+          </a:fillRef>
+          <a:effectRef idx="2">
+            <a:schemeClr val="accent1"/>
+          </a:effectRef>
+          <a:fontRef idx="minor">
+            <a:schemeClr val="lt1"/>
+          </a:fontRef>
+        </p:style>
+      </p:sp>
+      <p:sp>
+        <p:nvSpPr>
+          <p:cNvPr id="3" name="Content Placeholder 2">
+            <a:extLst>
+              <a:ext uri="{FF2B5EF4-FFF2-40B4-BE49-F238E27FC236}">
+                <a16:creationId xmlns:a16="http://schemas.microsoft.com/office/drawing/2014/main" id="{99E3D4C1-D2AA-834D-9CAB-B3944ECB0BEA}"/>
+              </a:ext>
+            </a:extLst>
+          </p:cNvPr>
+          <p:cNvSpPr>
+            <a:spLocks noGrp="1"/>
+          </p:cNvSpPr>
+          <p:nvPr>
+            <p:ph idx="1"/>
+          </p:nvPr>
+        </p:nvSpPr>
+        <p:spPr>
+          <a:xfrm>
+            <a:off x="609906" y="2125384"/>
+            <a:ext cx="3568661" cy="4275416"/>
+          </a:xfrm>
+        </p:spPr>
+        <p:txBody>
+          <a:bodyPr>
+            <a:normAutofit/>
+          </a:bodyPr>
+          <a:lstStyle/>
+          <a:p>
+            <a:pPr>
+              <a:lnSpc>
+                <a:spcPct val="90000"/>
+              </a:lnSpc>
+            </a:pPr>
+            <a:r>
+              <a:rPr lang="en-US" dirty="0"/>
+              <a:t>Although children are very vulnerable and based on WHO reports the first cause of death between them is driving accidents but only 84 countries of 175 countries used child restraints laws which is just 48% in all around the world.</a:t>
+            </a:r>
+          </a:p>
+          <a:p>
+            <a:pPr>
+              <a:lnSpc>
+                <a:spcPct val="90000"/>
+              </a:lnSpc>
+            </a:pPr>
+            <a:r>
+              <a:rPr lang="en-US" dirty="0"/>
+              <a:t>We can see in this bar chart, 90% of countries with high income level are using this law. This percentage for middle income countries is 36% and just 17% of low income countries are protecting children in this area. </a:t>
+            </a:r>
+          </a:p>
+        </p:txBody>
+      </p:sp>
+      <p:pic>
+        <p:nvPicPr>
+          <p:cNvPr id="4" name="child_restraints_income.png" descr="child_restraints_income.png">
+            <a:extLst>
+              <a:ext uri="{FF2B5EF4-FFF2-40B4-BE49-F238E27FC236}">
+                <a16:creationId xmlns:a16="http://schemas.microsoft.com/office/drawing/2014/main" id="{253863C4-5DD0-8A4A-9176-C0981A7711C6}"/>
+              </a:ext>
+            </a:extLst>
+          </p:cNvPr>
+          <p:cNvPicPr>
+            <a:picLocks noChangeAspect="1"/>
+          </p:cNvPicPr>
+          <p:nvPr/>
+        </p:nvPicPr>
+        <p:blipFill>
+          <a:blip r:embed="rId2"/>
+          <a:stretch>
+            <a:fillRect/>
+          </a:stretch>
+        </p:blipFill>
+        <p:spPr>
+          <a:xfrm>
+            <a:off x="4654295" y="1093662"/>
+            <a:ext cx="7322533" cy="4881687"/>
+          </a:xfrm>
+          <a:prstGeom prst="rect">
+            <a:avLst/>
+          </a:prstGeom>
+        </p:spPr>
+      </p:pic>
+    </p:spTree>
+    <p:extLst>
+      <p:ext uri="{BB962C8B-B14F-4D97-AF65-F5344CB8AC3E}">
+        <p14:creationId xmlns:p14="http://schemas.microsoft.com/office/powerpoint/2010/main" val="2913941793"/>
+      </p:ext>
+    </p:extLst>
+  </p:cSld>
+  <p:clrMapOvr>
+    <a:masterClrMapping/>
+  </p:clrMapOvr>
+</p:sld>
+</file>
+
+<file path=ppt/slides/slide11.xml><?xml version="1.0" encoding="utf-8"?>
+<p:sld xmlns:a="http://schemas.openxmlformats.org/drawingml/2006/main" xmlns:r="http://schemas.openxmlformats.org/officeDocument/2006/relationships" xmlns:p="http://schemas.openxmlformats.org/presentationml/2006/main">
+  <p:cSld>
+    <p:bg>
+      <p:bgPr>
+        <a:solidFill>
           <a:schemeClr val="bg2"/>
         </a:solidFill>
         <a:effectLst/>
@@ -4673,161 +4953,6 @@
   </p:cSld>
   <p:clrMapOvr>
     <a:overrideClrMapping bg1="dk1" tx1="lt1" bg2="dk2" tx2="lt2" accent1="accent1" accent2="accent2" accent3="accent3" accent4="accent4" accent5="accent5" accent6="accent6" hlink="hlink" folHlink="folHlink"/>
-  </p:clrMapOvr>
-</p:sld>
-</file>
-
-<file path=ppt/slides/slide11.xml><?xml version="1.0" encoding="utf-8"?>
-<p:sld xmlns:a="http://schemas.openxmlformats.org/drawingml/2006/main" xmlns:r="http://schemas.openxmlformats.org/officeDocument/2006/relationships" xmlns:p="http://schemas.openxmlformats.org/presentationml/2006/main">
-  <p:cSld>
-    <p:spTree>
-      <p:nvGrpSpPr>
-        <p:cNvPr id="1" name=""/>
-        <p:cNvGrpSpPr/>
-        <p:nvPr/>
-      </p:nvGrpSpPr>
-      <p:grpSpPr>
-        <a:xfrm>
-          <a:off x="0" y="0"/>
-          <a:ext cx="0" cy="0"/>
-          <a:chOff x="0" y="0"/>
-          <a:chExt cx="0" cy="0"/>
-        </a:xfrm>
-      </p:grpSpPr>
-      <p:sp>
-        <p:nvSpPr>
-          <p:cNvPr id="2" name="Title 1">
-            <a:extLst>
-              <a:ext uri="{FF2B5EF4-FFF2-40B4-BE49-F238E27FC236}">
-                <a16:creationId xmlns:a16="http://schemas.microsoft.com/office/drawing/2014/main" id="{FB3628F8-7C43-4E4D-8B2A-876FD3A5E708}"/>
-              </a:ext>
-            </a:extLst>
-          </p:cNvPr>
-          <p:cNvSpPr>
-            <a:spLocks noGrp="1"/>
-          </p:cNvSpPr>
-          <p:nvPr>
-            <p:ph type="title"/>
-          </p:nvPr>
-        </p:nvSpPr>
-        <p:spPr/>
-        <p:txBody>
-          <a:bodyPr/>
-          <a:lstStyle/>
-          <a:p>
-            <a:r>
-              <a:rPr lang="en-HK" dirty="0"/>
-              <a:t>Seat-belt laws </a:t>
-            </a:r>
-            <a:endParaRPr lang="en-US" dirty="0"/>
-          </a:p>
-        </p:txBody>
-      </p:sp>
-      <p:sp>
-        <p:nvSpPr>
-          <p:cNvPr id="3" name="Content Placeholder 2">
-            <a:extLst>
-              <a:ext uri="{FF2B5EF4-FFF2-40B4-BE49-F238E27FC236}">
-                <a16:creationId xmlns:a16="http://schemas.microsoft.com/office/drawing/2014/main" id="{B7C5BC9C-6DF5-A648-81CD-A6199B97DD7B}"/>
-              </a:ext>
-            </a:extLst>
-          </p:cNvPr>
-          <p:cNvSpPr>
-            <a:spLocks noGrp="1"/>
-          </p:cNvSpPr>
-          <p:nvPr>
-            <p:ph idx="1"/>
-          </p:nvPr>
-        </p:nvSpPr>
-        <p:spPr>
-          <a:xfrm>
-            <a:off x="581192" y="2019869"/>
-            <a:ext cx="5205459" cy="4585647"/>
-          </a:xfrm>
-        </p:spPr>
-        <p:txBody>
-          <a:bodyPr>
-            <a:normAutofit/>
-          </a:bodyPr>
-          <a:lstStyle/>
-          <a:p>
-            <a:r>
-              <a:rPr lang="en-US" dirty="0"/>
-              <a:t>Seat belts dramatically reduce risk of death and serious injury. Seat belt use is on the rise. Laws, education, and technology have increased seat belt use all around the world. </a:t>
-            </a:r>
-          </a:p>
-          <a:p>
-            <a:r>
-              <a:rPr lang="en-US" dirty="0"/>
-              <a:t>161 countries of 175 countries used seat-belt laws which is 92% in all around the world. </a:t>
-            </a:r>
-          </a:p>
-          <a:p>
-            <a:r>
-              <a:rPr lang="en-US" dirty="0"/>
-              <a:t>As we see in the bar chart, 96% of countries with high income level are using this law. This percentage for middle income countries is 95% and 75% of low income countries are protecting people in this area. </a:t>
-            </a:r>
-          </a:p>
-          <a:p>
-            <a:r>
-              <a:rPr lang="en-US" dirty="0"/>
-              <a:t>This statistic shows that almost everyone is aware of the need to use seat-belt.</a:t>
-            </a:r>
-          </a:p>
-          <a:p>
-            <a:endParaRPr lang="en-US" dirty="0"/>
-          </a:p>
-        </p:txBody>
-      </p:sp>
-      <p:pic>
-        <p:nvPicPr>
-          <p:cNvPr id="4" name="seatbelt_income.png" descr="seatbelt_income.png">
-            <a:extLst>
-              <a:ext uri="{FF2B5EF4-FFF2-40B4-BE49-F238E27FC236}">
-                <a16:creationId xmlns:a16="http://schemas.microsoft.com/office/drawing/2014/main" id="{8841C5F5-DCE8-F24A-B864-78A58DBD7187}"/>
-              </a:ext>
-            </a:extLst>
-          </p:cNvPr>
-          <p:cNvPicPr>
-            <a:picLocks noChangeAspect="1"/>
-          </p:cNvPicPr>
-          <p:nvPr/>
-        </p:nvPicPr>
-        <p:blipFill>
-          <a:blip r:embed="rId2"/>
-          <a:stretch>
-            <a:fillRect/>
-          </a:stretch>
-        </p:blipFill>
-        <p:spPr>
-          <a:xfrm>
-            <a:off x="6096000" y="2122888"/>
-            <a:ext cx="5771127" cy="3847419"/>
-          </a:xfrm>
-          <a:prstGeom prst="rect">
-            <a:avLst/>
-          </a:prstGeom>
-          <a:ln w="25400">
-            <a:miter lim="400000"/>
-          </a:ln>
-          <a:effectLst>
-            <a:outerShdw blurRad="190500" dist="101600" dir="5400000" rotWithShape="0">
-              <a:srgbClr val="000000">
-                <a:alpha val="40000"/>
-              </a:srgbClr>
-            </a:outerShdw>
-          </a:effectLst>
-        </p:spPr>
-      </p:pic>
-    </p:spTree>
-    <p:extLst>
-      <p:ext uri="{BB962C8B-B14F-4D97-AF65-F5344CB8AC3E}">
-        <p14:creationId xmlns:p14="http://schemas.microsoft.com/office/powerpoint/2010/main" val="2016574885"/>
-      </p:ext>
-    </p:extLst>
-  </p:cSld>
-  <p:clrMapOvr>
-    <a:masterClrMapping/>
   </p:clrMapOvr>
 </p:sld>
 </file>
@@ -4854,7 +4979,7 @@
           <p:cNvPr id="2" name="Title 1">
             <a:extLst>
               <a:ext uri="{FF2B5EF4-FFF2-40B4-BE49-F238E27FC236}">
-                <a16:creationId xmlns:a16="http://schemas.microsoft.com/office/drawing/2014/main" id="{52975F02-1F3A-F148-B9E8-1943E7E8A53C}"/>
+                <a16:creationId xmlns:a16="http://schemas.microsoft.com/office/drawing/2014/main" id="{FB3628F8-7C43-4E4D-8B2A-876FD3A5E708}"/>
               </a:ext>
             </a:extLst>
           </p:cNvPr>
@@ -4866,6 +4991,40 @@
           </p:nvPr>
         </p:nvSpPr>
         <p:spPr/>
+        <p:txBody>
+          <a:bodyPr/>
+          <a:lstStyle/>
+          <a:p>
+            <a:r>
+              <a:rPr lang="en-HK" dirty="0"/>
+              <a:t>Seat-belt laws </a:t>
+            </a:r>
+            <a:endParaRPr lang="en-US" dirty="0"/>
+          </a:p>
+        </p:txBody>
+      </p:sp>
+      <p:sp>
+        <p:nvSpPr>
+          <p:cNvPr id="3" name="Content Placeholder 2">
+            <a:extLst>
+              <a:ext uri="{FF2B5EF4-FFF2-40B4-BE49-F238E27FC236}">
+                <a16:creationId xmlns:a16="http://schemas.microsoft.com/office/drawing/2014/main" id="{B7C5BC9C-6DF5-A648-81CD-A6199B97DD7B}"/>
+              </a:ext>
+            </a:extLst>
+          </p:cNvPr>
+          <p:cNvSpPr>
+            <a:spLocks noGrp="1"/>
+          </p:cNvSpPr>
+          <p:nvPr>
+            <p:ph idx="1"/>
+          </p:nvPr>
+        </p:nvSpPr>
+        <p:spPr>
+          <a:xfrm>
+            <a:off x="581192" y="2019869"/>
+            <a:ext cx="5205459" cy="4585647"/>
+          </a:xfrm>
+        </p:spPr>
         <p:txBody>
           <a:bodyPr>
             <a:normAutofit/>
@@ -4874,64 +5033,38 @@
           <a:p>
             <a:r>
               <a:rPr lang="en-US" dirty="0"/>
-              <a:t>Seat-belt laws </a:t>
-            </a:r>
-          </a:p>
-        </p:txBody>
-      </p:sp>
-      <p:sp>
-        <p:nvSpPr>
-          <p:cNvPr id="3" name="Content Placeholder 2">
-            <a:extLst>
-              <a:ext uri="{FF2B5EF4-FFF2-40B4-BE49-F238E27FC236}">
-                <a16:creationId xmlns:a16="http://schemas.microsoft.com/office/drawing/2014/main" id="{A8AD89AF-BE5A-9D46-B9C1-088E867218A5}"/>
-              </a:ext>
-            </a:extLst>
-          </p:cNvPr>
-          <p:cNvSpPr>
-            <a:spLocks noGrp="1"/>
-          </p:cNvSpPr>
-          <p:nvPr>
-            <p:ph idx="1"/>
-          </p:nvPr>
-        </p:nvSpPr>
-        <p:spPr>
-          <a:xfrm>
-            <a:off x="581193" y="2340864"/>
-            <a:ext cx="4154580" cy="3634486"/>
-          </a:xfrm>
-        </p:spPr>
-        <p:txBody>
-          <a:bodyPr>
-            <a:normAutofit/>
-          </a:bodyPr>
-          <a:lstStyle/>
+              <a:t>Seat belts dramatically reduce risk of death and serious injury. Seat belt use is on the rise. Laws, education, and technology have increased seat belt use all around the world. </a:t>
+            </a:r>
+          </a:p>
           <a:p>
             <a:r>
               <a:rPr lang="en-US" dirty="0"/>
-              <a:t>105 countries of 175 countries currently have laws on seat-belt use.</a:t>
+              <a:t>161 countries of 175 countries used seat-belt laws which is 92% in all around the world. </a:t>
             </a:r>
           </a:p>
           <a:p>
             <a:r>
               <a:rPr lang="en-US" dirty="0"/>
-              <a:t>This chart presents the rates of wearing seat-belt for drivers, front seat occupants, rear seats occupants, all occupants and rate on deaths on traffic road.</a:t>
+              <a:t>As we see in the bar chart, 96% of countries with high income level are using this law. This percentage for middle income countries is 95% and 75% of low income countries are protecting people in this area. </a:t>
             </a:r>
           </a:p>
           <a:p>
             <a:r>
               <a:rPr lang="en-US" dirty="0"/>
-              <a:t>We could better investigate this if we had the similar data for before enforcement of  this law in each county.</a:t>
-            </a:r>
+              <a:t>This statistic shows that almost everyone is aware of the need to use seat-belt.</a:t>
+            </a:r>
+          </a:p>
+          <a:p>
+            <a:endParaRPr lang="en-US" dirty="0"/>
           </a:p>
         </p:txBody>
       </p:sp>
       <p:pic>
         <p:nvPicPr>
-          <p:cNvPr id="4" name="wearing_seat_belt.png" descr="wearing_seat_belt.png">
-            <a:extLst>
-              <a:ext uri="{FF2B5EF4-FFF2-40B4-BE49-F238E27FC236}">
-                <a16:creationId xmlns:a16="http://schemas.microsoft.com/office/drawing/2014/main" id="{9DB05E3A-8125-5348-B394-CAACE1571945}"/>
+          <p:cNvPr id="4" name="seatbelt_income.png" descr="seatbelt_income.png">
+            <a:extLst>
+              <a:ext uri="{FF2B5EF4-FFF2-40B4-BE49-F238E27FC236}">
+                <a16:creationId xmlns:a16="http://schemas.microsoft.com/office/drawing/2014/main" id="{8841C5F5-DCE8-F24A-B864-78A58DBD7187}"/>
               </a:ext>
             </a:extLst>
           </p:cNvPr>
@@ -4940,15 +5073,16 @@
           </p:cNvPicPr>
           <p:nvPr/>
         </p:nvPicPr>
-        <p:blipFill rotWithShape="1">
+        <p:blipFill>
           <a:blip r:embed="rId2"/>
-          <a:srcRect l="8138" r="8138"/>
-          <a:stretch/>
+          <a:stretch>
+            <a:fillRect/>
+          </a:stretch>
         </p:blipFill>
         <p:spPr>
           <a:xfrm>
-            <a:off x="5104263" y="2097010"/>
-            <a:ext cx="6796394" cy="4058834"/>
+            <a:off x="6096000" y="2122888"/>
+            <a:ext cx="5771127" cy="3847419"/>
           </a:xfrm>
           <a:prstGeom prst="rect">
             <a:avLst/>
@@ -4968,7 +5102,7 @@
     </p:spTree>
     <p:extLst>
       <p:ext uri="{BB962C8B-B14F-4D97-AF65-F5344CB8AC3E}">
-        <p14:creationId xmlns:p14="http://schemas.microsoft.com/office/powerpoint/2010/main" val="2617014324"/>
+        <p14:creationId xmlns:p14="http://schemas.microsoft.com/office/powerpoint/2010/main" val="2016574885"/>
       </p:ext>
     </p:extLst>
   </p:cSld>
@@ -4981,14 +5115,6 @@
 <file path=ppt/slides/slide13.xml><?xml version="1.0" encoding="utf-8"?>
 <p:sld xmlns:a="http://schemas.openxmlformats.org/drawingml/2006/main" xmlns:r="http://schemas.openxmlformats.org/officeDocument/2006/relationships" xmlns:p="http://schemas.openxmlformats.org/presentationml/2006/main">
   <p:cSld>
-    <p:bg>
-      <p:bgPr>
-        <a:solidFill>
-          <a:schemeClr val="bg1"/>
-        </a:solidFill>
-        <a:effectLst/>
-      </p:bgPr>
-    </p:bg>
     <p:spTree>
       <p:nvGrpSpPr>
         <p:cNvPr id="1" name=""/>
@@ -5005,67 +5131,10 @@
       </p:grpSpPr>
       <p:sp>
         <p:nvSpPr>
-          <p:cNvPr id="20" name="Rectangle 19">
-            <a:extLst>
-              <a:ext uri="{FF2B5EF4-FFF2-40B4-BE49-F238E27FC236}">
-                <a16:creationId xmlns:a16="http://schemas.microsoft.com/office/drawing/2014/main" id="{3CED7894-4F62-4A6C-8DB5-DB5BE08E9C03}"/>
-              </a:ext>
-              <a:ext uri="{C183D7F6-B498-43B3-948B-1728B52AA6E4}">
-                <adec:decorative xmlns:adec="http://schemas.microsoft.com/office/drawing/2017/decorative" val="1"/>
-              </a:ext>
-            </a:extLst>
-          </p:cNvPr>
-          <p:cNvSpPr>
-            <a:spLocks noGrp="1" noRot="1" noChangeAspect="1" noMove="1" noResize="1" noEditPoints="1" noAdjustHandles="1" noChangeArrowheads="1" noChangeShapeType="1" noTextEdit="1"/>
-          </p:cNvSpPr>
-          <p:nvPr>
-            <p:extLst>
-              <p:ext uri="{386F3935-93C4-4BCD-93E2-E3B085C9AB24}">
-                <p16:designElem xmlns:p16="http://schemas.microsoft.com/office/powerpoint/2015/main" val="1"/>
-              </p:ext>
-            </p:extLst>
-          </p:nvPr>
-        </p:nvSpPr>
-        <p:spPr>
-          <a:xfrm>
-            <a:off x="0" y="0"/>
-            <a:ext cx="12192000" cy="6858000"/>
-          </a:xfrm>
-          <a:prstGeom prst="rect">
-            <a:avLst/>
-          </a:prstGeom>
-          <a:solidFill>
-            <a:schemeClr val="bg1">
-              <a:lumMod val="75000"/>
-              <a:lumOff val="25000"/>
-            </a:schemeClr>
-          </a:solidFill>
-          <a:ln>
-            <a:noFill/>
-          </a:ln>
-          <a:effectLst/>
-        </p:spPr>
-        <p:style>
-          <a:lnRef idx="1">
-            <a:schemeClr val="accent1"/>
-          </a:lnRef>
-          <a:fillRef idx="3">
-            <a:schemeClr val="accent1"/>
-          </a:fillRef>
-          <a:effectRef idx="2">
-            <a:schemeClr val="accent1"/>
-          </a:effectRef>
-          <a:fontRef idx="minor">
-            <a:schemeClr val="lt1"/>
-          </a:fontRef>
-        </p:style>
-      </p:sp>
-      <p:sp>
-        <p:nvSpPr>
           <p:cNvPr id="2" name="Title 1">
             <a:extLst>
               <a:ext uri="{FF2B5EF4-FFF2-40B4-BE49-F238E27FC236}">
-                <a16:creationId xmlns:a16="http://schemas.microsoft.com/office/drawing/2014/main" id="{F378B125-AFC4-1549-B96E-F77EDDBBD32D}"/>
+                <a16:creationId xmlns:a16="http://schemas.microsoft.com/office/drawing/2014/main" id="{52975F02-1F3A-F148-B9E8-1943E7E8A53C}"/>
               </a:ext>
             </a:extLst>
           </p:cNvPr>
@@ -5076,12 +5145,7 @@
             <p:ph type="title"/>
           </p:nvPr>
         </p:nvSpPr>
-        <p:spPr>
-          <a:xfrm>
-            <a:off x="609906" y="702155"/>
-            <a:ext cx="3568661" cy="1269713"/>
-          </a:xfrm>
-        </p:spPr>
+        <p:spPr/>
         <p:txBody>
           <a:bodyPr>
             <a:normAutofit/>
@@ -5090,71 +5154,17 @@
           <a:p>
             <a:r>
               <a:rPr lang="en-US" dirty="0"/>
-              <a:t>Mobile phone Laws </a:t>
-            </a:r>
-          </a:p>
-        </p:txBody>
-      </p:sp>
-      <p:sp>
-        <p:nvSpPr>
-          <p:cNvPr id="22" name="Rectangle 21">
-            <a:extLst>
-              <a:ext uri="{FF2B5EF4-FFF2-40B4-BE49-F238E27FC236}">
-                <a16:creationId xmlns:a16="http://schemas.microsoft.com/office/drawing/2014/main" id="{E536F3B4-50F6-4C52-8F76-4EB1214719DC}"/>
-              </a:ext>
-              <a:ext uri="{C183D7F6-B498-43B3-948B-1728B52AA6E4}">
-                <adec:decorative xmlns:adec="http://schemas.microsoft.com/office/drawing/2017/decorative" val="1"/>
-              </a:ext>
-            </a:extLst>
-          </p:cNvPr>
-          <p:cNvSpPr>
-            <a:spLocks noGrp="1" noRot="1" noChangeAspect="1" noMove="1" noResize="1" noEditPoints="1" noAdjustHandles="1" noChangeArrowheads="1" noChangeShapeType="1" noTextEdit="1"/>
-          </p:cNvSpPr>
-          <p:nvPr>
-            <p:extLst>
-              <p:ext uri="{386F3935-93C4-4BCD-93E2-E3B085C9AB24}">
-                <p16:designElem xmlns:p16="http://schemas.microsoft.com/office/powerpoint/2015/main" val="1"/>
-              </p:ext>
-            </p:extLst>
-          </p:nvPr>
-        </p:nvSpPr>
-        <p:spPr>
-          <a:xfrm>
-            <a:off x="638620" y="457200"/>
-            <a:ext cx="3511233" cy="91439"/>
-          </a:xfrm>
-          <a:prstGeom prst="rect">
-            <a:avLst/>
-          </a:prstGeom>
-          <a:solidFill>
-            <a:schemeClr val="accent1"/>
-          </a:solidFill>
-          <a:ln>
-            <a:noFill/>
-          </a:ln>
-          <a:effectLst/>
-        </p:spPr>
-        <p:style>
-          <a:lnRef idx="1">
-            <a:schemeClr val="accent1"/>
-          </a:lnRef>
-          <a:fillRef idx="3">
-            <a:schemeClr val="accent1"/>
-          </a:fillRef>
-          <a:effectRef idx="2">
-            <a:schemeClr val="accent1"/>
-          </a:effectRef>
-          <a:fontRef idx="minor">
-            <a:schemeClr val="lt1"/>
-          </a:fontRef>
-        </p:style>
+              <a:t>Seat-belt laws </a:t>
+            </a:r>
+          </a:p>
+        </p:txBody>
       </p:sp>
       <p:sp>
         <p:nvSpPr>
           <p:cNvPr id="3" name="Content Placeholder 2">
             <a:extLst>
               <a:ext uri="{FF2B5EF4-FFF2-40B4-BE49-F238E27FC236}">
-                <a16:creationId xmlns:a16="http://schemas.microsoft.com/office/drawing/2014/main" id="{472BF5DB-E574-D145-8F50-CF5EBAD2DA71}"/>
+                <a16:creationId xmlns:a16="http://schemas.microsoft.com/office/drawing/2014/main" id="{A8AD89AF-BE5A-9D46-B9C1-088E867218A5}"/>
               </a:ext>
             </a:extLst>
           </p:cNvPr>
@@ -5167,83 +5177,41 @@
         </p:nvSpPr>
         <p:spPr>
           <a:xfrm>
-            <a:off x="134176" y="1915414"/>
-            <a:ext cx="5199823" cy="4485386"/>
+            <a:off x="581193" y="2340864"/>
+            <a:ext cx="4154580" cy="3634486"/>
           </a:xfrm>
         </p:spPr>
         <p:txBody>
           <a:bodyPr>
-            <a:noAutofit/>
+            <a:normAutofit/>
           </a:bodyPr>
           <a:lstStyle/>
           <a:p>
-            <a:pPr>
-              <a:lnSpc>
-                <a:spcPct val="90000"/>
-              </a:lnSpc>
-            </a:pPr>
-            <a:r>
-              <a:rPr lang="en-US" sz="1600" dirty="0"/>
-              <a:t>Using mobile devices such as smartphones and/or other in-vehicle devices is a major source of distraction while driving. Some </a:t>
-            </a:r>
-            <a:r>
-              <a:rPr lang="en-US" sz="1600" dirty="0" err="1"/>
-              <a:t>behaviour</a:t>
-            </a:r>
-            <a:r>
-              <a:rPr lang="en-US" sz="1600" dirty="0"/>
-              <a:t> studies show that using mobile phone while driving has the same effect as drink-driving. Evidence suggests that if there is no enforcement, this </a:t>
-            </a:r>
-            <a:r>
-              <a:rPr lang="en-US" sz="1600" dirty="0" err="1"/>
-              <a:t>behaviour</a:t>
-            </a:r>
-            <a:r>
-              <a:rPr lang="en-US" sz="1600" dirty="0"/>
-              <a:t> will increase in society because of human nature. </a:t>
-            </a:r>
-          </a:p>
-          <a:p>
-            <a:pPr>
-              <a:lnSpc>
-                <a:spcPct val="90000"/>
-              </a:lnSpc>
-            </a:pPr>
-            <a:r>
-              <a:rPr lang="en-US" sz="1600" dirty="0"/>
-              <a:t>150 countries of 175 countries (86% ) have banned using mobile phone while driving.</a:t>
-            </a:r>
-          </a:p>
-          <a:p>
-            <a:pPr>
-              <a:lnSpc>
-                <a:spcPct val="90000"/>
-              </a:lnSpc>
-            </a:pPr>
-            <a:r>
-              <a:rPr lang="en-US" sz="1600" dirty="0"/>
-              <a:t>In this chart, we can see 96% of high-income countries used this law, this number is 86% for middle-income  countries and 68% of low-income countries banned mobile phone while driving. </a:t>
-            </a:r>
-          </a:p>
-          <a:p>
-            <a:pPr>
-              <a:lnSpc>
-                <a:spcPct val="90000"/>
-              </a:lnSpc>
-            </a:pPr>
-            <a:r>
-              <a:rPr lang="en-US" sz="1600" dirty="0"/>
-              <a:t>It can be inferred from the above information that most of countries understand the importance of this laws. </a:t>
+            <a:r>
+              <a:rPr lang="en-US" dirty="0"/>
+              <a:t>105 countries of 175 countries currently have laws on seat-belt use.</a:t>
+            </a:r>
+          </a:p>
+          <a:p>
+            <a:r>
+              <a:rPr lang="en-US" dirty="0"/>
+              <a:t>This chart presents the rates of wearing seat-belt for drivers, front seat occupants, rear seats occupants, all occupants and rate on deaths on traffic road.</a:t>
+            </a:r>
+          </a:p>
+          <a:p>
+            <a:r>
+              <a:rPr lang="en-US" dirty="0"/>
+              <a:t>We could better investigate this if we had the similar data for before enforcement of  this law in each county.</a:t>
             </a:r>
           </a:p>
         </p:txBody>
       </p:sp>
       <p:pic>
         <p:nvPicPr>
-          <p:cNvPr id="4" name="mobile_income.png" descr="mobile_income.png">
-            <a:extLst>
-              <a:ext uri="{FF2B5EF4-FFF2-40B4-BE49-F238E27FC236}">
-                <a16:creationId xmlns:a16="http://schemas.microsoft.com/office/drawing/2014/main" id="{868D706C-9171-7E48-B8CE-A46729BE204A}"/>
+          <p:cNvPr id="4" name="wearing_seat_belt.png" descr="wearing_seat_belt.png">
+            <a:extLst>
+              <a:ext uri="{FF2B5EF4-FFF2-40B4-BE49-F238E27FC236}">
+                <a16:creationId xmlns:a16="http://schemas.microsoft.com/office/drawing/2014/main" id="{9DB05E3A-8125-5348-B394-CAACE1571945}"/>
               </a:ext>
             </a:extLst>
           </p:cNvPr>
@@ -5252,26 +5220,35 @@
           </p:cNvPicPr>
           <p:nvPr/>
         </p:nvPicPr>
-        <p:blipFill>
+        <p:blipFill rotWithShape="1">
           <a:blip r:embed="rId2"/>
-          <a:stretch>
-            <a:fillRect/>
-          </a:stretch>
+          <a:srcRect l="8138" r="8138"/>
+          <a:stretch/>
         </p:blipFill>
         <p:spPr>
           <a:xfrm>
-            <a:off x="5456728" y="1183910"/>
-            <a:ext cx="6735272" cy="4490180"/>
+            <a:off x="5104263" y="2097010"/>
+            <a:ext cx="6796394" cy="4058834"/>
           </a:xfrm>
           <a:prstGeom prst="rect">
             <a:avLst/>
           </a:prstGeom>
+          <a:ln w="25400">
+            <a:miter lim="400000"/>
+          </a:ln>
+          <a:effectLst>
+            <a:outerShdw blurRad="190500" dist="101600" dir="5400000" rotWithShape="0">
+              <a:srgbClr val="000000">
+                <a:alpha val="40000"/>
+              </a:srgbClr>
+            </a:outerShdw>
+          </a:effectLst>
         </p:spPr>
       </p:pic>
     </p:spTree>
     <p:extLst>
       <p:ext uri="{BB962C8B-B14F-4D97-AF65-F5344CB8AC3E}">
-        <p14:creationId xmlns:p14="http://schemas.microsoft.com/office/powerpoint/2010/main" val="334154119"/>
+        <p14:creationId xmlns:p14="http://schemas.microsoft.com/office/powerpoint/2010/main" val="2617014324"/>
       </p:ext>
     </p:extLst>
   </p:cSld>
@@ -5308,6 +5285,309 @@
       </p:grpSpPr>
       <p:sp>
         <p:nvSpPr>
+          <p:cNvPr id="20" name="Rectangle 19">
+            <a:extLst>
+              <a:ext uri="{FF2B5EF4-FFF2-40B4-BE49-F238E27FC236}">
+                <a16:creationId xmlns:a16="http://schemas.microsoft.com/office/drawing/2014/main" id="{3CED7894-4F62-4A6C-8DB5-DB5BE08E9C03}"/>
+              </a:ext>
+              <a:ext uri="{C183D7F6-B498-43B3-948B-1728B52AA6E4}">
+                <adec:decorative xmlns:adec="http://schemas.microsoft.com/office/drawing/2017/decorative" val="1"/>
+              </a:ext>
+            </a:extLst>
+          </p:cNvPr>
+          <p:cNvSpPr>
+            <a:spLocks noGrp="1" noRot="1" noChangeAspect="1" noMove="1" noResize="1" noEditPoints="1" noAdjustHandles="1" noChangeArrowheads="1" noChangeShapeType="1" noTextEdit="1"/>
+          </p:cNvSpPr>
+          <p:nvPr>
+            <p:extLst>
+              <p:ext uri="{386F3935-93C4-4BCD-93E2-E3B085C9AB24}">
+                <p16:designElem xmlns:p16="http://schemas.microsoft.com/office/powerpoint/2015/main" val="1"/>
+              </p:ext>
+            </p:extLst>
+          </p:nvPr>
+        </p:nvSpPr>
+        <p:spPr>
+          <a:xfrm>
+            <a:off x="0" y="0"/>
+            <a:ext cx="12192000" cy="6858000"/>
+          </a:xfrm>
+          <a:prstGeom prst="rect">
+            <a:avLst/>
+          </a:prstGeom>
+          <a:solidFill>
+            <a:schemeClr val="bg1">
+              <a:lumMod val="75000"/>
+              <a:lumOff val="25000"/>
+            </a:schemeClr>
+          </a:solidFill>
+          <a:ln>
+            <a:noFill/>
+          </a:ln>
+          <a:effectLst/>
+        </p:spPr>
+        <p:style>
+          <a:lnRef idx="1">
+            <a:schemeClr val="accent1"/>
+          </a:lnRef>
+          <a:fillRef idx="3">
+            <a:schemeClr val="accent1"/>
+          </a:fillRef>
+          <a:effectRef idx="2">
+            <a:schemeClr val="accent1"/>
+          </a:effectRef>
+          <a:fontRef idx="minor">
+            <a:schemeClr val="lt1"/>
+          </a:fontRef>
+        </p:style>
+      </p:sp>
+      <p:sp>
+        <p:nvSpPr>
+          <p:cNvPr id="2" name="Title 1">
+            <a:extLst>
+              <a:ext uri="{FF2B5EF4-FFF2-40B4-BE49-F238E27FC236}">
+                <a16:creationId xmlns:a16="http://schemas.microsoft.com/office/drawing/2014/main" id="{F378B125-AFC4-1549-B96E-F77EDDBBD32D}"/>
+              </a:ext>
+            </a:extLst>
+          </p:cNvPr>
+          <p:cNvSpPr>
+            <a:spLocks noGrp="1"/>
+          </p:cNvSpPr>
+          <p:nvPr>
+            <p:ph type="title"/>
+          </p:nvPr>
+        </p:nvSpPr>
+        <p:spPr>
+          <a:xfrm>
+            <a:off x="609906" y="702155"/>
+            <a:ext cx="3568661" cy="1269713"/>
+          </a:xfrm>
+        </p:spPr>
+        <p:txBody>
+          <a:bodyPr>
+            <a:normAutofit/>
+          </a:bodyPr>
+          <a:lstStyle/>
+          <a:p>
+            <a:r>
+              <a:rPr lang="en-US" dirty="0"/>
+              <a:t>Mobile phone Laws </a:t>
+            </a:r>
+          </a:p>
+        </p:txBody>
+      </p:sp>
+      <p:sp>
+        <p:nvSpPr>
+          <p:cNvPr id="22" name="Rectangle 21">
+            <a:extLst>
+              <a:ext uri="{FF2B5EF4-FFF2-40B4-BE49-F238E27FC236}">
+                <a16:creationId xmlns:a16="http://schemas.microsoft.com/office/drawing/2014/main" id="{E536F3B4-50F6-4C52-8F76-4EB1214719DC}"/>
+              </a:ext>
+              <a:ext uri="{C183D7F6-B498-43B3-948B-1728B52AA6E4}">
+                <adec:decorative xmlns:adec="http://schemas.microsoft.com/office/drawing/2017/decorative" val="1"/>
+              </a:ext>
+            </a:extLst>
+          </p:cNvPr>
+          <p:cNvSpPr>
+            <a:spLocks noGrp="1" noRot="1" noChangeAspect="1" noMove="1" noResize="1" noEditPoints="1" noAdjustHandles="1" noChangeArrowheads="1" noChangeShapeType="1" noTextEdit="1"/>
+          </p:cNvSpPr>
+          <p:nvPr>
+            <p:extLst>
+              <p:ext uri="{386F3935-93C4-4BCD-93E2-E3B085C9AB24}">
+                <p16:designElem xmlns:p16="http://schemas.microsoft.com/office/powerpoint/2015/main" val="1"/>
+              </p:ext>
+            </p:extLst>
+          </p:nvPr>
+        </p:nvSpPr>
+        <p:spPr>
+          <a:xfrm>
+            <a:off x="638620" y="457200"/>
+            <a:ext cx="3511233" cy="91439"/>
+          </a:xfrm>
+          <a:prstGeom prst="rect">
+            <a:avLst/>
+          </a:prstGeom>
+          <a:solidFill>
+            <a:schemeClr val="accent1"/>
+          </a:solidFill>
+          <a:ln>
+            <a:noFill/>
+          </a:ln>
+          <a:effectLst/>
+        </p:spPr>
+        <p:style>
+          <a:lnRef idx="1">
+            <a:schemeClr val="accent1"/>
+          </a:lnRef>
+          <a:fillRef idx="3">
+            <a:schemeClr val="accent1"/>
+          </a:fillRef>
+          <a:effectRef idx="2">
+            <a:schemeClr val="accent1"/>
+          </a:effectRef>
+          <a:fontRef idx="minor">
+            <a:schemeClr val="lt1"/>
+          </a:fontRef>
+        </p:style>
+      </p:sp>
+      <p:sp>
+        <p:nvSpPr>
+          <p:cNvPr id="3" name="Content Placeholder 2">
+            <a:extLst>
+              <a:ext uri="{FF2B5EF4-FFF2-40B4-BE49-F238E27FC236}">
+                <a16:creationId xmlns:a16="http://schemas.microsoft.com/office/drawing/2014/main" id="{472BF5DB-E574-D145-8F50-CF5EBAD2DA71}"/>
+              </a:ext>
+            </a:extLst>
+          </p:cNvPr>
+          <p:cNvSpPr>
+            <a:spLocks noGrp="1"/>
+          </p:cNvSpPr>
+          <p:nvPr>
+            <p:ph idx="1"/>
+          </p:nvPr>
+        </p:nvSpPr>
+        <p:spPr>
+          <a:xfrm>
+            <a:off x="134176" y="1915414"/>
+            <a:ext cx="5199823" cy="4485386"/>
+          </a:xfrm>
+        </p:spPr>
+        <p:txBody>
+          <a:bodyPr>
+            <a:noAutofit/>
+          </a:bodyPr>
+          <a:lstStyle/>
+          <a:p>
+            <a:pPr>
+              <a:lnSpc>
+                <a:spcPct val="90000"/>
+              </a:lnSpc>
+            </a:pPr>
+            <a:r>
+              <a:rPr lang="en-US" sz="1600" dirty="0"/>
+              <a:t>Using mobile devices such as smartphones and/or other in-vehicle devices is a major source of distraction while driving. Some </a:t>
+            </a:r>
+            <a:r>
+              <a:rPr lang="en-US" sz="1600" dirty="0" err="1"/>
+              <a:t>behaviour</a:t>
+            </a:r>
+            <a:r>
+              <a:rPr lang="en-US" sz="1600" dirty="0"/>
+              <a:t> studies show that using mobile phone while driving has the same effect as drink-driving. Evidence suggests that if there is no enforcement, this </a:t>
+            </a:r>
+            <a:r>
+              <a:rPr lang="en-US" sz="1600" dirty="0" err="1"/>
+              <a:t>behaviour</a:t>
+            </a:r>
+            <a:r>
+              <a:rPr lang="en-US" sz="1600" dirty="0"/>
+              <a:t> will increase in society because of human nature. </a:t>
+            </a:r>
+          </a:p>
+          <a:p>
+            <a:pPr>
+              <a:lnSpc>
+                <a:spcPct val="90000"/>
+              </a:lnSpc>
+            </a:pPr>
+            <a:r>
+              <a:rPr lang="en-US" sz="1600" dirty="0"/>
+              <a:t>150 countries of 175 countries (86% ) have banned using mobile phone while driving.</a:t>
+            </a:r>
+          </a:p>
+          <a:p>
+            <a:pPr>
+              <a:lnSpc>
+                <a:spcPct val="90000"/>
+              </a:lnSpc>
+            </a:pPr>
+            <a:r>
+              <a:rPr lang="en-US" sz="1600" dirty="0"/>
+              <a:t>In this chart, we can see 96% of high-income countries used this law, this number is 86% for middle-income  countries and 68% of low-income countries banned mobile phone while driving. </a:t>
+            </a:r>
+          </a:p>
+          <a:p>
+            <a:pPr>
+              <a:lnSpc>
+                <a:spcPct val="90000"/>
+              </a:lnSpc>
+            </a:pPr>
+            <a:r>
+              <a:rPr lang="en-US" sz="1600" dirty="0"/>
+              <a:t>It can be inferred from the above information that most of countries understand the importance of this laws. </a:t>
+            </a:r>
+          </a:p>
+        </p:txBody>
+      </p:sp>
+      <p:pic>
+        <p:nvPicPr>
+          <p:cNvPr id="4" name="mobile_income.png" descr="mobile_income.png">
+            <a:extLst>
+              <a:ext uri="{FF2B5EF4-FFF2-40B4-BE49-F238E27FC236}">
+                <a16:creationId xmlns:a16="http://schemas.microsoft.com/office/drawing/2014/main" id="{868D706C-9171-7E48-B8CE-A46729BE204A}"/>
+              </a:ext>
+            </a:extLst>
+          </p:cNvPr>
+          <p:cNvPicPr>
+            <a:picLocks noChangeAspect="1"/>
+          </p:cNvPicPr>
+          <p:nvPr/>
+        </p:nvPicPr>
+        <p:blipFill>
+          <a:blip r:embed="rId2"/>
+          <a:stretch>
+            <a:fillRect/>
+          </a:stretch>
+        </p:blipFill>
+        <p:spPr>
+          <a:xfrm>
+            <a:off x="5456728" y="1183910"/>
+            <a:ext cx="6735272" cy="4490180"/>
+          </a:xfrm>
+          <a:prstGeom prst="rect">
+            <a:avLst/>
+          </a:prstGeom>
+        </p:spPr>
+      </p:pic>
+    </p:spTree>
+    <p:extLst>
+      <p:ext uri="{BB962C8B-B14F-4D97-AF65-F5344CB8AC3E}">
+        <p14:creationId xmlns:p14="http://schemas.microsoft.com/office/powerpoint/2010/main" val="334154119"/>
+      </p:ext>
+    </p:extLst>
+  </p:cSld>
+  <p:clrMapOvr>
+    <a:masterClrMapping/>
+  </p:clrMapOvr>
+</p:sld>
+</file>
+
+<file path=ppt/slides/slide15.xml><?xml version="1.0" encoding="utf-8"?>
+<p:sld xmlns:a="http://schemas.openxmlformats.org/drawingml/2006/main" xmlns:r="http://schemas.openxmlformats.org/officeDocument/2006/relationships" xmlns:p="http://schemas.openxmlformats.org/presentationml/2006/main">
+  <p:cSld>
+    <p:bg>
+      <p:bgPr>
+        <a:solidFill>
+          <a:schemeClr val="bg1"/>
+        </a:solidFill>
+        <a:effectLst/>
+      </p:bgPr>
+    </p:bg>
+    <p:spTree>
+      <p:nvGrpSpPr>
+        <p:cNvPr id="1" name=""/>
+        <p:cNvGrpSpPr/>
+        <p:nvPr/>
+      </p:nvGrpSpPr>
+      <p:grpSpPr>
+        <a:xfrm>
+          <a:off x="0" y="0"/>
+          <a:ext cx="0" cy="0"/>
+          <a:chOff x="0" y="0"/>
+          <a:chExt cx="0" cy="0"/>
+        </a:xfrm>
+      </p:grpSpPr>
+      <p:sp>
+        <p:nvSpPr>
           <p:cNvPr id="12" name="Rectangle 8">
             <a:extLst>
               <a:ext uri="{FF2B5EF4-FFF2-40B4-BE49-F238E27FC236}">
@@ -5602,7 +5882,7 @@
 </p:sld>
 </file>
 
-<file path=ppt/slides/slide15.xml><?xml version="1.0" encoding="utf-8"?>
+<file path=ppt/slides/slide16.xml><?xml version="1.0" encoding="utf-8"?>
 <p:sld xmlns:a="http://schemas.openxmlformats.org/drawingml/2006/main" xmlns:r="http://schemas.openxmlformats.org/officeDocument/2006/relationships" xmlns:p="http://schemas.openxmlformats.org/presentationml/2006/main">
   <p:cSld>
     <p:spTree>
@@ -5956,167 +6236,6 @@
 </p:sld>
 </file>
 
-<file path=ppt/slides/slide16.xml><?xml version="1.0" encoding="utf-8"?>
-<p:sld xmlns:a="http://schemas.openxmlformats.org/drawingml/2006/main" xmlns:r="http://schemas.openxmlformats.org/officeDocument/2006/relationships" xmlns:p="http://schemas.openxmlformats.org/presentationml/2006/main">
-  <p:cSld>
-    <p:spTree>
-      <p:nvGrpSpPr>
-        <p:cNvPr id="1" name=""/>
-        <p:cNvGrpSpPr/>
-        <p:nvPr/>
-      </p:nvGrpSpPr>
-      <p:grpSpPr>
-        <a:xfrm>
-          <a:off x="0" y="0"/>
-          <a:ext cx="0" cy="0"/>
-          <a:chOff x="0" y="0"/>
-          <a:chExt cx="0" cy="0"/>
-        </a:xfrm>
-      </p:grpSpPr>
-      <p:sp>
-        <p:nvSpPr>
-          <p:cNvPr id="3" name="Rectangle 2">
-            <a:extLst>
-              <a:ext uri="{FF2B5EF4-FFF2-40B4-BE49-F238E27FC236}">
-                <a16:creationId xmlns:a16="http://schemas.microsoft.com/office/drawing/2014/main" id="{8DE33E85-6739-DA49-BF21-4C66976BE541}"/>
-              </a:ext>
-            </a:extLst>
-          </p:cNvPr>
-          <p:cNvSpPr/>
-          <p:nvPr/>
-        </p:nvSpPr>
-        <p:spPr>
-          <a:xfrm>
-            <a:off x="8802616" y="1188720"/>
-            <a:ext cx="3263028" cy="5434261"/>
-          </a:xfrm>
-          <a:prstGeom prst="rect">
-            <a:avLst/>
-          </a:prstGeom>
-          <a:solidFill>
-            <a:srgbClr val="455359"/>
-          </a:solidFill>
-        </p:spPr>
-        <p:style>
-          <a:lnRef idx="2">
-            <a:schemeClr val="accent1">
-              <a:shade val="50000"/>
-            </a:schemeClr>
-          </a:lnRef>
-          <a:fillRef idx="1">
-            <a:schemeClr val="accent1"/>
-          </a:fillRef>
-          <a:effectRef idx="0">
-            <a:schemeClr val="accent1"/>
-          </a:effectRef>
-          <a:fontRef idx="minor">
-            <a:schemeClr val="lt1"/>
-          </a:fontRef>
-        </p:style>
-        <p:txBody>
-          <a:bodyPr rtlCol="0" anchor="ctr"/>
-          <a:lstStyle/>
-          <a:p>
-            <a:pPr algn="ctr"/>
-            <a:r>
-              <a:rPr lang="en-US" sz="3600" cap="all" dirty="0">
-                <a:solidFill>
-                  <a:srgbClr val="FFFFFF"/>
-                </a:solidFill>
-                <a:ea typeface="+mj-ea"/>
-                <a:cs typeface="+mj-cs"/>
-              </a:rPr>
-              <a:t>Age group </a:t>
-            </a:r>
-          </a:p>
-          <a:p>
-            <a:pPr algn="ctr"/>
-            <a:r>
-              <a:rPr lang="en-US" sz="3600" cap="all" dirty="0">
-                <a:solidFill>
-                  <a:srgbClr val="FFFFFF"/>
-                </a:solidFill>
-                <a:ea typeface="+mj-ea"/>
-                <a:cs typeface="+mj-cs"/>
-              </a:rPr>
-              <a:t>Vs.</a:t>
-            </a:r>
-          </a:p>
-          <a:p>
-            <a:pPr algn="ctr"/>
-            <a:r>
-              <a:rPr lang="en-US" sz="3600" cap="all" dirty="0">
-                <a:solidFill>
-                  <a:srgbClr val="FFFFFF"/>
-                </a:solidFill>
-                <a:ea typeface="+mj-ea"/>
-                <a:cs typeface="+mj-cs"/>
-              </a:rPr>
-              <a:t> fatality in Australia</a:t>
-            </a:r>
-          </a:p>
-        </p:txBody>
-      </p:sp>
-      <p:pic>
-        <p:nvPicPr>
-          <p:cNvPr id="4" name="Picture 2">
-            <a:extLst>
-              <a:ext uri="{FF2B5EF4-FFF2-40B4-BE49-F238E27FC236}">
-                <a16:creationId xmlns:a16="http://schemas.microsoft.com/office/drawing/2014/main" id="{F5C384D3-BEE4-6F4D-9169-826897FA6CA4}"/>
-              </a:ext>
-            </a:extLst>
-          </p:cNvPr>
-          <p:cNvPicPr>
-            <a:picLocks noChangeAspect="1" noChangeArrowheads="1"/>
-          </p:cNvPicPr>
-          <p:nvPr/>
-        </p:nvPicPr>
-        <p:blipFill>
-          <a:blip r:embed="rId2">
-            <a:extLst>
-              <a:ext uri="{28A0092B-C50C-407E-A947-70E740481C1C}">
-                <a14:useLocalDpi xmlns:a14="http://schemas.microsoft.com/office/drawing/2010/main" val="0"/>
-              </a:ext>
-            </a:extLst>
-          </a:blip>
-          <a:srcRect/>
-          <a:stretch>
-            <a:fillRect/>
-          </a:stretch>
-        </p:blipFill>
-        <p:spPr bwMode="auto">
-          <a:xfrm>
-            <a:off x="204716" y="687001"/>
-            <a:ext cx="8597900" cy="6007100"/>
-          </a:xfrm>
-          <a:prstGeom prst="rect">
-            <a:avLst/>
-          </a:prstGeom>
-          <a:noFill/>
-          <a:extLst>
-            <a:ext uri="{909E8E84-426E-40DD-AFC4-6F175D3DCCD1}">
-              <a14:hiddenFill xmlns:a14="http://schemas.microsoft.com/office/drawing/2010/main">
-                <a:solidFill>
-                  <a:srgbClr val="FFFFFF"/>
-                </a:solidFill>
-              </a14:hiddenFill>
-            </a:ext>
-          </a:extLst>
-        </p:spPr>
-      </p:pic>
-    </p:spTree>
-    <p:extLst>
-      <p:ext uri="{BB962C8B-B14F-4D97-AF65-F5344CB8AC3E}">
-        <p14:creationId xmlns:p14="http://schemas.microsoft.com/office/powerpoint/2010/main" val="584577909"/>
-      </p:ext>
-    </p:extLst>
-  </p:cSld>
-  <p:clrMapOvr>
-    <a:masterClrMapping/>
-  </p:clrMapOvr>
-</p:sld>
-</file>
-
 <file path=ppt/slides/slide17.xml><?xml version="1.0" encoding="utf-8"?>
 <p:sld xmlns:a="http://schemas.openxmlformats.org/drawingml/2006/main" xmlns:r="http://schemas.openxmlformats.org/officeDocument/2006/relationships" xmlns:p="http://schemas.openxmlformats.org/presentationml/2006/main">
   <p:cSld>
@@ -6216,6 +6335,167 @@
               <a:t> fatality in Australia</a:t>
             </a:r>
           </a:p>
+        </p:txBody>
+      </p:sp>
+      <p:pic>
+        <p:nvPicPr>
+          <p:cNvPr id="4" name="Picture 2">
+            <a:extLst>
+              <a:ext uri="{FF2B5EF4-FFF2-40B4-BE49-F238E27FC236}">
+                <a16:creationId xmlns:a16="http://schemas.microsoft.com/office/drawing/2014/main" id="{F5C384D3-BEE4-6F4D-9169-826897FA6CA4}"/>
+              </a:ext>
+            </a:extLst>
+          </p:cNvPr>
+          <p:cNvPicPr>
+            <a:picLocks noChangeAspect="1" noChangeArrowheads="1"/>
+          </p:cNvPicPr>
+          <p:nvPr/>
+        </p:nvPicPr>
+        <p:blipFill>
+          <a:blip r:embed="rId2">
+            <a:extLst>
+              <a:ext uri="{28A0092B-C50C-407E-A947-70E740481C1C}">
+                <a14:useLocalDpi xmlns:a14="http://schemas.microsoft.com/office/drawing/2010/main" val="0"/>
+              </a:ext>
+            </a:extLst>
+          </a:blip>
+          <a:srcRect/>
+          <a:stretch>
+            <a:fillRect/>
+          </a:stretch>
+        </p:blipFill>
+        <p:spPr bwMode="auto">
+          <a:xfrm>
+            <a:off x="204716" y="687001"/>
+            <a:ext cx="8597900" cy="6007100"/>
+          </a:xfrm>
+          <a:prstGeom prst="rect">
+            <a:avLst/>
+          </a:prstGeom>
+          <a:noFill/>
+          <a:extLst>
+            <a:ext uri="{909E8E84-426E-40DD-AFC4-6F175D3DCCD1}">
+              <a14:hiddenFill xmlns:a14="http://schemas.microsoft.com/office/drawing/2010/main">
+                <a:solidFill>
+                  <a:srgbClr val="FFFFFF"/>
+                </a:solidFill>
+              </a14:hiddenFill>
+            </a:ext>
+          </a:extLst>
+        </p:spPr>
+      </p:pic>
+    </p:spTree>
+    <p:extLst>
+      <p:ext uri="{BB962C8B-B14F-4D97-AF65-F5344CB8AC3E}">
+        <p14:creationId xmlns:p14="http://schemas.microsoft.com/office/powerpoint/2010/main" val="584577909"/>
+      </p:ext>
+    </p:extLst>
+  </p:cSld>
+  <p:clrMapOvr>
+    <a:masterClrMapping/>
+  </p:clrMapOvr>
+</p:sld>
+</file>
+
+<file path=ppt/slides/slide18.xml><?xml version="1.0" encoding="utf-8"?>
+<p:sld xmlns:a="http://schemas.openxmlformats.org/drawingml/2006/main" xmlns:r="http://schemas.openxmlformats.org/officeDocument/2006/relationships" xmlns:p="http://schemas.openxmlformats.org/presentationml/2006/main">
+  <p:cSld>
+    <p:spTree>
+      <p:nvGrpSpPr>
+        <p:cNvPr id="1" name=""/>
+        <p:cNvGrpSpPr/>
+        <p:nvPr/>
+      </p:nvGrpSpPr>
+      <p:grpSpPr>
+        <a:xfrm>
+          <a:off x="0" y="0"/>
+          <a:ext cx="0" cy="0"/>
+          <a:chOff x="0" y="0"/>
+          <a:chExt cx="0" cy="0"/>
+        </a:xfrm>
+      </p:grpSpPr>
+      <p:sp>
+        <p:nvSpPr>
+          <p:cNvPr id="3" name="Rectangle 2">
+            <a:extLst>
+              <a:ext uri="{FF2B5EF4-FFF2-40B4-BE49-F238E27FC236}">
+                <a16:creationId xmlns:a16="http://schemas.microsoft.com/office/drawing/2014/main" id="{8DE33E85-6739-DA49-BF21-4C66976BE541}"/>
+              </a:ext>
+            </a:extLst>
+          </p:cNvPr>
+          <p:cNvSpPr/>
+          <p:nvPr/>
+        </p:nvSpPr>
+        <p:spPr>
+          <a:xfrm>
+            <a:off x="8802616" y="1188720"/>
+            <a:ext cx="3263028" cy="5434261"/>
+          </a:xfrm>
+          <a:prstGeom prst="rect">
+            <a:avLst/>
+          </a:prstGeom>
+          <a:solidFill>
+            <a:srgbClr val="455359"/>
+          </a:solidFill>
+        </p:spPr>
+        <p:style>
+          <a:lnRef idx="2">
+            <a:schemeClr val="accent1">
+              <a:shade val="50000"/>
+            </a:schemeClr>
+          </a:lnRef>
+          <a:fillRef idx="1">
+            <a:schemeClr val="accent1"/>
+          </a:fillRef>
+          <a:effectRef idx="0">
+            <a:schemeClr val="accent1"/>
+          </a:effectRef>
+          <a:fontRef idx="minor">
+            <a:schemeClr val="lt1"/>
+          </a:fontRef>
+        </p:style>
+        <p:txBody>
+          <a:bodyPr rtlCol="0" anchor="ctr"/>
+          <a:lstStyle/>
+          <a:p>
+            <a:pPr algn="ctr"/>
+            <a:r>
+              <a:rPr lang="en-US" sz="3600" cap="all" dirty="0">
+                <a:solidFill>
+                  <a:srgbClr val="FFFFFF"/>
+                </a:solidFill>
+                <a:ea typeface="+mj-ea"/>
+                <a:cs typeface="+mj-cs"/>
+              </a:rPr>
+              <a:t>Age group </a:t>
+            </a:r>
+          </a:p>
+          <a:p>
+            <a:pPr algn="ctr"/>
+            <a:r>
+              <a:rPr lang="en-US" sz="3600" cap="all" dirty="0">
+                <a:solidFill>
+                  <a:srgbClr val="FFFFFF"/>
+                </a:solidFill>
+                <a:ea typeface="+mj-ea"/>
+                <a:cs typeface="+mj-cs"/>
+              </a:rPr>
+              <a:t>Vs.</a:t>
+            </a:r>
+          </a:p>
+          <a:p>
+            <a:pPr algn="ctr"/>
+            <a:r>
+              <a:rPr lang="en-US" sz="3600" cap="all" dirty="0">
+                <a:solidFill>
+                  <a:srgbClr val="FFFFFF"/>
+                </a:solidFill>
+                <a:ea typeface="+mj-ea"/>
+                <a:cs typeface="+mj-cs"/>
+              </a:rPr>
+              <a:t> fatality in Australia</a:t>
+            </a:r>
+          </a:p>
           <a:p>
             <a:pPr algn="ctr"/>
             <a:r>
@@ -6310,7 +6590,7 @@
 </p:sld>
 </file>
 
-<file path=ppt/slides/slide18.xml><?xml version="1.0" encoding="utf-8"?>
+<file path=ppt/slides/slide19.xml><?xml version="1.0" encoding="utf-8"?>
 <p:sld xmlns:a="http://schemas.openxmlformats.org/drawingml/2006/main" xmlns:r="http://schemas.openxmlformats.org/officeDocument/2006/relationships" xmlns:p="http://schemas.openxmlformats.org/presentationml/2006/main">
   <p:cSld>
     <p:bg>
@@ -6645,139 +6925,6 @@
   </p:cSld>
   <p:clrMapOvr>
     <a:overrideClrMapping bg1="dk1" tx1="lt1" bg2="dk2" tx2="lt2" accent1="accent1" accent2="accent2" accent3="accent3" accent4="accent4" accent5="accent5" accent6="accent6" hlink="hlink" folHlink="folHlink"/>
-  </p:clrMapOvr>
-</p:sld>
-</file>
-
-<file path=ppt/slides/slide19.xml><?xml version="1.0" encoding="utf-8"?>
-<p:sld xmlns:a="http://schemas.openxmlformats.org/drawingml/2006/main" xmlns:r="http://schemas.openxmlformats.org/officeDocument/2006/relationships" xmlns:p="http://schemas.openxmlformats.org/presentationml/2006/main">
-  <p:cSld>
-    <p:spTree>
-      <p:nvGrpSpPr>
-        <p:cNvPr id="1" name=""/>
-        <p:cNvGrpSpPr/>
-        <p:nvPr/>
-      </p:nvGrpSpPr>
-      <p:grpSpPr>
-        <a:xfrm>
-          <a:off x="0" y="0"/>
-          <a:ext cx="0" cy="0"/>
-          <a:chOff x="0" y="0"/>
-          <a:chExt cx="0" cy="0"/>
-        </a:xfrm>
-      </p:grpSpPr>
-      <p:sp>
-        <p:nvSpPr>
-          <p:cNvPr id="2" name="Title 1">
-            <a:extLst>
-              <a:ext uri="{FF2B5EF4-FFF2-40B4-BE49-F238E27FC236}">
-                <a16:creationId xmlns:a16="http://schemas.microsoft.com/office/drawing/2014/main" id="{F8386488-4DBA-A94C-8BBD-2A78AEA340F1}"/>
-              </a:ext>
-            </a:extLst>
-          </p:cNvPr>
-          <p:cNvSpPr>
-            <a:spLocks noGrp="1"/>
-          </p:cNvSpPr>
-          <p:nvPr>
-            <p:ph type="title"/>
-          </p:nvPr>
-        </p:nvSpPr>
-        <p:spPr/>
-        <p:txBody>
-          <a:bodyPr/>
-          <a:lstStyle/>
-          <a:p>
-            <a:r>
-              <a:rPr lang="en-US" dirty="0"/>
-              <a:t>Does a speed limit help save life?</a:t>
-            </a:r>
-          </a:p>
-        </p:txBody>
-      </p:sp>
-      <p:sp>
-        <p:nvSpPr>
-          <p:cNvPr id="3" name="Content Placeholder 2">
-            <a:extLst>
-              <a:ext uri="{FF2B5EF4-FFF2-40B4-BE49-F238E27FC236}">
-                <a16:creationId xmlns:a16="http://schemas.microsoft.com/office/drawing/2014/main" id="{6EC4FDA6-5F7A-3546-8523-33C583FA518B}"/>
-              </a:ext>
-            </a:extLst>
-          </p:cNvPr>
-          <p:cNvSpPr>
-            <a:spLocks noGrp="1"/>
-          </p:cNvSpPr>
-          <p:nvPr>
-            <p:ph idx="1"/>
-          </p:nvPr>
-        </p:nvSpPr>
-        <p:spPr>
-          <a:xfrm>
-            <a:off x="581193" y="2340864"/>
-            <a:ext cx="5169368" cy="3634486"/>
-          </a:xfrm>
-        </p:spPr>
-        <p:txBody>
-          <a:bodyPr/>
-          <a:lstStyle/>
-          <a:p>
-            <a:r>
-              <a:rPr lang="en-US" dirty="0"/>
-              <a:t>We are seeing more deaths on roads with 60km/h and 100km/h</a:t>
-            </a:r>
-          </a:p>
-          <a:p>
-            <a:r>
-              <a:rPr lang="en-US" dirty="0"/>
-              <a:t>We believed that it’s due to there is a larger proportion of road designed with these speed limit</a:t>
-            </a:r>
-          </a:p>
-          <a:p>
-            <a:r>
-              <a:rPr lang="en-US" dirty="0"/>
-              <a:t>This does not convey the </a:t>
-            </a:r>
-          </a:p>
-        </p:txBody>
-      </p:sp>
-      <p:pic>
-        <p:nvPicPr>
-          <p:cNvPr id="5" name="Picture 4" descr="Chart, histogram&#10;&#10;Description automatically generated">
-            <a:extLst>
-              <a:ext uri="{FF2B5EF4-FFF2-40B4-BE49-F238E27FC236}">
-                <a16:creationId xmlns:a16="http://schemas.microsoft.com/office/drawing/2014/main" id="{0D8C3195-765D-9043-9849-7EEC81D29881}"/>
-              </a:ext>
-            </a:extLst>
-          </p:cNvPr>
-          <p:cNvPicPr>
-            <a:picLocks noChangeAspect="1"/>
-          </p:cNvPicPr>
-          <p:nvPr/>
-        </p:nvPicPr>
-        <p:blipFill>
-          <a:blip r:embed="rId2"/>
-          <a:stretch>
-            <a:fillRect/>
-          </a:stretch>
-        </p:blipFill>
-        <p:spPr>
-          <a:xfrm>
-            <a:off x="5681238" y="1890876"/>
-            <a:ext cx="6459941" cy="4844956"/>
-          </a:xfrm>
-          <a:prstGeom prst="rect">
-            <a:avLst/>
-          </a:prstGeom>
-        </p:spPr>
-      </p:pic>
-    </p:spTree>
-    <p:extLst>
-      <p:ext uri="{BB962C8B-B14F-4D97-AF65-F5344CB8AC3E}">
-        <p14:creationId xmlns:p14="http://schemas.microsoft.com/office/powerpoint/2010/main" val="2615846574"/>
-      </p:ext>
-    </p:extLst>
-  </p:cSld>
-  <p:clrMapOvr>
-    <a:masterClrMapping/>
   </p:clrMapOvr>
 </p:sld>
 </file>
@@ -6980,7 +7127,7 @@
           <p:cNvPr id="2" name="Title 1">
             <a:extLst>
               <a:ext uri="{FF2B5EF4-FFF2-40B4-BE49-F238E27FC236}">
-                <a16:creationId xmlns:a16="http://schemas.microsoft.com/office/drawing/2014/main" id="{1E3D239F-8D7A-5145-A37A-8297CE4A236C}"/>
+                <a16:creationId xmlns:a16="http://schemas.microsoft.com/office/drawing/2014/main" id="{F8386488-4DBA-A94C-8BBD-2A78AEA340F1}"/>
               </a:ext>
             </a:extLst>
           </p:cNvPr>
@@ -6997,58 +7144,9 @@
           <a:lstStyle/>
           <a:p>
             <a:r>
-              <a:rPr lang="en-US" altLang="zh-TW" dirty="0"/>
-              <a:t>What</a:t>
-            </a:r>
-            <a:r>
-              <a:rPr lang="zh-TW" altLang="en-US" dirty="0"/>
-              <a:t> </a:t>
-            </a:r>
-            <a:r>
-              <a:rPr lang="en-US" altLang="zh-TW" dirty="0"/>
-              <a:t>time</a:t>
-            </a:r>
-            <a:r>
-              <a:rPr lang="zh-TW" altLang="en-US" dirty="0"/>
-              <a:t> </a:t>
-            </a:r>
-            <a:r>
-              <a:rPr lang="en-US" altLang="zh-TW" dirty="0"/>
-              <a:t>is</a:t>
-            </a:r>
-            <a:r>
-              <a:rPr lang="zh-TW" altLang="en-US" dirty="0"/>
-              <a:t> </a:t>
-            </a:r>
-            <a:r>
-              <a:rPr lang="en-US" altLang="zh-TW" dirty="0"/>
-              <a:t>the</a:t>
-            </a:r>
-            <a:r>
-              <a:rPr lang="zh-TW" altLang="en-US" dirty="0"/>
-              <a:t> </a:t>
-            </a:r>
-            <a:r>
-              <a:rPr lang="en-US" altLang="zh-TW" dirty="0"/>
-              <a:t>safest</a:t>
-            </a:r>
-            <a:r>
-              <a:rPr lang="zh-TW" altLang="en-US" dirty="0"/>
-              <a:t> </a:t>
-            </a:r>
-            <a:r>
-              <a:rPr lang="en-US" altLang="zh-TW" dirty="0"/>
-              <a:t>to</a:t>
-            </a:r>
-            <a:r>
-              <a:rPr lang="zh-TW" altLang="en-US" dirty="0"/>
-              <a:t> </a:t>
-            </a:r>
-            <a:r>
-              <a:rPr lang="en-US" altLang="zh-TW"/>
-              <a:t>go?</a:t>
-            </a:r>
-            <a:endParaRPr lang="en-US"/>
+              <a:rPr lang="en-US" dirty="0"/>
+              <a:t>Does a speed limit help save life?</a:t>
+            </a:r>
           </a:p>
         </p:txBody>
       </p:sp>
@@ -7057,7 +7155,7 @@
           <p:cNvPr id="3" name="Content Placeholder 2">
             <a:extLst>
               <a:ext uri="{FF2B5EF4-FFF2-40B4-BE49-F238E27FC236}">
-                <a16:creationId xmlns:a16="http://schemas.microsoft.com/office/drawing/2014/main" id="{73022164-6577-BE4B-9AD0-7219BDCDC3EF}"/>
+                <a16:creationId xmlns:a16="http://schemas.microsoft.com/office/drawing/2014/main" id="{6EC4FDA6-5F7A-3546-8523-33C583FA518B}"/>
               </a:ext>
             </a:extLst>
           </p:cNvPr>
@@ -7070,8 +7168,8 @@
         </p:nvSpPr>
         <p:spPr>
           <a:xfrm>
-            <a:off x="581192" y="2340863"/>
-            <a:ext cx="2926283" cy="4141823"/>
+            <a:off x="581193" y="2340864"/>
+            <a:ext cx="5169368" cy="3634486"/>
           </a:xfrm>
         </p:spPr>
         <p:txBody>
@@ -7080,200 +7178,29 @@
           <a:p>
             <a:r>
               <a:rPr lang="en-US" dirty="0"/>
-              <a:t>Most accidents are recorded at </a:t>
-            </a:r>
-            <a:r>
-              <a:rPr lang="en-US" altLang="zh-TW" dirty="0"/>
-              <a:t>O’clock</a:t>
-            </a:r>
-          </a:p>
-          <a:p>
-            <a:r>
-              <a:rPr lang="en-US" altLang="zh-TW" dirty="0"/>
-              <a:t>Believed</a:t>
-            </a:r>
-            <a:r>
-              <a:rPr lang="zh-TW" altLang="en-US" dirty="0"/>
-              <a:t> </a:t>
-            </a:r>
-            <a:r>
-              <a:rPr lang="en-US" altLang="zh-TW" dirty="0"/>
-              <a:t>it’s</a:t>
-            </a:r>
-            <a:r>
-              <a:rPr lang="zh-TW" altLang="en-US" dirty="0"/>
-              <a:t> </a:t>
-            </a:r>
-            <a:r>
-              <a:rPr lang="en-US" altLang="zh-TW" dirty="0"/>
-              <a:t>easier</a:t>
-            </a:r>
-            <a:r>
-              <a:rPr lang="zh-TW" altLang="en-US" dirty="0"/>
-              <a:t> </a:t>
-            </a:r>
-            <a:r>
-              <a:rPr lang="en-US" altLang="zh-TW" dirty="0"/>
-              <a:t>for</a:t>
-            </a:r>
-            <a:r>
-              <a:rPr lang="zh-TW" altLang="en-US" dirty="0"/>
-              <a:t> </a:t>
-            </a:r>
-            <a:r>
-              <a:rPr lang="en-US" altLang="zh-TW" dirty="0"/>
-              <a:t>memory</a:t>
-            </a:r>
-          </a:p>
-          <a:p>
-            <a:r>
-              <a:rPr lang="en-US" altLang="zh-TW" dirty="0"/>
-              <a:t>Fatality</a:t>
-            </a:r>
-            <a:r>
-              <a:rPr lang="zh-TW" altLang="en-US" dirty="0"/>
-              <a:t> </a:t>
-            </a:r>
-            <a:r>
-              <a:rPr lang="en-US" altLang="zh-TW" dirty="0"/>
-              <a:t>rate</a:t>
-            </a:r>
-            <a:r>
-              <a:rPr lang="zh-TW" altLang="en-US" dirty="0"/>
-              <a:t> </a:t>
-            </a:r>
-            <a:r>
-              <a:rPr lang="en-US" altLang="zh-TW" dirty="0"/>
-              <a:t>starts</a:t>
-            </a:r>
-            <a:r>
-              <a:rPr lang="zh-TW" altLang="en-US" dirty="0"/>
-              <a:t> </a:t>
-            </a:r>
-            <a:r>
-              <a:rPr lang="en-US" altLang="zh-TW" dirty="0"/>
-              <a:t>increasing</a:t>
-            </a:r>
-            <a:r>
-              <a:rPr lang="zh-TW" altLang="en-US" dirty="0"/>
-              <a:t> </a:t>
-            </a:r>
-            <a:r>
-              <a:rPr lang="en-US" altLang="zh-TW" dirty="0"/>
-              <a:t>by</a:t>
-            </a:r>
-            <a:r>
-              <a:rPr lang="zh-TW" altLang="en-US" dirty="0"/>
-              <a:t> </a:t>
-            </a:r>
-            <a:r>
-              <a:rPr lang="en-US" altLang="zh-TW" dirty="0"/>
-              <a:t>4am</a:t>
-            </a:r>
-          </a:p>
-          <a:p>
-            <a:r>
-              <a:rPr lang="en-US" altLang="zh-TW" dirty="0"/>
-              <a:t>Reaches</a:t>
-            </a:r>
-            <a:r>
-              <a:rPr lang="zh-TW" altLang="en-US" dirty="0"/>
-              <a:t> </a:t>
-            </a:r>
-            <a:r>
-              <a:rPr lang="en-US" altLang="zh-TW" dirty="0"/>
-              <a:t>the</a:t>
-            </a:r>
-            <a:r>
-              <a:rPr lang="zh-TW" altLang="en-US" dirty="0"/>
-              <a:t> </a:t>
-            </a:r>
-            <a:r>
-              <a:rPr lang="en-US" altLang="zh-TW" dirty="0"/>
-              <a:t>highest</a:t>
-            </a:r>
-            <a:r>
-              <a:rPr lang="zh-TW" altLang="en-US" dirty="0"/>
-              <a:t> </a:t>
-            </a:r>
-            <a:r>
-              <a:rPr lang="en-US" altLang="zh-TW" dirty="0"/>
-              <a:t>at</a:t>
-            </a:r>
-            <a:r>
-              <a:rPr lang="zh-TW" altLang="en-US" dirty="0"/>
-              <a:t> </a:t>
-            </a:r>
-            <a:r>
-              <a:rPr lang="en-US" altLang="zh-TW" dirty="0"/>
-              <a:t>around</a:t>
-            </a:r>
-            <a:r>
-              <a:rPr lang="zh-TW" altLang="en-US" dirty="0"/>
-              <a:t> </a:t>
-            </a:r>
-            <a:r>
-              <a:rPr lang="en-US" altLang="zh-TW" dirty="0"/>
-              <a:t>3pm</a:t>
-            </a:r>
-            <a:r>
-              <a:rPr lang="zh-TW" altLang="en-US" dirty="0"/>
-              <a:t> </a:t>
-            </a:r>
-            <a:r>
-              <a:rPr lang="en-US" altLang="zh-TW" dirty="0"/>
-              <a:t>and</a:t>
-            </a:r>
-            <a:r>
-              <a:rPr lang="zh-TW" altLang="en-US" dirty="0"/>
-              <a:t> </a:t>
-            </a:r>
-            <a:r>
-              <a:rPr lang="en-US" altLang="zh-TW" dirty="0"/>
-              <a:t>a</a:t>
-            </a:r>
-            <a:r>
-              <a:rPr lang="zh-TW" altLang="en-US" dirty="0"/>
-              <a:t> </a:t>
-            </a:r>
-            <a:r>
-              <a:rPr lang="en-US" altLang="zh-TW" dirty="0"/>
-              <a:t>small</a:t>
-            </a:r>
-            <a:r>
-              <a:rPr lang="zh-TW" altLang="en-US" dirty="0"/>
-              <a:t> </a:t>
-            </a:r>
-            <a:r>
-              <a:rPr lang="en-US" altLang="zh-TW" dirty="0"/>
-              <a:t>surge</a:t>
-            </a:r>
-            <a:r>
-              <a:rPr lang="zh-TW" altLang="en-US" dirty="0"/>
-              <a:t> </a:t>
-            </a:r>
-            <a:r>
-              <a:rPr lang="en-US" altLang="zh-TW" dirty="0"/>
-              <a:t>at</a:t>
-            </a:r>
-            <a:r>
-              <a:rPr lang="zh-TW" altLang="en-US" dirty="0"/>
-              <a:t> </a:t>
-            </a:r>
-            <a:r>
-              <a:rPr lang="en-US" altLang="zh-TW" dirty="0"/>
-              <a:t>6pm</a:t>
-            </a:r>
-            <a:endParaRPr lang="en-US" dirty="0"/>
+              <a:t>We are seeing more deaths on roads with 60km/h and 100km/h</a:t>
+            </a:r>
+          </a:p>
+          <a:p>
+            <a:r>
+              <a:rPr lang="en-US" dirty="0"/>
+              <a:t>We believed that it’s due to there is a larger proportion of road designed with these speed limit</a:t>
+            </a:r>
+          </a:p>
+          <a:p>
+            <a:r>
+              <a:rPr lang="en-US" dirty="0"/>
+              <a:t>This does not convey the </a:t>
+            </a:r>
           </a:p>
         </p:txBody>
       </p:sp>
       <p:pic>
         <p:nvPicPr>
-          <p:cNvPr id="5" name="Picture 4" descr="Chart, scatter chart&#10;&#10;Description automatically generated">
-            <a:extLst>
-              <a:ext uri="{FF2B5EF4-FFF2-40B4-BE49-F238E27FC236}">
-                <a16:creationId xmlns:a16="http://schemas.microsoft.com/office/drawing/2014/main" id="{AEB95ADD-C6DC-144D-A5D0-FC9734F89F36}"/>
+          <p:cNvPr id="5" name="Picture 4" descr="Chart, histogram&#10;&#10;Description automatically generated">
+            <a:extLst>
+              <a:ext uri="{FF2B5EF4-FFF2-40B4-BE49-F238E27FC236}">
+                <a16:creationId xmlns:a16="http://schemas.microsoft.com/office/drawing/2014/main" id="{0D8C3195-765D-9043-9849-7EEC81D29881}"/>
               </a:ext>
             </a:extLst>
           </p:cNvPr>
@@ -7282,15 +7209,16 @@
           </p:cNvPicPr>
           <p:nvPr/>
         </p:nvPicPr>
-        <p:blipFill rotWithShape="1">
+        <p:blipFill>
           <a:blip r:embed="rId2"/>
-          <a:srcRect l="6940" r="6940"/>
-          <a:stretch/>
+          <a:stretch>
+            <a:fillRect/>
+          </a:stretch>
         </p:blipFill>
         <p:spPr>
           <a:xfrm>
-            <a:off x="3657485" y="2439558"/>
-            <a:ext cx="8534515" cy="3716286"/>
+            <a:off x="5681238" y="1890876"/>
+            <a:ext cx="6459941" cy="4844956"/>
           </a:xfrm>
           <a:prstGeom prst="rect">
             <a:avLst/>
@@ -7300,7 +7228,7 @@
     </p:spTree>
     <p:extLst>
       <p:ext uri="{BB962C8B-B14F-4D97-AF65-F5344CB8AC3E}">
-        <p14:creationId xmlns:p14="http://schemas.microsoft.com/office/powerpoint/2010/main" val="1889228831"/>
+        <p14:creationId xmlns:p14="http://schemas.microsoft.com/office/powerpoint/2010/main" val="2615846574"/>
       </p:ext>
     </p:extLst>
   </p:cSld>
@@ -7332,7 +7260,7 @@
           <p:cNvPr id="2" name="Title 1">
             <a:extLst>
               <a:ext uri="{FF2B5EF4-FFF2-40B4-BE49-F238E27FC236}">
-                <a16:creationId xmlns:a16="http://schemas.microsoft.com/office/drawing/2014/main" id="{A65F2E7C-8CA6-904E-815C-98DA02BBB736}"/>
+                <a16:creationId xmlns:a16="http://schemas.microsoft.com/office/drawing/2014/main" id="{1E3D239F-8D7A-5145-A37A-8297CE4A236C}"/>
               </a:ext>
             </a:extLst>
           </p:cNvPr>
@@ -7348,6 +7276,58 @@
           <a:bodyPr/>
           <a:lstStyle/>
           <a:p>
+            <a:r>
+              <a:rPr lang="en-US" altLang="zh-TW" dirty="0"/>
+              <a:t>What</a:t>
+            </a:r>
+            <a:r>
+              <a:rPr lang="zh-TW" altLang="en-US" dirty="0"/>
+              <a:t> </a:t>
+            </a:r>
+            <a:r>
+              <a:rPr lang="en-US" altLang="zh-TW" dirty="0"/>
+              <a:t>time</a:t>
+            </a:r>
+            <a:r>
+              <a:rPr lang="zh-TW" altLang="en-US" dirty="0"/>
+              <a:t> </a:t>
+            </a:r>
+            <a:r>
+              <a:rPr lang="en-US" altLang="zh-TW" dirty="0"/>
+              <a:t>is</a:t>
+            </a:r>
+            <a:r>
+              <a:rPr lang="zh-TW" altLang="en-US" dirty="0"/>
+              <a:t> </a:t>
+            </a:r>
+            <a:r>
+              <a:rPr lang="en-US" altLang="zh-TW" dirty="0"/>
+              <a:t>the</a:t>
+            </a:r>
+            <a:r>
+              <a:rPr lang="zh-TW" altLang="en-US" dirty="0"/>
+              <a:t> </a:t>
+            </a:r>
+            <a:r>
+              <a:rPr lang="en-US" altLang="zh-TW" dirty="0"/>
+              <a:t>safest</a:t>
+            </a:r>
+            <a:r>
+              <a:rPr lang="zh-TW" altLang="en-US" dirty="0"/>
+              <a:t> </a:t>
+            </a:r>
+            <a:r>
+              <a:rPr lang="en-US" altLang="zh-TW" dirty="0"/>
+              <a:t>to</a:t>
+            </a:r>
+            <a:r>
+              <a:rPr lang="zh-TW" altLang="en-US" dirty="0"/>
+              <a:t> </a:t>
+            </a:r>
+            <a:r>
+              <a:rPr lang="en-US" altLang="zh-TW"/>
+              <a:t>go?</a:t>
+            </a:r>
             <a:endParaRPr lang="en-US"/>
           </a:p>
         </p:txBody>
@@ -7357,7 +7337,7 @@
           <p:cNvPr id="3" name="Content Placeholder 2">
             <a:extLst>
               <a:ext uri="{FF2B5EF4-FFF2-40B4-BE49-F238E27FC236}">
-                <a16:creationId xmlns:a16="http://schemas.microsoft.com/office/drawing/2014/main" id="{BF291466-C7F4-4B49-83B1-132C8A91881E}"/>
+                <a16:creationId xmlns:a16="http://schemas.microsoft.com/office/drawing/2014/main" id="{73022164-6577-BE4B-9AD0-7219BDCDC3EF}"/>
               </a:ext>
             </a:extLst>
           </p:cNvPr>
@@ -7368,19 +7348,239 @@
             <p:ph idx="1"/>
           </p:nvPr>
         </p:nvSpPr>
-        <p:spPr/>
+        <p:spPr>
+          <a:xfrm>
+            <a:off x="581192" y="2340863"/>
+            <a:ext cx="2926283" cy="4141823"/>
+          </a:xfrm>
+        </p:spPr>
         <p:txBody>
           <a:bodyPr/>
           <a:lstStyle/>
           <a:p>
-            <a:endParaRPr lang="en-US"/>
-          </a:p>
-        </p:txBody>
-      </p:sp>
+            <a:r>
+              <a:rPr lang="en-US" dirty="0"/>
+              <a:t>Most accidents are recorded at </a:t>
+            </a:r>
+            <a:r>
+              <a:rPr lang="en-US" altLang="zh-TW" dirty="0"/>
+              <a:t>O’clock</a:t>
+            </a:r>
+          </a:p>
+          <a:p>
+            <a:r>
+              <a:rPr lang="en-US" altLang="zh-TW" dirty="0"/>
+              <a:t>Believed</a:t>
+            </a:r>
+            <a:r>
+              <a:rPr lang="zh-TW" altLang="en-US" dirty="0"/>
+              <a:t> </a:t>
+            </a:r>
+            <a:r>
+              <a:rPr lang="en-US" altLang="zh-TW" dirty="0"/>
+              <a:t>it’s</a:t>
+            </a:r>
+            <a:r>
+              <a:rPr lang="zh-TW" altLang="en-US" dirty="0"/>
+              <a:t> </a:t>
+            </a:r>
+            <a:r>
+              <a:rPr lang="en-US" altLang="zh-TW" dirty="0"/>
+              <a:t>easier</a:t>
+            </a:r>
+            <a:r>
+              <a:rPr lang="zh-TW" altLang="en-US" dirty="0"/>
+              <a:t> </a:t>
+            </a:r>
+            <a:r>
+              <a:rPr lang="en-US" altLang="zh-TW" dirty="0"/>
+              <a:t>for</a:t>
+            </a:r>
+            <a:r>
+              <a:rPr lang="zh-TW" altLang="en-US" dirty="0"/>
+              <a:t> </a:t>
+            </a:r>
+            <a:r>
+              <a:rPr lang="en-US" altLang="zh-TW" dirty="0"/>
+              <a:t>memory</a:t>
+            </a:r>
+          </a:p>
+          <a:p>
+            <a:r>
+              <a:rPr lang="en-US" altLang="zh-TW" dirty="0"/>
+              <a:t>Fatality</a:t>
+            </a:r>
+            <a:r>
+              <a:rPr lang="zh-TW" altLang="en-US" dirty="0"/>
+              <a:t> </a:t>
+            </a:r>
+            <a:r>
+              <a:rPr lang="en-US" altLang="zh-TW" dirty="0"/>
+              <a:t>rate</a:t>
+            </a:r>
+            <a:r>
+              <a:rPr lang="zh-TW" altLang="en-US" dirty="0"/>
+              <a:t> </a:t>
+            </a:r>
+            <a:r>
+              <a:rPr lang="en-US" altLang="zh-TW" dirty="0"/>
+              <a:t>starts</a:t>
+            </a:r>
+            <a:r>
+              <a:rPr lang="zh-TW" altLang="en-US" dirty="0"/>
+              <a:t> </a:t>
+            </a:r>
+            <a:r>
+              <a:rPr lang="en-US" altLang="zh-TW" dirty="0"/>
+              <a:t>increasing</a:t>
+            </a:r>
+            <a:r>
+              <a:rPr lang="zh-TW" altLang="en-US" dirty="0"/>
+              <a:t> </a:t>
+            </a:r>
+            <a:r>
+              <a:rPr lang="en-US" altLang="zh-TW" dirty="0"/>
+              <a:t>by</a:t>
+            </a:r>
+            <a:r>
+              <a:rPr lang="zh-TW" altLang="en-US" dirty="0"/>
+              <a:t> </a:t>
+            </a:r>
+            <a:r>
+              <a:rPr lang="en-US" altLang="zh-TW" dirty="0"/>
+              <a:t>4am</a:t>
+            </a:r>
+          </a:p>
+          <a:p>
+            <a:r>
+              <a:rPr lang="en-US" altLang="zh-TW" dirty="0"/>
+              <a:t>Reaches</a:t>
+            </a:r>
+            <a:r>
+              <a:rPr lang="zh-TW" altLang="en-US" dirty="0"/>
+              <a:t> </a:t>
+            </a:r>
+            <a:r>
+              <a:rPr lang="en-US" altLang="zh-TW" dirty="0"/>
+              <a:t>the</a:t>
+            </a:r>
+            <a:r>
+              <a:rPr lang="zh-TW" altLang="en-US" dirty="0"/>
+              <a:t> </a:t>
+            </a:r>
+            <a:r>
+              <a:rPr lang="en-US" altLang="zh-TW" dirty="0"/>
+              <a:t>highest</a:t>
+            </a:r>
+            <a:r>
+              <a:rPr lang="zh-TW" altLang="en-US" dirty="0"/>
+              <a:t> </a:t>
+            </a:r>
+            <a:r>
+              <a:rPr lang="en-US" altLang="zh-TW" dirty="0"/>
+              <a:t>at</a:t>
+            </a:r>
+            <a:r>
+              <a:rPr lang="zh-TW" altLang="en-US" dirty="0"/>
+              <a:t> </a:t>
+            </a:r>
+            <a:r>
+              <a:rPr lang="en-US" altLang="zh-TW" dirty="0"/>
+              <a:t>around</a:t>
+            </a:r>
+            <a:r>
+              <a:rPr lang="zh-TW" altLang="en-US" dirty="0"/>
+              <a:t> </a:t>
+            </a:r>
+            <a:r>
+              <a:rPr lang="en-US" altLang="zh-TW" dirty="0"/>
+              <a:t>3pm</a:t>
+            </a:r>
+            <a:r>
+              <a:rPr lang="zh-TW" altLang="en-US" dirty="0"/>
+              <a:t> </a:t>
+            </a:r>
+            <a:r>
+              <a:rPr lang="en-US" altLang="zh-TW" dirty="0"/>
+              <a:t>and</a:t>
+            </a:r>
+            <a:r>
+              <a:rPr lang="zh-TW" altLang="en-US" dirty="0"/>
+              <a:t> </a:t>
+            </a:r>
+            <a:r>
+              <a:rPr lang="en-US" altLang="zh-TW" dirty="0"/>
+              <a:t>a</a:t>
+            </a:r>
+            <a:r>
+              <a:rPr lang="zh-TW" altLang="en-US" dirty="0"/>
+              <a:t> </a:t>
+            </a:r>
+            <a:r>
+              <a:rPr lang="en-US" altLang="zh-TW" dirty="0"/>
+              <a:t>small</a:t>
+            </a:r>
+            <a:r>
+              <a:rPr lang="zh-TW" altLang="en-US" dirty="0"/>
+              <a:t> </a:t>
+            </a:r>
+            <a:r>
+              <a:rPr lang="en-US" altLang="zh-TW" dirty="0"/>
+              <a:t>surge</a:t>
+            </a:r>
+            <a:r>
+              <a:rPr lang="zh-TW" altLang="en-US" dirty="0"/>
+              <a:t> </a:t>
+            </a:r>
+            <a:r>
+              <a:rPr lang="en-US" altLang="zh-TW" dirty="0"/>
+              <a:t>at</a:t>
+            </a:r>
+            <a:r>
+              <a:rPr lang="zh-TW" altLang="en-US" dirty="0"/>
+              <a:t> </a:t>
+            </a:r>
+            <a:r>
+              <a:rPr lang="en-US" altLang="zh-TW" dirty="0"/>
+              <a:t>6pm</a:t>
+            </a:r>
+            <a:endParaRPr lang="en-US" dirty="0"/>
+          </a:p>
+        </p:txBody>
+      </p:sp>
+      <p:pic>
+        <p:nvPicPr>
+          <p:cNvPr id="5" name="Picture 4" descr="Chart, scatter chart&#10;&#10;Description automatically generated">
+            <a:extLst>
+              <a:ext uri="{FF2B5EF4-FFF2-40B4-BE49-F238E27FC236}">
+                <a16:creationId xmlns:a16="http://schemas.microsoft.com/office/drawing/2014/main" id="{AEB95ADD-C6DC-144D-A5D0-FC9734F89F36}"/>
+              </a:ext>
+            </a:extLst>
+          </p:cNvPr>
+          <p:cNvPicPr>
+            <a:picLocks noChangeAspect="1"/>
+          </p:cNvPicPr>
+          <p:nvPr/>
+        </p:nvPicPr>
+        <p:blipFill rotWithShape="1">
+          <a:blip r:embed="rId2"/>
+          <a:srcRect l="6940" r="6940"/>
+          <a:stretch/>
+        </p:blipFill>
+        <p:spPr>
+          <a:xfrm>
+            <a:off x="3657485" y="2439558"/>
+            <a:ext cx="8534515" cy="3716286"/>
+          </a:xfrm>
+          <a:prstGeom prst="rect">
+            <a:avLst/>
+          </a:prstGeom>
+        </p:spPr>
+      </p:pic>
     </p:spTree>
     <p:extLst>
       <p:ext uri="{BB962C8B-B14F-4D97-AF65-F5344CB8AC3E}">
-        <p14:creationId xmlns:p14="http://schemas.microsoft.com/office/powerpoint/2010/main" val="290907286"/>
+        <p14:creationId xmlns:p14="http://schemas.microsoft.com/office/powerpoint/2010/main" val="1889228831"/>
       </p:ext>
     </p:extLst>
   </p:cSld>
@@ -7412,7 +7612,7 @@
           <p:cNvPr id="2" name="Title 1">
             <a:extLst>
               <a:ext uri="{FF2B5EF4-FFF2-40B4-BE49-F238E27FC236}">
-                <a16:creationId xmlns:a16="http://schemas.microsoft.com/office/drawing/2014/main" id="{2DE00F1B-125D-F646-968E-25186BE7775D}"/>
+                <a16:creationId xmlns:a16="http://schemas.microsoft.com/office/drawing/2014/main" id="{A65F2E7C-8CA6-904E-815C-98DA02BBB736}"/>
               </a:ext>
             </a:extLst>
           </p:cNvPr>
@@ -7428,39 +7628,53 @@
           <a:bodyPr/>
           <a:lstStyle/>
           <a:p>
-            <a:endParaRPr lang="en-US"/>
-          </a:p>
-        </p:txBody>
-      </p:sp>
-      <p:sp>
-        <p:nvSpPr>
-          <p:cNvPr id="3" name="Content Placeholder 2">
-            <a:extLst>
-              <a:ext uri="{FF2B5EF4-FFF2-40B4-BE49-F238E27FC236}">
-                <a16:creationId xmlns:a16="http://schemas.microsoft.com/office/drawing/2014/main" id="{2CAD55AF-7B59-C541-9EBE-D2ECD851D866}"/>
-              </a:ext>
-            </a:extLst>
-          </p:cNvPr>
-          <p:cNvSpPr>
-            <a:spLocks noGrp="1"/>
-          </p:cNvSpPr>
-          <p:nvPr>
-            <p:ph idx="1"/>
-          </p:nvPr>
-        </p:nvSpPr>
-        <p:spPr/>
-        <p:txBody>
-          <a:bodyPr/>
-          <a:lstStyle/>
-          <a:p>
-            <a:endParaRPr lang="en-US"/>
-          </a:p>
-        </p:txBody>
-      </p:sp>
+            <a:r>
+              <a:rPr lang="en-US" dirty="0"/>
+              <a:t>DEATH BY VEHICLE TYPE</a:t>
+            </a:r>
+          </a:p>
+        </p:txBody>
+      </p:sp>
+      <p:pic>
+        <p:nvPicPr>
+          <p:cNvPr id="5" name="Picture 4">
+            <a:extLst>
+              <a:ext uri="{FF2B5EF4-FFF2-40B4-BE49-F238E27FC236}">
+                <a16:creationId xmlns:a16="http://schemas.microsoft.com/office/drawing/2014/main" id="{DFF5AF76-885C-4BCF-9D68-4418BEE92A48}"/>
+              </a:ext>
+            </a:extLst>
+          </p:cNvPr>
+          <p:cNvPicPr>
+            <a:picLocks noChangeAspect="1"/>
+          </p:cNvPicPr>
+          <p:nvPr/>
+        </p:nvPicPr>
+        <p:blipFill>
+          <a:blip r:embed="rId2">
+            <a:extLst>
+              <a:ext uri="{28A0092B-C50C-407E-A947-70E740481C1C}">
+                <a14:useLocalDpi xmlns:a14="http://schemas.microsoft.com/office/drawing/2010/main" val="0"/>
+              </a:ext>
+            </a:extLst>
+          </a:blip>
+          <a:stretch>
+            <a:fillRect/>
+          </a:stretch>
+        </p:blipFill>
+        <p:spPr>
+          <a:xfrm>
+            <a:off x="101600" y="2145994"/>
+            <a:ext cx="11988800" cy="4264111"/>
+          </a:xfrm>
+          <a:prstGeom prst="rect">
+            <a:avLst/>
+          </a:prstGeom>
+        </p:spPr>
+      </p:pic>
     </p:spTree>
     <p:extLst>
       <p:ext uri="{BB962C8B-B14F-4D97-AF65-F5344CB8AC3E}">
-        <p14:creationId xmlns:p14="http://schemas.microsoft.com/office/powerpoint/2010/main" val="295816866"/>
+        <p14:creationId xmlns:p14="http://schemas.microsoft.com/office/powerpoint/2010/main" val="290907286"/>
       </p:ext>
     </p:extLst>
   </p:cSld>
@@ -7489,6 +7703,321 @@
       </p:grpSpPr>
       <p:sp>
         <p:nvSpPr>
+          <p:cNvPr id="2" name="Title 1">
+            <a:extLst>
+              <a:ext uri="{FF2B5EF4-FFF2-40B4-BE49-F238E27FC236}">
+                <a16:creationId xmlns:a16="http://schemas.microsoft.com/office/drawing/2014/main" id="{312466AE-AA0E-4C00-8C11-D666CB8BC59E}"/>
+              </a:ext>
+            </a:extLst>
+          </p:cNvPr>
+          <p:cNvSpPr>
+            <a:spLocks noGrp="1"/>
+          </p:cNvSpPr>
+          <p:nvPr>
+            <p:ph type="title"/>
+          </p:nvPr>
+        </p:nvSpPr>
+        <p:spPr/>
+        <p:txBody>
+          <a:bodyPr/>
+          <a:lstStyle/>
+          <a:p>
+            <a:r>
+              <a:rPr lang="en-AU" dirty="0"/>
+              <a:t>DEATHS IN OPEN/NO VEHICLE VS CLOSED</a:t>
+            </a:r>
+          </a:p>
+        </p:txBody>
+      </p:sp>
+      <p:pic>
+        <p:nvPicPr>
+          <p:cNvPr id="5" name="Picture 4">
+            <a:extLst>
+              <a:ext uri="{FF2B5EF4-FFF2-40B4-BE49-F238E27FC236}">
+                <a16:creationId xmlns:a16="http://schemas.microsoft.com/office/drawing/2014/main" id="{AA736E89-84A0-45A9-A21D-74429B1B6D87}"/>
+              </a:ext>
+            </a:extLst>
+          </p:cNvPr>
+          <p:cNvPicPr>
+            <a:picLocks noChangeAspect="1"/>
+          </p:cNvPicPr>
+          <p:nvPr/>
+        </p:nvPicPr>
+        <p:blipFill>
+          <a:blip r:embed="rId2">
+            <a:extLst>
+              <a:ext uri="{28A0092B-C50C-407E-A947-70E740481C1C}">
+                <a14:useLocalDpi xmlns:a14="http://schemas.microsoft.com/office/drawing/2010/main" val="0"/>
+              </a:ext>
+            </a:extLst>
+          </a:blip>
+          <a:stretch>
+            <a:fillRect/>
+          </a:stretch>
+        </p:blipFill>
+        <p:spPr>
+          <a:xfrm>
+            <a:off x="101600" y="2026368"/>
+            <a:ext cx="11988800" cy="4334933"/>
+          </a:xfrm>
+          <a:prstGeom prst="rect">
+            <a:avLst/>
+          </a:prstGeom>
+        </p:spPr>
+      </p:pic>
+    </p:spTree>
+    <p:extLst>
+      <p:ext uri="{BB962C8B-B14F-4D97-AF65-F5344CB8AC3E}">
+        <p14:creationId xmlns:p14="http://schemas.microsoft.com/office/powerpoint/2010/main" val="664499169"/>
+      </p:ext>
+    </p:extLst>
+  </p:cSld>
+  <p:clrMapOvr>
+    <a:masterClrMapping/>
+  </p:clrMapOvr>
+</p:sld>
+</file>
+
+<file path=ppt/slides/slide24.xml><?xml version="1.0" encoding="utf-8"?>
+<p:sld xmlns:a="http://schemas.openxmlformats.org/drawingml/2006/main" xmlns:r="http://schemas.openxmlformats.org/officeDocument/2006/relationships" xmlns:p="http://schemas.openxmlformats.org/presentationml/2006/main">
+  <p:cSld>
+    <p:spTree>
+      <p:nvGrpSpPr>
+        <p:cNvPr id="1" name=""/>
+        <p:cNvGrpSpPr/>
+        <p:nvPr/>
+      </p:nvGrpSpPr>
+      <p:grpSpPr>
+        <a:xfrm>
+          <a:off x="0" y="0"/>
+          <a:ext cx="0" cy="0"/>
+          <a:chOff x="0" y="0"/>
+          <a:chExt cx="0" cy="0"/>
+        </a:xfrm>
+      </p:grpSpPr>
+      <p:sp>
+        <p:nvSpPr>
+          <p:cNvPr id="2" name="Title 1">
+            <a:extLst>
+              <a:ext uri="{FF2B5EF4-FFF2-40B4-BE49-F238E27FC236}">
+                <a16:creationId xmlns:a16="http://schemas.microsoft.com/office/drawing/2014/main" id="{A733FF4B-246F-4141-A564-86A3949263FC}"/>
+              </a:ext>
+            </a:extLst>
+          </p:cNvPr>
+          <p:cNvSpPr>
+            <a:spLocks noGrp="1"/>
+          </p:cNvSpPr>
+          <p:nvPr>
+            <p:ph type="title"/>
+          </p:nvPr>
+        </p:nvSpPr>
+        <p:spPr/>
+        <p:txBody>
+          <a:bodyPr/>
+          <a:lstStyle/>
+          <a:p>
+            <a:r>
+              <a:rPr lang="en-AU" dirty="0"/>
+              <a:t>DO HELMET LAWS HELP?</a:t>
+            </a:r>
+          </a:p>
+        </p:txBody>
+      </p:sp>
+      <p:pic>
+        <p:nvPicPr>
+          <p:cNvPr id="5" name="Picture 4">
+            <a:extLst>
+              <a:ext uri="{FF2B5EF4-FFF2-40B4-BE49-F238E27FC236}">
+                <a16:creationId xmlns:a16="http://schemas.microsoft.com/office/drawing/2014/main" id="{3ED1E323-4425-4028-9905-773CCE86053B}"/>
+              </a:ext>
+            </a:extLst>
+          </p:cNvPr>
+          <p:cNvPicPr>
+            <a:picLocks noChangeAspect="1"/>
+          </p:cNvPicPr>
+          <p:nvPr/>
+        </p:nvPicPr>
+        <p:blipFill>
+          <a:blip r:embed="rId2">
+            <a:extLst>
+              <a:ext uri="{28A0092B-C50C-407E-A947-70E740481C1C}">
+                <a14:useLocalDpi xmlns:a14="http://schemas.microsoft.com/office/drawing/2010/main" val="0"/>
+              </a:ext>
+            </a:extLst>
+          </a:blip>
+          <a:stretch>
+            <a:fillRect/>
+          </a:stretch>
+        </p:blipFill>
+        <p:spPr>
+          <a:xfrm>
+            <a:off x="320728" y="2032653"/>
+            <a:ext cx="9100108" cy="4452426"/>
+          </a:xfrm>
+          <a:prstGeom prst="rect">
+            <a:avLst/>
+          </a:prstGeom>
+        </p:spPr>
+      </p:pic>
+      <p:pic>
+        <p:nvPicPr>
+          <p:cNvPr id="7" name="Picture 6">
+            <a:extLst>
+              <a:ext uri="{FF2B5EF4-FFF2-40B4-BE49-F238E27FC236}">
+                <a16:creationId xmlns:a16="http://schemas.microsoft.com/office/drawing/2014/main" id="{488C9934-272E-4190-9F44-13C870474744}"/>
+              </a:ext>
+            </a:extLst>
+          </p:cNvPr>
+          <p:cNvPicPr>
+            <a:picLocks noChangeAspect="1"/>
+          </p:cNvPicPr>
+          <p:nvPr/>
+        </p:nvPicPr>
+        <p:blipFill>
+          <a:blip r:embed="rId3">
+            <a:extLst>
+              <a:ext uri="{28A0092B-C50C-407E-A947-70E740481C1C}">
+                <a14:useLocalDpi xmlns:a14="http://schemas.microsoft.com/office/drawing/2010/main" val="0"/>
+              </a:ext>
+            </a:extLst>
+          </a:blip>
+          <a:stretch>
+            <a:fillRect/>
+          </a:stretch>
+        </p:blipFill>
+        <p:spPr>
+          <a:xfrm>
+            <a:off x="8613856" y="2577937"/>
+            <a:ext cx="1762371" cy="2228954"/>
+          </a:xfrm>
+          <a:prstGeom prst="rect">
+            <a:avLst/>
+          </a:prstGeom>
+        </p:spPr>
+      </p:pic>
+      <p:pic>
+        <p:nvPicPr>
+          <p:cNvPr id="9" name="Picture 8">
+            <a:extLst>
+              <a:ext uri="{FF2B5EF4-FFF2-40B4-BE49-F238E27FC236}">
+                <a16:creationId xmlns:a16="http://schemas.microsoft.com/office/drawing/2014/main" id="{7D3CA454-C614-44EC-A112-13E26AFB00D2}"/>
+              </a:ext>
+            </a:extLst>
+          </p:cNvPr>
+          <p:cNvPicPr>
+            <a:picLocks noChangeAspect="1"/>
+          </p:cNvPicPr>
+          <p:nvPr/>
+        </p:nvPicPr>
+        <p:blipFill>
+          <a:blip r:embed="rId4">
+            <a:extLst>
+              <a:ext uri="{28A0092B-C50C-407E-A947-70E740481C1C}">
+                <a14:useLocalDpi xmlns:a14="http://schemas.microsoft.com/office/drawing/2010/main" val="0"/>
+              </a:ext>
+            </a:extLst>
+          </a:blip>
+          <a:stretch>
+            <a:fillRect/>
+          </a:stretch>
+        </p:blipFill>
+        <p:spPr>
+          <a:xfrm>
+            <a:off x="9316952" y="5040655"/>
+            <a:ext cx="1009791" cy="623040"/>
+          </a:xfrm>
+          <a:prstGeom prst="rect">
+            <a:avLst/>
+          </a:prstGeom>
+        </p:spPr>
+      </p:pic>
+    </p:spTree>
+    <p:extLst>
+      <p:ext uri="{BB962C8B-B14F-4D97-AF65-F5344CB8AC3E}">
+        <p14:creationId xmlns:p14="http://schemas.microsoft.com/office/powerpoint/2010/main" val="807845753"/>
+      </p:ext>
+    </p:extLst>
+  </p:cSld>
+  <p:clrMapOvr>
+    <a:masterClrMapping/>
+  </p:clrMapOvr>
+</p:sld>
+</file>
+
+<file path=ppt/slides/slide25.xml><?xml version="1.0" encoding="utf-8"?>
+<p:sld xmlns:a="http://schemas.openxmlformats.org/drawingml/2006/main" xmlns:r="http://schemas.openxmlformats.org/officeDocument/2006/relationships" xmlns:p="http://schemas.openxmlformats.org/presentationml/2006/main">
+  <p:cSld>
+    <p:spTree>
+      <p:nvGrpSpPr>
+        <p:cNvPr id="1" name=""/>
+        <p:cNvGrpSpPr/>
+        <p:nvPr/>
+      </p:nvGrpSpPr>
+      <p:grpSpPr>
+        <a:xfrm>
+          <a:off x="0" y="0"/>
+          <a:ext cx="0" cy="0"/>
+          <a:chOff x="0" y="0"/>
+          <a:chExt cx="0" cy="0"/>
+        </a:xfrm>
+      </p:grpSpPr>
+      <p:sp>
+        <p:nvSpPr>
+          <p:cNvPr id="2" name="Title 1">
+            <a:extLst>
+              <a:ext uri="{FF2B5EF4-FFF2-40B4-BE49-F238E27FC236}">
+                <a16:creationId xmlns:a16="http://schemas.microsoft.com/office/drawing/2014/main" id="{2DE00F1B-125D-F646-968E-25186BE7775D}"/>
+              </a:ext>
+            </a:extLst>
+          </p:cNvPr>
+          <p:cNvSpPr>
+            <a:spLocks noGrp="1"/>
+          </p:cNvSpPr>
+          <p:nvPr>
+            <p:ph type="title"/>
+          </p:nvPr>
+        </p:nvSpPr>
+        <p:spPr/>
+        <p:txBody>
+          <a:bodyPr/>
+          <a:lstStyle/>
+          <a:p>
+            <a:endParaRPr lang="en-US" dirty="0"/>
+          </a:p>
+        </p:txBody>
+      </p:sp>
+    </p:spTree>
+    <p:extLst>
+      <p:ext uri="{BB962C8B-B14F-4D97-AF65-F5344CB8AC3E}">
+        <p14:creationId xmlns:p14="http://schemas.microsoft.com/office/powerpoint/2010/main" val="295816866"/>
+      </p:ext>
+    </p:extLst>
+  </p:cSld>
+  <p:clrMapOvr>
+    <a:masterClrMapping/>
+  </p:clrMapOvr>
+</p:sld>
+</file>
+
+<file path=ppt/slides/slide26.xml><?xml version="1.0" encoding="utf-8"?>
+<p:sld xmlns:a="http://schemas.openxmlformats.org/drawingml/2006/main" xmlns:r="http://schemas.openxmlformats.org/officeDocument/2006/relationships" xmlns:p="http://schemas.openxmlformats.org/presentationml/2006/main">
+  <p:cSld>
+    <p:spTree>
+      <p:nvGrpSpPr>
+        <p:cNvPr id="1" name=""/>
+        <p:cNvGrpSpPr/>
+        <p:nvPr/>
+      </p:nvGrpSpPr>
+      <p:grpSpPr>
+        <a:xfrm>
+          <a:off x="0" y="0"/>
+          <a:ext cx="0" cy="0"/>
+          <a:chOff x="0" y="0"/>
+          <a:chExt cx="0" cy="0"/>
+        </a:xfrm>
+      </p:grpSpPr>
+      <p:sp>
+        <p:nvSpPr>
           <p:cNvPr id="4" name="Title 3">
             <a:extLst>
               <a:ext uri="{FF2B5EF4-FFF2-40B4-BE49-F238E27FC236}">
@@ -7555,7 +8084,7 @@
 </p:sld>
 </file>
 
-<file path=ppt/slides/slide24.xml><?xml version="1.0" encoding="utf-8"?>
+<file path=ppt/slides/slide27.xml><?xml version="1.0" encoding="utf-8"?>
 <p:sld xmlns:a="http://schemas.openxmlformats.org/drawingml/2006/main" xmlns:r="http://schemas.openxmlformats.org/officeDocument/2006/relationships" xmlns:p="http://schemas.openxmlformats.org/presentationml/2006/main">
   <p:cSld>
     <p:bg>
@@ -10101,115 +10630,12 @@
           <a:chExt cx="0" cy="0"/>
         </a:xfrm>
       </p:grpSpPr>
-      <p:sp>
-        <p:nvSpPr>
-          <p:cNvPr id="2" name="Title 1">
-            <a:extLst>
-              <a:ext uri="{FF2B5EF4-FFF2-40B4-BE49-F238E27FC236}">
-                <a16:creationId xmlns:a16="http://schemas.microsoft.com/office/drawing/2014/main" id="{CBC74787-E0FB-B945-BC62-FDBB3139736B}"/>
-              </a:ext>
-            </a:extLst>
-          </p:cNvPr>
-          <p:cNvSpPr>
-            <a:spLocks noGrp="1"/>
-          </p:cNvSpPr>
-          <p:nvPr>
-            <p:ph type="title"/>
-          </p:nvPr>
-        </p:nvSpPr>
-        <p:spPr>
-          <a:xfrm>
-            <a:off x="581192" y="702156"/>
-            <a:ext cx="11196826" cy="1188720"/>
-          </a:xfrm>
-        </p:spPr>
-        <p:txBody>
-          <a:bodyPr>
-            <a:normAutofit/>
-          </a:bodyPr>
-          <a:lstStyle/>
-          <a:p>
-            <a:r>
-              <a:rPr lang="en-HK" dirty="0"/>
-              <a:t>Proportion of population and road traffic deaths by countries income</a:t>
-            </a:r>
-            <a:endParaRPr lang="en-US" dirty="0"/>
-          </a:p>
-        </p:txBody>
-      </p:sp>
-      <p:sp>
-        <p:nvSpPr>
-          <p:cNvPr id="3" name="Content Placeholder 2">
-            <a:extLst>
-              <a:ext uri="{FF2B5EF4-FFF2-40B4-BE49-F238E27FC236}">
-                <a16:creationId xmlns:a16="http://schemas.microsoft.com/office/drawing/2014/main" id="{EC73AEA9-9E4E-6044-8719-40A74F74B8F9}"/>
-              </a:ext>
-            </a:extLst>
-          </p:cNvPr>
-          <p:cNvSpPr>
-            <a:spLocks noGrp="1"/>
-          </p:cNvSpPr>
-          <p:nvPr>
-            <p:ph idx="1"/>
-          </p:nvPr>
-        </p:nvSpPr>
-        <p:spPr>
-          <a:xfrm>
-            <a:off x="581193" y="2340864"/>
-            <a:ext cx="4102568" cy="3634486"/>
-          </a:xfrm>
-        </p:spPr>
-        <p:txBody>
-          <a:bodyPr/>
-          <a:lstStyle/>
-          <a:p>
-            <a:r>
-              <a:rPr lang="en-HK" dirty="0"/>
-              <a:t>Population, income level, education and laws are very effective in reducing the rate of road traffic deaths. Wealthy countries have this opportunity to invest in this area by providing enough information and education to their own people, and enforcing the law more efficiently. This is also assisted by using better technology and equipment to reach a high standard in car safety. </a:t>
-            </a:r>
-          </a:p>
-        </p:txBody>
-      </p:sp>
-      <p:sp>
-        <p:nvSpPr>
-          <p:cNvPr id="4" name="Rectangle 3">
-            <a:extLst>
-              <a:ext uri="{FF2B5EF4-FFF2-40B4-BE49-F238E27FC236}">
-                <a16:creationId xmlns:a16="http://schemas.microsoft.com/office/drawing/2014/main" id="{55677458-BB06-5F4D-93A5-905996A7074F}"/>
-              </a:ext>
-            </a:extLst>
-          </p:cNvPr>
-          <p:cNvSpPr/>
-          <p:nvPr/>
-        </p:nvSpPr>
-        <p:spPr>
-          <a:xfrm>
-            <a:off x="581192" y="6425338"/>
-            <a:ext cx="5946180" cy="369332"/>
-          </a:xfrm>
-          <a:prstGeom prst="rect">
-            <a:avLst/>
-          </a:prstGeom>
-        </p:spPr>
-        <p:txBody>
-          <a:bodyPr wrap="none">
-            <a:spAutoFit/>
-          </a:bodyPr>
-          <a:lstStyle/>
-          <a:p>
-            <a:r>
-              <a:rPr lang="en-HK" dirty="0"/>
-              <a:t>* Income levels are based on 2017 WORLD BANK classifiers.</a:t>
-            </a:r>
-          </a:p>
-        </p:txBody>
-      </p:sp>
       <p:pic>
         <p:nvPicPr>
-          <p:cNvPr id="5" name="piechart_populationbyincome.png" descr="piechart_populationbyincome.png">
-            <a:extLst>
-              <a:ext uri="{FF2B5EF4-FFF2-40B4-BE49-F238E27FC236}">
-                <a16:creationId xmlns:a16="http://schemas.microsoft.com/office/drawing/2014/main" id="{4879ACE3-7C81-3C40-A26F-C98D62DA8078}"/>
+          <p:cNvPr id="5" name="Picture 4">
+            <a:extLst>
+              <a:ext uri="{FF2B5EF4-FFF2-40B4-BE49-F238E27FC236}">
+                <a16:creationId xmlns:a16="http://schemas.microsoft.com/office/drawing/2014/main" id="{AE4DA1F9-0709-4AA9-97F3-211691EB6B05}"/>
               </a:ext>
             </a:extLst>
           </p:cNvPr>
@@ -10219,37 +10645,33 @@
           <p:nvPr/>
         </p:nvPicPr>
         <p:blipFill>
-          <a:blip r:embed="rId2"/>
+          <a:blip r:embed="rId2">
+            <a:extLst>
+              <a:ext uri="{28A0092B-C50C-407E-A947-70E740481C1C}">
+                <a14:useLocalDpi xmlns:a14="http://schemas.microsoft.com/office/drawing/2010/main" val="0"/>
+              </a:ext>
+            </a:extLst>
+          </a:blip>
           <a:stretch>
             <a:fillRect/>
           </a:stretch>
         </p:blipFill>
         <p:spPr>
           <a:xfrm>
-            <a:off x="8635470" y="2444819"/>
-            <a:ext cx="3426574" cy="3426574"/>
+            <a:off x="536896" y="1323734"/>
+            <a:ext cx="5169998" cy="2341931"/>
           </a:xfrm>
           <a:prstGeom prst="rect">
             <a:avLst/>
           </a:prstGeom>
-          <a:ln w="25400">
-            <a:miter lim="400000"/>
-          </a:ln>
-          <a:effectLst>
-            <a:outerShdw blurRad="190500" dist="101600" dir="5400000" rotWithShape="0">
-              <a:srgbClr val="000000">
-                <a:alpha val="40000"/>
-              </a:srgbClr>
-            </a:outerShdw>
-          </a:effectLst>
         </p:spPr>
       </p:pic>
       <p:pic>
         <p:nvPicPr>
-          <p:cNvPr id="6" name="piechart_deathsbyincome.png" descr="piechart_deathsbyincome.png">
-            <a:extLst>
-              <a:ext uri="{FF2B5EF4-FFF2-40B4-BE49-F238E27FC236}">
-                <a16:creationId xmlns:a16="http://schemas.microsoft.com/office/drawing/2014/main" id="{E1EFC2EA-C6D2-324C-B990-BAE7CBA08402}"/>
+          <p:cNvPr id="7" name="Picture 6">
+            <a:extLst>
+              <a:ext uri="{FF2B5EF4-FFF2-40B4-BE49-F238E27FC236}">
+                <a16:creationId xmlns:a16="http://schemas.microsoft.com/office/drawing/2014/main" id="{CDCE63A7-605F-4F98-99D4-8BC40F7DCD29}"/>
               </a:ext>
             </a:extLst>
           </p:cNvPr>
@@ -10259,35 +10681,31 @@
           <p:nvPr/>
         </p:nvPicPr>
         <p:blipFill>
-          <a:blip r:embed="rId3"/>
+          <a:blip r:embed="rId3">
+            <a:extLst>
+              <a:ext uri="{28A0092B-C50C-407E-A947-70E740481C1C}">
+                <a14:useLocalDpi xmlns:a14="http://schemas.microsoft.com/office/drawing/2010/main" val="0"/>
+              </a:ext>
+            </a:extLst>
+          </a:blip>
           <a:stretch>
             <a:fillRect/>
           </a:stretch>
         </p:blipFill>
         <p:spPr>
           <a:xfrm>
-            <a:off x="5007743" y="2444818"/>
-            <a:ext cx="3426575" cy="3426575"/>
+            <a:off x="6096000" y="1323734"/>
+            <a:ext cx="5447548" cy="4645297"/>
           </a:xfrm>
           <a:prstGeom prst="rect">
             <a:avLst/>
           </a:prstGeom>
-          <a:ln w="25400">
-            <a:miter lim="400000"/>
-          </a:ln>
-          <a:effectLst>
-            <a:outerShdw blurRad="190500" dist="101600" dir="5400000" rotWithShape="0">
-              <a:srgbClr val="000000">
-                <a:alpha val="40000"/>
-              </a:srgbClr>
-            </a:outerShdw>
-          </a:effectLst>
         </p:spPr>
       </p:pic>
     </p:spTree>
     <p:extLst>
       <p:ext uri="{BB962C8B-B14F-4D97-AF65-F5344CB8AC3E}">
-        <p14:creationId xmlns:p14="http://schemas.microsoft.com/office/powerpoint/2010/main" val="2008902233"/>
+        <p14:creationId xmlns:p14="http://schemas.microsoft.com/office/powerpoint/2010/main" val="3690183269"/>
       </p:ext>
     </p:extLst>
   </p:cSld>
@@ -10300,14 +10718,6 @@
 <file path=ppt/slides/slide9.xml><?xml version="1.0" encoding="utf-8"?>
 <p:sld xmlns:a="http://schemas.openxmlformats.org/drawingml/2006/main" xmlns:r="http://schemas.openxmlformats.org/officeDocument/2006/relationships" xmlns:p="http://schemas.openxmlformats.org/presentationml/2006/main">
   <p:cSld>
-    <p:bg>
-      <p:bgPr>
-        <a:solidFill>
-          <a:schemeClr val="bg1"/>
-        </a:solidFill>
-        <a:effectLst/>
-      </p:bgPr>
-    </p:bg>
     <p:spTree>
       <p:nvGrpSpPr>
         <p:cNvPr id="1" name=""/>
@@ -10324,67 +10734,10 @@
       </p:grpSpPr>
       <p:sp>
         <p:nvSpPr>
-          <p:cNvPr id="9" name="Rectangle 8">
-            <a:extLst>
-              <a:ext uri="{FF2B5EF4-FFF2-40B4-BE49-F238E27FC236}">
-                <a16:creationId xmlns:a16="http://schemas.microsoft.com/office/drawing/2014/main" id="{3CED7894-4F62-4A6C-8DB5-DB5BE08E9C03}"/>
-              </a:ext>
-              <a:ext uri="{C183D7F6-B498-43B3-948B-1728B52AA6E4}">
-                <adec:decorative xmlns:adec="http://schemas.microsoft.com/office/drawing/2017/decorative" val="1"/>
-              </a:ext>
-            </a:extLst>
-          </p:cNvPr>
-          <p:cNvSpPr>
-            <a:spLocks noGrp="1" noRot="1" noChangeAspect="1" noMove="1" noResize="1" noEditPoints="1" noAdjustHandles="1" noChangeArrowheads="1" noChangeShapeType="1" noTextEdit="1"/>
-          </p:cNvSpPr>
-          <p:nvPr>
-            <p:extLst>
-              <p:ext uri="{386F3935-93C4-4BCD-93E2-E3B085C9AB24}">
-                <p16:designElem xmlns:p16="http://schemas.microsoft.com/office/powerpoint/2015/main" val="1"/>
-              </p:ext>
-            </p:extLst>
-          </p:nvPr>
-        </p:nvSpPr>
-        <p:spPr>
-          <a:xfrm>
-            <a:off x="0" y="0"/>
-            <a:ext cx="12192000" cy="6858000"/>
-          </a:xfrm>
-          <a:prstGeom prst="rect">
-            <a:avLst/>
-          </a:prstGeom>
-          <a:solidFill>
-            <a:schemeClr val="bg1">
-              <a:lumMod val="75000"/>
-              <a:lumOff val="25000"/>
-            </a:schemeClr>
-          </a:solidFill>
-          <a:ln>
-            <a:noFill/>
-          </a:ln>
-          <a:effectLst/>
-        </p:spPr>
-        <p:style>
-          <a:lnRef idx="1">
-            <a:schemeClr val="accent1"/>
-          </a:lnRef>
-          <a:fillRef idx="3">
-            <a:schemeClr val="accent1"/>
-          </a:fillRef>
-          <a:effectRef idx="2">
-            <a:schemeClr val="accent1"/>
-          </a:effectRef>
-          <a:fontRef idx="minor">
-            <a:schemeClr val="lt1"/>
-          </a:fontRef>
-        </p:style>
-      </p:sp>
-      <p:sp>
-        <p:nvSpPr>
           <p:cNvPr id="2" name="Title 1">
             <a:extLst>
               <a:ext uri="{FF2B5EF4-FFF2-40B4-BE49-F238E27FC236}">
-                <a16:creationId xmlns:a16="http://schemas.microsoft.com/office/drawing/2014/main" id="{6DAC1D67-5DB9-ED4A-8C92-8E4ECD0368CC}"/>
+                <a16:creationId xmlns:a16="http://schemas.microsoft.com/office/drawing/2014/main" id="{CBC74787-E0FB-B945-BC62-FDBB3139736B}"/>
               </a:ext>
             </a:extLst>
           </p:cNvPr>
@@ -10397,8 +10750,8 @@
         </p:nvSpPr>
         <p:spPr>
           <a:xfrm>
-            <a:off x="609906" y="702155"/>
-            <a:ext cx="3568661" cy="1269713"/>
+            <a:off x="581192" y="702156"/>
+            <a:ext cx="11196826" cy="1188720"/>
           </a:xfrm>
         </p:spPr>
         <p:txBody>
@@ -10407,130 +10760,87 @@
           </a:bodyPr>
           <a:lstStyle/>
           <a:p>
-            <a:pPr>
-              <a:lnSpc>
-                <a:spcPct val="90000"/>
-              </a:lnSpc>
-            </a:pPr>
-            <a:r>
-              <a:rPr lang="en-HK" sz="2400"/>
-              <a:t>Influence of child restraints laws on road traffic deaths</a:t>
-            </a:r>
-            <a:endParaRPr lang="en-US" sz="2400"/>
-          </a:p>
-        </p:txBody>
-      </p:sp>
-      <p:sp>
-        <p:nvSpPr>
-          <p:cNvPr id="11" name="Rectangle 10">
-            <a:extLst>
-              <a:ext uri="{FF2B5EF4-FFF2-40B4-BE49-F238E27FC236}">
-                <a16:creationId xmlns:a16="http://schemas.microsoft.com/office/drawing/2014/main" id="{E536F3B4-50F6-4C52-8F76-4EB1214719DC}"/>
-              </a:ext>
-              <a:ext uri="{C183D7F6-B498-43B3-948B-1728B52AA6E4}">
-                <adec:decorative xmlns:adec="http://schemas.microsoft.com/office/drawing/2017/decorative" val="1"/>
-              </a:ext>
-            </a:extLst>
-          </p:cNvPr>
-          <p:cNvSpPr>
-            <a:spLocks noGrp="1" noRot="1" noChangeAspect="1" noMove="1" noResize="1" noEditPoints="1" noAdjustHandles="1" noChangeArrowheads="1" noChangeShapeType="1" noTextEdit="1"/>
-          </p:cNvSpPr>
-          <p:nvPr>
-            <p:extLst>
-              <p:ext uri="{386F3935-93C4-4BCD-93E2-E3B085C9AB24}">
-                <p16:designElem xmlns:p16="http://schemas.microsoft.com/office/powerpoint/2015/main" val="1"/>
-              </p:ext>
-            </p:extLst>
-          </p:nvPr>
-        </p:nvSpPr>
-        <p:spPr>
-          <a:xfrm>
-            <a:off x="638620" y="457200"/>
-            <a:ext cx="3511233" cy="91439"/>
+            <a:r>
+              <a:rPr lang="en-HK" dirty="0"/>
+              <a:t>Proportion of population and road traffic deaths by countries income</a:t>
+            </a:r>
+            <a:endParaRPr lang="en-US" dirty="0"/>
+          </a:p>
+        </p:txBody>
+      </p:sp>
+      <p:sp>
+        <p:nvSpPr>
+          <p:cNvPr id="3" name="Content Placeholder 2">
+            <a:extLst>
+              <a:ext uri="{FF2B5EF4-FFF2-40B4-BE49-F238E27FC236}">
+                <a16:creationId xmlns:a16="http://schemas.microsoft.com/office/drawing/2014/main" id="{EC73AEA9-9E4E-6044-8719-40A74F74B8F9}"/>
+              </a:ext>
+            </a:extLst>
+          </p:cNvPr>
+          <p:cNvSpPr>
+            <a:spLocks noGrp="1"/>
+          </p:cNvSpPr>
+          <p:nvPr>
+            <p:ph idx="1"/>
+          </p:nvPr>
+        </p:nvSpPr>
+        <p:spPr>
+          <a:xfrm>
+            <a:off x="581193" y="2340864"/>
+            <a:ext cx="4102568" cy="3634486"/>
+          </a:xfrm>
+        </p:spPr>
+        <p:txBody>
+          <a:bodyPr/>
+          <a:lstStyle/>
+          <a:p>
+            <a:r>
+              <a:rPr lang="en-HK" dirty="0"/>
+              <a:t>Population, income level, education and laws are very effective in reducing the rate of road traffic deaths. Wealthy countries have this opportunity to invest in this area by providing enough information and education to their own people, and enforcing the law more efficiently. This is also assisted by using better technology and equipment to reach a high standard in car safety. </a:t>
+            </a:r>
+          </a:p>
+        </p:txBody>
+      </p:sp>
+      <p:sp>
+        <p:nvSpPr>
+          <p:cNvPr id="4" name="Rectangle 3">
+            <a:extLst>
+              <a:ext uri="{FF2B5EF4-FFF2-40B4-BE49-F238E27FC236}">
+                <a16:creationId xmlns:a16="http://schemas.microsoft.com/office/drawing/2014/main" id="{55677458-BB06-5F4D-93A5-905996A7074F}"/>
+              </a:ext>
+            </a:extLst>
+          </p:cNvPr>
+          <p:cNvSpPr/>
+          <p:nvPr/>
+        </p:nvSpPr>
+        <p:spPr>
+          <a:xfrm>
+            <a:off x="581192" y="6425338"/>
+            <a:ext cx="5946180" cy="369332"/>
           </a:xfrm>
           <a:prstGeom prst="rect">
             <a:avLst/>
           </a:prstGeom>
-          <a:solidFill>
-            <a:schemeClr val="accent1"/>
-          </a:solidFill>
-          <a:ln>
-            <a:noFill/>
-          </a:ln>
-          <a:effectLst/>
-        </p:spPr>
-        <p:style>
-          <a:lnRef idx="1">
-            <a:schemeClr val="accent1"/>
-          </a:lnRef>
-          <a:fillRef idx="3">
-            <a:schemeClr val="accent1"/>
-          </a:fillRef>
-          <a:effectRef idx="2">
-            <a:schemeClr val="accent1"/>
-          </a:effectRef>
-          <a:fontRef idx="minor">
-            <a:schemeClr val="lt1"/>
-          </a:fontRef>
-        </p:style>
-      </p:sp>
-      <p:sp>
-        <p:nvSpPr>
-          <p:cNvPr id="3" name="Content Placeholder 2">
-            <a:extLst>
-              <a:ext uri="{FF2B5EF4-FFF2-40B4-BE49-F238E27FC236}">
-                <a16:creationId xmlns:a16="http://schemas.microsoft.com/office/drawing/2014/main" id="{99E3D4C1-D2AA-834D-9CAB-B3944ECB0BEA}"/>
-              </a:ext>
-            </a:extLst>
-          </p:cNvPr>
-          <p:cNvSpPr>
-            <a:spLocks noGrp="1"/>
-          </p:cNvSpPr>
-          <p:nvPr>
-            <p:ph idx="1"/>
-          </p:nvPr>
-        </p:nvSpPr>
-        <p:spPr>
-          <a:xfrm>
-            <a:off x="609906" y="2125384"/>
-            <a:ext cx="3568661" cy="4275416"/>
-          </a:xfrm>
-        </p:spPr>
-        <p:txBody>
-          <a:bodyPr>
-            <a:normAutofit/>
+        </p:spPr>
+        <p:txBody>
+          <a:bodyPr wrap="none">
+            <a:spAutoFit/>
           </a:bodyPr>
           <a:lstStyle/>
           <a:p>
-            <a:pPr>
-              <a:lnSpc>
-                <a:spcPct val="90000"/>
-              </a:lnSpc>
-            </a:pPr>
-            <a:r>
-              <a:rPr lang="en-US" dirty="0"/>
-              <a:t>Although children are very vulnerable and based on WHO reports the first cause of death between them is driving accidents but only 84 countries of 175 countries used child restraints laws which is just 48% in all around the world.</a:t>
-            </a:r>
-          </a:p>
-          <a:p>
-            <a:pPr>
-              <a:lnSpc>
-                <a:spcPct val="90000"/>
-              </a:lnSpc>
-            </a:pPr>
-            <a:r>
-              <a:rPr lang="en-US" dirty="0"/>
-              <a:t>We can see in this bar chart, 90% of countries with high income level are using this law. This percentage for middle income countries is 36% and just 17% of low income countries are protecting children in this area. </a:t>
+            <a:r>
+              <a:rPr lang="en-HK" dirty="0"/>
+              <a:t>* Income levels are based on 2017 WORLD BANK classifiers.</a:t>
             </a:r>
           </a:p>
         </p:txBody>
       </p:sp>
       <p:pic>
         <p:nvPicPr>
-          <p:cNvPr id="4" name="child_restraints_income.png" descr="child_restraints_income.png">
-            <a:extLst>
-              <a:ext uri="{FF2B5EF4-FFF2-40B4-BE49-F238E27FC236}">
-                <a16:creationId xmlns:a16="http://schemas.microsoft.com/office/drawing/2014/main" id="{253863C4-5DD0-8A4A-9176-C0981A7711C6}"/>
+          <p:cNvPr id="5" name="piechart_populationbyincome.png" descr="piechart_populationbyincome.png">
+            <a:extLst>
+              <a:ext uri="{FF2B5EF4-FFF2-40B4-BE49-F238E27FC236}">
+                <a16:creationId xmlns:a16="http://schemas.microsoft.com/office/drawing/2014/main" id="{4879ACE3-7C81-3C40-A26F-C98D62DA8078}"/>
               </a:ext>
             </a:extLst>
           </p:cNvPr>
@@ -10547,18 +10857,68 @@
         </p:blipFill>
         <p:spPr>
           <a:xfrm>
-            <a:off x="4654295" y="1093662"/>
-            <a:ext cx="7322533" cy="4881687"/>
+            <a:off x="8635470" y="2444819"/>
+            <a:ext cx="3426574" cy="3426574"/>
           </a:xfrm>
           <a:prstGeom prst="rect">
             <a:avLst/>
           </a:prstGeom>
+          <a:ln w="25400">
+            <a:miter lim="400000"/>
+          </a:ln>
+          <a:effectLst>
+            <a:outerShdw blurRad="190500" dist="101600" dir="5400000" rotWithShape="0">
+              <a:srgbClr val="000000">
+                <a:alpha val="40000"/>
+              </a:srgbClr>
+            </a:outerShdw>
+          </a:effectLst>
+        </p:spPr>
+      </p:pic>
+      <p:pic>
+        <p:nvPicPr>
+          <p:cNvPr id="6" name="piechart_deathsbyincome.png" descr="piechart_deathsbyincome.png">
+            <a:extLst>
+              <a:ext uri="{FF2B5EF4-FFF2-40B4-BE49-F238E27FC236}">
+                <a16:creationId xmlns:a16="http://schemas.microsoft.com/office/drawing/2014/main" id="{E1EFC2EA-C6D2-324C-B990-BAE7CBA08402}"/>
+              </a:ext>
+            </a:extLst>
+          </p:cNvPr>
+          <p:cNvPicPr>
+            <a:picLocks noChangeAspect="1"/>
+          </p:cNvPicPr>
+          <p:nvPr/>
+        </p:nvPicPr>
+        <p:blipFill>
+          <a:blip r:embed="rId3"/>
+          <a:stretch>
+            <a:fillRect/>
+          </a:stretch>
+        </p:blipFill>
+        <p:spPr>
+          <a:xfrm>
+            <a:off x="5007743" y="2444818"/>
+            <a:ext cx="3426575" cy="3426575"/>
+          </a:xfrm>
+          <a:prstGeom prst="rect">
+            <a:avLst/>
+          </a:prstGeom>
+          <a:ln w="25400">
+            <a:miter lim="400000"/>
+          </a:ln>
+          <a:effectLst>
+            <a:outerShdw blurRad="190500" dist="101600" dir="5400000" rotWithShape="0">
+              <a:srgbClr val="000000">
+                <a:alpha val="40000"/>
+              </a:srgbClr>
+            </a:outerShdw>
+          </a:effectLst>
         </p:spPr>
       </p:pic>
     </p:spTree>
     <p:extLst>
       <p:ext uri="{BB962C8B-B14F-4D97-AF65-F5344CB8AC3E}">
-        <p14:creationId xmlns:p14="http://schemas.microsoft.com/office/powerpoint/2010/main" val="2913941793"/>
+        <p14:creationId xmlns:p14="http://schemas.microsoft.com/office/powerpoint/2010/main" val="2008902233"/>
       </p:ext>
     </p:extLst>
   </p:cSld>

--- a/output_data/Presentation.pptx
+++ b/output_data/Presentation.pptx
@@ -12,7 +12,7 @@
     <p:sldId id="260" r:id="rId6"/>
     <p:sldId id="261" r:id="rId7"/>
     <p:sldId id="263" r:id="rId8"/>
-    <p:sldId id="283" r:id="rId9"/>
+    <p:sldId id="285" r:id="rId9"/>
     <p:sldId id="264" r:id="rId10"/>
     <p:sldId id="265" r:id="rId11"/>
     <p:sldId id="266" r:id="rId12"/>
@@ -27,11 +27,13 @@
     <p:sldId id="279" r:id="rId21"/>
     <p:sldId id="282" r:id="rId22"/>
     <p:sldId id="273" r:id="rId23"/>
-    <p:sldId id="284" r:id="rId24"/>
-    <p:sldId id="285" r:id="rId25"/>
-    <p:sldId id="274" r:id="rId26"/>
-    <p:sldId id="275" r:id="rId27"/>
-    <p:sldId id="276" r:id="rId28"/>
+    <p:sldId id="286" r:id="rId24"/>
+    <p:sldId id="287" r:id="rId25"/>
+    <p:sldId id="283" r:id="rId26"/>
+    <p:sldId id="284" r:id="rId27"/>
+    <p:sldId id="274" r:id="rId28"/>
+    <p:sldId id="275" r:id="rId29"/>
+    <p:sldId id="276" r:id="rId30"/>
   </p:sldIdLst>
   <p:sldSz cx="12192000" cy="6858000"/>
   <p:notesSz cx="6858000" cy="9144000"/>
@@ -142,7 +144,7 @@
             <p14:sldId id="260"/>
             <p14:sldId id="261"/>
             <p14:sldId id="263"/>
-            <p14:sldId id="283"/>
+            <p14:sldId id="285"/>
           </p14:sldIdLst>
         </p14:section>
         <p14:section name="Parastoo" id="{4B41DFC2-9648-ED46-8A41-AE83A94310D8}">
@@ -169,12 +171,14 @@
         <p14:section name="John" id="{7A401C20-3636-B546-9CF0-11FED4B93153}">
           <p14:sldIdLst>
             <p14:sldId id="273"/>
-            <p14:sldId id="284"/>
-            <p14:sldId id="285"/>
+            <p14:sldId id="286"/>
+            <p14:sldId id="287"/>
           </p14:sldIdLst>
         </p14:section>
         <p14:section name="Seranica" id="{9A0EEC91-5F66-AA4E-987B-F22015E3EEB4}">
           <p14:sldIdLst>
+            <p14:sldId id="283"/>
+            <p14:sldId id="284"/>
             <p14:sldId id="274"/>
           </p14:sldIdLst>
         </p14:section>
@@ -4197,12 +4201,66 @@
           </a:p>
         </p:txBody>
       </p:sp>
+      <p:sp>
+        <p:nvSpPr>
+          <p:cNvPr id="13" name="Rectangle 12">
+            <a:extLst>
+              <a:ext uri="{FF2B5EF4-FFF2-40B4-BE49-F238E27FC236}">
+                <a16:creationId xmlns:a16="http://schemas.microsoft.com/office/drawing/2014/main" id="{B01B0E58-A5C8-4CDA-A2E0-35DF94E59857}"/>
+              </a:ext>
+              <a:ext uri="{C183D7F6-B498-43B3-948B-1728B52AA6E4}">
+                <adec:decorative xmlns:adec="http://schemas.microsoft.com/office/drawing/2017/decorative" val="1"/>
+              </a:ext>
+            </a:extLst>
+          </p:cNvPr>
+          <p:cNvSpPr>
+            <a:spLocks noGrp="1" noRot="1" noChangeAspect="1" noMove="1" noResize="1" noEditPoints="1" noAdjustHandles="1" noChangeArrowheads="1" noChangeShapeType="1" noTextEdit="1"/>
+          </p:cNvSpPr>
+          <p:nvPr>
+            <p:extLst>
+              <p:ext uri="{386F3935-93C4-4BCD-93E2-E3B085C9AB24}">
+                <p16:designElem xmlns:p16="http://schemas.microsoft.com/office/powerpoint/2015/main" val="1"/>
+              </p:ext>
+            </p:extLst>
+          </p:nvPr>
+        </p:nvSpPr>
+        <p:spPr>
+          <a:xfrm>
+            <a:off x="8109235" y="457200"/>
+            <a:ext cx="3511233" cy="91439"/>
+          </a:xfrm>
+          <a:prstGeom prst="rect">
+            <a:avLst/>
+          </a:prstGeom>
+          <a:solidFill>
+            <a:schemeClr val="accent1"/>
+          </a:solidFill>
+          <a:ln>
+            <a:noFill/>
+          </a:ln>
+          <a:effectLst/>
+        </p:spPr>
+        <p:style>
+          <a:lnRef idx="1">
+            <a:schemeClr val="accent1"/>
+          </a:lnRef>
+          <a:fillRef idx="3">
+            <a:schemeClr val="accent1"/>
+          </a:fillRef>
+          <a:effectRef idx="2">
+            <a:schemeClr val="accent1"/>
+          </a:effectRef>
+          <a:fontRef idx="minor">
+            <a:schemeClr val="lt1"/>
+          </a:fontRef>
+        </p:style>
+      </p:sp>
       <p:pic>
         <p:nvPicPr>
-          <p:cNvPr id="22" name="Picture 3">
-            <a:extLst>
-              <a:ext uri="{FF2B5EF4-FFF2-40B4-BE49-F238E27FC236}">
-                <a16:creationId xmlns:a16="http://schemas.microsoft.com/office/drawing/2014/main" id="{CAA3A90F-C654-4E0B-BEE7-B2D21449EACC}"/>
+          <p:cNvPr id="4" name="Picture 3">
+            <a:extLst>
+              <a:ext uri="{FF2B5EF4-FFF2-40B4-BE49-F238E27FC236}">
+                <a16:creationId xmlns:a16="http://schemas.microsoft.com/office/drawing/2014/main" id="{59FE9A76-BD5D-4A15-9CA9-6485C3078D63}"/>
               </a:ext>
             </a:extLst>
           </p:cNvPr>
@@ -4211,75 +4269,24 @@
           </p:cNvPicPr>
           <p:nvPr/>
         </p:nvPicPr>
-        <p:blipFill rotWithShape="1">
-          <a:blip r:embed="rId2"/>
-          <a:srcRect l="4770" r="21864" b="-1"/>
-          <a:stretch/>
+        <p:blipFill>
+          <a:blip r:embed="rId2">
+            <a:alphaModFix amt="71000"/>
+          </a:blip>
+          <a:stretch>
+            <a:fillRect/>
+          </a:stretch>
         </p:blipFill>
         <p:spPr>
           <a:xfrm>
-            <a:off x="20" y="10"/>
-            <a:ext cx="7537685" cy="6857990"/>
+            <a:off x="8555" y="0"/>
+            <a:ext cx="7741276" cy="6861712"/>
           </a:xfrm>
           <a:prstGeom prst="rect">
             <a:avLst/>
           </a:prstGeom>
         </p:spPr>
       </p:pic>
-      <p:sp>
-        <p:nvSpPr>
-          <p:cNvPr id="13" name="Rectangle 12">
-            <a:extLst>
-              <a:ext uri="{FF2B5EF4-FFF2-40B4-BE49-F238E27FC236}">
-                <a16:creationId xmlns:a16="http://schemas.microsoft.com/office/drawing/2014/main" id="{B01B0E58-A5C8-4CDA-A2E0-35DF94E59857}"/>
-              </a:ext>
-              <a:ext uri="{C183D7F6-B498-43B3-948B-1728B52AA6E4}">
-                <adec:decorative xmlns:adec="http://schemas.microsoft.com/office/drawing/2017/decorative" val="1"/>
-              </a:ext>
-            </a:extLst>
-          </p:cNvPr>
-          <p:cNvSpPr>
-            <a:spLocks noGrp="1" noRot="1" noChangeAspect="1" noMove="1" noResize="1" noEditPoints="1" noAdjustHandles="1" noChangeArrowheads="1" noChangeShapeType="1" noTextEdit="1"/>
-          </p:cNvSpPr>
-          <p:nvPr>
-            <p:extLst>
-              <p:ext uri="{386F3935-93C4-4BCD-93E2-E3B085C9AB24}">
-                <p16:designElem xmlns:p16="http://schemas.microsoft.com/office/powerpoint/2015/main" val="1"/>
-              </p:ext>
-            </p:extLst>
-          </p:nvPr>
-        </p:nvSpPr>
-        <p:spPr>
-          <a:xfrm>
-            <a:off x="8109235" y="457200"/>
-            <a:ext cx="3511233" cy="91439"/>
-          </a:xfrm>
-          <a:prstGeom prst="rect">
-            <a:avLst/>
-          </a:prstGeom>
-          <a:solidFill>
-            <a:schemeClr val="accent1"/>
-          </a:solidFill>
-          <a:ln>
-            <a:noFill/>
-          </a:ln>
-          <a:effectLst/>
-        </p:spPr>
-        <p:style>
-          <a:lnRef idx="1">
-            <a:schemeClr val="accent1"/>
-          </a:lnRef>
-          <a:fillRef idx="3">
-            <a:schemeClr val="accent1"/>
-          </a:fillRef>
-          <a:effectRef idx="2">
-            <a:schemeClr val="accent1"/>
-          </a:effectRef>
-          <a:fontRef idx="minor">
-            <a:schemeClr val="lt1"/>
-          </a:fontRef>
-        </p:style>
-      </p:sp>
     </p:spTree>
     <p:extLst>
       <p:ext uri="{BB962C8B-B14F-4D97-AF65-F5344CB8AC3E}">
@@ -4863,7 +4870,7 @@
         </p:spPr>
         <p:txBody>
           <a:bodyPr>
-            <a:normAutofit lnSpcReduction="10000"/>
+            <a:normAutofit fontScale="92500" lnSpcReduction="10000"/>
           </a:bodyPr>
           <a:lstStyle/>
           <a:p>
@@ -4878,23 +4885,7 @@
                   <a:srgbClr val="FFFFFF"/>
                 </a:solidFill>
               </a:rPr>
-              <a:t>Child restraints are highly effective in reducing injury and death to </a:t>
-            </a:r>
-            <a:r>
-              <a:rPr lang="en-US" dirty="0" err="1">
-                <a:solidFill>
-                  <a:srgbClr val="FFFFFF"/>
-                </a:solidFill>
-              </a:rPr>
-              <a:t>chid</a:t>
-            </a:r>
-            <a:r>
-              <a:rPr lang="en-US" dirty="0">
-                <a:solidFill>
-                  <a:srgbClr val="FFFFFF"/>
-                </a:solidFill>
-              </a:rPr>
-              <a:t> occupants. </a:t>
+              <a:t>Child restraints are highly effective in reducing injury and death to children. </a:t>
             </a:r>
           </a:p>
           <a:p>
@@ -4924,7 +4915,7 @@
                   <a:srgbClr val="FFFFFF"/>
                 </a:solidFill>
               </a:rPr>
-              <a:t> What is clear on this chart, there is a negative relationship between using child restraints laws and the number of road traffic deaths. In other words, as the usage of child restraints laws goes up, the number of deaths on the road will decrease. </a:t>
+              <a:t> What is clear on this chart, there is a negative relationship between using child restraints laws and the number of road traffic deaths. In other words, as the usage of child restraints laws goes up, the number of deaths on the road decreases. </a:t>
             </a:r>
           </a:p>
           <a:p>
@@ -4939,7 +4930,7 @@
                   <a:srgbClr val="FFFFFF"/>
                 </a:solidFill>
               </a:rPr>
-              <a:t>By calculating the r-squared which is 0.34, we can see there is a weak correlation between these items. </a:t>
+              <a:t>By calculating the r-squared which is 0.34, we can see there is a weak correlation between these  </a:t>
             </a:r>
           </a:p>
         </p:txBody>
@@ -5464,23 +5455,7 @@
             </a:pPr>
             <a:r>
               <a:rPr lang="en-US" sz="1600" dirty="0"/>
-              <a:t>Using mobile devices such as smartphones and/or other in-vehicle devices is a major source of distraction while driving. Some </a:t>
-            </a:r>
-            <a:r>
-              <a:rPr lang="en-US" sz="1600" dirty="0" err="1"/>
-              <a:t>behaviour</a:t>
-            </a:r>
-            <a:r>
-              <a:rPr lang="en-US" sz="1600" dirty="0"/>
-              <a:t> studies show that using mobile phone while driving has the same effect as drink-driving. Evidence suggests that if there is no enforcement, this </a:t>
-            </a:r>
-            <a:r>
-              <a:rPr lang="en-US" sz="1600" dirty="0" err="1"/>
-              <a:t>behaviour</a:t>
-            </a:r>
-            <a:r>
-              <a:rPr lang="en-US" sz="1600" dirty="0"/>
-              <a:t> will increase in society because of human nature. </a:t>
+              <a:t>Using mobile devices such as smartphones and/or other in-vehicle devices is a major source of distraction while driving. Some behavioral studies show that using mobile phone while driving has the same effect as drink-driving. Evidence suggests that if there is no enforcement, this behavior will increase in society because of human nature. </a:t>
             </a:r>
           </a:p>
           <a:p>
@@ -5513,7 +5488,7 @@
             </a:pPr>
             <a:r>
               <a:rPr lang="en-US" sz="1600" dirty="0"/>
-              <a:t>It can be inferred from the above information that most of countries understand the importance of this laws. </a:t>
+              <a:t>It can be inferred from the above information that most countries understand the importance of this laws. </a:t>
             </a:r>
           </a:p>
         </p:txBody>
@@ -6845,12 +6820,12 @@
           <a:lstStyle/>
           <a:p>
             <a:r>
-              <a:rPr lang="en-US">
+              <a:rPr lang="en-US" dirty="0">
                 <a:solidFill>
                   <a:srgbClr val="FFFFFF"/>
                 </a:solidFill>
               </a:rPr>
-              <a:t>Which day is safer to go on road?</a:t>
+              <a:t>Which day is safer to Drive?</a:t>
             </a:r>
           </a:p>
         </p:txBody>
@@ -6889,7 +6864,7 @@
                   <a:srgbClr val="FFFFFF"/>
                 </a:solidFill>
               </a:rPr>
-              <a:t>A trend is seen when it is approaching weekend </a:t>
+              <a:t>A trend is seen when it is approaching the weekend </a:t>
             </a:r>
           </a:p>
           <a:p>
@@ -6911,7 +6886,7 @@
                   <a:srgbClr val="FFFFFF"/>
                 </a:solidFill>
               </a:rPr>
-              <a:t>Monday and Tuesday got the least amount of fatalities</a:t>
+              <a:t>Monday and Tuesday have the lowest fatalities</a:t>
             </a:r>
           </a:p>
         </p:txBody>
@@ -7145,7 +7120,7 @@
           <a:p>
             <a:r>
               <a:rPr lang="en-US" dirty="0"/>
-              <a:t>Does a speed limit help save life?</a:t>
+              <a:t>Do speed limits help save lives?</a:t>
             </a:r>
           </a:p>
         </p:txBody>
@@ -7184,13 +7159,13 @@
           <a:p>
             <a:r>
               <a:rPr lang="en-US" dirty="0"/>
-              <a:t>We believed that it’s due to there is a larger proportion of road designed with these speed limit</a:t>
+              <a:t>There is a larger proportion of road designed with these speed limit</a:t>
             </a:r>
           </a:p>
           <a:p>
             <a:r>
               <a:rPr lang="en-US" dirty="0"/>
-              <a:t>This does not convey the </a:t>
+              <a:t>This does not convey the relative safety of the speeds in isolation from other variables</a:t>
             </a:r>
           </a:p>
         </p:txBody>
@@ -7630,7 +7605,7 @@
           <a:p>
             <a:r>
               <a:rPr lang="en-US" dirty="0"/>
-              <a:t>DEATH BY VEHICLE TYPE</a:t>
+              <a:t>Death by vehicle type</a:t>
             </a:r>
           </a:p>
         </p:txBody>
@@ -7640,7 +7615,7 @@
           <p:cNvPr id="5" name="Picture 4">
             <a:extLst>
               <a:ext uri="{FF2B5EF4-FFF2-40B4-BE49-F238E27FC236}">
-                <a16:creationId xmlns:a16="http://schemas.microsoft.com/office/drawing/2014/main" id="{DFF5AF76-885C-4BCF-9D68-4418BEE92A48}"/>
+                <a16:creationId xmlns:a16="http://schemas.microsoft.com/office/drawing/2014/main" id="{5E448BF2-CF65-48B0-B7AD-76507CADFFA8}"/>
               </a:ext>
             </a:extLst>
           </p:cNvPr>
@@ -7706,7 +7681,7 @@
           <p:cNvPr id="2" name="Title 1">
             <a:extLst>
               <a:ext uri="{FF2B5EF4-FFF2-40B4-BE49-F238E27FC236}">
-                <a16:creationId xmlns:a16="http://schemas.microsoft.com/office/drawing/2014/main" id="{312466AE-AA0E-4C00-8C11-D666CB8BC59E}"/>
+                <a16:creationId xmlns:a16="http://schemas.microsoft.com/office/drawing/2014/main" id="{F6C9F67E-9840-483B-8A06-A0476774824C}"/>
               </a:ext>
             </a:extLst>
           </p:cNvPr>
@@ -7734,7 +7709,7 @@
           <p:cNvPr id="5" name="Picture 4">
             <a:extLst>
               <a:ext uri="{FF2B5EF4-FFF2-40B4-BE49-F238E27FC236}">
-                <a16:creationId xmlns:a16="http://schemas.microsoft.com/office/drawing/2014/main" id="{AA736E89-84A0-45A9-A21D-74429B1B6D87}"/>
+                <a16:creationId xmlns:a16="http://schemas.microsoft.com/office/drawing/2014/main" id="{02016464-7506-4E3E-878E-AD840297F845}"/>
               </a:ext>
             </a:extLst>
           </p:cNvPr>
@@ -7768,7 +7743,7 @@
     </p:spTree>
     <p:extLst>
       <p:ext uri="{BB962C8B-B14F-4D97-AF65-F5344CB8AC3E}">
-        <p14:creationId xmlns:p14="http://schemas.microsoft.com/office/powerpoint/2010/main" val="664499169"/>
+        <p14:creationId xmlns:p14="http://schemas.microsoft.com/office/powerpoint/2010/main" val="3884811812"/>
       </p:ext>
     </p:extLst>
   </p:cSld>
@@ -7800,7 +7775,7 @@
           <p:cNvPr id="2" name="Title 1">
             <a:extLst>
               <a:ext uri="{FF2B5EF4-FFF2-40B4-BE49-F238E27FC236}">
-                <a16:creationId xmlns:a16="http://schemas.microsoft.com/office/drawing/2014/main" id="{A733FF4B-246F-4141-A564-86A3949263FC}"/>
+                <a16:creationId xmlns:a16="http://schemas.microsoft.com/office/drawing/2014/main" id="{A5C18E2F-2689-4E3D-A60D-9CE42AA81932}"/>
               </a:ext>
             </a:extLst>
           </p:cNvPr>
@@ -7828,7 +7803,7 @@
           <p:cNvPr id="5" name="Picture 4">
             <a:extLst>
               <a:ext uri="{FF2B5EF4-FFF2-40B4-BE49-F238E27FC236}">
-                <a16:creationId xmlns:a16="http://schemas.microsoft.com/office/drawing/2014/main" id="{3ED1E323-4425-4028-9905-773CCE86053B}"/>
+                <a16:creationId xmlns:a16="http://schemas.microsoft.com/office/drawing/2014/main" id="{EBE74ACC-D919-4172-8FBC-6FB700E0324D}"/>
               </a:ext>
             </a:extLst>
           </p:cNvPr>
@@ -7851,7 +7826,7 @@
         </p:blipFill>
         <p:spPr>
           <a:xfrm>
-            <a:off x="320728" y="2032653"/>
+            <a:off x="216844" y="2032653"/>
             <a:ext cx="9100108" cy="4452426"/>
           </a:xfrm>
           <a:prstGeom prst="rect">
@@ -7864,7 +7839,7 @@
           <p:cNvPr id="7" name="Picture 6">
             <a:extLst>
               <a:ext uri="{FF2B5EF4-FFF2-40B4-BE49-F238E27FC236}">
-                <a16:creationId xmlns:a16="http://schemas.microsoft.com/office/drawing/2014/main" id="{488C9934-272E-4190-9F44-13C870474744}"/>
+                <a16:creationId xmlns:a16="http://schemas.microsoft.com/office/drawing/2014/main" id="{681362D5-C3DC-47AE-8173-C16A3DBEE610}"/>
               </a:ext>
             </a:extLst>
           </p:cNvPr>
@@ -7887,7 +7862,7 @@
         </p:blipFill>
         <p:spPr>
           <a:xfrm>
-            <a:off x="8613856" y="2577937"/>
+            <a:off x="8865526" y="2577937"/>
             <a:ext cx="1762371" cy="2228954"/>
           </a:xfrm>
           <a:prstGeom prst="rect">
@@ -7897,10 +7872,10 @@
       </p:pic>
       <p:pic>
         <p:nvPicPr>
-          <p:cNvPr id="9" name="Picture 8">
-            <a:extLst>
-              <a:ext uri="{FF2B5EF4-FFF2-40B4-BE49-F238E27FC236}">
-                <a16:creationId xmlns:a16="http://schemas.microsoft.com/office/drawing/2014/main" id="{7D3CA454-C614-44EC-A112-13E26AFB00D2}"/>
+          <p:cNvPr id="11" name="Picture 10">
+            <a:extLst>
+              <a:ext uri="{FF2B5EF4-FFF2-40B4-BE49-F238E27FC236}">
+                <a16:creationId xmlns:a16="http://schemas.microsoft.com/office/drawing/2014/main" id="{45D6A8BA-C1E0-40B1-AB65-A088039EDD4E}"/>
               </a:ext>
             </a:extLst>
           </p:cNvPr>
@@ -7910,21 +7885,15 @@
           <p:nvPr/>
         </p:nvPicPr>
         <p:blipFill>
-          <a:blip r:embed="rId4">
-            <a:extLst>
-              <a:ext uri="{28A0092B-C50C-407E-A947-70E740481C1C}">
-                <a14:useLocalDpi xmlns:a14="http://schemas.microsoft.com/office/drawing/2010/main" val="0"/>
-              </a:ext>
-            </a:extLst>
-          </a:blip>
+          <a:blip r:embed="rId4"/>
           <a:stretch>
             <a:fillRect/>
           </a:stretch>
         </p:blipFill>
         <p:spPr>
           <a:xfrm>
-            <a:off x="9316952" y="5040655"/>
-            <a:ext cx="1009791" cy="623040"/>
+            <a:off x="9424660" y="4961595"/>
+            <a:ext cx="1095528" cy="781159"/>
           </a:xfrm>
           <a:prstGeom prst="rect">
             <a:avLst/>
@@ -7934,7 +7903,7 @@
     </p:spTree>
     <p:extLst>
       <p:ext uri="{BB962C8B-B14F-4D97-AF65-F5344CB8AC3E}">
-        <p14:creationId xmlns:p14="http://schemas.microsoft.com/office/powerpoint/2010/main" val="807845753"/>
+        <p14:creationId xmlns:p14="http://schemas.microsoft.com/office/powerpoint/2010/main" val="450673987"/>
       </p:ext>
     </p:extLst>
   </p:cSld>
@@ -7966,7 +7935,7 @@
           <p:cNvPr id="2" name="Title 1">
             <a:extLst>
               <a:ext uri="{FF2B5EF4-FFF2-40B4-BE49-F238E27FC236}">
-                <a16:creationId xmlns:a16="http://schemas.microsoft.com/office/drawing/2014/main" id="{2DE00F1B-125D-F646-968E-25186BE7775D}"/>
+                <a16:creationId xmlns:a16="http://schemas.microsoft.com/office/drawing/2014/main" id="{DA75614F-B11B-424B-82E0-0AFF9AD0EB31}"/>
               </a:ext>
             </a:extLst>
           </p:cNvPr>
@@ -7977,19 +7946,56 @@
             <p:ph type="title"/>
           </p:nvPr>
         </p:nvSpPr>
-        <p:spPr/>
+        <p:spPr>
+          <a:xfrm>
+            <a:off x="665082" y="625820"/>
+            <a:ext cx="11029616" cy="615749"/>
+          </a:xfrm>
+        </p:spPr>
         <p:txBody>
           <a:bodyPr/>
           <a:lstStyle/>
           <a:p>
-            <a:endParaRPr lang="en-US" dirty="0"/>
+            <a:r>
+              <a:rPr lang="en-AU" dirty="0"/>
+              <a:t>Drink driving laws and influence on road fatalities</a:t>
+            </a:r>
           </a:p>
         </p:txBody>
       </p:sp>
+      <p:pic>
+        <p:nvPicPr>
+          <p:cNvPr id="5" name="Content Placeholder 4" descr="Map&#10;&#10;Description automatically generated">
+            <a:extLst>
+              <a:ext uri="{FF2B5EF4-FFF2-40B4-BE49-F238E27FC236}">
+                <a16:creationId xmlns:a16="http://schemas.microsoft.com/office/drawing/2014/main" id="{F1949C2F-9D5E-4E87-ACB1-E5E28C733D74}"/>
+              </a:ext>
+            </a:extLst>
+          </p:cNvPr>
+          <p:cNvPicPr>
+            <a:picLocks noGrp="1" noChangeAspect="1"/>
+          </p:cNvPicPr>
+          <p:nvPr>
+            <p:ph idx="1"/>
+          </p:nvPr>
+        </p:nvPicPr>
+        <p:blipFill>
+          <a:blip r:embed="rId2"/>
+          <a:stretch>
+            <a:fillRect/>
+          </a:stretch>
+        </p:blipFill>
+        <p:spPr>
+          <a:xfrm>
+            <a:off x="1003620" y="1462190"/>
+            <a:ext cx="10352539" cy="4259102"/>
+          </a:xfrm>
+        </p:spPr>
+      </p:pic>
     </p:spTree>
     <p:extLst>
       <p:ext uri="{BB962C8B-B14F-4D97-AF65-F5344CB8AC3E}">
-        <p14:creationId xmlns:p14="http://schemas.microsoft.com/office/powerpoint/2010/main" val="295816866"/>
+        <p14:creationId xmlns:p14="http://schemas.microsoft.com/office/powerpoint/2010/main" val="2380875080"/>
       </p:ext>
     </p:extLst>
   </p:cSld>
@@ -8018,6 +8024,1193 @@
       </p:grpSpPr>
       <p:sp>
         <p:nvSpPr>
+          <p:cNvPr id="2" name="Title 1">
+            <a:extLst>
+              <a:ext uri="{FF2B5EF4-FFF2-40B4-BE49-F238E27FC236}">
+                <a16:creationId xmlns:a16="http://schemas.microsoft.com/office/drawing/2014/main" id="{DA75614F-B11B-424B-82E0-0AFF9AD0EB31}"/>
+              </a:ext>
+            </a:extLst>
+          </p:cNvPr>
+          <p:cNvSpPr>
+            <a:spLocks noGrp="1"/>
+          </p:cNvSpPr>
+          <p:nvPr>
+            <p:ph type="title"/>
+          </p:nvPr>
+        </p:nvSpPr>
+        <p:spPr>
+          <a:xfrm>
+            <a:off x="665082" y="625820"/>
+            <a:ext cx="11029616" cy="615749"/>
+          </a:xfrm>
+        </p:spPr>
+        <p:txBody>
+          <a:bodyPr/>
+          <a:lstStyle/>
+          <a:p>
+            <a:r>
+              <a:rPr lang="en-AU" dirty="0"/>
+              <a:t>Drink driving laws and influence on road fatalities</a:t>
+            </a:r>
+          </a:p>
+        </p:txBody>
+      </p:sp>
+      <p:pic>
+        <p:nvPicPr>
+          <p:cNvPr id="7" name="Picture 6" descr="Chart, box and whisker chart&#10;&#10;Description automatically generated">
+            <a:extLst>
+              <a:ext uri="{FF2B5EF4-FFF2-40B4-BE49-F238E27FC236}">
+                <a16:creationId xmlns:a16="http://schemas.microsoft.com/office/drawing/2014/main" id="{1D66413D-2DC6-4D77-B04D-7B0106646563}"/>
+              </a:ext>
+            </a:extLst>
+          </p:cNvPr>
+          <p:cNvPicPr>
+            <a:picLocks noChangeAspect="1"/>
+          </p:cNvPicPr>
+          <p:nvPr/>
+        </p:nvPicPr>
+        <p:blipFill>
+          <a:blip r:embed="rId2"/>
+          <a:stretch>
+            <a:fillRect/>
+          </a:stretch>
+        </p:blipFill>
+        <p:spPr>
+          <a:xfrm>
+            <a:off x="5930133" y="1181985"/>
+            <a:ext cx="5705397" cy="3803598"/>
+          </a:xfrm>
+          <a:prstGeom prst="rect">
+            <a:avLst/>
+          </a:prstGeom>
+        </p:spPr>
+      </p:pic>
+      <p:sp>
+        <p:nvSpPr>
+          <p:cNvPr id="8" name="Content Placeholder 2">
+            <a:extLst>
+              <a:ext uri="{FF2B5EF4-FFF2-40B4-BE49-F238E27FC236}">
+                <a16:creationId xmlns:a16="http://schemas.microsoft.com/office/drawing/2014/main" id="{AB240367-D123-4E86-9D2B-2937B4E33006}"/>
+              </a:ext>
+            </a:extLst>
+          </p:cNvPr>
+          <p:cNvSpPr>
+            <a:spLocks noGrp="1"/>
+          </p:cNvSpPr>
+          <p:nvPr>
+            <p:ph idx="1"/>
+          </p:nvPr>
+        </p:nvSpPr>
+        <p:spPr>
+          <a:xfrm>
+            <a:off x="790352" y="5045166"/>
+            <a:ext cx="5169366" cy="1622487"/>
+          </a:xfrm>
+        </p:spPr>
+        <p:txBody>
+          <a:bodyPr/>
+          <a:lstStyle/>
+          <a:p>
+            <a:r>
+              <a:rPr lang="en-US" dirty="0"/>
+              <a:t>Majority of countries surveyed attributed &lt;15% of traffic fatalities to incidents involving alcohol</a:t>
+            </a:r>
+          </a:p>
+          <a:p>
+            <a:r>
+              <a:rPr lang="en-US" dirty="0"/>
+              <a:t>Notwithstanding, some countries had a very high prevalence of fatalities related to DUI offences</a:t>
+            </a:r>
+          </a:p>
+        </p:txBody>
+      </p:sp>
+      <p:pic>
+        <p:nvPicPr>
+          <p:cNvPr id="10" name="Picture 9" descr="Chart, histogram&#10;&#10;Description automatically generated">
+            <a:extLst>
+              <a:ext uri="{FF2B5EF4-FFF2-40B4-BE49-F238E27FC236}">
+                <a16:creationId xmlns:a16="http://schemas.microsoft.com/office/drawing/2014/main" id="{8F38DBD1-64DC-4F97-AE3D-5A2DE2B047F0}"/>
+              </a:ext>
+            </a:extLst>
+          </p:cNvPr>
+          <p:cNvPicPr>
+            <a:picLocks noChangeAspect="1"/>
+          </p:cNvPicPr>
+          <p:nvPr/>
+        </p:nvPicPr>
+        <p:blipFill>
+          <a:blip r:embed="rId3"/>
+          <a:stretch>
+            <a:fillRect/>
+          </a:stretch>
+        </p:blipFill>
+        <p:spPr>
+          <a:xfrm>
+            <a:off x="475371" y="1360735"/>
+            <a:ext cx="5454762" cy="3741156"/>
+          </a:xfrm>
+          <a:prstGeom prst="rect">
+            <a:avLst/>
+          </a:prstGeom>
+        </p:spPr>
+      </p:pic>
+      <p:sp>
+        <p:nvSpPr>
+          <p:cNvPr id="13" name="Content Placeholder 2">
+            <a:extLst>
+              <a:ext uri="{FF2B5EF4-FFF2-40B4-BE49-F238E27FC236}">
+                <a16:creationId xmlns:a16="http://schemas.microsoft.com/office/drawing/2014/main" id="{F3880EAD-1FE1-429D-BF09-75E3987B8C95}"/>
+              </a:ext>
+            </a:extLst>
+          </p:cNvPr>
+          <p:cNvSpPr txBox="1">
+            <a:spLocks/>
+          </p:cNvSpPr>
+          <p:nvPr/>
+        </p:nvSpPr>
+        <p:spPr>
+          <a:xfrm>
+            <a:off x="6371248" y="4985583"/>
+            <a:ext cx="4823936" cy="1622487"/>
+          </a:xfrm>
+          <a:prstGeom prst="rect">
+            <a:avLst/>
+          </a:prstGeom>
+        </p:spPr>
+        <p:txBody>
+          <a:bodyPr vert="horz" lIns="91440" tIns="45720" rIns="91440" bIns="45720" rtlCol="0" anchor="ctr">
+            <a:normAutofit/>
+          </a:bodyPr>
+          <a:lstStyle>
+            <a:lvl1pPr marL="306000" indent="-306000" algn="l" defTabSz="457200" rtl="0" eaLnBrk="1" latinLnBrk="0" hangingPunct="1">
+              <a:lnSpc>
+                <a:spcPct val="100000"/>
+              </a:lnSpc>
+              <a:spcBef>
+                <a:spcPct val="20000"/>
+              </a:spcBef>
+              <a:spcAft>
+                <a:spcPts val="600"/>
+              </a:spcAft>
+              <a:buClr>
+                <a:schemeClr val="accent1"/>
+              </a:buClr>
+              <a:buSzPct val="92000"/>
+              <a:buFont typeface="Wingdings 2" panose="05020102010507070707" pitchFamily="18" charset="2"/>
+              <a:buChar char=""/>
+              <a:defRPr sz="1800" kern="1200">
+                <a:solidFill>
+                  <a:schemeClr val="tx1">
+                    <a:lumMod val="75000"/>
+                    <a:lumOff val="25000"/>
+                  </a:schemeClr>
+                </a:solidFill>
+                <a:latin typeface="+mn-lt"/>
+                <a:ea typeface="+mn-ea"/>
+                <a:cs typeface="+mn-cs"/>
+              </a:defRPr>
+            </a:lvl1pPr>
+            <a:lvl2pPr marL="630000" indent="-306000" algn="l" defTabSz="457200" rtl="0" eaLnBrk="1" latinLnBrk="0" hangingPunct="1">
+              <a:lnSpc>
+                <a:spcPct val="100000"/>
+              </a:lnSpc>
+              <a:spcBef>
+                <a:spcPct val="20000"/>
+              </a:spcBef>
+              <a:spcAft>
+                <a:spcPts val="600"/>
+              </a:spcAft>
+              <a:buClr>
+                <a:schemeClr val="accent1"/>
+              </a:buClr>
+              <a:buSzPct val="92000"/>
+              <a:buFont typeface="Wingdings 2" panose="05020102010507070707" pitchFamily="18" charset="2"/>
+              <a:buChar char=""/>
+              <a:defRPr sz="1600" kern="1200">
+                <a:solidFill>
+                  <a:schemeClr val="tx1">
+                    <a:lumMod val="75000"/>
+                    <a:lumOff val="25000"/>
+                  </a:schemeClr>
+                </a:solidFill>
+                <a:latin typeface="+mn-lt"/>
+                <a:ea typeface="+mn-ea"/>
+                <a:cs typeface="+mn-cs"/>
+              </a:defRPr>
+            </a:lvl2pPr>
+            <a:lvl3pPr marL="900000" indent="-270000" algn="l" defTabSz="457200" rtl="0" eaLnBrk="1" latinLnBrk="0" hangingPunct="1">
+              <a:lnSpc>
+                <a:spcPct val="100000"/>
+              </a:lnSpc>
+              <a:spcBef>
+                <a:spcPct val="20000"/>
+              </a:spcBef>
+              <a:spcAft>
+                <a:spcPts val="600"/>
+              </a:spcAft>
+              <a:buClr>
+                <a:schemeClr val="accent1"/>
+              </a:buClr>
+              <a:buSzPct val="92000"/>
+              <a:buFont typeface="Wingdings 2" panose="05020102010507070707" pitchFamily="18" charset="2"/>
+              <a:buChar char=""/>
+              <a:defRPr sz="1400" kern="1200">
+                <a:solidFill>
+                  <a:schemeClr val="tx1">
+                    <a:lumMod val="75000"/>
+                    <a:lumOff val="25000"/>
+                  </a:schemeClr>
+                </a:solidFill>
+                <a:latin typeface="+mn-lt"/>
+                <a:ea typeface="+mn-ea"/>
+                <a:cs typeface="+mn-cs"/>
+              </a:defRPr>
+            </a:lvl3pPr>
+            <a:lvl4pPr marL="1242000" indent="-234000" algn="l" defTabSz="457200" rtl="0" eaLnBrk="1" latinLnBrk="0" hangingPunct="1">
+              <a:lnSpc>
+                <a:spcPct val="100000"/>
+              </a:lnSpc>
+              <a:spcBef>
+                <a:spcPct val="20000"/>
+              </a:spcBef>
+              <a:spcAft>
+                <a:spcPts val="600"/>
+              </a:spcAft>
+              <a:buClr>
+                <a:schemeClr val="accent1"/>
+              </a:buClr>
+              <a:buSzPct val="92000"/>
+              <a:buFont typeface="Wingdings 2" panose="05020102010507070707" pitchFamily="18" charset="2"/>
+              <a:buChar char=""/>
+              <a:defRPr sz="1200" kern="1200">
+                <a:solidFill>
+                  <a:schemeClr val="tx1">
+                    <a:lumMod val="75000"/>
+                    <a:lumOff val="25000"/>
+                  </a:schemeClr>
+                </a:solidFill>
+                <a:latin typeface="+mn-lt"/>
+                <a:ea typeface="+mn-ea"/>
+                <a:cs typeface="+mn-cs"/>
+              </a:defRPr>
+            </a:lvl4pPr>
+            <a:lvl5pPr marL="1602000" indent="-234000" algn="l" defTabSz="457200" rtl="0" eaLnBrk="1" latinLnBrk="0" hangingPunct="1">
+              <a:lnSpc>
+                <a:spcPct val="100000"/>
+              </a:lnSpc>
+              <a:spcBef>
+                <a:spcPct val="20000"/>
+              </a:spcBef>
+              <a:spcAft>
+                <a:spcPts val="600"/>
+              </a:spcAft>
+              <a:buClr>
+                <a:schemeClr val="accent1"/>
+              </a:buClr>
+              <a:buSzPct val="92000"/>
+              <a:buFont typeface="Wingdings 2" panose="05020102010507070707" pitchFamily="18" charset="2"/>
+              <a:buChar char=""/>
+              <a:defRPr sz="1200" kern="1200">
+                <a:solidFill>
+                  <a:schemeClr val="tx1">
+                    <a:lumMod val="75000"/>
+                    <a:lumOff val="25000"/>
+                  </a:schemeClr>
+                </a:solidFill>
+                <a:latin typeface="+mn-lt"/>
+                <a:ea typeface="+mn-ea"/>
+                <a:cs typeface="+mn-cs"/>
+              </a:defRPr>
+            </a:lvl5pPr>
+            <a:lvl6pPr marL="1900000" indent="-228600" algn="l" defTabSz="457200" rtl="0" eaLnBrk="1" latinLnBrk="0" hangingPunct="1">
+              <a:spcBef>
+                <a:spcPct val="20000"/>
+              </a:spcBef>
+              <a:spcAft>
+                <a:spcPts val="600"/>
+              </a:spcAft>
+              <a:buClr>
+                <a:schemeClr val="accent2"/>
+              </a:buClr>
+              <a:buSzPct val="92000"/>
+              <a:buFont typeface="Wingdings 2" panose="05020102010507070707" pitchFamily="18" charset="2"/>
+              <a:buChar char=""/>
+              <a:defRPr sz="1200" kern="1200">
+                <a:solidFill>
+                  <a:schemeClr val="tx2"/>
+                </a:solidFill>
+                <a:latin typeface="+mn-lt"/>
+                <a:ea typeface="+mn-ea"/>
+                <a:cs typeface="+mn-cs"/>
+              </a:defRPr>
+            </a:lvl6pPr>
+            <a:lvl7pPr marL="2200000" indent="-228600" algn="l" defTabSz="457200" rtl="0" eaLnBrk="1" latinLnBrk="0" hangingPunct="1">
+              <a:spcBef>
+                <a:spcPct val="20000"/>
+              </a:spcBef>
+              <a:spcAft>
+                <a:spcPts val="600"/>
+              </a:spcAft>
+              <a:buClr>
+                <a:schemeClr val="accent2"/>
+              </a:buClr>
+              <a:buSzPct val="92000"/>
+              <a:buFont typeface="Wingdings 2" panose="05020102010507070707" pitchFamily="18" charset="2"/>
+              <a:buChar char=""/>
+              <a:defRPr sz="1200" kern="1200">
+                <a:solidFill>
+                  <a:schemeClr val="tx2"/>
+                </a:solidFill>
+                <a:latin typeface="+mn-lt"/>
+                <a:ea typeface="+mn-ea"/>
+                <a:cs typeface="+mn-cs"/>
+              </a:defRPr>
+            </a:lvl7pPr>
+            <a:lvl8pPr marL="2500000" indent="-228600" algn="l" defTabSz="457200" rtl="0" eaLnBrk="1" latinLnBrk="0" hangingPunct="1">
+              <a:spcBef>
+                <a:spcPct val="20000"/>
+              </a:spcBef>
+              <a:spcAft>
+                <a:spcPts val="600"/>
+              </a:spcAft>
+              <a:buClr>
+                <a:schemeClr val="accent2"/>
+              </a:buClr>
+              <a:buSzPct val="92000"/>
+              <a:buFont typeface="Wingdings 2" panose="05020102010507070707" pitchFamily="18" charset="2"/>
+              <a:buChar char=""/>
+              <a:defRPr sz="1200" kern="1200">
+                <a:solidFill>
+                  <a:schemeClr val="tx2"/>
+                </a:solidFill>
+                <a:latin typeface="+mn-lt"/>
+                <a:ea typeface="+mn-ea"/>
+                <a:cs typeface="+mn-cs"/>
+              </a:defRPr>
+            </a:lvl8pPr>
+            <a:lvl9pPr marL="2800000" indent="-228600" algn="l" defTabSz="457200" rtl="0" eaLnBrk="1" latinLnBrk="0" hangingPunct="1">
+              <a:spcBef>
+                <a:spcPct val="20000"/>
+              </a:spcBef>
+              <a:spcAft>
+                <a:spcPts val="600"/>
+              </a:spcAft>
+              <a:buClr>
+                <a:schemeClr val="accent2"/>
+              </a:buClr>
+              <a:buSzPct val="92000"/>
+              <a:buFont typeface="Wingdings 2" panose="05020102010507070707" pitchFamily="18" charset="2"/>
+              <a:buChar char=""/>
+              <a:defRPr sz="1200" kern="1200">
+                <a:solidFill>
+                  <a:schemeClr val="tx2"/>
+                </a:solidFill>
+                <a:latin typeface="+mn-lt"/>
+                <a:ea typeface="+mn-ea"/>
+                <a:cs typeface="+mn-cs"/>
+              </a:defRPr>
+            </a:lvl9pPr>
+          </a:lstStyle>
+          <a:p>
+            <a:r>
+              <a:rPr lang="en-US" dirty="0"/>
+              <a:t>The correlation between BAC limit and percentage of fatalities was found to be weak (r</a:t>
+            </a:r>
+            <a:r>
+              <a:rPr lang="en-US" baseline="30000" dirty="0"/>
+              <a:t>2</a:t>
+            </a:r>
+            <a:r>
+              <a:rPr lang="en-US" dirty="0"/>
+              <a:t> = 4%), therefore likely that correlation ≠ causation. </a:t>
+            </a:r>
+          </a:p>
+        </p:txBody>
+      </p:sp>
+    </p:spTree>
+    <p:extLst>
+      <p:ext uri="{BB962C8B-B14F-4D97-AF65-F5344CB8AC3E}">
+        <p14:creationId xmlns:p14="http://schemas.microsoft.com/office/powerpoint/2010/main" val="3479678397"/>
+      </p:ext>
+    </p:extLst>
+  </p:cSld>
+  <p:clrMapOvr>
+    <a:masterClrMapping/>
+  </p:clrMapOvr>
+</p:sld>
+</file>
+
+<file path=ppt/slides/slide27.xml><?xml version="1.0" encoding="utf-8"?>
+<p:sld xmlns:a="http://schemas.openxmlformats.org/drawingml/2006/main" xmlns:r="http://schemas.openxmlformats.org/officeDocument/2006/relationships" xmlns:p="http://schemas.openxmlformats.org/presentationml/2006/main">
+  <p:cSld>
+    <p:spTree>
+      <p:nvGrpSpPr>
+        <p:cNvPr id="1" name=""/>
+        <p:cNvGrpSpPr/>
+        <p:nvPr/>
+      </p:nvGrpSpPr>
+      <p:grpSpPr>
+        <a:xfrm>
+          <a:off x="0" y="0"/>
+          <a:ext cx="0" cy="0"/>
+          <a:chOff x="0" y="0"/>
+          <a:chExt cx="0" cy="0"/>
+        </a:xfrm>
+      </p:grpSpPr>
+      <p:pic>
+        <p:nvPicPr>
+          <p:cNvPr id="5" name="Content Placeholder 4" descr="Chart, scatter chart, bubble chart&#10;&#10;Description automatically generated">
+            <a:extLst>
+              <a:ext uri="{FF2B5EF4-FFF2-40B4-BE49-F238E27FC236}">
+                <a16:creationId xmlns:a16="http://schemas.microsoft.com/office/drawing/2014/main" id="{16DA9EC3-564B-47AE-85B6-C57C3422F7EF}"/>
+              </a:ext>
+            </a:extLst>
+          </p:cNvPr>
+          <p:cNvPicPr>
+            <a:picLocks noGrp="1" noChangeAspect="1"/>
+          </p:cNvPicPr>
+          <p:nvPr>
+            <p:ph idx="1"/>
+          </p:nvPr>
+        </p:nvPicPr>
+        <p:blipFill>
+          <a:blip r:embed="rId2"/>
+          <a:stretch>
+            <a:fillRect/>
+          </a:stretch>
+        </p:blipFill>
+        <p:spPr>
+          <a:xfrm>
+            <a:off x="6179890" y="1455087"/>
+            <a:ext cx="3556916" cy="3578344"/>
+          </a:xfrm>
+        </p:spPr>
+      </p:pic>
+      <p:pic>
+        <p:nvPicPr>
+          <p:cNvPr id="7" name="Picture 6" descr="Chart&#10;&#10;Description automatically generated">
+            <a:extLst>
+              <a:ext uri="{FF2B5EF4-FFF2-40B4-BE49-F238E27FC236}">
+                <a16:creationId xmlns:a16="http://schemas.microsoft.com/office/drawing/2014/main" id="{953FB980-220A-4E38-9640-2BDAF174988C}"/>
+              </a:ext>
+            </a:extLst>
+          </p:cNvPr>
+          <p:cNvPicPr>
+            <a:picLocks noChangeAspect="1"/>
+          </p:cNvPicPr>
+          <p:nvPr/>
+        </p:nvPicPr>
+        <p:blipFill>
+          <a:blip r:embed="rId3"/>
+          <a:stretch>
+            <a:fillRect/>
+          </a:stretch>
+        </p:blipFill>
+        <p:spPr>
+          <a:xfrm>
+            <a:off x="665082" y="1241569"/>
+            <a:ext cx="4674665" cy="3671136"/>
+          </a:xfrm>
+          <a:prstGeom prst="rect">
+            <a:avLst/>
+          </a:prstGeom>
+        </p:spPr>
+      </p:pic>
+      <p:sp>
+        <p:nvSpPr>
+          <p:cNvPr id="16" name="Title 1">
+            <a:extLst>
+              <a:ext uri="{FF2B5EF4-FFF2-40B4-BE49-F238E27FC236}">
+                <a16:creationId xmlns:a16="http://schemas.microsoft.com/office/drawing/2014/main" id="{D4EAA9A9-B96C-45D2-8396-923D759D46A3}"/>
+              </a:ext>
+            </a:extLst>
+          </p:cNvPr>
+          <p:cNvSpPr txBox="1">
+            <a:spLocks/>
+          </p:cNvSpPr>
+          <p:nvPr/>
+        </p:nvSpPr>
+        <p:spPr>
+          <a:xfrm>
+            <a:off x="665082" y="625820"/>
+            <a:ext cx="11029616" cy="615749"/>
+          </a:xfrm>
+          <a:prstGeom prst="rect">
+            <a:avLst/>
+          </a:prstGeom>
+        </p:spPr>
+        <p:txBody>
+          <a:bodyPr vert="horz" lIns="91440" tIns="45720" rIns="91440" bIns="45720" rtlCol="0" anchor="b">
+            <a:normAutofit/>
+          </a:bodyPr>
+          <a:lstStyle>
+            <a:lvl1pPr algn="l" defTabSz="457200" rtl="0" eaLnBrk="1" latinLnBrk="0" hangingPunct="1">
+              <a:lnSpc>
+                <a:spcPct val="100000"/>
+              </a:lnSpc>
+              <a:spcBef>
+                <a:spcPct val="0"/>
+              </a:spcBef>
+              <a:buNone/>
+              <a:defRPr sz="2800" b="0" kern="1200" cap="all">
+                <a:solidFill>
+                  <a:schemeClr val="tx1">
+                    <a:lumMod val="75000"/>
+                    <a:lumOff val="25000"/>
+                  </a:schemeClr>
+                </a:solidFill>
+                <a:latin typeface="+mj-lt"/>
+                <a:ea typeface="+mj-ea"/>
+                <a:cs typeface="+mj-cs"/>
+              </a:defRPr>
+            </a:lvl1pPr>
+            <a:lvl2pPr eaLnBrk="1" hangingPunct="1">
+              <a:defRPr>
+                <a:solidFill>
+                  <a:schemeClr val="tx2"/>
+                </a:solidFill>
+              </a:defRPr>
+            </a:lvl2pPr>
+            <a:lvl3pPr eaLnBrk="1" hangingPunct="1">
+              <a:defRPr>
+                <a:solidFill>
+                  <a:schemeClr val="tx2"/>
+                </a:solidFill>
+              </a:defRPr>
+            </a:lvl3pPr>
+            <a:lvl4pPr eaLnBrk="1" hangingPunct="1">
+              <a:defRPr>
+                <a:solidFill>
+                  <a:schemeClr val="tx2"/>
+                </a:solidFill>
+              </a:defRPr>
+            </a:lvl4pPr>
+            <a:lvl5pPr eaLnBrk="1" hangingPunct="1">
+              <a:defRPr>
+                <a:solidFill>
+                  <a:schemeClr val="tx2"/>
+                </a:solidFill>
+              </a:defRPr>
+            </a:lvl5pPr>
+            <a:lvl6pPr eaLnBrk="1" hangingPunct="1">
+              <a:defRPr>
+                <a:solidFill>
+                  <a:schemeClr val="tx2"/>
+                </a:solidFill>
+              </a:defRPr>
+            </a:lvl6pPr>
+            <a:lvl7pPr eaLnBrk="1" hangingPunct="1">
+              <a:defRPr>
+                <a:solidFill>
+                  <a:schemeClr val="tx2"/>
+                </a:solidFill>
+              </a:defRPr>
+            </a:lvl7pPr>
+            <a:lvl8pPr eaLnBrk="1" hangingPunct="1">
+              <a:defRPr>
+                <a:solidFill>
+                  <a:schemeClr val="tx2"/>
+                </a:solidFill>
+              </a:defRPr>
+            </a:lvl8pPr>
+            <a:lvl9pPr eaLnBrk="1" hangingPunct="1">
+              <a:defRPr>
+                <a:solidFill>
+                  <a:schemeClr val="tx2"/>
+                </a:solidFill>
+              </a:defRPr>
+            </a:lvl9pPr>
+          </a:lstStyle>
+          <a:p>
+            <a:r>
+              <a:rPr lang="en-AU" dirty="0"/>
+              <a:t>Drink driving laws and influence on road fatalities</a:t>
+            </a:r>
+          </a:p>
+        </p:txBody>
+      </p:sp>
+      <p:sp>
+        <p:nvSpPr>
+          <p:cNvPr id="19" name="Content Placeholder 2">
+            <a:extLst>
+              <a:ext uri="{FF2B5EF4-FFF2-40B4-BE49-F238E27FC236}">
+                <a16:creationId xmlns:a16="http://schemas.microsoft.com/office/drawing/2014/main" id="{8405397F-5799-41D2-B923-D378173F34DB}"/>
+              </a:ext>
+            </a:extLst>
+          </p:cNvPr>
+          <p:cNvSpPr txBox="1">
+            <a:spLocks/>
+          </p:cNvSpPr>
+          <p:nvPr/>
+        </p:nvSpPr>
+        <p:spPr>
+          <a:xfrm>
+            <a:off x="760765" y="4913529"/>
+            <a:ext cx="4926971" cy="1622487"/>
+          </a:xfrm>
+          <a:prstGeom prst="rect">
+            <a:avLst/>
+          </a:prstGeom>
+        </p:spPr>
+        <p:txBody>
+          <a:bodyPr vert="horz" lIns="91440" tIns="45720" rIns="91440" bIns="45720" rtlCol="0" anchor="ctr">
+            <a:normAutofit/>
+          </a:bodyPr>
+          <a:lstStyle>
+            <a:lvl1pPr marL="306000" indent="-306000" algn="l" defTabSz="457200" rtl="0" eaLnBrk="1" latinLnBrk="0" hangingPunct="1">
+              <a:lnSpc>
+                <a:spcPct val="100000"/>
+              </a:lnSpc>
+              <a:spcBef>
+                <a:spcPct val="20000"/>
+              </a:spcBef>
+              <a:spcAft>
+                <a:spcPts val="600"/>
+              </a:spcAft>
+              <a:buClr>
+                <a:schemeClr val="accent1"/>
+              </a:buClr>
+              <a:buSzPct val="92000"/>
+              <a:buFont typeface="Wingdings 2" panose="05020102010507070707" pitchFamily="18" charset="2"/>
+              <a:buChar char=""/>
+              <a:defRPr sz="1800" kern="1200">
+                <a:solidFill>
+                  <a:schemeClr val="tx1">
+                    <a:lumMod val="75000"/>
+                    <a:lumOff val="25000"/>
+                  </a:schemeClr>
+                </a:solidFill>
+                <a:latin typeface="+mn-lt"/>
+                <a:ea typeface="+mn-ea"/>
+                <a:cs typeface="+mn-cs"/>
+              </a:defRPr>
+            </a:lvl1pPr>
+            <a:lvl2pPr marL="630000" indent="-306000" algn="l" defTabSz="457200" rtl="0" eaLnBrk="1" latinLnBrk="0" hangingPunct="1">
+              <a:lnSpc>
+                <a:spcPct val="100000"/>
+              </a:lnSpc>
+              <a:spcBef>
+                <a:spcPct val="20000"/>
+              </a:spcBef>
+              <a:spcAft>
+                <a:spcPts val="600"/>
+              </a:spcAft>
+              <a:buClr>
+                <a:schemeClr val="accent1"/>
+              </a:buClr>
+              <a:buSzPct val="92000"/>
+              <a:buFont typeface="Wingdings 2" panose="05020102010507070707" pitchFamily="18" charset="2"/>
+              <a:buChar char=""/>
+              <a:defRPr sz="1600" kern="1200">
+                <a:solidFill>
+                  <a:schemeClr val="tx1">
+                    <a:lumMod val="75000"/>
+                    <a:lumOff val="25000"/>
+                  </a:schemeClr>
+                </a:solidFill>
+                <a:latin typeface="+mn-lt"/>
+                <a:ea typeface="+mn-ea"/>
+                <a:cs typeface="+mn-cs"/>
+              </a:defRPr>
+            </a:lvl2pPr>
+            <a:lvl3pPr marL="900000" indent="-270000" algn="l" defTabSz="457200" rtl="0" eaLnBrk="1" latinLnBrk="0" hangingPunct="1">
+              <a:lnSpc>
+                <a:spcPct val="100000"/>
+              </a:lnSpc>
+              <a:spcBef>
+                <a:spcPct val="20000"/>
+              </a:spcBef>
+              <a:spcAft>
+                <a:spcPts val="600"/>
+              </a:spcAft>
+              <a:buClr>
+                <a:schemeClr val="accent1"/>
+              </a:buClr>
+              <a:buSzPct val="92000"/>
+              <a:buFont typeface="Wingdings 2" panose="05020102010507070707" pitchFamily="18" charset="2"/>
+              <a:buChar char=""/>
+              <a:defRPr sz="1400" kern="1200">
+                <a:solidFill>
+                  <a:schemeClr val="tx1">
+                    <a:lumMod val="75000"/>
+                    <a:lumOff val="25000"/>
+                  </a:schemeClr>
+                </a:solidFill>
+                <a:latin typeface="+mn-lt"/>
+                <a:ea typeface="+mn-ea"/>
+                <a:cs typeface="+mn-cs"/>
+              </a:defRPr>
+            </a:lvl3pPr>
+            <a:lvl4pPr marL="1242000" indent="-234000" algn="l" defTabSz="457200" rtl="0" eaLnBrk="1" latinLnBrk="0" hangingPunct="1">
+              <a:lnSpc>
+                <a:spcPct val="100000"/>
+              </a:lnSpc>
+              <a:spcBef>
+                <a:spcPct val="20000"/>
+              </a:spcBef>
+              <a:spcAft>
+                <a:spcPts val="600"/>
+              </a:spcAft>
+              <a:buClr>
+                <a:schemeClr val="accent1"/>
+              </a:buClr>
+              <a:buSzPct val="92000"/>
+              <a:buFont typeface="Wingdings 2" panose="05020102010507070707" pitchFamily="18" charset="2"/>
+              <a:buChar char=""/>
+              <a:defRPr sz="1200" kern="1200">
+                <a:solidFill>
+                  <a:schemeClr val="tx1">
+                    <a:lumMod val="75000"/>
+                    <a:lumOff val="25000"/>
+                  </a:schemeClr>
+                </a:solidFill>
+                <a:latin typeface="+mn-lt"/>
+                <a:ea typeface="+mn-ea"/>
+                <a:cs typeface="+mn-cs"/>
+              </a:defRPr>
+            </a:lvl4pPr>
+            <a:lvl5pPr marL="1602000" indent="-234000" algn="l" defTabSz="457200" rtl="0" eaLnBrk="1" latinLnBrk="0" hangingPunct="1">
+              <a:lnSpc>
+                <a:spcPct val="100000"/>
+              </a:lnSpc>
+              <a:spcBef>
+                <a:spcPct val="20000"/>
+              </a:spcBef>
+              <a:spcAft>
+                <a:spcPts val="600"/>
+              </a:spcAft>
+              <a:buClr>
+                <a:schemeClr val="accent1"/>
+              </a:buClr>
+              <a:buSzPct val="92000"/>
+              <a:buFont typeface="Wingdings 2" panose="05020102010507070707" pitchFamily="18" charset="2"/>
+              <a:buChar char=""/>
+              <a:defRPr sz="1200" kern="1200">
+                <a:solidFill>
+                  <a:schemeClr val="tx1">
+                    <a:lumMod val="75000"/>
+                    <a:lumOff val="25000"/>
+                  </a:schemeClr>
+                </a:solidFill>
+                <a:latin typeface="+mn-lt"/>
+                <a:ea typeface="+mn-ea"/>
+                <a:cs typeface="+mn-cs"/>
+              </a:defRPr>
+            </a:lvl5pPr>
+            <a:lvl6pPr marL="1900000" indent="-228600" algn="l" defTabSz="457200" rtl="0" eaLnBrk="1" latinLnBrk="0" hangingPunct="1">
+              <a:spcBef>
+                <a:spcPct val="20000"/>
+              </a:spcBef>
+              <a:spcAft>
+                <a:spcPts val="600"/>
+              </a:spcAft>
+              <a:buClr>
+                <a:schemeClr val="accent2"/>
+              </a:buClr>
+              <a:buSzPct val="92000"/>
+              <a:buFont typeface="Wingdings 2" panose="05020102010507070707" pitchFamily="18" charset="2"/>
+              <a:buChar char=""/>
+              <a:defRPr sz="1200" kern="1200">
+                <a:solidFill>
+                  <a:schemeClr val="tx2"/>
+                </a:solidFill>
+                <a:latin typeface="+mn-lt"/>
+                <a:ea typeface="+mn-ea"/>
+                <a:cs typeface="+mn-cs"/>
+              </a:defRPr>
+            </a:lvl6pPr>
+            <a:lvl7pPr marL="2200000" indent="-228600" algn="l" defTabSz="457200" rtl="0" eaLnBrk="1" latinLnBrk="0" hangingPunct="1">
+              <a:spcBef>
+                <a:spcPct val="20000"/>
+              </a:spcBef>
+              <a:spcAft>
+                <a:spcPts val="600"/>
+              </a:spcAft>
+              <a:buClr>
+                <a:schemeClr val="accent2"/>
+              </a:buClr>
+              <a:buSzPct val="92000"/>
+              <a:buFont typeface="Wingdings 2" panose="05020102010507070707" pitchFamily="18" charset="2"/>
+              <a:buChar char=""/>
+              <a:defRPr sz="1200" kern="1200">
+                <a:solidFill>
+                  <a:schemeClr val="tx2"/>
+                </a:solidFill>
+                <a:latin typeface="+mn-lt"/>
+                <a:ea typeface="+mn-ea"/>
+                <a:cs typeface="+mn-cs"/>
+              </a:defRPr>
+            </a:lvl7pPr>
+            <a:lvl8pPr marL="2500000" indent="-228600" algn="l" defTabSz="457200" rtl="0" eaLnBrk="1" latinLnBrk="0" hangingPunct="1">
+              <a:spcBef>
+                <a:spcPct val="20000"/>
+              </a:spcBef>
+              <a:spcAft>
+                <a:spcPts val="600"/>
+              </a:spcAft>
+              <a:buClr>
+                <a:schemeClr val="accent2"/>
+              </a:buClr>
+              <a:buSzPct val="92000"/>
+              <a:buFont typeface="Wingdings 2" panose="05020102010507070707" pitchFamily="18" charset="2"/>
+              <a:buChar char=""/>
+              <a:defRPr sz="1200" kern="1200">
+                <a:solidFill>
+                  <a:schemeClr val="tx2"/>
+                </a:solidFill>
+                <a:latin typeface="+mn-lt"/>
+                <a:ea typeface="+mn-ea"/>
+                <a:cs typeface="+mn-cs"/>
+              </a:defRPr>
+            </a:lvl8pPr>
+            <a:lvl9pPr marL="2800000" indent="-228600" algn="l" defTabSz="457200" rtl="0" eaLnBrk="1" latinLnBrk="0" hangingPunct="1">
+              <a:spcBef>
+                <a:spcPct val="20000"/>
+              </a:spcBef>
+              <a:spcAft>
+                <a:spcPts val="600"/>
+              </a:spcAft>
+              <a:buClr>
+                <a:schemeClr val="accent2"/>
+              </a:buClr>
+              <a:buSzPct val="92000"/>
+              <a:buFont typeface="Wingdings 2" panose="05020102010507070707" pitchFamily="18" charset="2"/>
+              <a:buChar char=""/>
+              <a:defRPr sz="1200" kern="1200">
+                <a:solidFill>
+                  <a:schemeClr val="tx2"/>
+                </a:solidFill>
+                <a:latin typeface="+mn-lt"/>
+                <a:ea typeface="+mn-ea"/>
+                <a:cs typeface="+mn-cs"/>
+              </a:defRPr>
+            </a:lvl9pPr>
+          </a:lstStyle>
+          <a:p>
+            <a:r>
+              <a:rPr lang="en-US" dirty="0"/>
+              <a:t>68% of countries had BAC limits between 0.03 and 0.05g/dl</a:t>
+            </a:r>
+          </a:p>
+          <a:p>
+            <a:r>
+              <a:rPr lang="en-US" dirty="0"/>
+              <a:t>Limits above 0.07g/l accounted for 19% of counties</a:t>
+            </a:r>
+          </a:p>
+        </p:txBody>
+      </p:sp>
+      <p:sp>
+        <p:nvSpPr>
+          <p:cNvPr id="23" name="Content Placeholder 2">
+            <a:extLst>
+              <a:ext uri="{FF2B5EF4-FFF2-40B4-BE49-F238E27FC236}">
+                <a16:creationId xmlns:a16="http://schemas.microsoft.com/office/drawing/2014/main" id="{AC5B34F1-982D-470F-889B-FD92313D3C55}"/>
+              </a:ext>
+            </a:extLst>
+          </p:cNvPr>
+          <p:cNvSpPr txBox="1">
+            <a:spLocks/>
+          </p:cNvSpPr>
+          <p:nvPr/>
+        </p:nvSpPr>
+        <p:spPr>
+          <a:xfrm>
+            <a:off x="6366009" y="4748206"/>
+            <a:ext cx="4926971" cy="1622487"/>
+          </a:xfrm>
+          <a:prstGeom prst="rect">
+            <a:avLst/>
+          </a:prstGeom>
+        </p:spPr>
+        <p:txBody>
+          <a:bodyPr vert="horz" lIns="91440" tIns="45720" rIns="91440" bIns="45720" rtlCol="0" anchor="ctr">
+            <a:normAutofit/>
+          </a:bodyPr>
+          <a:lstStyle>
+            <a:lvl1pPr marL="306000" indent="-306000" algn="l" defTabSz="457200" rtl="0" eaLnBrk="1" latinLnBrk="0" hangingPunct="1">
+              <a:lnSpc>
+                <a:spcPct val="100000"/>
+              </a:lnSpc>
+              <a:spcBef>
+                <a:spcPct val="20000"/>
+              </a:spcBef>
+              <a:spcAft>
+                <a:spcPts val="600"/>
+              </a:spcAft>
+              <a:buClr>
+                <a:schemeClr val="accent1"/>
+              </a:buClr>
+              <a:buSzPct val="92000"/>
+              <a:buFont typeface="Wingdings 2" panose="05020102010507070707" pitchFamily="18" charset="2"/>
+              <a:buChar char=""/>
+              <a:defRPr sz="1800" kern="1200">
+                <a:solidFill>
+                  <a:schemeClr val="tx1">
+                    <a:lumMod val="75000"/>
+                    <a:lumOff val="25000"/>
+                  </a:schemeClr>
+                </a:solidFill>
+                <a:latin typeface="+mn-lt"/>
+                <a:ea typeface="+mn-ea"/>
+                <a:cs typeface="+mn-cs"/>
+              </a:defRPr>
+            </a:lvl1pPr>
+            <a:lvl2pPr marL="630000" indent="-306000" algn="l" defTabSz="457200" rtl="0" eaLnBrk="1" latinLnBrk="0" hangingPunct="1">
+              <a:lnSpc>
+                <a:spcPct val="100000"/>
+              </a:lnSpc>
+              <a:spcBef>
+                <a:spcPct val="20000"/>
+              </a:spcBef>
+              <a:spcAft>
+                <a:spcPts val="600"/>
+              </a:spcAft>
+              <a:buClr>
+                <a:schemeClr val="accent1"/>
+              </a:buClr>
+              <a:buSzPct val="92000"/>
+              <a:buFont typeface="Wingdings 2" panose="05020102010507070707" pitchFamily="18" charset="2"/>
+              <a:buChar char=""/>
+              <a:defRPr sz="1600" kern="1200">
+                <a:solidFill>
+                  <a:schemeClr val="tx1">
+                    <a:lumMod val="75000"/>
+                    <a:lumOff val="25000"/>
+                  </a:schemeClr>
+                </a:solidFill>
+                <a:latin typeface="+mn-lt"/>
+                <a:ea typeface="+mn-ea"/>
+                <a:cs typeface="+mn-cs"/>
+              </a:defRPr>
+            </a:lvl2pPr>
+            <a:lvl3pPr marL="900000" indent="-270000" algn="l" defTabSz="457200" rtl="0" eaLnBrk="1" latinLnBrk="0" hangingPunct="1">
+              <a:lnSpc>
+                <a:spcPct val="100000"/>
+              </a:lnSpc>
+              <a:spcBef>
+                <a:spcPct val="20000"/>
+              </a:spcBef>
+              <a:spcAft>
+                <a:spcPts val="600"/>
+              </a:spcAft>
+              <a:buClr>
+                <a:schemeClr val="accent1"/>
+              </a:buClr>
+              <a:buSzPct val="92000"/>
+              <a:buFont typeface="Wingdings 2" panose="05020102010507070707" pitchFamily="18" charset="2"/>
+              <a:buChar char=""/>
+              <a:defRPr sz="1400" kern="1200">
+                <a:solidFill>
+                  <a:schemeClr val="tx1">
+                    <a:lumMod val="75000"/>
+                    <a:lumOff val="25000"/>
+                  </a:schemeClr>
+                </a:solidFill>
+                <a:latin typeface="+mn-lt"/>
+                <a:ea typeface="+mn-ea"/>
+                <a:cs typeface="+mn-cs"/>
+              </a:defRPr>
+            </a:lvl3pPr>
+            <a:lvl4pPr marL="1242000" indent="-234000" algn="l" defTabSz="457200" rtl="0" eaLnBrk="1" latinLnBrk="0" hangingPunct="1">
+              <a:lnSpc>
+                <a:spcPct val="100000"/>
+              </a:lnSpc>
+              <a:spcBef>
+                <a:spcPct val="20000"/>
+              </a:spcBef>
+              <a:spcAft>
+                <a:spcPts val="600"/>
+              </a:spcAft>
+              <a:buClr>
+                <a:schemeClr val="accent1"/>
+              </a:buClr>
+              <a:buSzPct val="92000"/>
+              <a:buFont typeface="Wingdings 2" panose="05020102010507070707" pitchFamily="18" charset="2"/>
+              <a:buChar char=""/>
+              <a:defRPr sz="1200" kern="1200">
+                <a:solidFill>
+                  <a:schemeClr val="tx1">
+                    <a:lumMod val="75000"/>
+                    <a:lumOff val="25000"/>
+                  </a:schemeClr>
+                </a:solidFill>
+                <a:latin typeface="+mn-lt"/>
+                <a:ea typeface="+mn-ea"/>
+                <a:cs typeface="+mn-cs"/>
+              </a:defRPr>
+            </a:lvl4pPr>
+            <a:lvl5pPr marL="1602000" indent="-234000" algn="l" defTabSz="457200" rtl="0" eaLnBrk="1" latinLnBrk="0" hangingPunct="1">
+              <a:lnSpc>
+                <a:spcPct val="100000"/>
+              </a:lnSpc>
+              <a:spcBef>
+                <a:spcPct val="20000"/>
+              </a:spcBef>
+              <a:spcAft>
+                <a:spcPts val="600"/>
+              </a:spcAft>
+              <a:buClr>
+                <a:schemeClr val="accent1"/>
+              </a:buClr>
+              <a:buSzPct val="92000"/>
+              <a:buFont typeface="Wingdings 2" panose="05020102010507070707" pitchFamily="18" charset="2"/>
+              <a:buChar char=""/>
+              <a:defRPr sz="1200" kern="1200">
+                <a:solidFill>
+                  <a:schemeClr val="tx1">
+                    <a:lumMod val="75000"/>
+                    <a:lumOff val="25000"/>
+                  </a:schemeClr>
+                </a:solidFill>
+                <a:latin typeface="+mn-lt"/>
+                <a:ea typeface="+mn-ea"/>
+                <a:cs typeface="+mn-cs"/>
+              </a:defRPr>
+            </a:lvl5pPr>
+            <a:lvl6pPr marL="1900000" indent="-228600" algn="l" defTabSz="457200" rtl="0" eaLnBrk="1" latinLnBrk="0" hangingPunct="1">
+              <a:spcBef>
+                <a:spcPct val="20000"/>
+              </a:spcBef>
+              <a:spcAft>
+                <a:spcPts val="600"/>
+              </a:spcAft>
+              <a:buClr>
+                <a:schemeClr val="accent2"/>
+              </a:buClr>
+              <a:buSzPct val="92000"/>
+              <a:buFont typeface="Wingdings 2" panose="05020102010507070707" pitchFamily="18" charset="2"/>
+              <a:buChar char=""/>
+              <a:defRPr sz="1200" kern="1200">
+                <a:solidFill>
+                  <a:schemeClr val="tx2"/>
+                </a:solidFill>
+                <a:latin typeface="+mn-lt"/>
+                <a:ea typeface="+mn-ea"/>
+                <a:cs typeface="+mn-cs"/>
+              </a:defRPr>
+            </a:lvl6pPr>
+            <a:lvl7pPr marL="2200000" indent="-228600" algn="l" defTabSz="457200" rtl="0" eaLnBrk="1" latinLnBrk="0" hangingPunct="1">
+              <a:spcBef>
+                <a:spcPct val="20000"/>
+              </a:spcBef>
+              <a:spcAft>
+                <a:spcPts val="600"/>
+              </a:spcAft>
+              <a:buClr>
+                <a:schemeClr val="accent2"/>
+              </a:buClr>
+              <a:buSzPct val="92000"/>
+              <a:buFont typeface="Wingdings 2" panose="05020102010507070707" pitchFamily="18" charset="2"/>
+              <a:buChar char=""/>
+              <a:defRPr sz="1200" kern="1200">
+                <a:solidFill>
+                  <a:schemeClr val="tx2"/>
+                </a:solidFill>
+                <a:latin typeface="+mn-lt"/>
+                <a:ea typeface="+mn-ea"/>
+                <a:cs typeface="+mn-cs"/>
+              </a:defRPr>
+            </a:lvl7pPr>
+            <a:lvl8pPr marL="2500000" indent="-228600" algn="l" defTabSz="457200" rtl="0" eaLnBrk="1" latinLnBrk="0" hangingPunct="1">
+              <a:spcBef>
+                <a:spcPct val="20000"/>
+              </a:spcBef>
+              <a:spcAft>
+                <a:spcPts val="600"/>
+              </a:spcAft>
+              <a:buClr>
+                <a:schemeClr val="accent2"/>
+              </a:buClr>
+              <a:buSzPct val="92000"/>
+              <a:buFont typeface="Wingdings 2" panose="05020102010507070707" pitchFamily="18" charset="2"/>
+              <a:buChar char=""/>
+              <a:defRPr sz="1200" kern="1200">
+                <a:solidFill>
+                  <a:schemeClr val="tx2"/>
+                </a:solidFill>
+                <a:latin typeface="+mn-lt"/>
+                <a:ea typeface="+mn-ea"/>
+                <a:cs typeface="+mn-cs"/>
+              </a:defRPr>
+            </a:lvl8pPr>
+            <a:lvl9pPr marL="2800000" indent="-228600" algn="l" defTabSz="457200" rtl="0" eaLnBrk="1" latinLnBrk="0" hangingPunct="1">
+              <a:spcBef>
+                <a:spcPct val="20000"/>
+              </a:spcBef>
+              <a:spcAft>
+                <a:spcPts val="600"/>
+              </a:spcAft>
+              <a:buClr>
+                <a:schemeClr val="accent2"/>
+              </a:buClr>
+              <a:buSzPct val="92000"/>
+              <a:buFont typeface="Wingdings 2" panose="05020102010507070707" pitchFamily="18" charset="2"/>
+              <a:buChar char=""/>
+              <a:defRPr sz="1200" kern="1200">
+                <a:solidFill>
+                  <a:schemeClr val="tx2"/>
+                </a:solidFill>
+                <a:latin typeface="+mn-lt"/>
+                <a:ea typeface="+mn-ea"/>
+                <a:cs typeface="+mn-cs"/>
+              </a:defRPr>
+            </a:lvl9pPr>
+          </a:lstStyle>
+          <a:p>
+            <a:r>
+              <a:rPr lang="en-US" dirty="0"/>
+              <a:t>Limited correlation between GNIPC and limits</a:t>
+            </a:r>
+          </a:p>
+          <a:p>
+            <a:r>
+              <a:rPr lang="en-US" dirty="0"/>
+              <a:t>Hypothesis: countries’ penalties may influence </a:t>
+            </a:r>
+            <a:r>
+              <a:rPr lang="en-US" dirty="0" err="1"/>
+              <a:t>behaviour</a:t>
+            </a:r>
+            <a:r>
+              <a:rPr lang="en-US" dirty="0"/>
+              <a:t> </a:t>
+            </a:r>
+          </a:p>
+        </p:txBody>
+      </p:sp>
+    </p:spTree>
+    <p:extLst>
+      <p:ext uri="{BB962C8B-B14F-4D97-AF65-F5344CB8AC3E}">
+        <p14:creationId xmlns:p14="http://schemas.microsoft.com/office/powerpoint/2010/main" val="295816866"/>
+      </p:ext>
+    </p:extLst>
+  </p:cSld>
+  <p:clrMapOvr>
+    <a:masterClrMapping/>
+  </p:clrMapOvr>
+</p:sld>
+</file>
+
+<file path=ppt/slides/slide28.xml><?xml version="1.0" encoding="utf-8"?>
+<p:sld xmlns:a="http://schemas.openxmlformats.org/drawingml/2006/main" xmlns:r="http://schemas.openxmlformats.org/officeDocument/2006/relationships" xmlns:p="http://schemas.openxmlformats.org/presentationml/2006/main">
+  <p:cSld>
+    <p:spTree>
+      <p:nvGrpSpPr>
+        <p:cNvPr id="1" name=""/>
+        <p:cNvGrpSpPr/>
+        <p:nvPr/>
+      </p:nvGrpSpPr>
+      <p:grpSpPr>
+        <a:xfrm>
+          <a:off x="0" y="0"/>
+          <a:ext cx="0" cy="0"/>
+          <a:chOff x="0" y="0"/>
+          <a:chExt cx="0" cy="0"/>
+        </a:xfrm>
+      </p:grpSpPr>
+      <p:sp>
+        <p:nvSpPr>
           <p:cNvPr id="4" name="Title 3">
             <a:extLst>
               <a:ext uri="{FF2B5EF4-FFF2-40B4-BE49-F238E27FC236}">
@@ -8032,7 +9225,12 @@
             <p:ph type="title"/>
           </p:nvPr>
         </p:nvSpPr>
-        <p:spPr/>
+        <p:spPr>
+          <a:xfrm>
+            <a:off x="581190" y="1716027"/>
+            <a:ext cx="11029615" cy="2147467"/>
+          </a:xfrm>
+        </p:spPr>
         <p:txBody>
           <a:bodyPr>
             <a:normAutofit/>
@@ -8046,31 +9244,38 @@
           </a:p>
         </p:txBody>
       </p:sp>
-      <p:sp>
-        <p:nvSpPr>
-          <p:cNvPr id="5" name="Text Placeholder 4">
-            <a:extLst>
-              <a:ext uri="{FF2B5EF4-FFF2-40B4-BE49-F238E27FC236}">
-                <a16:creationId xmlns:a16="http://schemas.microsoft.com/office/drawing/2014/main" id="{26DBE18B-0DFA-A443-8E1A-D43AD212B958}"/>
-              </a:ext>
-            </a:extLst>
-          </p:cNvPr>
-          <p:cNvSpPr>
-            <a:spLocks noGrp="1"/>
-          </p:cNvSpPr>
-          <p:nvPr>
-            <p:ph type="body" idx="1"/>
-          </p:nvPr>
-        </p:nvSpPr>
-        <p:spPr/>
-        <p:txBody>
-          <a:bodyPr/>
-          <a:lstStyle/>
-          <a:p>
-            <a:endParaRPr lang="en-US" dirty="0"/>
-          </a:p>
-        </p:txBody>
-      </p:sp>
+      <p:pic>
+        <p:nvPicPr>
+          <p:cNvPr id="2" name="Picture 1">
+            <a:extLst>
+              <a:ext uri="{FF2B5EF4-FFF2-40B4-BE49-F238E27FC236}">
+                <a16:creationId xmlns:a16="http://schemas.microsoft.com/office/drawing/2014/main" id="{C7A78BF8-A9F8-4F81-9099-2129E9AE9140}"/>
+              </a:ext>
+            </a:extLst>
+          </p:cNvPr>
+          <p:cNvPicPr>
+            <a:picLocks noChangeAspect="1"/>
+          </p:cNvPicPr>
+          <p:nvPr/>
+        </p:nvPicPr>
+        <p:blipFill>
+          <a:blip r:embed="rId2">
+            <a:alphaModFix amt="54000"/>
+          </a:blip>
+          <a:stretch>
+            <a:fillRect/>
+          </a:stretch>
+        </p:blipFill>
+        <p:spPr>
+          <a:xfrm>
+            <a:off x="423861" y="5141973"/>
+            <a:ext cx="11344275" cy="1266825"/>
+          </a:xfrm>
+          <a:prstGeom prst="rect">
+            <a:avLst/>
+          </a:prstGeom>
+        </p:spPr>
+      </p:pic>
     </p:spTree>
     <p:extLst>
       <p:ext uri="{BB962C8B-B14F-4D97-AF65-F5344CB8AC3E}">
@@ -8084,7 +9289,7 @@
 </p:sld>
 </file>
 
-<file path=ppt/slides/slide27.xml><?xml version="1.0" encoding="utf-8"?>
+<file path=ppt/slides/slide29.xml><?xml version="1.0" encoding="utf-8"?>
 <p:sld xmlns:a="http://schemas.openxmlformats.org/drawingml/2006/main" xmlns:r="http://schemas.openxmlformats.org/officeDocument/2006/relationships" xmlns:p="http://schemas.openxmlformats.org/presentationml/2006/main">
   <p:cSld>
     <p:bg>
@@ -8169,6 +9374,41 @@
           </a:p>
         </p:txBody>
       </p:sp>
+      <p:pic>
+        <p:nvPicPr>
+          <p:cNvPr id="2" name="Picture 1">
+            <a:extLst>
+              <a:ext uri="{FF2B5EF4-FFF2-40B4-BE49-F238E27FC236}">
+                <a16:creationId xmlns:a16="http://schemas.microsoft.com/office/drawing/2014/main" id="{B6D5126A-E4D3-443C-9903-31A2CF2C0E63}"/>
+              </a:ext>
+              <a:ext uri="{C183D7F6-B498-43B3-948B-1728B52AA6E4}">
+                <adec:decorative xmlns:adec="http://schemas.microsoft.com/office/drawing/2017/decorative" val="1"/>
+              </a:ext>
+            </a:extLst>
+          </p:cNvPr>
+          <p:cNvPicPr>
+            <a:picLocks noChangeAspect="1"/>
+          </p:cNvPicPr>
+          <p:nvPr/>
+        </p:nvPicPr>
+        <p:blipFill>
+          <a:blip r:embed="rId2">
+            <a:alphaModFix amt="70000"/>
+          </a:blip>
+          <a:stretch>
+            <a:fillRect/>
+          </a:stretch>
+        </p:blipFill>
+        <p:spPr>
+          <a:xfrm>
+            <a:off x="0" y="31923"/>
+            <a:ext cx="12181113" cy="6851876"/>
+          </a:xfrm>
+          <a:prstGeom prst="rect">
+            <a:avLst/>
+          </a:prstGeom>
+        </p:spPr>
+      </p:pic>
       <p:sp>
         <p:nvSpPr>
           <p:cNvPr id="4" name="Title 3">
@@ -8188,7 +9428,7 @@
         <p:spPr>
           <a:xfrm>
             <a:off x="581192" y="1124999"/>
-            <a:ext cx="4076149" cy="4608003"/>
+            <a:ext cx="4076149" cy="1766791"/>
           </a:xfrm>
         </p:spPr>
         <p:txBody>
@@ -8198,14 +9438,14 @@
           <a:lstStyle/>
           <a:p>
             <a:r>
-              <a:rPr lang="en-HK" sz="4000">
+              <a:rPr lang="en-HK" sz="4000" dirty="0">
                 <a:solidFill>
                   <a:schemeClr val="accent1"/>
                 </a:solidFill>
               </a:rPr>
               <a:t>References</a:t>
             </a:r>
-            <a:endParaRPr lang="en-US" sz="4000">
+            <a:endParaRPr lang="en-US" sz="4000" dirty="0">
               <a:solidFill>
                 <a:schemeClr val="accent1"/>
               </a:solidFill>
@@ -8339,8 +9579,8 @@
         </p:nvSpPr>
         <p:spPr>
           <a:xfrm>
-            <a:off x="5117586" y="1124998"/>
-            <a:ext cx="6143248" cy="4608003"/>
+            <a:off x="581192" y="1792797"/>
+            <a:ext cx="10805161" cy="4608003"/>
           </a:xfrm>
         </p:spPr>
         <p:txBody>
@@ -8349,11 +9589,10 @@
           </a:bodyPr>
           <a:lstStyle/>
           <a:p>
-            <a:pPr marL="234950" indent="-234950">
+            <a:pPr marL="0" indent="0">
               <a:buClrTx/>
               <a:buSzPct val="75000"/>
-              <a:buFontTx/>
-              <a:buChar char="•"/>
+              <a:buNone/>
               <a:defRPr sz="1800" b="1">
                 <a:latin typeface="Helvetica"/>
                 <a:ea typeface="Helvetica"/>
@@ -8362,18 +9601,26 @@
               </a:defRPr>
             </a:pPr>
             <a:r>
-              <a:rPr lang="en-HK" sz="2000" u="sng">
-                <a:hlinkClick r:id="rId2"/>
+              <a:rPr lang="en-HK" sz="2000" u="sng" dirty="0">
+                <a:solidFill>
+                  <a:schemeClr val="tx1"/>
+                </a:solidFill>
+                <a:hlinkClick r:id="rId3">
+                  <a:extLst>
+                    <a:ext uri="{A12FA001-AC4F-418D-AE19-62706E023703}">
+                      <ahyp:hlinkClr xmlns:ahyp="http://schemas.microsoft.com/office/drawing/2018/hyperlinkcolor" val="tx"/>
+                    </a:ext>
+                  </a:extLst>
+                </a:hlinkClick>
               </a:rPr>
               <a:t>https://www.optalert.com/the-evolution-of-road-safety/</a:t>
             </a:r>
           </a:p>
           <a:p>
-            <a:pPr marL="234950" indent="-234950">
+            <a:pPr marL="0" indent="0">
               <a:buClrTx/>
               <a:buSzPct val="75000"/>
-              <a:buFontTx/>
-              <a:buChar char="•"/>
+              <a:buNone/>
               <a:defRPr sz="1800" b="1">
                 <a:latin typeface="Helvetica"/>
                 <a:ea typeface="Helvetica"/>
@@ -8381,19 +9628,24 @@
                 <a:sym typeface="Helvetica"/>
               </a:defRPr>
             </a:pPr>
-            <a:r>
-              <a:rPr lang="en-HK" sz="2000" u="sng">
-                <a:hlinkClick r:id="rId3"/>
-              </a:rPr>
-              <a:t>https://commons.wikimedia.org/wiki/File:World_Health_Organization_Logo.svg</a:t>
-            </a:r>
-          </a:p>
-          <a:p>
-            <a:pPr marL="234950" indent="-234950">
+            <a:endParaRPr lang="en-HK" sz="2000" u="sng" dirty="0">
+              <a:solidFill>
+                <a:schemeClr val="tx1"/>
+              </a:solidFill>
+              <a:hlinkClick r:id="rId3">
+                <a:extLst>
+                  <a:ext uri="{A12FA001-AC4F-418D-AE19-62706E023703}">
+                    <ahyp:hlinkClr xmlns:ahyp="http://schemas.microsoft.com/office/drawing/2018/hyperlinkcolor" val="tx"/>
+                  </a:ext>
+                </a:extLst>
+              </a:hlinkClick>
+            </a:endParaRPr>
+          </a:p>
+          <a:p>
+            <a:pPr marL="0" indent="0">
               <a:buClrTx/>
               <a:buSzPct val="75000"/>
-              <a:buFontTx/>
-              <a:buChar char="•"/>
+              <a:buNone/>
               <a:defRPr sz="1800" b="1">
                 <a:latin typeface="Helvetica"/>
                 <a:ea typeface="Helvetica"/>
@@ -8402,18 +9654,26 @@
               </a:defRPr>
             </a:pPr>
             <a:r>
-              <a:rPr lang="en-HK" sz="2000" u="sng">
-                <a:hlinkClick r:id="rId4"/>
+              <a:rPr lang="en-HK" sz="2000" u="sng" dirty="0">
+                <a:solidFill>
+                  <a:schemeClr val="tx1"/>
+                </a:solidFill>
+                <a:hlinkClick r:id="rId4">
+                  <a:extLst>
+                    <a:ext uri="{A12FA001-AC4F-418D-AE19-62706E023703}">
+                      <ahyp:hlinkClr xmlns:ahyp="http://schemas.microsoft.com/office/drawing/2018/hyperlinkcolor" val="tx"/>
+                    </a:ext>
+                  </a:extLst>
+                </a:hlinkClick>
               </a:rPr>
-              <a:t>https://knowinjury.org.au/2016/12/funding-for-road-trauma-data-another-step-towards-safer-australian-roads/</a:t>
-            </a:r>
-          </a:p>
-          <a:p>
-            <a:pPr marL="234950" indent="-234950">
+              <a:t>https://commons.wikimedia.org/wiki/File:World_Health_Organization_Logo.svg</a:t>
+            </a:r>
+          </a:p>
+          <a:p>
+            <a:pPr marL="0" indent="0">
               <a:buClrTx/>
               <a:buSzPct val="75000"/>
-              <a:buFontTx/>
-              <a:buChar char="•"/>
+              <a:buNone/>
               <a:defRPr sz="1800" b="1">
                 <a:latin typeface="Helvetica"/>
                 <a:ea typeface="Helvetica"/>
@@ -8421,9 +9681,96 @@
                 <a:sym typeface="Helvetica"/>
               </a:defRPr>
             </a:pPr>
-            <a:r>
-              <a:rPr lang="en-HK" sz="2000" u="sng">
-                <a:hlinkClick r:id="rId5"/>
+            <a:endParaRPr lang="en-HK" sz="2000" u="sng" dirty="0">
+              <a:solidFill>
+                <a:schemeClr val="tx1"/>
+              </a:solidFill>
+              <a:hlinkClick r:id="rId4">
+                <a:extLst>
+                  <a:ext uri="{A12FA001-AC4F-418D-AE19-62706E023703}">
+                    <ahyp:hlinkClr xmlns:ahyp="http://schemas.microsoft.com/office/drawing/2018/hyperlinkcolor" val="tx"/>
+                  </a:ext>
+                </a:extLst>
+              </a:hlinkClick>
+            </a:endParaRPr>
+          </a:p>
+          <a:p>
+            <a:pPr marL="0" indent="0">
+              <a:buClrTx/>
+              <a:buSzPct val="75000"/>
+              <a:buNone/>
+              <a:defRPr sz="1800" b="1">
+                <a:latin typeface="Helvetica"/>
+                <a:ea typeface="Helvetica"/>
+                <a:cs typeface="Helvetica"/>
+                <a:sym typeface="Helvetica"/>
+              </a:defRPr>
+            </a:pPr>
+            <a:r>
+              <a:rPr lang="en-HK" sz="2000" u="sng" dirty="0">
+                <a:solidFill>
+                  <a:schemeClr val="tx1"/>
+                </a:solidFill>
+                <a:hlinkClick r:id="rId5">
+                  <a:extLst>
+                    <a:ext uri="{A12FA001-AC4F-418D-AE19-62706E023703}">
+                      <ahyp:hlinkClr xmlns:ahyp="http://schemas.microsoft.com/office/drawing/2018/hyperlinkcolor" val="tx"/>
+                    </a:ext>
+                  </a:extLst>
+                </a:hlinkClick>
+              </a:rPr>
+              <a:t>https://knowinjury.org.au/2016/12/funding-for-road-trauma-data-another-step-towards-safer-australian-roads/</a:t>
+            </a:r>
+          </a:p>
+          <a:p>
+            <a:pPr marL="0" indent="0">
+              <a:buClrTx/>
+              <a:buSzPct val="75000"/>
+              <a:buNone/>
+              <a:defRPr sz="1800" b="1">
+                <a:latin typeface="Helvetica"/>
+                <a:ea typeface="Helvetica"/>
+                <a:cs typeface="Helvetica"/>
+                <a:sym typeface="Helvetica"/>
+              </a:defRPr>
+            </a:pPr>
+            <a:endParaRPr lang="en-HK" sz="2000" u="sng" dirty="0">
+              <a:solidFill>
+                <a:schemeClr val="tx1"/>
+              </a:solidFill>
+              <a:hlinkClick r:id="rId5">
+                <a:extLst>
+                  <a:ext uri="{A12FA001-AC4F-418D-AE19-62706E023703}">
+                    <ahyp:hlinkClr xmlns:ahyp="http://schemas.microsoft.com/office/drawing/2018/hyperlinkcolor" val="tx"/>
+                  </a:ext>
+                </a:extLst>
+              </a:hlinkClick>
+            </a:endParaRPr>
+          </a:p>
+          <a:p>
+            <a:pPr marL="0" indent="0">
+              <a:buClrTx/>
+              <a:buSzPct val="75000"/>
+              <a:buNone/>
+              <a:defRPr sz="1800" b="1">
+                <a:latin typeface="Helvetica"/>
+                <a:ea typeface="Helvetica"/>
+                <a:cs typeface="Helvetica"/>
+                <a:sym typeface="Helvetica"/>
+              </a:defRPr>
+            </a:pPr>
+            <a:r>
+              <a:rPr lang="en-HK" sz="2000" u="sng" dirty="0">
+                <a:solidFill>
+                  <a:schemeClr val="tx1"/>
+                </a:solidFill>
+                <a:hlinkClick r:id="rId6">
+                  <a:extLst>
+                    <a:ext uri="{A12FA001-AC4F-418D-AE19-62706E023703}">
+                      <ahyp:hlinkClr xmlns:ahyp="http://schemas.microsoft.com/office/drawing/2018/hyperlinkcolor" val="tx"/>
+                    </a:ext>
+                  </a:extLst>
+                </a:hlinkClick>
               </a:rPr>
               <a:t>https://www.who.int/violence_injury_prevention/road_safety_status/2018/en/</a:t>
             </a:r>
@@ -8476,14 +9823,14 @@
         </p:nvPicPr>
         <p:blipFill rotWithShape="1">
           <a:blip r:embed="rId2">
-            <a:alphaModFix amt="50000"/>
+            <a:alphaModFix amt="74000"/>
           </a:blip>
           <a:srcRect l="13125" t="9692" r="13125" b="15383"/>
           <a:stretch/>
         </p:blipFill>
         <p:spPr>
           <a:xfrm>
-            <a:off x="-6065" y="1"/>
+            <a:off x="-18854" y="0"/>
             <a:ext cx="12204204" cy="6858000"/>
           </a:xfrm>
           <a:prstGeom prst="rect">
@@ -8505,8 +9852,8 @@
         </p:nvSpPr>
         <p:spPr>
           <a:xfrm>
-            <a:off x="1119672" y="2381314"/>
-            <a:ext cx="6096000" cy="1585049"/>
+            <a:off x="399172" y="1221820"/>
+            <a:ext cx="6096000" cy="1354217"/>
           </a:xfrm>
           <a:prstGeom prst="rect">
             <a:avLst/>
@@ -8532,18 +9879,15 @@
             <a:r>
               <a:rPr lang="en-HK" dirty="0">
                 <a:solidFill>
-                  <a:schemeClr val="tx1">
-                    <a:lumMod val="85000"/>
-                    <a:lumOff val="15000"/>
-                  </a:schemeClr>
+                  <a:schemeClr val="bg1"/>
                 </a:solidFill>
               </a:rPr>
-              <a:t>1.35 million</a:t>
+              <a:t>1.35 million people</a:t>
             </a:r>
           </a:p>
           <a:p>
             <a:pPr defTabSz="457200">
-              <a:defRPr sz="3600">
+              <a:defRPr sz="2100">
                 <a:solidFill>
                   <a:srgbClr val="FFFFFF"/>
                 </a:solidFill>
@@ -8556,13 +9900,10 @@
             <a:r>
               <a:rPr lang="en-HK" dirty="0">
                 <a:solidFill>
-                  <a:schemeClr val="tx1">
-                    <a:lumMod val="85000"/>
-                    <a:lumOff val="15000"/>
-                  </a:schemeClr>
+                  <a:schemeClr val="bg1"/>
                 </a:solidFill>
               </a:rPr>
-              <a:t>people</a:t>
+              <a:t>die each year </a:t>
             </a:r>
           </a:p>
           <a:p>
@@ -8580,13 +9921,21 @@
             <a:r>
               <a:rPr lang="en-HK" dirty="0">
                 <a:solidFill>
+                  <a:schemeClr val="bg1"/>
+                </a:solidFill>
+              </a:rPr>
+              <a:t>as a result of road traffic crashes</a:t>
+            </a:r>
+            <a:r>
+              <a:rPr lang="en-HK" dirty="0">
+                <a:solidFill>
                   <a:schemeClr val="tx1">
                     <a:lumMod val="85000"/>
                     <a:lumOff val="15000"/>
                   </a:schemeClr>
                 </a:solidFill>
               </a:rPr>
-              <a:t>die each year as a result of road traffic crashes.</a:t>
+              <a:t>.</a:t>
             </a:r>
           </a:p>
         </p:txBody>
@@ -8605,8 +9954,8 @@
         </p:nvSpPr>
         <p:spPr>
           <a:xfrm>
-            <a:off x="6677192" y="605400"/>
-            <a:ext cx="5181600" cy="1487458"/>
+            <a:off x="6366107" y="691490"/>
+            <a:ext cx="5181600" cy="1631216"/>
           </a:xfrm>
           <a:prstGeom prst="rect">
             <a:avLst/>
@@ -8633,12 +9982,9 @@
               </a:defRPr>
             </a:pPr>
             <a:r>
-              <a:rPr lang="en-HK" sz="4400" baseline="-46000" dirty="0">
-                <a:solidFill>
-                  <a:schemeClr val="tx1">
-                    <a:lumMod val="85000"/>
-                    <a:lumOff val="15000"/>
-                  </a:schemeClr>
+              <a:rPr lang="en-HK" sz="6000" baseline="-46000" dirty="0">
+                <a:solidFill>
+                  <a:schemeClr val="bg1"/>
                 </a:solidFill>
                 <a:latin typeface="Arial"/>
                 <a:ea typeface="Arial"/>
@@ -8648,22 +9994,16 @@
               <a:t>#1</a:t>
             </a:r>
             <a:r>
-              <a:rPr lang="en-HK" dirty="0">
-                <a:solidFill>
-                  <a:schemeClr val="tx1">
-                    <a:lumMod val="85000"/>
-                    <a:lumOff val="15000"/>
-                  </a:schemeClr>
+              <a:rPr lang="en-HK" sz="4800" dirty="0">
+                <a:solidFill>
+                  <a:schemeClr val="bg1"/>
                 </a:solidFill>
               </a:rPr>
               <a:t> </a:t>
             </a:r>
             <a:endParaRPr lang="en-HK" sz="1050" dirty="0">
               <a:solidFill>
-                <a:schemeClr val="tx1">
-                  <a:lumMod val="85000"/>
-                  <a:lumOff val="15000"/>
-                </a:schemeClr>
+                <a:schemeClr val="bg1"/>
               </a:solidFill>
             </a:endParaRPr>
           </a:p>
@@ -8685,10 +10025,7 @@
             <a:r>
               <a:rPr lang="en-HK" dirty="0">
                 <a:solidFill>
-                  <a:schemeClr val="tx1">
-                    <a:lumMod val="85000"/>
-                    <a:lumOff val="15000"/>
-                  </a:schemeClr>
+                  <a:schemeClr val="bg1"/>
                 </a:solidFill>
               </a:rPr>
               <a:t>cause of death for children and young adults 5-29 years of age</a:t>
@@ -8710,15 +10047,15 @@
         </p:nvSpPr>
         <p:spPr>
           <a:xfrm>
-            <a:off x="662472" y="4883130"/>
-            <a:ext cx="6096000" cy="1246495"/>
+            <a:off x="2704739" y="4141311"/>
+            <a:ext cx="2992090" cy="1569660"/>
           </a:xfrm>
           <a:prstGeom prst="rect">
             <a:avLst/>
           </a:prstGeom>
         </p:spPr>
         <p:txBody>
-          <a:bodyPr>
+          <a:bodyPr wrap="square">
             <a:spAutoFit/>
           </a:bodyPr>
           <a:lstStyle/>
@@ -8740,10 +10077,7 @@
             <a:r>
               <a:rPr lang="en-HK" sz="4400" dirty="0">
                 <a:solidFill>
-                  <a:schemeClr val="tx1">
-                    <a:lumMod val="85000"/>
-                    <a:lumOff val="15000"/>
-                  </a:schemeClr>
+                  <a:schemeClr val="bg1"/>
                 </a:solidFill>
                 <a:latin typeface="Arial"/>
                 <a:ea typeface="Arial"/>
@@ -8755,10 +10089,7 @@
             <a:r>
               <a:rPr lang="en-HK" sz="4400" baseline="30000" dirty="0">
                 <a:solidFill>
-                  <a:schemeClr val="tx1">
-                    <a:lumMod val="85000"/>
-                    <a:lumOff val="15000"/>
-                  </a:schemeClr>
+                  <a:schemeClr val="bg1"/>
                 </a:solidFill>
                 <a:latin typeface="Arial"/>
                 <a:ea typeface="Arial"/>
@@ -8770,20 +10101,14 @@
             <a:r>
               <a:rPr lang="en-HK" dirty="0">
                 <a:solidFill>
-                  <a:schemeClr val="tx1">
-                    <a:lumMod val="85000"/>
-                    <a:lumOff val="15000"/>
-                  </a:schemeClr>
+                  <a:schemeClr val="bg1"/>
                 </a:solidFill>
               </a:rPr>
               <a:t> </a:t>
             </a:r>
             <a:endParaRPr lang="en-HK" sz="1050" dirty="0">
               <a:solidFill>
-                <a:schemeClr val="tx1">
-                  <a:lumMod val="85000"/>
-                  <a:lumOff val="15000"/>
-                </a:schemeClr>
+                <a:schemeClr val="bg1"/>
               </a:solidFill>
             </a:endParaRPr>
           </a:p>
@@ -8805,10 +10130,7 @@
             <a:r>
               <a:rPr lang="en-HK" dirty="0">
                 <a:solidFill>
-                  <a:schemeClr val="tx1">
-                    <a:lumMod val="85000"/>
-                    <a:lumOff val="15000"/>
-                  </a:schemeClr>
+                  <a:schemeClr val="bg1"/>
                 </a:solidFill>
               </a:rPr>
               <a:t>leading cause of death for people of all ages </a:t>
@@ -8830,7 +10152,7 @@
         </p:nvSpPr>
         <p:spPr>
           <a:xfrm>
-            <a:off x="6532880" y="4090606"/>
+            <a:off x="6495172" y="4147168"/>
             <a:ext cx="6096000" cy="1585049"/>
           </a:xfrm>
           <a:prstGeom prst="rect">
@@ -8857,10 +10179,7 @@
             <a:r>
               <a:rPr lang="en-HK" dirty="0">
                 <a:solidFill>
-                  <a:schemeClr val="tx1">
-                    <a:lumMod val="85000"/>
-                    <a:lumOff val="15000"/>
-                  </a:schemeClr>
+                  <a:schemeClr val="bg1"/>
                 </a:solidFill>
               </a:rPr>
               <a:t>88%</a:t>
@@ -8881,10 +10200,7 @@
             <a:r>
               <a:rPr lang="en-HK" dirty="0">
                 <a:solidFill>
-                  <a:schemeClr val="tx1">
-                    <a:lumMod val="85000"/>
-                    <a:lumOff val="15000"/>
-                  </a:schemeClr>
+                  <a:schemeClr val="bg1"/>
                 </a:solidFill>
               </a:rPr>
               <a:t>of pedestrian</a:t>
@@ -8905,13 +10221,10 @@
             <a:r>
               <a:rPr lang="en-HK" dirty="0">
                 <a:solidFill>
-                  <a:schemeClr val="tx1">
-                    <a:lumMod val="85000"/>
-                    <a:lumOff val="15000"/>
-                  </a:schemeClr>
+                  <a:schemeClr val="bg1"/>
                 </a:solidFill>
               </a:rPr>
-              <a:t>travel occurs on roads that are unsafe.</a:t>
+              <a:t>travel occurs on roads that are unsafe</a:t>
             </a:r>
           </a:p>
         </p:txBody>
@@ -10384,12 +11697,101 @@
           </a:p>
         </p:txBody>
       </p:sp>
-      <p:sp>
-        <p:nvSpPr>
-          <p:cNvPr id="2" name="Title 1">
-            <a:extLst>
-              <a:ext uri="{FF2B5EF4-FFF2-40B4-BE49-F238E27FC236}">
-                <a16:creationId xmlns:a16="http://schemas.microsoft.com/office/drawing/2014/main" id="{FE22BB0D-B205-524E-AC7E-62DB4B3488BD}"/>
+      <p:pic>
+        <p:nvPicPr>
+          <p:cNvPr id="4" name="Picture 3">
+            <a:extLst>
+              <a:ext uri="{FF2B5EF4-FFF2-40B4-BE49-F238E27FC236}">
+                <a16:creationId xmlns:a16="http://schemas.microsoft.com/office/drawing/2014/main" id="{2EF01957-A489-426F-8A75-92F204C33202}"/>
+              </a:ext>
+              <a:ext uri="{C183D7F6-B498-43B3-948B-1728B52AA6E4}">
+                <adec:decorative xmlns:adec="http://schemas.microsoft.com/office/drawing/2017/decorative" val="1"/>
+              </a:ext>
+            </a:extLst>
+          </p:cNvPr>
+          <p:cNvPicPr>
+            <a:picLocks noChangeAspect="1"/>
+          </p:cNvPicPr>
+          <p:nvPr/>
+        </p:nvPicPr>
+        <p:blipFill>
+          <a:blip r:embed="rId2">
+            <a:alphaModFix amt="52000"/>
+          </a:blip>
+          <a:stretch>
+            <a:fillRect/>
+          </a:stretch>
+        </p:blipFill>
+        <p:spPr>
+          <a:xfrm>
+            <a:off x="1086861" y="0"/>
+            <a:ext cx="10305740" cy="6858000"/>
+          </a:xfrm>
+          <a:prstGeom prst="rect">
+            <a:avLst/>
+          </a:prstGeom>
+        </p:spPr>
+      </p:pic>
+      <p:sp>
+        <p:nvSpPr>
+          <p:cNvPr id="18" name="Rectangle 17">
+            <a:extLst>
+              <a:ext uri="{FF2B5EF4-FFF2-40B4-BE49-F238E27FC236}">
+                <a16:creationId xmlns:a16="http://schemas.microsoft.com/office/drawing/2014/main" id="{3580CFD6-E44A-486A-9E73-D8D948F78A34}"/>
+              </a:ext>
+              <a:ext uri="{C183D7F6-B498-43B3-948B-1728B52AA6E4}">
+                <adec:decorative xmlns:adec="http://schemas.microsoft.com/office/drawing/2017/decorative" val="1"/>
+              </a:ext>
+            </a:extLst>
+          </p:cNvPr>
+          <p:cNvSpPr>
+            <a:spLocks noGrp="1" noRot="1" noChangeAspect="1" noMove="1" noResize="1" noEditPoints="1" noAdjustHandles="1" noChangeArrowheads="1" noChangeShapeType="1" noTextEdit="1"/>
+          </p:cNvSpPr>
+          <p:nvPr>
+            <p:extLst>
+              <p:ext uri="{386F3935-93C4-4BCD-93E2-E3B085C9AB24}">
+                <p16:designElem xmlns:p16="http://schemas.microsoft.com/office/powerpoint/2015/main" val="1"/>
+              </p:ext>
+            </p:extLst>
+          </p:nvPr>
+        </p:nvSpPr>
+        <p:spPr>
+          <a:xfrm rot="16200000">
+            <a:off x="5171433" y="3396996"/>
+            <a:ext cx="3703320" cy="64008"/>
+          </a:xfrm>
+          <a:prstGeom prst="rect">
+            <a:avLst/>
+          </a:prstGeom>
+          <a:solidFill>
+            <a:schemeClr val="accent1"/>
+          </a:solidFill>
+          <a:ln>
+            <a:noFill/>
+          </a:ln>
+          <a:effectLst/>
+        </p:spPr>
+        <p:style>
+          <a:lnRef idx="1">
+            <a:schemeClr val="accent1"/>
+          </a:lnRef>
+          <a:fillRef idx="3">
+            <a:schemeClr val="accent1"/>
+          </a:fillRef>
+          <a:effectRef idx="2">
+            <a:schemeClr val="accent1"/>
+          </a:effectRef>
+          <a:fontRef idx="minor">
+            <a:schemeClr val="lt1"/>
+          </a:fontRef>
+        </p:style>
+      </p:sp>
+      <p:sp>
+        <p:nvSpPr>
+          <p:cNvPr id="3" name="Content Placeholder 2">
+            <a:extLst>
+              <a:ext uri="{FF2B5EF4-FFF2-40B4-BE49-F238E27FC236}">
+                <a16:creationId xmlns:a16="http://schemas.microsoft.com/office/drawing/2014/main" id="{DA591FB6-EB4D-A14A-8547-C912F09E14DB}"/>
               </a:ext>
             </a:extLst>
           </p:cNvPr>
@@ -10397,14 +11799,17 @@
             <a:spLocks noGrp="1"/>
           </p:cNvSpPr>
           <p:nvPr>
-            <p:ph type="title"/>
-          </p:nvPr>
-        </p:nvSpPr>
-        <p:spPr>
-          <a:xfrm>
-            <a:off x="783771" y="1066800"/>
-            <a:ext cx="5727760" cy="4724400"/>
-          </a:xfrm>
+            <p:ph idx="1"/>
+          </p:nvPr>
+        </p:nvSpPr>
+        <p:spPr>
+          <a:xfrm>
+            <a:off x="7295302" y="1066800"/>
+            <a:ext cx="4660137" cy="4724400"/>
+          </a:xfrm>
+          <a:ln w="57150">
+            <a:noFill/>
+          </a:ln>
         </p:spPr>
         <p:txBody>
           <a:bodyPr vert="horz" lIns="91440" tIns="45720" rIns="91440" bIns="45720" rtlCol="0" anchor="ctr">
@@ -10412,9 +11817,123 @@
           </a:bodyPr>
           <a:lstStyle/>
           <a:p>
+            <a:pPr marL="0" indent="0">
+              <a:buNone/>
+            </a:pPr>
+            <a:r>
+              <a:rPr lang="en-US" sz="2800" cap="all" dirty="0">
+                <a:solidFill>
+                  <a:srgbClr val="FFFFFF"/>
+                </a:solidFill>
+              </a:rPr>
+              <a:t>This analysis could have been more </a:t>
+            </a:r>
+            <a:r>
+              <a:rPr lang="en-US" sz="4000" i="1" cap="all" dirty="0">
+                <a:solidFill>
+                  <a:srgbClr val="FFFFFF"/>
+                </a:solidFill>
+                <a:latin typeface="Calibri Light" panose="020F0302020204030204" pitchFamily="34" charset="0"/>
+                <a:cs typeface="Calibri Light" panose="020F0302020204030204" pitchFamily="34" charset="0"/>
+              </a:rPr>
+              <a:t>comprehensive</a:t>
+            </a:r>
+            <a:r>
+              <a:rPr lang="en-US" sz="2800" cap="all" dirty="0">
+                <a:solidFill>
+                  <a:srgbClr val="FFFFFF"/>
+                </a:solidFill>
+              </a:rPr>
+              <a:t> </a:t>
+            </a:r>
+          </a:p>
+          <a:p>
+            <a:pPr marL="0" indent="0">
+              <a:buNone/>
+            </a:pPr>
+            <a:r>
+              <a:rPr lang="en-US" sz="2800" cap="all" dirty="0">
+                <a:solidFill>
+                  <a:srgbClr val="FFFFFF"/>
+                </a:solidFill>
+              </a:rPr>
+              <a:t>if we had </a:t>
+            </a:r>
+            <a:r>
+              <a:rPr lang="en-US" sz="4000" i="1" cap="all" dirty="0">
+                <a:solidFill>
+                  <a:srgbClr val="FFFFFF"/>
+                </a:solidFill>
+                <a:latin typeface="Avenir Next Ultra Light" panose="020B0203020202020204" pitchFamily="34" charset="77"/>
+                <a:cs typeface="Apple Chancery" panose="03020702040506060504" pitchFamily="66" charset="-79"/>
+              </a:rPr>
+              <a:t>full information </a:t>
+            </a:r>
+            <a:r>
+              <a:rPr lang="en-US" sz="2800" cap="all" dirty="0">
+                <a:solidFill>
+                  <a:srgbClr val="FFFFFF"/>
+                </a:solidFill>
+              </a:rPr>
+              <a:t>from </a:t>
+            </a:r>
+            <a:r>
+              <a:rPr lang="en-US" sz="4000" i="1" cap="all" dirty="0">
+                <a:solidFill>
+                  <a:srgbClr val="FFFFFF"/>
+                </a:solidFill>
+                <a:latin typeface="Avenir Next Ultra Light" panose="020B0203020202020204" pitchFamily="34" charset="77"/>
+                <a:cs typeface="Apple Chancery" panose="03020702040506060504" pitchFamily="66" charset="-79"/>
+              </a:rPr>
+              <a:t>All countries</a:t>
+            </a:r>
+            <a:r>
+              <a:rPr lang="en-US" sz="4000" cap="all" dirty="0">
+                <a:solidFill>
+                  <a:srgbClr val="FFFFFF"/>
+                </a:solidFill>
+              </a:rPr>
+              <a:t>.</a:t>
+            </a:r>
+            <a:endParaRPr lang="en-US" sz="2800" cap="all" dirty="0">
+              <a:solidFill>
+                <a:srgbClr val="FFFFFF"/>
+              </a:solidFill>
+            </a:endParaRPr>
+          </a:p>
+        </p:txBody>
+      </p:sp>
+      <p:sp>
+        <p:nvSpPr>
+          <p:cNvPr id="2" name="Title 1">
+            <a:extLst>
+              <a:ext uri="{FF2B5EF4-FFF2-40B4-BE49-F238E27FC236}">
+                <a16:creationId xmlns:a16="http://schemas.microsoft.com/office/drawing/2014/main" id="{FE22BB0D-B205-524E-AC7E-62DB4B3488BD}"/>
+              </a:ext>
+            </a:extLst>
+          </p:cNvPr>
+          <p:cNvSpPr>
+            <a:spLocks noGrp="1"/>
+          </p:cNvSpPr>
+          <p:nvPr>
+            <p:ph type="title"/>
+          </p:nvPr>
+        </p:nvSpPr>
+        <p:spPr>
+          <a:xfrm>
+            <a:off x="783771" y="1066800"/>
+            <a:ext cx="5727760" cy="4724400"/>
+          </a:xfrm>
+        </p:spPr>
+        <p:txBody>
+          <a:bodyPr vert="horz" lIns="91440" tIns="45720" rIns="91440" bIns="45720" rtlCol="0" anchor="ctr">
+            <a:normAutofit/>
+          </a:bodyPr>
+          <a:lstStyle/>
+          <a:p>
             <a:pPr algn="r"/>
             <a:r>
-              <a:rPr lang="en-US" sz="6600" b="0" kern="1200" cap="all">
+              <a:rPr lang="en-US" sz="6600" b="0" kern="1200" cap="all" dirty="0">
                 <a:solidFill>
                   <a:srgbClr val="FFFFFF">
                     <a:alpha val="90000"/>
@@ -10428,177 +11947,6 @@
             </a:r>
           </a:p>
         </p:txBody>
-      </p:sp>
-      <p:sp>
-        <p:nvSpPr>
-          <p:cNvPr id="3" name="Content Placeholder 2">
-            <a:extLst>
-              <a:ext uri="{FF2B5EF4-FFF2-40B4-BE49-F238E27FC236}">
-                <a16:creationId xmlns:a16="http://schemas.microsoft.com/office/drawing/2014/main" id="{DA591FB6-EB4D-A14A-8547-C912F09E14DB}"/>
-              </a:ext>
-            </a:extLst>
-          </p:cNvPr>
-          <p:cNvSpPr>
-            <a:spLocks noGrp="1"/>
-          </p:cNvSpPr>
-          <p:nvPr>
-            <p:ph idx="1"/>
-          </p:nvPr>
-        </p:nvSpPr>
-        <p:spPr>
-          <a:xfrm>
-            <a:off x="7295302" y="1066800"/>
-            <a:ext cx="4660137" cy="4724400"/>
-          </a:xfrm>
-          <a:ln w="57150">
-            <a:noFill/>
-          </a:ln>
-        </p:spPr>
-        <p:txBody>
-          <a:bodyPr vert="horz" lIns="91440" tIns="45720" rIns="91440" bIns="45720" rtlCol="0" anchor="ctr">
-            <a:normAutofit/>
-          </a:bodyPr>
-          <a:lstStyle/>
-          <a:p>
-            <a:pPr marL="0" indent="0">
-              <a:buNone/>
-            </a:pPr>
-            <a:r>
-              <a:rPr lang="en-US" sz="2800" cap="all" dirty="0">
-                <a:solidFill>
-                  <a:srgbClr val="FFFFFF"/>
-                </a:solidFill>
-              </a:rPr>
-              <a:t>This analysis could have been more </a:t>
-            </a:r>
-            <a:r>
-              <a:rPr lang="en-US" sz="4000" i="1" cap="all" dirty="0">
-                <a:solidFill>
-                  <a:srgbClr val="FFFFFF"/>
-                </a:solidFill>
-                <a:latin typeface="Calibri Light" panose="020F0302020204030204" pitchFamily="34" charset="0"/>
-                <a:cs typeface="Calibri Light" panose="020F0302020204030204" pitchFamily="34" charset="0"/>
-              </a:rPr>
-              <a:t>comprehensive</a:t>
-            </a:r>
-            <a:r>
-              <a:rPr lang="en-US" sz="2800" cap="all" dirty="0">
-                <a:solidFill>
-                  <a:srgbClr val="FFFFFF"/>
-                </a:solidFill>
-              </a:rPr>
-              <a:t> </a:t>
-            </a:r>
-          </a:p>
-          <a:p>
-            <a:pPr marL="0" indent="0">
-              <a:buNone/>
-            </a:pPr>
-            <a:r>
-              <a:rPr lang="en-US" sz="2800" cap="all" dirty="0">
-                <a:solidFill>
-                  <a:srgbClr val="FFFFFF"/>
-                </a:solidFill>
-              </a:rPr>
-              <a:t>if we had </a:t>
-            </a:r>
-            <a:r>
-              <a:rPr lang="en-US" sz="4000" i="1" cap="all" dirty="0">
-                <a:solidFill>
-                  <a:srgbClr val="FFFFFF"/>
-                </a:solidFill>
-                <a:latin typeface="Avenir Next Ultra Light" panose="020B0203020202020204" pitchFamily="34" charset="77"/>
-                <a:cs typeface="Apple Chancery" panose="03020702040506060504" pitchFamily="66" charset="-79"/>
-              </a:rPr>
-              <a:t>full information </a:t>
-            </a:r>
-            <a:r>
-              <a:rPr lang="en-US" sz="2800" cap="all" dirty="0">
-                <a:solidFill>
-                  <a:srgbClr val="FFFFFF"/>
-                </a:solidFill>
-              </a:rPr>
-              <a:t>of</a:t>
-            </a:r>
-            <a:r>
-              <a:rPr lang="en-US" sz="4000" i="1" cap="all" dirty="0">
-                <a:solidFill>
-                  <a:srgbClr val="FFFFFF"/>
-                </a:solidFill>
-                <a:latin typeface="Avenir Next Ultra Light" panose="020B0203020202020204" pitchFamily="34" charset="77"/>
-                <a:cs typeface="Apple Chancery" panose="03020702040506060504" pitchFamily="66" charset="-79"/>
-              </a:rPr>
-              <a:t> all countries</a:t>
-            </a:r>
-            <a:r>
-              <a:rPr lang="en-US" sz="4000" cap="all" dirty="0">
-                <a:solidFill>
-                  <a:srgbClr val="FFFFFF"/>
-                </a:solidFill>
-              </a:rPr>
-              <a:t>.</a:t>
-            </a:r>
-            <a:endParaRPr lang="en-US" sz="2800" cap="all" dirty="0">
-              <a:solidFill>
-                <a:srgbClr val="FFFFFF"/>
-              </a:solidFill>
-            </a:endParaRPr>
-          </a:p>
-        </p:txBody>
-      </p:sp>
-      <p:sp>
-        <p:nvSpPr>
-          <p:cNvPr id="18" name="Rectangle 17">
-            <a:extLst>
-              <a:ext uri="{FF2B5EF4-FFF2-40B4-BE49-F238E27FC236}">
-                <a16:creationId xmlns:a16="http://schemas.microsoft.com/office/drawing/2014/main" id="{3580CFD6-E44A-486A-9E73-D8D948F78A34}"/>
-              </a:ext>
-              <a:ext uri="{C183D7F6-B498-43B3-948B-1728B52AA6E4}">
-                <adec:decorative xmlns:adec="http://schemas.microsoft.com/office/drawing/2017/decorative" val="1"/>
-              </a:ext>
-            </a:extLst>
-          </p:cNvPr>
-          <p:cNvSpPr>
-            <a:spLocks noGrp="1" noRot="1" noChangeAspect="1" noMove="1" noResize="1" noEditPoints="1" noAdjustHandles="1" noChangeArrowheads="1" noChangeShapeType="1" noTextEdit="1"/>
-          </p:cNvSpPr>
-          <p:nvPr>
-            <p:extLst>
-              <p:ext uri="{386F3935-93C4-4BCD-93E2-E3B085C9AB24}">
-                <p16:designElem xmlns:p16="http://schemas.microsoft.com/office/powerpoint/2015/main" val="1"/>
-              </p:ext>
-            </p:extLst>
-          </p:nvPr>
-        </p:nvSpPr>
-        <p:spPr>
-          <a:xfrm rot="16200000">
-            <a:off x="5171433" y="3396996"/>
-            <a:ext cx="3703320" cy="64008"/>
-          </a:xfrm>
-          <a:prstGeom prst="rect">
-            <a:avLst/>
-          </a:prstGeom>
-          <a:solidFill>
-            <a:schemeClr val="accent1"/>
-          </a:solidFill>
-          <a:ln>
-            <a:noFill/>
-          </a:ln>
-          <a:effectLst/>
-        </p:spPr>
-        <p:style>
-          <a:lnRef idx="1">
-            <a:schemeClr val="accent1"/>
-          </a:lnRef>
-          <a:fillRef idx="3">
-            <a:schemeClr val="accent1"/>
-          </a:fillRef>
-          <a:effectRef idx="2">
-            <a:schemeClr val="accent1"/>
-          </a:effectRef>
-          <a:fontRef idx="minor">
-            <a:schemeClr val="lt1"/>
-          </a:fontRef>
-        </p:style>
       </p:sp>
     </p:spTree>
     <p:extLst>
@@ -10635,7 +11983,7 @@
           <p:cNvPr id="5" name="Picture 4">
             <a:extLst>
               <a:ext uri="{FF2B5EF4-FFF2-40B4-BE49-F238E27FC236}">
-                <a16:creationId xmlns:a16="http://schemas.microsoft.com/office/drawing/2014/main" id="{AE4DA1F9-0709-4AA9-97F3-211691EB6B05}"/>
+                <a16:creationId xmlns:a16="http://schemas.microsoft.com/office/drawing/2014/main" id="{DF4526CD-4BA6-477F-9154-A5F40F57046D}"/>
               </a:ext>
             </a:extLst>
           </p:cNvPr>
@@ -10671,7 +12019,7 @@
           <p:cNvPr id="7" name="Picture 6">
             <a:extLst>
               <a:ext uri="{FF2B5EF4-FFF2-40B4-BE49-F238E27FC236}">
-                <a16:creationId xmlns:a16="http://schemas.microsoft.com/office/drawing/2014/main" id="{CDCE63A7-605F-4F98-99D4-8BC40F7DCD29}"/>
+                <a16:creationId xmlns:a16="http://schemas.microsoft.com/office/drawing/2014/main" id="{EAECAB2B-370E-45ED-A1A9-9DBA6CE087F2}"/>
               </a:ext>
             </a:extLst>
           </p:cNvPr>
@@ -10705,7 +12053,7 @@
     </p:spTree>
     <p:extLst>
       <p:ext uri="{BB962C8B-B14F-4D97-AF65-F5344CB8AC3E}">
-        <p14:creationId xmlns:p14="http://schemas.microsoft.com/office/powerpoint/2010/main" val="3690183269"/>
+        <p14:creationId xmlns:p14="http://schemas.microsoft.com/office/powerpoint/2010/main" val="3908083540"/>
       </p:ext>
     </p:extLst>
   </p:cSld>
@@ -10857,7 +12205,7 @@
         </p:blipFill>
         <p:spPr>
           <a:xfrm>
-            <a:off x="8635470" y="2444819"/>
+            <a:off x="4894233" y="2444819"/>
             <a:ext cx="3426574" cy="3426574"/>
           </a:xfrm>
           <a:prstGeom prst="rect">
@@ -10867,20 +12215,18 @@
             <a:miter lim="400000"/>
           </a:ln>
           <a:effectLst>
-            <a:outerShdw blurRad="190500" dist="101600" dir="5400000" rotWithShape="0">
-              <a:srgbClr val="000000">
-                <a:alpha val="40000"/>
-              </a:srgbClr>
+            <a:outerShdw blurRad="292100" dist="50800" dir="5400000" sx="98000" sy="98000" algn="ctr" rotWithShape="0">
+              <a:srgbClr val="000000"/>
             </a:outerShdw>
           </a:effectLst>
         </p:spPr>
       </p:pic>
       <p:pic>
         <p:nvPicPr>
-          <p:cNvPr id="6" name="piechart_deathsbyincome.png" descr="piechart_deathsbyincome.png">
-            <a:extLst>
-              <a:ext uri="{FF2B5EF4-FFF2-40B4-BE49-F238E27FC236}">
-                <a16:creationId xmlns:a16="http://schemas.microsoft.com/office/drawing/2014/main" id="{E1EFC2EA-C6D2-324C-B990-BAE7CBA08402}"/>
+          <p:cNvPr id="7" name="Picture 6" descr="A picture containing chart&#10;&#10;Description automatically generated">
+            <a:extLst>
+              <a:ext uri="{FF2B5EF4-FFF2-40B4-BE49-F238E27FC236}">
+                <a16:creationId xmlns:a16="http://schemas.microsoft.com/office/drawing/2014/main" id="{477D4308-6BBA-364F-AE29-C3D87E90ECBA}"/>
               </a:ext>
             </a:extLst>
           </p:cNvPr>
@@ -10897,20 +12243,15 @@
         </p:blipFill>
         <p:spPr>
           <a:xfrm>
-            <a:off x="5007743" y="2444818"/>
-            <a:ext cx="3426575" cy="3426575"/>
+            <a:off x="8487128" y="2444819"/>
+            <a:ext cx="3426574" cy="3426574"/>
           </a:xfrm>
           <a:prstGeom prst="rect">
             <a:avLst/>
           </a:prstGeom>
-          <a:ln w="25400">
-            <a:miter lim="400000"/>
-          </a:ln>
           <a:effectLst>
-            <a:outerShdw blurRad="190500" dist="101600" dir="5400000" rotWithShape="0">
-              <a:srgbClr val="000000">
-                <a:alpha val="40000"/>
-              </a:srgbClr>
+            <a:outerShdw blurRad="292100" dist="50800" dir="5400000" sx="98000" sy="98000" algn="ctr" rotWithShape="0">
+              <a:srgbClr val="000000"/>
             </a:outerShdw>
           </a:effectLst>
         </p:spPr>

--- a/output_data/Presentation.pptx
+++ b/output_data/Presentation.pptx
@@ -12,25 +12,28 @@
     <p:sldId id="260" r:id="rId6"/>
     <p:sldId id="261" r:id="rId7"/>
     <p:sldId id="263" r:id="rId8"/>
-    <p:sldId id="264" r:id="rId9"/>
-    <p:sldId id="265" r:id="rId10"/>
-    <p:sldId id="266" r:id="rId11"/>
-    <p:sldId id="267" r:id="rId12"/>
-    <p:sldId id="268" r:id="rId13"/>
-    <p:sldId id="269" r:id="rId14"/>
-    <p:sldId id="270" r:id="rId15"/>
-    <p:sldId id="280" r:id="rId16"/>
-    <p:sldId id="277" r:id="rId17"/>
-    <p:sldId id="281" r:id="rId18"/>
-    <p:sldId id="278" r:id="rId19"/>
-    <p:sldId id="279" r:id="rId20"/>
-    <p:sldId id="282" r:id="rId21"/>
-    <p:sldId id="273" r:id="rId22"/>
-    <p:sldId id="283" r:id="rId23"/>
-    <p:sldId id="284" r:id="rId24"/>
-    <p:sldId id="274" r:id="rId25"/>
-    <p:sldId id="275" r:id="rId26"/>
-    <p:sldId id="276" r:id="rId27"/>
+    <p:sldId id="285" r:id="rId9"/>
+    <p:sldId id="264" r:id="rId10"/>
+    <p:sldId id="265" r:id="rId11"/>
+    <p:sldId id="266" r:id="rId12"/>
+    <p:sldId id="267" r:id="rId13"/>
+    <p:sldId id="268" r:id="rId14"/>
+    <p:sldId id="269" r:id="rId15"/>
+    <p:sldId id="270" r:id="rId16"/>
+    <p:sldId id="280" r:id="rId17"/>
+    <p:sldId id="277" r:id="rId18"/>
+    <p:sldId id="281" r:id="rId19"/>
+    <p:sldId id="278" r:id="rId20"/>
+    <p:sldId id="279" r:id="rId21"/>
+    <p:sldId id="282" r:id="rId22"/>
+    <p:sldId id="273" r:id="rId23"/>
+    <p:sldId id="286" r:id="rId24"/>
+    <p:sldId id="287" r:id="rId25"/>
+    <p:sldId id="283" r:id="rId26"/>
+    <p:sldId id="284" r:id="rId27"/>
+    <p:sldId id="274" r:id="rId28"/>
+    <p:sldId id="275" r:id="rId29"/>
+    <p:sldId id="276" r:id="rId30"/>
   </p:sldIdLst>
   <p:sldSz cx="12192000" cy="6858000"/>
   <p:notesSz cx="6858000" cy="9144000"/>
@@ -141,6 +144,7 @@
             <p14:sldId id="260"/>
             <p14:sldId id="261"/>
             <p14:sldId id="263"/>
+            <p14:sldId id="285"/>
           </p14:sldIdLst>
         </p14:section>
         <p14:section name="Parastoo" id="{4B41DFC2-9648-ED46-8A41-AE83A94310D8}">
@@ -167,6 +171,8 @@
         <p14:section name="John" id="{7A401C20-3636-B546-9CF0-11FED4B93153}">
           <p14:sldIdLst>
             <p14:sldId id="273"/>
+            <p14:sldId id="286"/>
+            <p14:sldId id="287"/>
           </p14:sldIdLst>
         </p14:section>
         <p14:section name="Seranica" id="{9A0EEC91-5F66-AA4E-987B-F22015E3EEB4}">
@@ -429,7 +435,7 @@
           <a:p>
             <a:fld id="{ED291B17-9318-49DB-B28B-6E5994AE9581}" type="datetime1">
               <a:rPr lang="en-US" smtClean="0"/>
-              <a:t>10/26/20</a:t>
+              <a:t>10/26/2020</a:t>
             </a:fld>
             <a:endParaRPr lang="en-US" dirty="0"/>
           </a:p>
@@ -632,7 +638,7 @@
           <a:p>
             <a:fld id="{2CED4963-E985-44C4-B8C4-FDD613B7C2F8}" type="datetime1">
               <a:rPr lang="en-US" smtClean="0"/>
-              <a:t>10/26/20</a:t>
+              <a:t>10/26/2020</a:t>
             </a:fld>
             <a:endParaRPr lang="en-US" dirty="0"/>
           </a:p>
@@ -994,7 +1000,7 @@
           <a:p>
             <a:fld id="{ED291B17-9318-49DB-B28B-6E5994AE9581}" type="datetime1">
               <a:rPr lang="en-US" smtClean="0"/>
-              <a:t>10/26/20</a:t>
+              <a:t>10/26/2020</a:t>
             </a:fld>
             <a:endParaRPr lang="en-US" dirty="0"/>
           </a:p>
@@ -1192,7 +1198,7 @@
           <a:p>
             <a:fld id="{78DD82B9-B8EE-4375-B6FF-88FA6ABB15D9}" type="datetime1">
               <a:rPr lang="en-US" smtClean="0"/>
-              <a:t>10/26/20</a:t>
+              <a:t>10/26/2020</a:t>
             </a:fld>
             <a:endParaRPr lang="en-US" dirty="0"/>
           </a:p>
@@ -1504,7 +1510,7 @@
           <a:p>
             <a:fld id="{B2497495-0637-405E-AE64-5CC7506D51F5}" type="datetime1">
               <a:rPr lang="en-US" smtClean="0"/>
-              <a:t>10/26/20</a:t>
+              <a:t>10/26/2020</a:t>
             </a:fld>
             <a:endParaRPr lang="en-US" dirty="0"/>
           </a:p>
@@ -1757,7 +1763,7 @@
           <a:p>
             <a:fld id="{7BFFD690-9426-415D-8B65-26881E07B2D4}" type="datetime1">
               <a:rPr lang="en-US" smtClean="0"/>
-              <a:t>10/26/20</a:t>
+              <a:t>10/26/2020</a:t>
             </a:fld>
             <a:endParaRPr lang="en-US" dirty="0"/>
           </a:p>
@@ -2179,7 +2185,7 @@
           <a:p>
             <a:fld id="{04C4989A-474C-40DE-95B9-011C28B71673}" type="datetime1">
               <a:rPr lang="en-US" smtClean="0"/>
-              <a:t>10/26/20</a:t>
+              <a:t>10/26/2020</a:t>
             </a:fld>
             <a:endParaRPr lang="en-US" dirty="0"/>
           </a:p>
@@ -2302,7 +2308,7 @@
           <a:p>
             <a:fld id="{5DB4ED54-5B5E-4A04-93D3-5772E3CE3818}" type="datetime1">
               <a:rPr lang="en-US" smtClean="0"/>
-              <a:t>10/26/20</a:t>
+              <a:t>10/26/2020</a:t>
             </a:fld>
             <a:endParaRPr lang="en-US" dirty="0"/>
           </a:p>
@@ -2397,7 +2403,7 @@
           <a:p>
             <a:fld id="{4EDE50D6-574B-40AF-946F-D52A04ADE379}" type="datetime1">
               <a:rPr lang="en-US" smtClean="0"/>
-              <a:t>10/26/20</a:t>
+              <a:t>10/26/2020</a:t>
             </a:fld>
             <a:endParaRPr lang="en-US" dirty="0"/>
           </a:p>
@@ -2774,7 +2780,7 @@
           <a:p>
             <a:fld id="{D82884F1-FFEA-405F-9602-3DCA865EDA4E}" type="datetime1">
               <a:rPr lang="en-US" smtClean="0"/>
-              <a:t>10/26/20</a:t>
+              <a:t>10/26/2020</a:t>
             </a:fld>
             <a:endParaRPr lang="en-US" dirty="0"/>
           </a:p>
@@ -3067,7 +3073,7 @@
           <a:p>
             <a:fld id="{7E18DB4A-8810-4A10-AD5C-D5E2C667F5B3}" type="datetime1">
               <a:rPr lang="en-US" smtClean="0"/>
-              <a:t>10/26/20</a:t>
+              <a:t>10/26/2020</a:t>
             </a:fld>
             <a:endParaRPr lang="en-US" dirty="0"/>
           </a:p>
@@ -3282,7 +3288,7 @@
           <a:p>
             <a:fld id="{ED291B17-9318-49DB-B28B-6E5994AE9581}" type="datetime1">
               <a:rPr lang="en-US" smtClean="0"/>
-              <a:t>10/26/20</a:t>
+              <a:t>10/26/2020</a:t>
             </a:fld>
             <a:endParaRPr lang="en-US" dirty="0"/>
           </a:p>
@@ -4300,6 +4306,277 @@
     <p:bg>
       <p:bgPr>
         <a:solidFill>
+          <a:schemeClr val="bg1"/>
+        </a:solidFill>
+        <a:effectLst/>
+      </p:bgPr>
+    </p:bg>
+    <p:spTree>
+      <p:nvGrpSpPr>
+        <p:cNvPr id="1" name=""/>
+        <p:cNvGrpSpPr/>
+        <p:nvPr/>
+      </p:nvGrpSpPr>
+      <p:grpSpPr>
+        <a:xfrm>
+          <a:off x="0" y="0"/>
+          <a:ext cx="0" cy="0"/>
+          <a:chOff x="0" y="0"/>
+          <a:chExt cx="0" cy="0"/>
+        </a:xfrm>
+      </p:grpSpPr>
+      <p:sp>
+        <p:nvSpPr>
+          <p:cNvPr id="9" name="Rectangle 8">
+            <a:extLst>
+              <a:ext uri="{FF2B5EF4-FFF2-40B4-BE49-F238E27FC236}">
+                <a16:creationId xmlns:a16="http://schemas.microsoft.com/office/drawing/2014/main" id="{3CED7894-4F62-4A6C-8DB5-DB5BE08E9C03}"/>
+              </a:ext>
+              <a:ext uri="{C183D7F6-B498-43B3-948B-1728B52AA6E4}">
+                <adec:decorative xmlns:adec="http://schemas.microsoft.com/office/drawing/2017/decorative" val="1"/>
+              </a:ext>
+            </a:extLst>
+          </p:cNvPr>
+          <p:cNvSpPr>
+            <a:spLocks noGrp="1" noRot="1" noChangeAspect="1" noMove="1" noResize="1" noEditPoints="1" noAdjustHandles="1" noChangeArrowheads="1" noChangeShapeType="1" noTextEdit="1"/>
+          </p:cNvSpPr>
+          <p:nvPr>
+            <p:extLst>
+              <p:ext uri="{386F3935-93C4-4BCD-93E2-E3B085C9AB24}">
+                <p16:designElem xmlns:p16="http://schemas.microsoft.com/office/powerpoint/2015/main" val="1"/>
+              </p:ext>
+            </p:extLst>
+          </p:nvPr>
+        </p:nvSpPr>
+        <p:spPr>
+          <a:xfrm>
+            <a:off x="0" y="0"/>
+            <a:ext cx="12192000" cy="6858000"/>
+          </a:xfrm>
+          <a:prstGeom prst="rect">
+            <a:avLst/>
+          </a:prstGeom>
+          <a:solidFill>
+            <a:schemeClr val="bg1">
+              <a:lumMod val="75000"/>
+              <a:lumOff val="25000"/>
+            </a:schemeClr>
+          </a:solidFill>
+          <a:ln>
+            <a:noFill/>
+          </a:ln>
+          <a:effectLst/>
+        </p:spPr>
+        <p:style>
+          <a:lnRef idx="1">
+            <a:schemeClr val="accent1"/>
+          </a:lnRef>
+          <a:fillRef idx="3">
+            <a:schemeClr val="accent1"/>
+          </a:fillRef>
+          <a:effectRef idx="2">
+            <a:schemeClr val="accent1"/>
+          </a:effectRef>
+          <a:fontRef idx="minor">
+            <a:schemeClr val="lt1"/>
+          </a:fontRef>
+        </p:style>
+      </p:sp>
+      <p:sp>
+        <p:nvSpPr>
+          <p:cNvPr id="2" name="Title 1">
+            <a:extLst>
+              <a:ext uri="{FF2B5EF4-FFF2-40B4-BE49-F238E27FC236}">
+                <a16:creationId xmlns:a16="http://schemas.microsoft.com/office/drawing/2014/main" id="{6DAC1D67-5DB9-ED4A-8C92-8E4ECD0368CC}"/>
+              </a:ext>
+            </a:extLst>
+          </p:cNvPr>
+          <p:cNvSpPr>
+            <a:spLocks noGrp="1"/>
+          </p:cNvSpPr>
+          <p:nvPr>
+            <p:ph type="title"/>
+          </p:nvPr>
+        </p:nvSpPr>
+        <p:spPr>
+          <a:xfrm>
+            <a:off x="609906" y="702155"/>
+            <a:ext cx="3568661" cy="1269713"/>
+          </a:xfrm>
+        </p:spPr>
+        <p:txBody>
+          <a:bodyPr>
+            <a:normAutofit/>
+          </a:bodyPr>
+          <a:lstStyle/>
+          <a:p>
+            <a:pPr>
+              <a:lnSpc>
+                <a:spcPct val="90000"/>
+              </a:lnSpc>
+            </a:pPr>
+            <a:r>
+              <a:rPr lang="en-HK" sz="2400"/>
+              <a:t>Influence of child restraints laws on road traffic deaths</a:t>
+            </a:r>
+            <a:endParaRPr lang="en-US" sz="2400"/>
+          </a:p>
+        </p:txBody>
+      </p:sp>
+      <p:sp>
+        <p:nvSpPr>
+          <p:cNvPr id="11" name="Rectangle 10">
+            <a:extLst>
+              <a:ext uri="{FF2B5EF4-FFF2-40B4-BE49-F238E27FC236}">
+                <a16:creationId xmlns:a16="http://schemas.microsoft.com/office/drawing/2014/main" id="{E536F3B4-50F6-4C52-8F76-4EB1214719DC}"/>
+              </a:ext>
+              <a:ext uri="{C183D7F6-B498-43B3-948B-1728B52AA6E4}">
+                <adec:decorative xmlns:adec="http://schemas.microsoft.com/office/drawing/2017/decorative" val="1"/>
+              </a:ext>
+            </a:extLst>
+          </p:cNvPr>
+          <p:cNvSpPr>
+            <a:spLocks noGrp="1" noRot="1" noChangeAspect="1" noMove="1" noResize="1" noEditPoints="1" noAdjustHandles="1" noChangeArrowheads="1" noChangeShapeType="1" noTextEdit="1"/>
+          </p:cNvSpPr>
+          <p:nvPr>
+            <p:extLst>
+              <p:ext uri="{386F3935-93C4-4BCD-93E2-E3B085C9AB24}">
+                <p16:designElem xmlns:p16="http://schemas.microsoft.com/office/powerpoint/2015/main" val="1"/>
+              </p:ext>
+            </p:extLst>
+          </p:nvPr>
+        </p:nvSpPr>
+        <p:spPr>
+          <a:xfrm>
+            <a:off x="638620" y="457200"/>
+            <a:ext cx="3511233" cy="91439"/>
+          </a:xfrm>
+          <a:prstGeom prst="rect">
+            <a:avLst/>
+          </a:prstGeom>
+          <a:solidFill>
+            <a:schemeClr val="accent1"/>
+          </a:solidFill>
+          <a:ln>
+            <a:noFill/>
+          </a:ln>
+          <a:effectLst/>
+        </p:spPr>
+        <p:style>
+          <a:lnRef idx="1">
+            <a:schemeClr val="accent1"/>
+          </a:lnRef>
+          <a:fillRef idx="3">
+            <a:schemeClr val="accent1"/>
+          </a:fillRef>
+          <a:effectRef idx="2">
+            <a:schemeClr val="accent1"/>
+          </a:effectRef>
+          <a:fontRef idx="minor">
+            <a:schemeClr val="lt1"/>
+          </a:fontRef>
+        </p:style>
+      </p:sp>
+      <p:sp>
+        <p:nvSpPr>
+          <p:cNvPr id="3" name="Content Placeholder 2">
+            <a:extLst>
+              <a:ext uri="{FF2B5EF4-FFF2-40B4-BE49-F238E27FC236}">
+                <a16:creationId xmlns:a16="http://schemas.microsoft.com/office/drawing/2014/main" id="{99E3D4C1-D2AA-834D-9CAB-B3944ECB0BEA}"/>
+              </a:ext>
+            </a:extLst>
+          </p:cNvPr>
+          <p:cNvSpPr>
+            <a:spLocks noGrp="1"/>
+          </p:cNvSpPr>
+          <p:nvPr>
+            <p:ph idx="1"/>
+          </p:nvPr>
+        </p:nvSpPr>
+        <p:spPr>
+          <a:xfrm>
+            <a:off x="609906" y="2125384"/>
+            <a:ext cx="3568661" cy="4275416"/>
+          </a:xfrm>
+        </p:spPr>
+        <p:txBody>
+          <a:bodyPr>
+            <a:normAutofit/>
+          </a:bodyPr>
+          <a:lstStyle/>
+          <a:p>
+            <a:pPr>
+              <a:lnSpc>
+                <a:spcPct val="90000"/>
+              </a:lnSpc>
+            </a:pPr>
+            <a:r>
+              <a:rPr lang="en-US" dirty="0"/>
+              <a:t>Although children are very vulnerable and based on WHO reports the first cause of death between them is driving accidents but only 84 countries of 175 countries used child restraints laws which is just 48% in all around the world.</a:t>
+            </a:r>
+          </a:p>
+          <a:p>
+            <a:pPr>
+              <a:lnSpc>
+                <a:spcPct val="90000"/>
+              </a:lnSpc>
+            </a:pPr>
+            <a:r>
+              <a:rPr lang="en-US" dirty="0"/>
+              <a:t>We can see in this bar chart, 90% of countries with high income level are using this law. This percentage for middle income countries is 36% and just 17% of low income countries are protecting children in this area. </a:t>
+            </a:r>
+          </a:p>
+        </p:txBody>
+      </p:sp>
+      <p:pic>
+        <p:nvPicPr>
+          <p:cNvPr id="4" name="child_restraints_income.png" descr="child_restraints_income.png">
+            <a:extLst>
+              <a:ext uri="{FF2B5EF4-FFF2-40B4-BE49-F238E27FC236}">
+                <a16:creationId xmlns:a16="http://schemas.microsoft.com/office/drawing/2014/main" id="{253863C4-5DD0-8A4A-9176-C0981A7711C6}"/>
+              </a:ext>
+            </a:extLst>
+          </p:cNvPr>
+          <p:cNvPicPr>
+            <a:picLocks noChangeAspect="1"/>
+          </p:cNvPicPr>
+          <p:nvPr/>
+        </p:nvPicPr>
+        <p:blipFill>
+          <a:blip r:embed="rId2"/>
+          <a:stretch>
+            <a:fillRect/>
+          </a:stretch>
+        </p:blipFill>
+        <p:spPr>
+          <a:xfrm>
+            <a:off x="4654295" y="1093662"/>
+            <a:ext cx="7322533" cy="4881687"/>
+          </a:xfrm>
+          <a:prstGeom prst="rect">
+            <a:avLst/>
+          </a:prstGeom>
+        </p:spPr>
+      </p:pic>
+    </p:spTree>
+    <p:extLst>
+      <p:ext uri="{BB962C8B-B14F-4D97-AF65-F5344CB8AC3E}">
+        <p14:creationId xmlns:p14="http://schemas.microsoft.com/office/powerpoint/2010/main" val="2913941793"/>
+      </p:ext>
+    </p:extLst>
+  </p:cSld>
+  <p:clrMapOvr>
+    <a:masterClrMapping/>
+  </p:clrMapOvr>
+</p:sld>
+</file>
+
+<file path=ppt/slides/slide11.xml><?xml version="1.0" encoding="utf-8"?>
+<p:sld xmlns:a="http://schemas.openxmlformats.org/drawingml/2006/main" xmlns:r="http://schemas.openxmlformats.org/officeDocument/2006/relationships" xmlns:p="http://schemas.openxmlformats.org/presentationml/2006/main">
+  <p:cSld>
+    <p:bg>
+      <p:bgPr>
+        <a:solidFill>
           <a:schemeClr val="bg2"/>
         </a:solidFill>
         <a:effectLst/>
@@ -4667,161 +4944,6 @@
   </p:cSld>
   <p:clrMapOvr>
     <a:overrideClrMapping bg1="dk1" tx1="lt1" bg2="dk2" tx2="lt2" accent1="accent1" accent2="accent2" accent3="accent3" accent4="accent4" accent5="accent5" accent6="accent6" hlink="hlink" folHlink="folHlink"/>
-  </p:clrMapOvr>
-</p:sld>
-</file>
-
-<file path=ppt/slides/slide11.xml><?xml version="1.0" encoding="utf-8"?>
-<p:sld xmlns:a="http://schemas.openxmlformats.org/drawingml/2006/main" xmlns:r="http://schemas.openxmlformats.org/officeDocument/2006/relationships" xmlns:p="http://schemas.openxmlformats.org/presentationml/2006/main">
-  <p:cSld>
-    <p:spTree>
-      <p:nvGrpSpPr>
-        <p:cNvPr id="1" name=""/>
-        <p:cNvGrpSpPr/>
-        <p:nvPr/>
-      </p:nvGrpSpPr>
-      <p:grpSpPr>
-        <a:xfrm>
-          <a:off x="0" y="0"/>
-          <a:ext cx="0" cy="0"/>
-          <a:chOff x="0" y="0"/>
-          <a:chExt cx="0" cy="0"/>
-        </a:xfrm>
-      </p:grpSpPr>
-      <p:sp>
-        <p:nvSpPr>
-          <p:cNvPr id="2" name="Title 1">
-            <a:extLst>
-              <a:ext uri="{FF2B5EF4-FFF2-40B4-BE49-F238E27FC236}">
-                <a16:creationId xmlns:a16="http://schemas.microsoft.com/office/drawing/2014/main" id="{FB3628F8-7C43-4E4D-8B2A-876FD3A5E708}"/>
-              </a:ext>
-            </a:extLst>
-          </p:cNvPr>
-          <p:cNvSpPr>
-            <a:spLocks noGrp="1"/>
-          </p:cNvSpPr>
-          <p:nvPr>
-            <p:ph type="title"/>
-          </p:nvPr>
-        </p:nvSpPr>
-        <p:spPr/>
-        <p:txBody>
-          <a:bodyPr/>
-          <a:lstStyle/>
-          <a:p>
-            <a:r>
-              <a:rPr lang="en-HK" dirty="0"/>
-              <a:t>Seat-belt laws </a:t>
-            </a:r>
-            <a:endParaRPr lang="en-US" dirty="0"/>
-          </a:p>
-        </p:txBody>
-      </p:sp>
-      <p:sp>
-        <p:nvSpPr>
-          <p:cNvPr id="3" name="Content Placeholder 2">
-            <a:extLst>
-              <a:ext uri="{FF2B5EF4-FFF2-40B4-BE49-F238E27FC236}">
-                <a16:creationId xmlns:a16="http://schemas.microsoft.com/office/drawing/2014/main" id="{B7C5BC9C-6DF5-A648-81CD-A6199B97DD7B}"/>
-              </a:ext>
-            </a:extLst>
-          </p:cNvPr>
-          <p:cNvSpPr>
-            <a:spLocks noGrp="1"/>
-          </p:cNvSpPr>
-          <p:nvPr>
-            <p:ph idx="1"/>
-          </p:nvPr>
-        </p:nvSpPr>
-        <p:spPr>
-          <a:xfrm>
-            <a:off x="581192" y="2019869"/>
-            <a:ext cx="5205459" cy="4585647"/>
-          </a:xfrm>
-        </p:spPr>
-        <p:txBody>
-          <a:bodyPr>
-            <a:normAutofit/>
-          </a:bodyPr>
-          <a:lstStyle/>
-          <a:p>
-            <a:r>
-              <a:rPr lang="en-US" dirty="0"/>
-              <a:t>Seat belts dramatically reduce risk of death and serious injury. Seat belt use is on the rise. Laws, education, and technology have increased seat belt use all around the world. </a:t>
-            </a:r>
-          </a:p>
-          <a:p>
-            <a:r>
-              <a:rPr lang="en-US" dirty="0"/>
-              <a:t>161 countries of 175 countries used seat-belt laws which is 92% in all around the world. </a:t>
-            </a:r>
-          </a:p>
-          <a:p>
-            <a:r>
-              <a:rPr lang="en-US" dirty="0"/>
-              <a:t>As we see in the bar chart, 96% of countries with high income level are using this law. This percentage for middle income countries is 95% and 75% of low income countries are protecting people in this area. </a:t>
-            </a:r>
-          </a:p>
-          <a:p>
-            <a:r>
-              <a:rPr lang="en-US" dirty="0"/>
-              <a:t>This statistic shows that almost everyone is aware of the need to use seat-belt.</a:t>
-            </a:r>
-          </a:p>
-          <a:p>
-            <a:endParaRPr lang="en-US" dirty="0"/>
-          </a:p>
-        </p:txBody>
-      </p:sp>
-      <p:pic>
-        <p:nvPicPr>
-          <p:cNvPr id="4" name="seatbelt_income.png" descr="seatbelt_income.png">
-            <a:extLst>
-              <a:ext uri="{FF2B5EF4-FFF2-40B4-BE49-F238E27FC236}">
-                <a16:creationId xmlns:a16="http://schemas.microsoft.com/office/drawing/2014/main" id="{8841C5F5-DCE8-F24A-B864-78A58DBD7187}"/>
-              </a:ext>
-            </a:extLst>
-          </p:cNvPr>
-          <p:cNvPicPr>
-            <a:picLocks noChangeAspect="1"/>
-          </p:cNvPicPr>
-          <p:nvPr/>
-        </p:nvPicPr>
-        <p:blipFill>
-          <a:blip r:embed="rId2"/>
-          <a:stretch>
-            <a:fillRect/>
-          </a:stretch>
-        </p:blipFill>
-        <p:spPr>
-          <a:xfrm>
-            <a:off x="6096000" y="2122888"/>
-            <a:ext cx="5771127" cy="3847419"/>
-          </a:xfrm>
-          <a:prstGeom prst="rect">
-            <a:avLst/>
-          </a:prstGeom>
-          <a:ln w="25400">
-            <a:miter lim="400000"/>
-          </a:ln>
-          <a:effectLst>
-            <a:outerShdw blurRad="190500" dist="101600" dir="5400000" rotWithShape="0">
-              <a:srgbClr val="000000">
-                <a:alpha val="40000"/>
-              </a:srgbClr>
-            </a:outerShdw>
-          </a:effectLst>
-        </p:spPr>
-      </p:pic>
-    </p:spTree>
-    <p:extLst>
-      <p:ext uri="{BB962C8B-B14F-4D97-AF65-F5344CB8AC3E}">
-        <p14:creationId xmlns:p14="http://schemas.microsoft.com/office/powerpoint/2010/main" val="2016574885"/>
-      </p:ext>
-    </p:extLst>
-  </p:cSld>
-  <p:clrMapOvr>
-    <a:masterClrMapping/>
   </p:clrMapOvr>
 </p:sld>
 </file>
@@ -4848,7 +4970,7 @@
           <p:cNvPr id="2" name="Title 1">
             <a:extLst>
               <a:ext uri="{FF2B5EF4-FFF2-40B4-BE49-F238E27FC236}">
-                <a16:creationId xmlns:a16="http://schemas.microsoft.com/office/drawing/2014/main" id="{52975F02-1F3A-F148-B9E8-1943E7E8A53C}"/>
+                <a16:creationId xmlns:a16="http://schemas.microsoft.com/office/drawing/2014/main" id="{FB3628F8-7C43-4E4D-8B2A-876FD3A5E708}"/>
               </a:ext>
             </a:extLst>
           </p:cNvPr>
@@ -4860,6 +4982,40 @@
           </p:nvPr>
         </p:nvSpPr>
         <p:spPr/>
+        <p:txBody>
+          <a:bodyPr/>
+          <a:lstStyle/>
+          <a:p>
+            <a:r>
+              <a:rPr lang="en-HK" dirty="0"/>
+              <a:t>Seat-belt laws </a:t>
+            </a:r>
+            <a:endParaRPr lang="en-US" dirty="0"/>
+          </a:p>
+        </p:txBody>
+      </p:sp>
+      <p:sp>
+        <p:nvSpPr>
+          <p:cNvPr id="3" name="Content Placeholder 2">
+            <a:extLst>
+              <a:ext uri="{FF2B5EF4-FFF2-40B4-BE49-F238E27FC236}">
+                <a16:creationId xmlns:a16="http://schemas.microsoft.com/office/drawing/2014/main" id="{B7C5BC9C-6DF5-A648-81CD-A6199B97DD7B}"/>
+              </a:ext>
+            </a:extLst>
+          </p:cNvPr>
+          <p:cNvSpPr>
+            <a:spLocks noGrp="1"/>
+          </p:cNvSpPr>
+          <p:nvPr>
+            <p:ph idx="1"/>
+          </p:nvPr>
+        </p:nvSpPr>
+        <p:spPr>
+          <a:xfrm>
+            <a:off x="581192" y="2019869"/>
+            <a:ext cx="5205459" cy="4585647"/>
+          </a:xfrm>
+        </p:spPr>
         <p:txBody>
           <a:bodyPr>
             <a:normAutofit/>
@@ -4868,64 +5024,38 @@
           <a:p>
             <a:r>
               <a:rPr lang="en-US" dirty="0"/>
-              <a:t>Seat-belt laws </a:t>
-            </a:r>
-          </a:p>
-        </p:txBody>
-      </p:sp>
-      <p:sp>
-        <p:nvSpPr>
-          <p:cNvPr id="3" name="Content Placeholder 2">
-            <a:extLst>
-              <a:ext uri="{FF2B5EF4-FFF2-40B4-BE49-F238E27FC236}">
-                <a16:creationId xmlns:a16="http://schemas.microsoft.com/office/drawing/2014/main" id="{A8AD89AF-BE5A-9D46-B9C1-088E867218A5}"/>
-              </a:ext>
-            </a:extLst>
-          </p:cNvPr>
-          <p:cNvSpPr>
-            <a:spLocks noGrp="1"/>
-          </p:cNvSpPr>
-          <p:nvPr>
-            <p:ph idx="1"/>
-          </p:nvPr>
-        </p:nvSpPr>
-        <p:spPr>
-          <a:xfrm>
-            <a:off x="581193" y="2340864"/>
-            <a:ext cx="4154580" cy="3634486"/>
-          </a:xfrm>
-        </p:spPr>
-        <p:txBody>
-          <a:bodyPr>
-            <a:normAutofit/>
-          </a:bodyPr>
-          <a:lstStyle/>
+              <a:t>Seat belts dramatically reduce risk of death and serious injury. Seat belt use is on the rise. Laws, education, and technology have increased seat belt use all around the world. </a:t>
+            </a:r>
+          </a:p>
           <a:p>
             <a:r>
               <a:rPr lang="en-US" dirty="0"/>
-              <a:t>105 countries of 175 countries currently have laws on seat-belt use.</a:t>
+              <a:t>161 countries of 175 countries used seat-belt laws which is 92% in all around the world. </a:t>
             </a:r>
           </a:p>
           <a:p>
             <a:r>
               <a:rPr lang="en-US" dirty="0"/>
-              <a:t>This chart presents the rates of wearing seat-belt for drivers, front seat occupants, rear seats occupants, all occupants and rate on deaths on traffic road.</a:t>
+              <a:t>As we see in the bar chart, 96% of countries with high income level are using this law. This percentage for middle income countries is 95% and 75% of low income countries are protecting people in this area. </a:t>
             </a:r>
           </a:p>
           <a:p>
             <a:r>
               <a:rPr lang="en-US" dirty="0"/>
-              <a:t>We could better investigate this if we had the similar data for before enforcement of  this law in each county.</a:t>
-            </a:r>
+              <a:t>This statistic shows that almost everyone is aware of the need to use seat-belt.</a:t>
+            </a:r>
+          </a:p>
+          <a:p>
+            <a:endParaRPr lang="en-US" dirty="0"/>
           </a:p>
         </p:txBody>
       </p:sp>
       <p:pic>
         <p:nvPicPr>
-          <p:cNvPr id="4" name="wearing_seat_belt.png" descr="wearing_seat_belt.png">
-            <a:extLst>
-              <a:ext uri="{FF2B5EF4-FFF2-40B4-BE49-F238E27FC236}">
-                <a16:creationId xmlns:a16="http://schemas.microsoft.com/office/drawing/2014/main" id="{9DB05E3A-8125-5348-B394-CAACE1571945}"/>
+          <p:cNvPr id="4" name="seatbelt_income.png" descr="seatbelt_income.png">
+            <a:extLst>
+              <a:ext uri="{FF2B5EF4-FFF2-40B4-BE49-F238E27FC236}">
+                <a16:creationId xmlns:a16="http://schemas.microsoft.com/office/drawing/2014/main" id="{8841C5F5-DCE8-F24A-B864-78A58DBD7187}"/>
               </a:ext>
             </a:extLst>
           </p:cNvPr>
@@ -4934,15 +5064,16 @@
           </p:cNvPicPr>
           <p:nvPr/>
         </p:nvPicPr>
-        <p:blipFill rotWithShape="1">
+        <p:blipFill>
           <a:blip r:embed="rId2"/>
-          <a:srcRect l="8138" r="8138"/>
-          <a:stretch/>
+          <a:stretch>
+            <a:fillRect/>
+          </a:stretch>
         </p:blipFill>
         <p:spPr>
           <a:xfrm>
-            <a:off x="5104263" y="2097010"/>
-            <a:ext cx="6796394" cy="4058834"/>
+            <a:off x="6096000" y="2122888"/>
+            <a:ext cx="5771127" cy="3847419"/>
           </a:xfrm>
           <a:prstGeom prst="rect">
             <a:avLst/>
@@ -4962,7 +5093,7 @@
     </p:spTree>
     <p:extLst>
       <p:ext uri="{BB962C8B-B14F-4D97-AF65-F5344CB8AC3E}">
-        <p14:creationId xmlns:p14="http://schemas.microsoft.com/office/powerpoint/2010/main" val="2617014324"/>
+        <p14:creationId xmlns:p14="http://schemas.microsoft.com/office/powerpoint/2010/main" val="2016574885"/>
       </p:ext>
     </p:extLst>
   </p:cSld>
@@ -4975,14 +5106,6 @@
 <file path=ppt/slides/slide13.xml><?xml version="1.0" encoding="utf-8"?>
 <p:sld xmlns:a="http://schemas.openxmlformats.org/drawingml/2006/main" xmlns:r="http://schemas.openxmlformats.org/officeDocument/2006/relationships" xmlns:p="http://schemas.openxmlformats.org/presentationml/2006/main">
   <p:cSld>
-    <p:bg>
-      <p:bgPr>
-        <a:solidFill>
-          <a:schemeClr val="bg1"/>
-        </a:solidFill>
-        <a:effectLst/>
-      </p:bgPr>
-    </p:bg>
     <p:spTree>
       <p:nvGrpSpPr>
         <p:cNvPr id="1" name=""/>
@@ -4999,67 +5122,10 @@
       </p:grpSpPr>
       <p:sp>
         <p:nvSpPr>
-          <p:cNvPr id="20" name="Rectangle 19">
-            <a:extLst>
-              <a:ext uri="{FF2B5EF4-FFF2-40B4-BE49-F238E27FC236}">
-                <a16:creationId xmlns:a16="http://schemas.microsoft.com/office/drawing/2014/main" id="{3CED7894-4F62-4A6C-8DB5-DB5BE08E9C03}"/>
-              </a:ext>
-              <a:ext uri="{C183D7F6-B498-43B3-948B-1728B52AA6E4}">
-                <adec:decorative xmlns:adec="http://schemas.microsoft.com/office/drawing/2017/decorative" val="1"/>
-              </a:ext>
-            </a:extLst>
-          </p:cNvPr>
-          <p:cNvSpPr>
-            <a:spLocks noGrp="1" noRot="1" noChangeAspect="1" noMove="1" noResize="1" noEditPoints="1" noAdjustHandles="1" noChangeArrowheads="1" noChangeShapeType="1" noTextEdit="1"/>
-          </p:cNvSpPr>
-          <p:nvPr>
-            <p:extLst>
-              <p:ext uri="{386F3935-93C4-4BCD-93E2-E3B085C9AB24}">
-                <p16:designElem xmlns:p16="http://schemas.microsoft.com/office/powerpoint/2015/main" val="1"/>
-              </p:ext>
-            </p:extLst>
-          </p:nvPr>
-        </p:nvSpPr>
-        <p:spPr>
-          <a:xfrm>
-            <a:off x="0" y="0"/>
-            <a:ext cx="12192000" cy="6858000"/>
-          </a:xfrm>
-          <a:prstGeom prst="rect">
-            <a:avLst/>
-          </a:prstGeom>
-          <a:solidFill>
-            <a:schemeClr val="bg1">
-              <a:lumMod val="75000"/>
-              <a:lumOff val="25000"/>
-            </a:schemeClr>
-          </a:solidFill>
-          <a:ln>
-            <a:noFill/>
-          </a:ln>
-          <a:effectLst/>
-        </p:spPr>
-        <p:style>
-          <a:lnRef idx="1">
-            <a:schemeClr val="accent1"/>
-          </a:lnRef>
-          <a:fillRef idx="3">
-            <a:schemeClr val="accent1"/>
-          </a:fillRef>
-          <a:effectRef idx="2">
-            <a:schemeClr val="accent1"/>
-          </a:effectRef>
-          <a:fontRef idx="minor">
-            <a:schemeClr val="lt1"/>
-          </a:fontRef>
-        </p:style>
-      </p:sp>
-      <p:sp>
-        <p:nvSpPr>
           <p:cNvPr id="2" name="Title 1">
             <a:extLst>
               <a:ext uri="{FF2B5EF4-FFF2-40B4-BE49-F238E27FC236}">
-                <a16:creationId xmlns:a16="http://schemas.microsoft.com/office/drawing/2014/main" id="{F378B125-AFC4-1549-B96E-F77EDDBBD32D}"/>
+                <a16:creationId xmlns:a16="http://schemas.microsoft.com/office/drawing/2014/main" id="{52975F02-1F3A-F148-B9E8-1943E7E8A53C}"/>
               </a:ext>
             </a:extLst>
           </p:cNvPr>
@@ -5070,12 +5136,7 @@
             <p:ph type="title"/>
           </p:nvPr>
         </p:nvSpPr>
-        <p:spPr>
-          <a:xfrm>
-            <a:off x="609906" y="702155"/>
-            <a:ext cx="3568661" cy="1269713"/>
-          </a:xfrm>
-        </p:spPr>
+        <p:spPr/>
         <p:txBody>
           <a:bodyPr>
             <a:normAutofit/>
@@ -5084,71 +5145,17 @@
           <a:p>
             <a:r>
               <a:rPr lang="en-US" dirty="0"/>
-              <a:t>Mobile phone Laws </a:t>
+              <a:t>Seat-belt laws </a:t>
             </a:r>
           </a:p>
         </p:txBody>
       </p:sp>
       <p:sp>
         <p:nvSpPr>
-          <p:cNvPr id="22" name="Rectangle 21">
-            <a:extLst>
-              <a:ext uri="{FF2B5EF4-FFF2-40B4-BE49-F238E27FC236}">
-                <a16:creationId xmlns:a16="http://schemas.microsoft.com/office/drawing/2014/main" id="{E536F3B4-50F6-4C52-8F76-4EB1214719DC}"/>
-              </a:ext>
-              <a:ext uri="{C183D7F6-B498-43B3-948B-1728B52AA6E4}">
-                <adec:decorative xmlns:adec="http://schemas.microsoft.com/office/drawing/2017/decorative" val="1"/>
-              </a:ext>
-            </a:extLst>
-          </p:cNvPr>
-          <p:cNvSpPr>
-            <a:spLocks noGrp="1" noRot="1" noChangeAspect="1" noMove="1" noResize="1" noEditPoints="1" noAdjustHandles="1" noChangeArrowheads="1" noChangeShapeType="1" noTextEdit="1"/>
-          </p:cNvSpPr>
-          <p:nvPr>
-            <p:extLst>
-              <p:ext uri="{386F3935-93C4-4BCD-93E2-E3B085C9AB24}">
-                <p16:designElem xmlns:p16="http://schemas.microsoft.com/office/powerpoint/2015/main" val="1"/>
-              </p:ext>
-            </p:extLst>
-          </p:nvPr>
-        </p:nvSpPr>
-        <p:spPr>
-          <a:xfrm>
-            <a:off x="638620" y="457200"/>
-            <a:ext cx="3511233" cy="91439"/>
-          </a:xfrm>
-          <a:prstGeom prst="rect">
-            <a:avLst/>
-          </a:prstGeom>
-          <a:solidFill>
-            <a:schemeClr val="accent1"/>
-          </a:solidFill>
-          <a:ln>
-            <a:noFill/>
-          </a:ln>
-          <a:effectLst/>
-        </p:spPr>
-        <p:style>
-          <a:lnRef idx="1">
-            <a:schemeClr val="accent1"/>
-          </a:lnRef>
-          <a:fillRef idx="3">
-            <a:schemeClr val="accent1"/>
-          </a:fillRef>
-          <a:effectRef idx="2">
-            <a:schemeClr val="accent1"/>
-          </a:effectRef>
-          <a:fontRef idx="minor">
-            <a:schemeClr val="lt1"/>
-          </a:fontRef>
-        </p:style>
-      </p:sp>
-      <p:sp>
-        <p:nvSpPr>
           <p:cNvPr id="3" name="Content Placeholder 2">
             <a:extLst>
               <a:ext uri="{FF2B5EF4-FFF2-40B4-BE49-F238E27FC236}">
-                <a16:creationId xmlns:a16="http://schemas.microsoft.com/office/drawing/2014/main" id="{472BF5DB-E574-D145-8F50-CF5EBAD2DA71}"/>
+                <a16:creationId xmlns:a16="http://schemas.microsoft.com/office/drawing/2014/main" id="{A8AD89AF-BE5A-9D46-B9C1-088E867218A5}"/>
               </a:ext>
             </a:extLst>
           </p:cNvPr>
@@ -5161,67 +5168,41 @@
         </p:nvSpPr>
         <p:spPr>
           <a:xfrm>
-            <a:off x="134176" y="1915414"/>
-            <a:ext cx="5199823" cy="4485386"/>
+            <a:off x="581193" y="2340864"/>
+            <a:ext cx="4154580" cy="3634486"/>
           </a:xfrm>
         </p:spPr>
         <p:txBody>
           <a:bodyPr>
-            <a:noAutofit/>
+            <a:normAutofit/>
           </a:bodyPr>
           <a:lstStyle/>
           <a:p>
-            <a:pPr>
-              <a:lnSpc>
-                <a:spcPct val="90000"/>
-              </a:lnSpc>
-            </a:pPr>
-            <a:r>
-              <a:rPr lang="en-US" sz="1600" dirty="0"/>
-              <a:t>Using mobile devices such as smartphones and/or other in-vehicle devices is a major source of distraction while driving. Some behavioral studies show that using mobile phone while driving has the same effect as drink-driving. Evidence suggests that if there is no enforcement, this behavior will increase in society because of human nature. </a:t>
-            </a:r>
-          </a:p>
-          <a:p>
-            <a:pPr>
-              <a:lnSpc>
-                <a:spcPct val="90000"/>
-              </a:lnSpc>
-            </a:pPr>
-            <a:r>
-              <a:rPr lang="en-US" sz="1600" dirty="0"/>
-              <a:t>150 countries of 175 countries (86% ) have banned using mobile phone while driving.</a:t>
-            </a:r>
-          </a:p>
-          <a:p>
-            <a:pPr>
-              <a:lnSpc>
-                <a:spcPct val="90000"/>
-              </a:lnSpc>
-            </a:pPr>
-            <a:r>
-              <a:rPr lang="en-US" sz="1600" dirty="0"/>
-              <a:t>In this chart, we can see 96% of high-income countries used this law, this number is 86% for middle-income  countries and 68% of low-income countries banned mobile phone while driving. </a:t>
-            </a:r>
-          </a:p>
-          <a:p>
-            <a:pPr>
-              <a:lnSpc>
-                <a:spcPct val="90000"/>
-              </a:lnSpc>
-            </a:pPr>
-            <a:r>
-              <a:rPr lang="en-US" sz="1600" dirty="0"/>
-              <a:t>It can be inferred from the above information that most countries understand the importance of this laws. </a:t>
+            <a:r>
+              <a:rPr lang="en-US" dirty="0"/>
+              <a:t>105 countries of 175 countries currently have laws on seat-belt use.</a:t>
+            </a:r>
+          </a:p>
+          <a:p>
+            <a:r>
+              <a:rPr lang="en-US" dirty="0"/>
+              <a:t>This chart presents the rates of wearing seat-belt for drivers, front seat occupants, rear seats occupants, all occupants and rate on deaths on traffic road.</a:t>
+            </a:r>
+          </a:p>
+          <a:p>
+            <a:r>
+              <a:rPr lang="en-US" dirty="0"/>
+              <a:t>We could better investigate this if we had the similar data for before enforcement of  this law in each county.</a:t>
             </a:r>
           </a:p>
         </p:txBody>
       </p:sp>
       <p:pic>
         <p:nvPicPr>
-          <p:cNvPr id="4" name="mobile_income.png" descr="mobile_income.png">
-            <a:extLst>
-              <a:ext uri="{FF2B5EF4-FFF2-40B4-BE49-F238E27FC236}">
-                <a16:creationId xmlns:a16="http://schemas.microsoft.com/office/drawing/2014/main" id="{868D706C-9171-7E48-B8CE-A46729BE204A}"/>
+          <p:cNvPr id="4" name="wearing_seat_belt.png" descr="wearing_seat_belt.png">
+            <a:extLst>
+              <a:ext uri="{FF2B5EF4-FFF2-40B4-BE49-F238E27FC236}">
+                <a16:creationId xmlns:a16="http://schemas.microsoft.com/office/drawing/2014/main" id="{9DB05E3A-8125-5348-B394-CAACE1571945}"/>
               </a:ext>
             </a:extLst>
           </p:cNvPr>
@@ -5230,26 +5211,35 @@
           </p:cNvPicPr>
           <p:nvPr/>
         </p:nvPicPr>
-        <p:blipFill>
+        <p:blipFill rotWithShape="1">
           <a:blip r:embed="rId2"/>
-          <a:stretch>
-            <a:fillRect/>
-          </a:stretch>
+          <a:srcRect l="8138" r="8138"/>
+          <a:stretch/>
         </p:blipFill>
         <p:spPr>
           <a:xfrm>
-            <a:off x="5456728" y="1183910"/>
-            <a:ext cx="6735272" cy="4490180"/>
+            <a:off x="5104263" y="2097010"/>
+            <a:ext cx="6796394" cy="4058834"/>
           </a:xfrm>
           <a:prstGeom prst="rect">
             <a:avLst/>
           </a:prstGeom>
+          <a:ln w="25400">
+            <a:miter lim="400000"/>
+          </a:ln>
+          <a:effectLst>
+            <a:outerShdw blurRad="190500" dist="101600" dir="5400000" rotWithShape="0">
+              <a:srgbClr val="000000">
+                <a:alpha val="40000"/>
+              </a:srgbClr>
+            </a:outerShdw>
+          </a:effectLst>
         </p:spPr>
       </p:pic>
     </p:spTree>
     <p:extLst>
       <p:ext uri="{BB962C8B-B14F-4D97-AF65-F5344CB8AC3E}">
-        <p14:creationId xmlns:p14="http://schemas.microsoft.com/office/powerpoint/2010/main" val="334154119"/>
+        <p14:creationId xmlns:p14="http://schemas.microsoft.com/office/powerpoint/2010/main" val="2617014324"/>
       </p:ext>
     </p:extLst>
   </p:cSld>
@@ -5286,6 +5276,293 @@
       </p:grpSpPr>
       <p:sp>
         <p:nvSpPr>
+          <p:cNvPr id="20" name="Rectangle 19">
+            <a:extLst>
+              <a:ext uri="{FF2B5EF4-FFF2-40B4-BE49-F238E27FC236}">
+                <a16:creationId xmlns:a16="http://schemas.microsoft.com/office/drawing/2014/main" id="{3CED7894-4F62-4A6C-8DB5-DB5BE08E9C03}"/>
+              </a:ext>
+              <a:ext uri="{C183D7F6-B498-43B3-948B-1728B52AA6E4}">
+                <adec:decorative xmlns:adec="http://schemas.microsoft.com/office/drawing/2017/decorative" val="1"/>
+              </a:ext>
+            </a:extLst>
+          </p:cNvPr>
+          <p:cNvSpPr>
+            <a:spLocks noGrp="1" noRot="1" noChangeAspect="1" noMove="1" noResize="1" noEditPoints="1" noAdjustHandles="1" noChangeArrowheads="1" noChangeShapeType="1" noTextEdit="1"/>
+          </p:cNvSpPr>
+          <p:nvPr>
+            <p:extLst>
+              <p:ext uri="{386F3935-93C4-4BCD-93E2-E3B085C9AB24}">
+                <p16:designElem xmlns:p16="http://schemas.microsoft.com/office/powerpoint/2015/main" val="1"/>
+              </p:ext>
+            </p:extLst>
+          </p:nvPr>
+        </p:nvSpPr>
+        <p:spPr>
+          <a:xfrm>
+            <a:off x="0" y="0"/>
+            <a:ext cx="12192000" cy="6858000"/>
+          </a:xfrm>
+          <a:prstGeom prst="rect">
+            <a:avLst/>
+          </a:prstGeom>
+          <a:solidFill>
+            <a:schemeClr val="bg1">
+              <a:lumMod val="75000"/>
+              <a:lumOff val="25000"/>
+            </a:schemeClr>
+          </a:solidFill>
+          <a:ln>
+            <a:noFill/>
+          </a:ln>
+          <a:effectLst/>
+        </p:spPr>
+        <p:style>
+          <a:lnRef idx="1">
+            <a:schemeClr val="accent1"/>
+          </a:lnRef>
+          <a:fillRef idx="3">
+            <a:schemeClr val="accent1"/>
+          </a:fillRef>
+          <a:effectRef idx="2">
+            <a:schemeClr val="accent1"/>
+          </a:effectRef>
+          <a:fontRef idx="minor">
+            <a:schemeClr val="lt1"/>
+          </a:fontRef>
+        </p:style>
+      </p:sp>
+      <p:sp>
+        <p:nvSpPr>
+          <p:cNvPr id="2" name="Title 1">
+            <a:extLst>
+              <a:ext uri="{FF2B5EF4-FFF2-40B4-BE49-F238E27FC236}">
+                <a16:creationId xmlns:a16="http://schemas.microsoft.com/office/drawing/2014/main" id="{F378B125-AFC4-1549-B96E-F77EDDBBD32D}"/>
+              </a:ext>
+            </a:extLst>
+          </p:cNvPr>
+          <p:cNvSpPr>
+            <a:spLocks noGrp="1"/>
+          </p:cNvSpPr>
+          <p:nvPr>
+            <p:ph type="title"/>
+          </p:nvPr>
+        </p:nvSpPr>
+        <p:spPr>
+          <a:xfrm>
+            <a:off x="609906" y="702155"/>
+            <a:ext cx="3568661" cy="1269713"/>
+          </a:xfrm>
+        </p:spPr>
+        <p:txBody>
+          <a:bodyPr>
+            <a:normAutofit/>
+          </a:bodyPr>
+          <a:lstStyle/>
+          <a:p>
+            <a:r>
+              <a:rPr lang="en-US" dirty="0"/>
+              <a:t>Mobile phone Laws </a:t>
+            </a:r>
+          </a:p>
+        </p:txBody>
+      </p:sp>
+      <p:sp>
+        <p:nvSpPr>
+          <p:cNvPr id="22" name="Rectangle 21">
+            <a:extLst>
+              <a:ext uri="{FF2B5EF4-FFF2-40B4-BE49-F238E27FC236}">
+                <a16:creationId xmlns:a16="http://schemas.microsoft.com/office/drawing/2014/main" id="{E536F3B4-50F6-4C52-8F76-4EB1214719DC}"/>
+              </a:ext>
+              <a:ext uri="{C183D7F6-B498-43B3-948B-1728B52AA6E4}">
+                <adec:decorative xmlns:adec="http://schemas.microsoft.com/office/drawing/2017/decorative" val="1"/>
+              </a:ext>
+            </a:extLst>
+          </p:cNvPr>
+          <p:cNvSpPr>
+            <a:spLocks noGrp="1" noRot="1" noChangeAspect="1" noMove="1" noResize="1" noEditPoints="1" noAdjustHandles="1" noChangeArrowheads="1" noChangeShapeType="1" noTextEdit="1"/>
+          </p:cNvSpPr>
+          <p:nvPr>
+            <p:extLst>
+              <p:ext uri="{386F3935-93C4-4BCD-93E2-E3B085C9AB24}">
+                <p16:designElem xmlns:p16="http://schemas.microsoft.com/office/powerpoint/2015/main" val="1"/>
+              </p:ext>
+            </p:extLst>
+          </p:nvPr>
+        </p:nvSpPr>
+        <p:spPr>
+          <a:xfrm>
+            <a:off x="638620" y="457200"/>
+            <a:ext cx="3511233" cy="91439"/>
+          </a:xfrm>
+          <a:prstGeom prst="rect">
+            <a:avLst/>
+          </a:prstGeom>
+          <a:solidFill>
+            <a:schemeClr val="accent1"/>
+          </a:solidFill>
+          <a:ln>
+            <a:noFill/>
+          </a:ln>
+          <a:effectLst/>
+        </p:spPr>
+        <p:style>
+          <a:lnRef idx="1">
+            <a:schemeClr val="accent1"/>
+          </a:lnRef>
+          <a:fillRef idx="3">
+            <a:schemeClr val="accent1"/>
+          </a:fillRef>
+          <a:effectRef idx="2">
+            <a:schemeClr val="accent1"/>
+          </a:effectRef>
+          <a:fontRef idx="minor">
+            <a:schemeClr val="lt1"/>
+          </a:fontRef>
+        </p:style>
+      </p:sp>
+      <p:sp>
+        <p:nvSpPr>
+          <p:cNvPr id="3" name="Content Placeholder 2">
+            <a:extLst>
+              <a:ext uri="{FF2B5EF4-FFF2-40B4-BE49-F238E27FC236}">
+                <a16:creationId xmlns:a16="http://schemas.microsoft.com/office/drawing/2014/main" id="{472BF5DB-E574-D145-8F50-CF5EBAD2DA71}"/>
+              </a:ext>
+            </a:extLst>
+          </p:cNvPr>
+          <p:cNvSpPr>
+            <a:spLocks noGrp="1"/>
+          </p:cNvSpPr>
+          <p:nvPr>
+            <p:ph idx="1"/>
+          </p:nvPr>
+        </p:nvSpPr>
+        <p:spPr>
+          <a:xfrm>
+            <a:off x="134176" y="1915414"/>
+            <a:ext cx="5199823" cy="4485386"/>
+          </a:xfrm>
+        </p:spPr>
+        <p:txBody>
+          <a:bodyPr>
+            <a:noAutofit/>
+          </a:bodyPr>
+          <a:lstStyle/>
+          <a:p>
+            <a:pPr>
+              <a:lnSpc>
+                <a:spcPct val="90000"/>
+              </a:lnSpc>
+            </a:pPr>
+            <a:r>
+              <a:rPr lang="en-US" sz="1600" dirty="0"/>
+              <a:t>Using mobile devices such as smartphones and/or other in-vehicle devices is a major source of distraction while driving. Some behavioral studies show that using mobile phone while driving has the same effect as drink-driving. Evidence suggests that if there is no enforcement, this behavior will increase in society because of human nature. </a:t>
+            </a:r>
+          </a:p>
+          <a:p>
+            <a:pPr>
+              <a:lnSpc>
+                <a:spcPct val="90000"/>
+              </a:lnSpc>
+            </a:pPr>
+            <a:r>
+              <a:rPr lang="en-US" sz="1600" dirty="0"/>
+              <a:t>150 countries of 175 countries (86% ) have banned using mobile phone while driving.</a:t>
+            </a:r>
+          </a:p>
+          <a:p>
+            <a:pPr>
+              <a:lnSpc>
+                <a:spcPct val="90000"/>
+              </a:lnSpc>
+            </a:pPr>
+            <a:r>
+              <a:rPr lang="en-US" sz="1600" dirty="0"/>
+              <a:t>In this chart, we can see 96% of high-income countries used this law, this number is 86% for middle-income  countries and 68% of low-income countries banned mobile phone while driving. </a:t>
+            </a:r>
+          </a:p>
+          <a:p>
+            <a:pPr>
+              <a:lnSpc>
+                <a:spcPct val="90000"/>
+              </a:lnSpc>
+            </a:pPr>
+            <a:r>
+              <a:rPr lang="en-US" sz="1600" dirty="0"/>
+              <a:t>It can be inferred from the above information that most countries understand the importance of this laws. </a:t>
+            </a:r>
+          </a:p>
+        </p:txBody>
+      </p:sp>
+      <p:pic>
+        <p:nvPicPr>
+          <p:cNvPr id="4" name="mobile_income.png" descr="mobile_income.png">
+            <a:extLst>
+              <a:ext uri="{FF2B5EF4-FFF2-40B4-BE49-F238E27FC236}">
+                <a16:creationId xmlns:a16="http://schemas.microsoft.com/office/drawing/2014/main" id="{868D706C-9171-7E48-B8CE-A46729BE204A}"/>
+              </a:ext>
+            </a:extLst>
+          </p:cNvPr>
+          <p:cNvPicPr>
+            <a:picLocks noChangeAspect="1"/>
+          </p:cNvPicPr>
+          <p:nvPr/>
+        </p:nvPicPr>
+        <p:blipFill>
+          <a:blip r:embed="rId2"/>
+          <a:stretch>
+            <a:fillRect/>
+          </a:stretch>
+        </p:blipFill>
+        <p:spPr>
+          <a:xfrm>
+            <a:off x="5456728" y="1183910"/>
+            <a:ext cx="6735272" cy="4490180"/>
+          </a:xfrm>
+          <a:prstGeom prst="rect">
+            <a:avLst/>
+          </a:prstGeom>
+        </p:spPr>
+      </p:pic>
+    </p:spTree>
+    <p:extLst>
+      <p:ext uri="{BB962C8B-B14F-4D97-AF65-F5344CB8AC3E}">
+        <p14:creationId xmlns:p14="http://schemas.microsoft.com/office/powerpoint/2010/main" val="334154119"/>
+      </p:ext>
+    </p:extLst>
+  </p:cSld>
+  <p:clrMapOvr>
+    <a:masterClrMapping/>
+  </p:clrMapOvr>
+</p:sld>
+</file>
+
+<file path=ppt/slides/slide15.xml><?xml version="1.0" encoding="utf-8"?>
+<p:sld xmlns:a="http://schemas.openxmlformats.org/drawingml/2006/main" xmlns:r="http://schemas.openxmlformats.org/officeDocument/2006/relationships" xmlns:p="http://schemas.openxmlformats.org/presentationml/2006/main">
+  <p:cSld>
+    <p:bg>
+      <p:bgPr>
+        <a:solidFill>
+          <a:schemeClr val="bg1"/>
+        </a:solidFill>
+        <a:effectLst/>
+      </p:bgPr>
+    </p:bg>
+    <p:spTree>
+      <p:nvGrpSpPr>
+        <p:cNvPr id="1" name=""/>
+        <p:cNvGrpSpPr/>
+        <p:nvPr/>
+      </p:nvGrpSpPr>
+      <p:grpSpPr>
+        <a:xfrm>
+          <a:off x="0" y="0"/>
+          <a:ext cx="0" cy="0"/>
+          <a:chOff x="0" y="0"/>
+          <a:chExt cx="0" cy="0"/>
+        </a:xfrm>
+      </p:grpSpPr>
+      <p:sp>
+        <p:nvSpPr>
           <p:cNvPr id="12" name="Rectangle 8">
             <a:extLst>
               <a:ext uri="{FF2B5EF4-FFF2-40B4-BE49-F238E27FC236}">
@@ -5580,7 +5857,7 @@
 </p:sld>
 </file>
 
-<file path=ppt/slides/slide15.xml><?xml version="1.0" encoding="utf-8"?>
+<file path=ppt/slides/slide16.xml><?xml version="1.0" encoding="utf-8"?>
 <p:sld xmlns:a="http://schemas.openxmlformats.org/drawingml/2006/main" xmlns:r="http://schemas.openxmlformats.org/officeDocument/2006/relationships" xmlns:p="http://schemas.openxmlformats.org/presentationml/2006/main">
   <p:cSld>
     <p:spTree>
@@ -5934,167 +6211,6 @@
 </p:sld>
 </file>
 
-<file path=ppt/slides/slide16.xml><?xml version="1.0" encoding="utf-8"?>
-<p:sld xmlns:a="http://schemas.openxmlformats.org/drawingml/2006/main" xmlns:r="http://schemas.openxmlformats.org/officeDocument/2006/relationships" xmlns:p="http://schemas.openxmlformats.org/presentationml/2006/main">
-  <p:cSld>
-    <p:spTree>
-      <p:nvGrpSpPr>
-        <p:cNvPr id="1" name=""/>
-        <p:cNvGrpSpPr/>
-        <p:nvPr/>
-      </p:nvGrpSpPr>
-      <p:grpSpPr>
-        <a:xfrm>
-          <a:off x="0" y="0"/>
-          <a:ext cx="0" cy="0"/>
-          <a:chOff x="0" y="0"/>
-          <a:chExt cx="0" cy="0"/>
-        </a:xfrm>
-      </p:grpSpPr>
-      <p:sp>
-        <p:nvSpPr>
-          <p:cNvPr id="3" name="Rectangle 2">
-            <a:extLst>
-              <a:ext uri="{FF2B5EF4-FFF2-40B4-BE49-F238E27FC236}">
-                <a16:creationId xmlns:a16="http://schemas.microsoft.com/office/drawing/2014/main" id="{8DE33E85-6739-DA49-BF21-4C66976BE541}"/>
-              </a:ext>
-            </a:extLst>
-          </p:cNvPr>
-          <p:cNvSpPr/>
-          <p:nvPr/>
-        </p:nvSpPr>
-        <p:spPr>
-          <a:xfrm>
-            <a:off x="8802616" y="1188720"/>
-            <a:ext cx="3263028" cy="5434261"/>
-          </a:xfrm>
-          <a:prstGeom prst="rect">
-            <a:avLst/>
-          </a:prstGeom>
-          <a:solidFill>
-            <a:srgbClr val="455359"/>
-          </a:solidFill>
-        </p:spPr>
-        <p:style>
-          <a:lnRef idx="2">
-            <a:schemeClr val="accent1">
-              <a:shade val="50000"/>
-            </a:schemeClr>
-          </a:lnRef>
-          <a:fillRef idx="1">
-            <a:schemeClr val="accent1"/>
-          </a:fillRef>
-          <a:effectRef idx="0">
-            <a:schemeClr val="accent1"/>
-          </a:effectRef>
-          <a:fontRef idx="minor">
-            <a:schemeClr val="lt1"/>
-          </a:fontRef>
-        </p:style>
-        <p:txBody>
-          <a:bodyPr rtlCol="0" anchor="ctr"/>
-          <a:lstStyle/>
-          <a:p>
-            <a:pPr algn="ctr"/>
-            <a:r>
-              <a:rPr lang="en-US" sz="3600" cap="all" dirty="0">
-                <a:solidFill>
-                  <a:srgbClr val="FFFFFF"/>
-                </a:solidFill>
-                <a:ea typeface="+mj-ea"/>
-                <a:cs typeface="+mj-cs"/>
-              </a:rPr>
-              <a:t>Age group </a:t>
-            </a:r>
-          </a:p>
-          <a:p>
-            <a:pPr algn="ctr"/>
-            <a:r>
-              <a:rPr lang="en-US" sz="3600" cap="all" dirty="0">
-                <a:solidFill>
-                  <a:srgbClr val="FFFFFF"/>
-                </a:solidFill>
-                <a:ea typeface="+mj-ea"/>
-                <a:cs typeface="+mj-cs"/>
-              </a:rPr>
-              <a:t>Vs.</a:t>
-            </a:r>
-          </a:p>
-          <a:p>
-            <a:pPr algn="ctr"/>
-            <a:r>
-              <a:rPr lang="en-US" sz="3600" cap="all" dirty="0">
-                <a:solidFill>
-                  <a:srgbClr val="FFFFFF"/>
-                </a:solidFill>
-                <a:ea typeface="+mj-ea"/>
-                <a:cs typeface="+mj-cs"/>
-              </a:rPr>
-              <a:t> fatality in Australia</a:t>
-            </a:r>
-          </a:p>
-        </p:txBody>
-      </p:sp>
-      <p:pic>
-        <p:nvPicPr>
-          <p:cNvPr id="4" name="Picture 2">
-            <a:extLst>
-              <a:ext uri="{FF2B5EF4-FFF2-40B4-BE49-F238E27FC236}">
-                <a16:creationId xmlns:a16="http://schemas.microsoft.com/office/drawing/2014/main" id="{F5C384D3-BEE4-6F4D-9169-826897FA6CA4}"/>
-              </a:ext>
-            </a:extLst>
-          </p:cNvPr>
-          <p:cNvPicPr>
-            <a:picLocks noChangeAspect="1" noChangeArrowheads="1"/>
-          </p:cNvPicPr>
-          <p:nvPr/>
-        </p:nvPicPr>
-        <p:blipFill>
-          <a:blip r:embed="rId2">
-            <a:extLst>
-              <a:ext uri="{28A0092B-C50C-407E-A947-70E740481C1C}">
-                <a14:useLocalDpi xmlns:a14="http://schemas.microsoft.com/office/drawing/2010/main" val="0"/>
-              </a:ext>
-            </a:extLst>
-          </a:blip>
-          <a:srcRect/>
-          <a:stretch>
-            <a:fillRect/>
-          </a:stretch>
-        </p:blipFill>
-        <p:spPr bwMode="auto">
-          <a:xfrm>
-            <a:off x="204716" y="687001"/>
-            <a:ext cx="8597900" cy="6007100"/>
-          </a:xfrm>
-          <a:prstGeom prst="rect">
-            <a:avLst/>
-          </a:prstGeom>
-          <a:noFill/>
-          <a:extLst>
-            <a:ext uri="{909E8E84-426E-40DD-AFC4-6F175D3DCCD1}">
-              <a14:hiddenFill xmlns:a14="http://schemas.microsoft.com/office/drawing/2010/main">
-                <a:solidFill>
-                  <a:srgbClr val="FFFFFF"/>
-                </a:solidFill>
-              </a14:hiddenFill>
-            </a:ext>
-          </a:extLst>
-        </p:spPr>
-      </p:pic>
-    </p:spTree>
-    <p:extLst>
-      <p:ext uri="{BB962C8B-B14F-4D97-AF65-F5344CB8AC3E}">
-        <p14:creationId xmlns:p14="http://schemas.microsoft.com/office/powerpoint/2010/main" val="584577909"/>
-      </p:ext>
-    </p:extLst>
-  </p:cSld>
-  <p:clrMapOvr>
-    <a:masterClrMapping/>
-  </p:clrMapOvr>
-</p:sld>
-</file>
-
 <file path=ppt/slides/slide17.xml><?xml version="1.0" encoding="utf-8"?>
 <p:sld xmlns:a="http://schemas.openxmlformats.org/drawingml/2006/main" xmlns:r="http://schemas.openxmlformats.org/officeDocument/2006/relationships" xmlns:p="http://schemas.openxmlformats.org/presentationml/2006/main">
   <p:cSld>
@@ -6194,6 +6310,167 @@
               <a:t> fatality in Australia</a:t>
             </a:r>
           </a:p>
+        </p:txBody>
+      </p:sp>
+      <p:pic>
+        <p:nvPicPr>
+          <p:cNvPr id="4" name="Picture 2">
+            <a:extLst>
+              <a:ext uri="{FF2B5EF4-FFF2-40B4-BE49-F238E27FC236}">
+                <a16:creationId xmlns:a16="http://schemas.microsoft.com/office/drawing/2014/main" id="{F5C384D3-BEE4-6F4D-9169-826897FA6CA4}"/>
+              </a:ext>
+            </a:extLst>
+          </p:cNvPr>
+          <p:cNvPicPr>
+            <a:picLocks noChangeAspect="1" noChangeArrowheads="1"/>
+          </p:cNvPicPr>
+          <p:nvPr/>
+        </p:nvPicPr>
+        <p:blipFill>
+          <a:blip r:embed="rId2">
+            <a:extLst>
+              <a:ext uri="{28A0092B-C50C-407E-A947-70E740481C1C}">
+                <a14:useLocalDpi xmlns:a14="http://schemas.microsoft.com/office/drawing/2010/main" val="0"/>
+              </a:ext>
+            </a:extLst>
+          </a:blip>
+          <a:srcRect/>
+          <a:stretch>
+            <a:fillRect/>
+          </a:stretch>
+        </p:blipFill>
+        <p:spPr bwMode="auto">
+          <a:xfrm>
+            <a:off x="204716" y="687001"/>
+            <a:ext cx="8597900" cy="6007100"/>
+          </a:xfrm>
+          <a:prstGeom prst="rect">
+            <a:avLst/>
+          </a:prstGeom>
+          <a:noFill/>
+          <a:extLst>
+            <a:ext uri="{909E8E84-426E-40DD-AFC4-6F175D3DCCD1}">
+              <a14:hiddenFill xmlns:a14="http://schemas.microsoft.com/office/drawing/2010/main">
+                <a:solidFill>
+                  <a:srgbClr val="FFFFFF"/>
+                </a:solidFill>
+              </a14:hiddenFill>
+            </a:ext>
+          </a:extLst>
+        </p:spPr>
+      </p:pic>
+    </p:spTree>
+    <p:extLst>
+      <p:ext uri="{BB962C8B-B14F-4D97-AF65-F5344CB8AC3E}">
+        <p14:creationId xmlns:p14="http://schemas.microsoft.com/office/powerpoint/2010/main" val="584577909"/>
+      </p:ext>
+    </p:extLst>
+  </p:cSld>
+  <p:clrMapOvr>
+    <a:masterClrMapping/>
+  </p:clrMapOvr>
+</p:sld>
+</file>
+
+<file path=ppt/slides/slide18.xml><?xml version="1.0" encoding="utf-8"?>
+<p:sld xmlns:a="http://schemas.openxmlformats.org/drawingml/2006/main" xmlns:r="http://schemas.openxmlformats.org/officeDocument/2006/relationships" xmlns:p="http://schemas.openxmlformats.org/presentationml/2006/main">
+  <p:cSld>
+    <p:spTree>
+      <p:nvGrpSpPr>
+        <p:cNvPr id="1" name=""/>
+        <p:cNvGrpSpPr/>
+        <p:nvPr/>
+      </p:nvGrpSpPr>
+      <p:grpSpPr>
+        <a:xfrm>
+          <a:off x="0" y="0"/>
+          <a:ext cx="0" cy="0"/>
+          <a:chOff x="0" y="0"/>
+          <a:chExt cx="0" cy="0"/>
+        </a:xfrm>
+      </p:grpSpPr>
+      <p:sp>
+        <p:nvSpPr>
+          <p:cNvPr id="3" name="Rectangle 2">
+            <a:extLst>
+              <a:ext uri="{FF2B5EF4-FFF2-40B4-BE49-F238E27FC236}">
+                <a16:creationId xmlns:a16="http://schemas.microsoft.com/office/drawing/2014/main" id="{8DE33E85-6739-DA49-BF21-4C66976BE541}"/>
+              </a:ext>
+            </a:extLst>
+          </p:cNvPr>
+          <p:cNvSpPr/>
+          <p:nvPr/>
+        </p:nvSpPr>
+        <p:spPr>
+          <a:xfrm>
+            <a:off x="8802616" y="1188720"/>
+            <a:ext cx="3263028" cy="5434261"/>
+          </a:xfrm>
+          <a:prstGeom prst="rect">
+            <a:avLst/>
+          </a:prstGeom>
+          <a:solidFill>
+            <a:srgbClr val="455359"/>
+          </a:solidFill>
+        </p:spPr>
+        <p:style>
+          <a:lnRef idx="2">
+            <a:schemeClr val="accent1">
+              <a:shade val="50000"/>
+            </a:schemeClr>
+          </a:lnRef>
+          <a:fillRef idx="1">
+            <a:schemeClr val="accent1"/>
+          </a:fillRef>
+          <a:effectRef idx="0">
+            <a:schemeClr val="accent1"/>
+          </a:effectRef>
+          <a:fontRef idx="minor">
+            <a:schemeClr val="lt1"/>
+          </a:fontRef>
+        </p:style>
+        <p:txBody>
+          <a:bodyPr rtlCol="0" anchor="ctr"/>
+          <a:lstStyle/>
+          <a:p>
+            <a:pPr algn="ctr"/>
+            <a:r>
+              <a:rPr lang="en-US" sz="3600" cap="all" dirty="0">
+                <a:solidFill>
+                  <a:srgbClr val="FFFFFF"/>
+                </a:solidFill>
+                <a:ea typeface="+mj-ea"/>
+                <a:cs typeface="+mj-cs"/>
+              </a:rPr>
+              <a:t>Age group </a:t>
+            </a:r>
+          </a:p>
+          <a:p>
+            <a:pPr algn="ctr"/>
+            <a:r>
+              <a:rPr lang="en-US" sz="3600" cap="all" dirty="0">
+                <a:solidFill>
+                  <a:srgbClr val="FFFFFF"/>
+                </a:solidFill>
+                <a:ea typeface="+mj-ea"/>
+                <a:cs typeface="+mj-cs"/>
+              </a:rPr>
+              <a:t>Vs.</a:t>
+            </a:r>
+          </a:p>
+          <a:p>
+            <a:pPr algn="ctr"/>
+            <a:r>
+              <a:rPr lang="en-US" sz="3600" cap="all" dirty="0">
+                <a:solidFill>
+                  <a:srgbClr val="FFFFFF"/>
+                </a:solidFill>
+                <a:ea typeface="+mj-ea"/>
+                <a:cs typeface="+mj-cs"/>
+              </a:rPr>
+              <a:t> fatality in Australia</a:t>
+            </a:r>
+          </a:p>
           <a:p>
             <a:pPr algn="ctr"/>
             <a:r>
@@ -6288,7 +6565,7 @@
 </p:sld>
 </file>
 
-<file path=ppt/slides/slide18.xml><?xml version="1.0" encoding="utf-8"?>
+<file path=ppt/slides/slide19.xml><?xml version="1.0" encoding="utf-8"?>
 <p:sld xmlns:a="http://schemas.openxmlformats.org/drawingml/2006/main" xmlns:r="http://schemas.openxmlformats.org/officeDocument/2006/relationships" xmlns:p="http://schemas.openxmlformats.org/presentationml/2006/main">
   <p:cSld>
     <p:bg>
@@ -6623,139 +6900,6 @@
   </p:cSld>
   <p:clrMapOvr>
     <a:overrideClrMapping bg1="dk1" tx1="lt1" bg2="dk2" tx2="lt2" accent1="accent1" accent2="accent2" accent3="accent3" accent4="accent4" accent5="accent5" accent6="accent6" hlink="hlink" folHlink="folHlink"/>
-  </p:clrMapOvr>
-</p:sld>
-</file>
-
-<file path=ppt/slides/slide19.xml><?xml version="1.0" encoding="utf-8"?>
-<p:sld xmlns:a="http://schemas.openxmlformats.org/drawingml/2006/main" xmlns:r="http://schemas.openxmlformats.org/officeDocument/2006/relationships" xmlns:p="http://schemas.openxmlformats.org/presentationml/2006/main">
-  <p:cSld>
-    <p:spTree>
-      <p:nvGrpSpPr>
-        <p:cNvPr id="1" name=""/>
-        <p:cNvGrpSpPr/>
-        <p:nvPr/>
-      </p:nvGrpSpPr>
-      <p:grpSpPr>
-        <a:xfrm>
-          <a:off x="0" y="0"/>
-          <a:ext cx="0" cy="0"/>
-          <a:chOff x="0" y="0"/>
-          <a:chExt cx="0" cy="0"/>
-        </a:xfrm>
-      </p:grpSpPr>
-      <p:sp>
-        <p:nvSpPr>
-          <p:cNvPr id="2" name="Title 1">
-            <a:extLst>
-              <a:ext uri="{FF2B5EF4-FFF2-40B4-BE49-F238E27FC236}">
-                <a16:creationId xmlns:a16="http://schemas.microsoft.com/office/drawing/2014/main" id="{F8386488-4DBA-A94C-8BBD-2A78AEA340F1}"/>
-              </a:ext>
-            </a:extLst>
-          </p:cNvPr>
-          <p:cNvSpPr>
-            <a:spLocks noGrp="1"/>
-          </p:cNvSpPr>
-          <p:nvPr>
-            <p:ph type="title"/>
-          </p:nvPr>
-        </p:nvSpPr>
-        <p:spPr/>
-        <p:txBody>
-          <a:bodyPr/>
-          <a:lstStyle/>
-          <a:p>
-            <a:r>
-              <a:rPr lang="en-US" dirty="0"/>
-              <a:t>Do speed limits help save lives?</a:t>
-            </a:r>
-          </a:p>
-        </p:txBody>
-      </p:sp>
-      <p:sp>
-        <p:nvSpPr>
-          <p:cNvPr id="3" name="Content Placeholder 2">
-            <a:extLst>
-              <a:ext uri="{FF2B5EF4-FFF2-40B4-BE49-F238E27FC236}">
-                <a16:creationId xmlns:a16="http://schemas.microsoft.com/office/drawing/2014/main" id="{6EC4FDA6-5F7A-3546-8523-33C583FA518B}"/>
-              </a:ext>
-            </a:extLst>
-          </p:cNvPr>
-          <p:cNvSpPr>
-            <a:spLocks noGrp="1"/>
-          </p:cNvSpPr>
-          <p:nvPr>
-            <p:ph idx="1"/>
-          </p:nvPr>
-        </p:nvSpPr>
-        <p:spPr>
-          <a:xfrm>
-            <a:off x="581193" y="2340864"/>
-            <a:ext cx="5169368" cy="3634486"/>
-          </a:xfrm>
-        </p:spPr>
-        <p:txBody>
-          <a:bodyPr/>
-          <a:lstStyle/>
-          <a:p>
-            <a:r>
-              <a:rPr lang="en-US" dirty="0"/>
-              <a:t>We are seeing more deaths on roads with 60km/h and 100km/h</a:t>
-            </a:r>
-          </a:p>
-          <a:p>
-            <a:r>
-              <a:rPr lang="en-US" dirty="0"/>
-              <a:t>There is a larger proportion of road designed with these speed limit</a:t>
-            </a:r>
-          </a:p>
-          <a:p>
-            <a:r>
-              <a:rPr lang="en-US" dirty="0"/>
-              <a:t>This does not convey the relative safety of the speeds in isolation from other variables</a:t>
-            </a:r>
-          </a:p>
-        </p:txBody>
-      </p:sp>
-      <p:pic>
-        <p:nvPicPr>
-          <p:cNvPr id="5" name="Picture 4" descr="Chart, histogram&#10;&#10;Description automatically generated">
-            <a:extLst>
-              <a:ext uri="{FF2B5EF4-FFF2-40B4-BE49-F238E27FC236}">
-                <a16:creationId xmlns:a16="http://schemas.microsoft.com/office/drawing/2014/main" id="{0D8C3195-765D-9043-9849-7EEC81D29881}"/>
-              </a:ext>
-            </a:extLst>
-          </p:cNvPr>
-          <p:cNvPicPr>
-            <a:picLocks noChangeAspect="1"/>
-          </p:cNvPicPr>
-          <p:nvPr/>
-        </p:nvPicPr>
-        <p:blipFill>
-          <a:blip r:embed="rId2"/>
-          <a:stretch>
-            <a:fillRect/>
-          </a:stretch>
-        </p:blipFill>
-        <p:spPr>
-          <a:xfrm>
-            <a:off x="5681238" y="1890876"/>
-            <a:ext cx="6459941" cy="4844956"/>
-          </a:xfrm>
-          <a:prstGeom prst="rect">
-            <a:avLst/>
-          </a:prstGeom>
-        </p:spPr>
-      </p:pic>
-    </p:spTree>
-    <p:extLst>
-      <p:ext uri="{BB962C8B-B14F-4D97-AF65-F5344CB8AC3E}">
-        <p14:creationId xmlns:p14="http://schemas.microsoft.com/office/powerpoint/2010/main" val="2615846574"/>
-      </p:ext>
-    </p:extLst>
-  </p:cSld>
-  <p:clrMapOvr>
-    <a:masterClrMapping/>
   </p:clrMapOvr>
 </p:sld>
 </file>
@@ -6958,7 +7102,7 @@
           <p:cNvPr id="2" name="Title 1">
             <a:extLst>
               <a:ext uri="{FF2B5EF4-FFF2-40B4-BE49-F238E27FC236}">
-                <a16:creationId xmlns:a16="http://schemas.microsoft.com/office/drawing/2014/main" id="{1E3D239F-8D7A-5145-A37A-8297CE4A236C}"/>
+                <a16:creationId xmlns:a16="http://schemas.microsoft.com/office/drawing/2014/main" id="{F8386488-4DBA-A94C-8BBD-2A78AEA340F1}"/>
               </a:ext>
             </a:extLst>
           </p:cNvPr>
@@ -6975,58 +7119,9 @@
           <a:lstStyle/>
           <a:p>
             <a:r>
-              <a:rPr lang="en-US" altLang="zh-TW" dirty="0"/>
-              <a:t>What</a:t>
-            </a:r>
-            <a:r>
-              <a:rPr lang="zh-TW" altLang="en-US" dirty="0"/>
-              <a:t> </a:t>
-            </a:r>
-            <a:r>
-              <a:rPr lang="en-US" altLang="zh-TW" dirty="0"/>
-              <a:t>time</a:t>
-            </a:r>
-            <a:r>
-              <a:rPr lang="zh-TW" altLang="en-US" dirty="0"/>
-              <a:t> </a:t>
-            </a:r>
-            <a:r>
-              <a:rPr lang="en-US" altLang="zh-TW" dirty="0"/>
-              <a:t>is</a:t>
-            </a:r>
-            <a:r>
-              <a:rPr lang="zh-TW" altLang="en-US" dirty="0"/>
-              <a:t> </a:t>
-            </a:r>
-            <a:r>
-              <a:rPr lang="en-US" altLang="zh-TW" dirty="0"/>
-              <a:t>the</a:t>
-            </a:r>
-            <a:r>
-              <a:rPr lang="zh-TW" altLang="en-US" dirty="0"/>
-              <a:t> </a:t>
-            </a:r>
-            <a:r>
-              <a:rPr lang="en-US" altLang="zh-TW" dirty="0"/>
-              <a:t>safest</a:t>
-            </a:r>
-            <a:r>
-              <a:rPr lang="zh-TW" altLang="en-US" dirty="0"/>
-              <a:t> </a:t>
-            </a:r>
-            <a:r>
-              <a:rPr lang="en-US" altLang="zh-TW" dirty="0"/>
-              <a:t>to</a:t>
-            </a:r>
-            <a:r>
-              <a:rPr lang="zh-TW" altLang="en-US" dirty="0"/>
-              <a:t> </a:t>
-            </a:r>
-            <a:r>
-              <a:rPr lang="en-US" altLang="zh-TW"/>
-              <a:t>go?</a:t>
-            </a:r>
-            <a:endParaRPr lang="en-US"/>
+              <a:rPr lang="en-US" dirty="0"/>
+              <a:t>Do speed limits help save lives?</a:t>
+            </a:r>
           </a:p>
         </p:txBody>
       </p:sp>
@@ -7035,7 +7130,7 @@
           <p:cNvPr id="3" name="Content Placeholder 2">
             <a:extLst>
               <a:ext uri="{FF2B5EF4-FFF2-40B4-BE49-F238E27FC236}">
-                <a16:creationId xmlns:a16="http://schemas.microsoft.com/office/drawing/2014/main" id="{73022164-6577-BE4B-9AD0-7219BDCDC3EF}"/>
+                <a16:creationId xmlns:a16="http://schemas.microsoft.com/office/drawing/2014/main" id="{6EC4FDA6-5F7A-3546-8523-33C583FA518B}"/>
               </a:ext>
             </a:extLst>
           </p:cNvPr>
@@ -7048,8 +7143,8 @@
         </p:nvSpPr>
         <p:spPr>
           <a:xfrm>
-            <a:off x="581192" y="2340863"/>
-            <a:ext cx="2926283" cy="4141823"/>
+            <a:off x="581193" y="2340864"/>
+            <a:ext cx="5169368" cy="3634486"/>
           </a:xfrm>
         </p:spPr>
         <p:txBody>
@@ -7058,200 +7153,29 @@
           <a:p>
             <a:r>
               <a:rPr lang="en-US" dirty="0"/>
-              <a:t>Most accidents are recorded at </a:t>
-            </a:r>
-            <a:r>
-              <a:rPr lang="en-US" altLang="zh-TW" dirty="0"/>
-              <a:t>O’clock</a:t>
-            </a:r>
-          </a:p>
-          <a:p>
-            <a:r>
-              <a:rPr lang="en-US" altLang="zh-TW" dirty="0"/>
-              <a:t>Believed</a:t>
-            </a:r>
-            <a:r>
-              <a:rPr lang="zh-TW" altLang="en-US" dirty="0"/>
-              <a:t> </a:t>
-            </a:r>
-            <a:r>
-              <a:rPr lang="en-US" altLang="zh-TW" dirty="0"/>
-              <a:t>it’s</a:t>
-            </a:r>
-            <a:r>
-              <a:rPr lang="zh-TW" altLang="en-US" dirty="0"/>
-              <a:t> </a:t>
-            </a:r>
-            <a:r>
-              <a:rPr lang="en-US" altLang="zh-TW" dirty="0"/>
-              <a:t>easier</a:t>
-            </a:r>
-            <a:r>
-              <a:rPr lang="zh-TW" altLang="en-US" dirty="0"/>
-              <a:t> </a:t>
-            </a:r>
-            <a:r>
-              <a:rPr lang="en-US" altLang="zh-TW" dirty="0"/>
-              <a:t>for</a:t>
-            </a:r>
-            <a:r>
-              <a:rPr lang="zh-TW" altLang="en-US" dirty="0"/>
-              <a:t> </a:t>
-            </a:r>
-            <a:r>
-              <a:rPr lang="en-US" altLang="zh-TW" dirty="0"/>
-              <a:t>memory</a:t>
-            </a:r>
-          </a:p>
-          <a:p>
-            <a:r>
-              <a:rPr lang="en-US" altLang="zh-TW" dirty="0"/>
-              <a:t>Fatality</a:t>
-            </a:r>
-            <a:r>
-              <a:rPr lang="zh-TW" altLang="en-US" dirty="0"/>
-              <a:t> </a:t>
-            </a:r>
-            <a:r>
-              <a:rPr lang="en-US" altLang="zh-TW" dirty="0"/>
-              <a:t>rate</a:t>
-            </a:r>
-            <a:r>
-              <a:rPr lang="zh-TW" altLang="en-US" dirty="0"/>
-              <a:t> </a:t>
-            </a:r>
-            <a:r>
-              <a:rPr lang="en-US" altLang="zh-TW" dirty="0"/>
-              <a:t>starts</a:t>
-            </a:r>
-            <a:r>
-              <a:rPr lang="zh-TW" altLang="en-US" dirty="0"/>
-              <a:t> </a:t>
-            </a:r>
-            <a:r>
-              <a:rPr lang="en-US" altLang="zh-TW" dirty="0"/>
-              <a:t>increasing</a:t>
-            </a:r>
-            <a:r>
-              <a:rPr lang="zh-TW" altLang="en-US" dirty="0"/>
-              <a:t> </a:t>
-            </a:r>
-            <a:r>
-              <a:rPr lang="en-US" altLang="zh-TW" dirty="0"/>
-              <a:t>by</a:t>
-            </a:r>
-            <a:r>
-              <a:rPr lang="zh-TW" altLang="en-US" dirty="0"/>
-              <a:t> </a:t>
-            </a:r>
-            <a:r>
-              <a:rPr lang="en-US" altLang="zh-TW" dirty="0"/>
-              <a:t>4am</a:t>
-            </a:r>
-          </a:p>
-          <a:p>
-            <a:r>
-              <a:rPr lang="en-US" altLang="zh-TW" dirty="0"/>
-              <a:t>Reaches</a:t>
-            </a:r>
-            <a:r>
-              <a:rPr lang="zh-TW" altLang="en-US" dirty="0"/>
-              <a:t> </a:t>
-            </a:r>
-            <a:r>
-              <a:rPr lang="en-US" altLang="zh-TW" dirty="0"/>
-              <a:t>the</a:t>
-            </a:r>
-            <a:r>
-              <a:rPr lang="zh-TW" altLang="en-US" dirty="0"/>
-              <a:t> </a:t>
-            </a:r>
-            <a:r>
-              <a:rPr lang="en-US" altLang="zh-TW" dirty="0"/>
-              <a:t>highest</a:t>
-            </a:r>
-            <a:r>
-              <a:rPr lang="zh-TW" altLang="en-US" dirty="0"/>
-              <a:t> </a:t>
-            </a:r>
-            <a:r>
-              <a:rPr lang="en-US" altLang="zh-TW" dirty="0"/>
-              <a:t>at</a:t>
-            </a:r>
-            <a:r>
-              <a:rPr lang="zh-TW" altLang="en-US" dirty="0"/>
-              <a:t> </a:t>
-            </a:r>
-            <a:r>
-              <a:rPr lang="en-US" altLang="zh-TW" dirty="0"/>
-              <a:t>around</a:t>
-            </a:r>
-            <a:r>
-              <a:rPr lang="zh-TW" altLang="en-US" dirty="0"/>
-              <a:t> </a:t>
-            </a:r>
-            <a:r>
-              <a:rPr lang="en-US" altLang="zh-TW" dirty="0"/>
-              <a:t>3pm</a:t>
-            </a:r>
-            <a:r>
-              <a:rPr lang="zh-TW" altLang="en-US" dirty="0"/>
-              <a:t> </a:t>
-            </a:r>
-            <a:r>
-              <a:rPr lang="en-US" altLang="zh-TW" dirty="0"/>
-              <a:t>and</a:t>
-            </a:r>
-            <a:r>
-              <a:rPr lang="zh-TW" altLang="en-US" dirty="0"/>
-              <a:t> </a:t>
-            </a:r>
-            <a:r>
-              <a:rPr lang="en-US" altLang="zh-TW" dirty="0"/>
-              <a:t>a</a:t>
-            </a:r>
-            <a:r>
-              <a:rPr lang="zh-TW" altLang="en-US" dirty="0"/>
-              <a:t> </a:t>
-            </a:r>
-            <a:r>
-              <a:rPr lang="en-US" altLang="zh-TW" dirty="0"/>
-              <a:t>small</a:t>
-            </a:r>
-            <a:r>
-              <a:rPr lang="zh-TW" altLang="en-US" dirty="0"/>
-              <a:t> </a:t>
-            </a:r>
-            <a:r>
-              <a:rPr lang="en-US" altLang="zh-TW" dirty="0"/>
-              <a:t>surge</a:t>
-            </a:r>
-            <a:r>
-              <a:rPr lang="zh-TW" altLang="en-US" dirty="0"/>
-              <a:t> </a:t>
-            </a:r>
-            <a:r>
-              <a:rPr lang="en-US" altLang="zh-TW" dirty="0"/>
-              <a:t>at</a:t>
-            </a:r>
-            <a:r>
-              <a:rPr lang="zh-TW" altLang="en-US" dirty="0"/>
-              <a:t> </a:t>
-            </a:r>
-            <a:r>
-              <a:rPr lang="en-US" altLang="zh-TW" dirty="0"/>
-              <a:t>6pm</a:t>
-            </a:r>
-            <a:endParaRPr lang="en-US" dirty="0"/>
+              <a:t>We are seeing more deaths on roads with 60km/h and 100km/h</a:t>
+            </a:r>
+          </a:p>
+          <a:p>
+            <a:r>
+              <a:rPr lang="en-US" dirty="0"/>
+              <a:t>There is a larger proportion of road designed with these speed limit</a:t>
+            </a:r>
+          </a:p>
+          <a:p>
+            <a:r>
+              <a:rPr lang="en-US" dirty="0"/>
+              <a:t>This does not convey the relative safety of the speeds in isolation from other variables</a:t>
+            </a:r>
           </a:p>
         </p:txBody>
       </p:sp>
       <p:pic>
         <p:nvPicPr>
-          <p:cNvPr id="5" name="Picture 4" descr="Chart, scatter chart&#10;&#10;Description automatically generated">
-            <a:extLst>
-              <a:ext uri="{FF2B5EF4-FFF2-40B4-BE49-F238E27FC236}">
-                <a16:creationId xmlns:a16="http://schemas.microsoft.com/office/drawing/2014/main" id="{AEB95ADD-C6DC-144D-A5D0-FC9734F89F36}"/>
+          <p:cNvPr id="5" name="Picture 4" descr="Chart, histogram&#10;&#10;Description automatically generated">
+            <a:extLst>
+              <a:ext uri="{FF2B5EF4-FFF2-40B4-BE49-F238E27FC236}">
+                <a16:creationId xmlns:a16="http://schemas.microsoft.com/office/drawing/2014/main" id="{0D8C3195-765D-9043-9849-7EEC81D29881}"/>
               </a:ext>
             </a:extLst>
           </p:cNvPr>
@@ -7260,15 +7184,16 @@
           </p:cNvPicPr>
           <p:nvPr/>
         </p:nvPicPr>
-        <p:blipFill rotWithShape="1">
+        <p:blipFill>
           <a:blip r:embed="rId2"/>
-          <a:srcRect l="6940" r="6940"/>
-          <a:stretch/>
+          <a:stretch>
+            <a:fillRect/>
+          </a:stretch>
         </p:blipFill>
         <p:spPr>
           <a:xfrm>
-            <a:off x="3657485" y="2439558"/>
-            <a:ext cx="8534515" cy="3716286"/>
+            <a:off x="5681238" y="1890876"/>
+            <a:ext cx="6459941" cy="4844956"/>
           </a:xfrm>
           <a:prstGeom prst="rect">
             <a:avLst/>
@@ -7278,7 +7203,7 @@
     </p:spTree>
     <p:extLst>
       <p:ext uri="{BB962C8B-B14F-4D97-AF65-F5344CB8AC3E}">
-        <p14:creationId xmlns:p14="http://schemas.microsoft.com/office/powerpoint/2010/main" val="1889228831"/>
+        <p14:creationId xmlns:p14="http://schemas.microsoft.com/office/powerpoint/2010/main" val="2615846574"/>
       </p:ext>
     </p:extLst>
   </p:cSld>
@@ -7310,7 +7235,7 @@
           <p:cNvPr id="2" name="Title 1">
             <a:extLst>
               <a:ext uri="{FF2B5EF4-FFF2-40B4-BE49-F238E27FC236}">
-                <a16:creationId xmlns:a16="http://schemas.microsoft.com/office/drawing/2014/main" id="{A65F2E7C-8CA6-904E-815C-98DA02BBB736}"/>
+                <a16:creationId xmlns:a16="http://schemas.microsoft.com/office/drawing/2014/main" id="{1E3D239F-8D7A-5145-A37A-8297CE4A236C}"/>
               </a:ext>
             </a:extLst>
           </p:cNvPr>
@@ -7326,6 +7251,58 @@
           <a:bodyPr/>
           <a:lstStyle/>
           <a:p>
+            <a:r>
+              <a:rPr lang="en-US" altLang="zh-TW" dirty="0"/>
+              <a:t>What</a:t>
+            </a:r>
+            <a:r>
+              <a:rPr lang="zh-TW" altLang="en-US" dirty="0"/>
+              <a:t> </a:t>
+            </a:r>
+            <a:r>
+              <a:rPr lang="en-US" altLang="zh-TW" dirty="0"/>
+              <a:t>time</a:t>
+            </a:r>
+            <a:r>
+              <a:rPr lang="zh-TW" altLang="en-US" dirty="0"/>
+              <a:t> </a:t>
+            </a:r>
+            <a:r>
+              <a:rPr lang="en-US" altLang="zh-TW" dirty="0"/>
+              <a:t>is</a:t>
+            </a:r>
+            <a:r>
+              <a:rPr lang="zh-TW" altLang="en-US" dirty="0"/>
+              <a:t> </a:t>
+            </a:r>
+            <a:r>
+              <a:rPr lang="en-US" altLang="zh-TW" dirty="0"/>
+              <a:t>the</a:t>
+            </a:r>
+            <a:r>
+              <a:rPr lang="zh-TW" altLang="en-US" dirty="0"/>
+              <a:t> </a:t>
+            </a:r>
+            <a:r>
+              <a:rPr lang="en-US" altLang="zh-TW" dirty="0"/>
+              <a:t>safest</a:t>
+            </a:r>
+            <a:r>
+              <a:rPr lang="zh-TW" altLang="en-US" dirty="0"/>
+              <a:t> </a:t>
+            </a:r>
+            <a:r>
+              <a:rPr lang="en-US" altLang="zh-TW" dirty="0"/>
+              <a:t>to</a:t>
+            </a:r>
+            <a:r>
+              <a:rPr lang="zh-TW" altLang="en-US" dirty="0"/>
+              <a:t> </a:t>
+            </a:r>
+            <a:r>
+              <a:rPr lang="en-US" altLang="zh-TW"/>
+              <a:t>go?</a:t>
+            </a:r>
             <a:endParaRPr lang="en-US"/>
           </a:p>
         </p:txBody>
@@ -7335,7 +7312,7 @@
           <p:cNvPr id="3" name="Content Placeholder 2">
             <a:extLst>
               <a:ext uri="{FF2B5EF4-FFF2-40B4-BE49-F238E27FC236}">
-                <a16:creationId xmlns:a16="http://schemas.microsoft.com/office/drawing/2014/main" id="{BF291466-C7F4-4B49-83B1-132C8A91881E}"/>
+                <a16:creationId xmlns:a16="http://schemas.microsoft.com/office/drawing/2014/main" id="{73022164-6577-BE4B-9AD0-7219BDCDC3EF}"/>
               </a:ext>
             </a:extLst>
           </p:cNvPr>
@@ -7346,19 +7323,239 @@
             <p:ph idx="1"/>
           </p:nvPr>
         </p:nvSpPr>
-        <p:spPr/>
+        <p:spPr>
+          <a:xfrm>
+            <a:off x="581192" y="2340863"/>
+            <a:ext cx="2926283" cy="4141823"/>
+          </a:xfrm>
+        </p:spPr>
         <p:txBody>
           <a:bodyPr/>
           <a:lstStyle/>
           <a:p>
-            <a:endParaRPr lang="en-US"/>
+            <a:r>
+              <a:rPr lang="en-US" dirty="0"/>
+              <a:t>Most accidents are recorded at </a:t>
+            </a:r>
+            <a:r>
+              <a:rPr lang="en-US" altLang="zh-TW" dirty="0"/>
+              <a:t>O’clock</a:t>
+            </a:r>
+          </a:p>
+          <a:p>
+            <a:r>
+              <a:rPr lang="en-US" altLang="zh-TW" dirty="0"/>
+              <a:t>Believed</a:t>
+            </a:r>
+            <a:r>
+              <a:rPr lang="zh-TW" altLang="en-US" dirty="0"/>
+              <a:t> </a:t>
+            </a:r>
+            <a:r>
+              <a:rPr lang="en-US" altLang="zh-TW" dirty="0"/>
+              <a:t>it’s</a:t>
+            </a:r>
+            <a:r>
+              <a:rPr lang="zh-TW" altLang="en-US" dirty="0"/>
+              <a:t> </a:t>
+            </a:r>
+            <a:r>
+              <a:rPr lang="en-US" altLang="zh-TW" dirty="0"/>
+              <a:t>easier</a:t>
+            </a:r>
+            <a:r>
+              <a:rPr lang="zh-TW" altLang="en-US" dirty="0"/>
+              <a:t> </a:t>
+            </a:r>
+            <a:r>
+              <a:rPr lang="en-US" altLang="zh-TW" dirty="0"/>
+              <a:t>for</a:t>
+            </a:r>
+            <a:r>
+              <a:rPr lang="zh-TW" altLang="en-US" dirty="0"/>
+              <a:t> </a:t>
+            </a:r>
+            <a:r>
+              <a:rPr lang="en-US" altLang="zh-TW" dirty="0"/>
+              <a:t>memory</a:t>
+            </a:r>
+          </a:p>
+          <a:p>
+            <a:r>
+              <a:rPr lang="en-US" altLang="zh-TW" dirty="0"/>
+              <a:t>Fatality</a:t>
+            </a:r>
+            <a:r>
+              <a:rPr lang="zh-TW" altLang="en-US" dirty="0"/>
+              <a:t> </a:t>
+            </a:r>
+            <a:r>
+              <a:rPr lang="en-US" altLang="zh-TW" dirty="0"/>
+              <a:t>rate</a:t>
+            </a:r>
+            <a:r>
+              <a:rPr lang="zh-TW" altLang="en-US" dirty="0"/>
+              <a:t> </a:t>
+            </a:r>
+            <a:r>
+              <a:rPr lang="en-US" altLang="zh-TW" dirty="0"/>
+              <a:t>starts</a:t>
+            </a:r>
+            <a:r>
+              <a:rPr lang="zh-TW" altLang="en-US" dirty="0"/>
+              <a:t> </a:t>
+            </a:r>
+            <a:r>
+              <a:rPr lang="en-US" altLang="zh-TW" dirty="0"/>
+              <a:t>increasing</a:t>
+            </a:r>
+            <a:r>
+              <a:rPr lang="zh-TW" altLang="en-US" dirty="0"/>
+              <a:t> </a:t>
+            </a:r>
+            <a:r>
+              <a:rPr lang="en-US" altLang="zh-TW" dirty="0"/>
+              <a:t>by</a:t>
+            </a:r>
+            <a:r>
+              <a:rPr lang="zh-TW" altLang="en-US" dirty="0"/>
+              <a:t> </a:t>
+            </a:r>
+            <a:r>
+              <a:rPr lang="en-US" altLang="zh-TW" dirty="0"/>
+              <a:t>4am</a:t>
+            </a:r>
+          </a:p>
+          <a:p>
+            <a:r>
+              <a:rPr lang="en-US" altLang="zh-TW" dirty="0"/>
+              <a:t>Reaches</a:t>
+            </a:r>
+            <a:r>
+              <a:rPr lang="zh-TW" altLang="en-US" dirty="0"/>
+              <a:t> </a:t>
+            </a:r>
+            <a:r>
+              <a:rPr lang="en-US" altLang="zh-TW" dirty="0"/>
+              <a:t>the</a:t>
+            </a:r>
+            <a:r>
+              <a:rPr lang="zh-TW" altLang="en-US" dirty="0"/>
+              <a:t> </a:t>
+            </a:r>
+            <a:r>
+              <a:rPr lang="en-US" altLang="zh-TW" dirty="0"/>
+              <a:t>highest</a:t>
+            </a:r>
+            <a:r>
+              <a:rPr lang="zh-TW" altLang="en-US" dirty="0"/>
+              <a:t> </a:t>
+            </a:r>
+            <a:r>
+              <a:rPr lang="en-US" altLang="zh-TW" dirty="0"/>
+              <a:t>at</a:t>
+            </a:r>
+            <a:r>
+              <a:rPr lang="zh-TW" altLang="en-US" dirty="0"/>
+              <a:t> </a:t>
+            </a:r>
+            <a:r>
+              <a:rPr lang="en-US" altLang="zh-TW" dirty="0"/>
+              <a:t>around</a:t>
+            </a:r>
+            <a:r>
+              <a:rPr lang="zh-TW" altLang="en-US" dirty="0"/>
+              <a:t> </a:t>
+            </a:r>
+            <a:r>
+              <a:rPr lang="en-US" altLang="zh-TW" dirty="0"/>
+              <a:t>3pm</a:t>
+            </a:r>
+            <a:r>
+              <a:rPr lang="zh-TW" altLang="en-US" dirty="0"/>
+              <a:t> </a:t>
+            </a:r>
+            <a:r>
+              <a:rPr lang="en-US" altLang="zh-TW" dirty="0"/>
+              <a:t>and</a:t>
+            </a:r>
+            <a:r>
+              <a:rPr lang="zh-TW" altLang="en-US" dirty="0"/>
+              <a:t> </a:t>
+            </a:r>
+            <a:r>
+              <a:rPr lang="en-US" altLang="zh-TW" dirty="0"/>
+              <a:t>a</a:t>
+            </a:r>
+            <a:r>
+              <a:rPr lang="zh-TW" altLang="en-US" dirty="0"/>
+              <a:t> </a:t>
+            </a:r>
+            <a:r>
+              <a:rPr lang="en-US" altLang="zh-TW" dirty="0"/>
+              <a:t>small</a:t>
+            </a:r>
+            <a:r>
+              <a:rPr lang="zh-TW" altLang="en-US" dirty="0"/>
+              <a:t> </a:t>
+            </a:r>
+            <a:r>
+              <a:rPr lang="en-US" altLang="zh-TW" dirty="0"/>
+              <a:t>surge</a:t>
+            </a:r>
+            <a:r>
+              <a:rPr lang="zh-TW" altLang="en-US" dirty="0"/>
+              <a:t> </a:t>
+            </a:r>
+            <a:r>
+              <a:rPr lang="en-US" altLang="zh-TW" dirty="0"/>
+              <a:t>at</a:t>
+            </a:r>
+            <a:r>
+              <a:rPr lang="zh-TW" altLang="en-US" dirty="0"/>
+              <a:t> </a:t>
+            </a:r>
+            <a:r>
+              <a:rPr lang="en-US" altLang="zh-TW" dirty="0"/>
+              <a:t>6pm</a:t>
+            </a:r>
+            <a:endParaRPr lang="en-US" dirty="0"/>
           </a:p>
         </p:txBody>
       </p:sp>
+      <p:pic>
+        <p:nvPicPr>
+          <p:cNvPr id="5" name="Picture 4" descr="Chart, scatter chart&#10;&#10;Description automatically generated">
+            <a:extLst>
+              <a:ext uri="{FF2B5EF4-FFF2-40B4-BE49-F238E27FC236}">
+                <a16:creationId xmlns:a16="http://schemas.microsoft.com/office/drawing/2014/main" id="{AEB95ADD-C6DC-144D-A5D0-FC9734F89F36}"/>
+              </a:ext>
+            </a:extLst>
+          </p:cNvPr>
+          <p:cNvPicPr>
+            <a:picLocks noChangeAspect="1"/>
+          </p:cNvPicPr>
+          <p:nvPr/>
+        </p:nvPicPr>
+        <p:blipFill rotWithShape="1">
+          <a:blip r:embed="rId2"/>
+          <a:srcRect l="6940" r="6940"/>
+          <a:stretch/>
+        </p:blipFill>
+        <p:spPr>
+          <a:xfrm>
+            <a:off x="3657485" y="2439558"/>
+            <a:ext cx="8534515" cy="3716286"/>
+          </a:xfrm>
+          <a:prstGeom prst="rect">
+            <a:avLst/>
+          </a:prstGeom>
+        </p:spPr>
+      </p:pic>
     </p:spTree>
     <p:extLst>
       <p:ext uri="{BB962C8B-B14F-4D97-AF65-F5344CB8AC3E}">
-        <p14:creationId xmlns:p14="http://schemas.microsoft.com/office/powerpoint/2010/main" val="290907286"/>
+        <p14:creationId xmlns:p14="http://schemas.microsoft.com/office/powerpoint/2010/main" val="1889228831"/>
       </p:ext>
     </p:extLst>
   </p:cSld>
@@ -7390,7 +7587,7 @@
           <p:cNvPr id="2" name="Title 1">
             <a:extLst>
               <a:ext uri="{FF2B5EF4-FFF2-40B4-BE49-F238E27FC236}">
-                <a16:creationId xmlns:a16="http://schemas.microsoft.com/office/drawing/2014/main" id="{DA75614F-B11B-424B-82E0-0AFF9AD0EB31}"/>
+                <a16:creationId xmlns:a16="http://schemas.microsoft.com/office/drawing/2014/main" id="{A65F2E7C-8CA6-904E-815C-98DA02BBB736}"/>
               </a:ext>
             </a:extLst>
           </p:cNvPr>
@@ -7401,56 +7598,58 @@
             <p:ph type="title"/>
           </p:nvPr>
         </p:nvSpPr>
-        <p:spPr>
-          <a:xfrm>
-            <a:off x="665082" y="625820"/>
-            <a:ext cx="11029616" cy="615749"/>
-          </a:xfrm>
-        </p:spPr>
+        <p:spPr/>
         <p:txBody>
           <a:bodyPr/>
           <a:lstStyle/>
           <a:p>
             <a:r>
-              <a:rPr lang="en-AU" dirty="0"/>
-              <a:t>Drink driving laws and influence on road fatalities</a:t>
+              <a:rPr lang="en-US" dirty="0"/>
+              <a:t>Death by vehicle type</a:t>
             </a:r>
           </a:p>
         </p:txBody>
       </p:sp>
       <p:pic>
         <p:nvPicPr>
-          <p:cNvPr id="5" name="Content Placeholder 4" descr="Map&#10;&#10;Description automatically generated">
-            <a:extLst>
-              <a:ext uri="{FF2B5EF4-FFF2-40B4-BE49-F238E27FC236}">
-                <a16:creationId xmlns:a16="http://schemas.microsoft.com/office/drawing/2014/main" id="{F1949C2F-9D5E-4E87-ACB1-E5E28C733D74}"/>
+          <p:cNvPr id="5" name="Picture 4">
+            <a:extLst>
+              <a:ext uri="{FF2B5EF4-FFF2-40B4-BE49-F238E27FC236}">
+                <a16:creationId xmlns:a16="http://schemas.microsoft.com/office/drawing/2014/main" id="{5E448BF2-CF65-48B0-B7AD-76507CADFFA8}"/>
               </a:ext>
             </a:extLst>
           </p:cNvPr>
           <p:cNvPicPr>
-            <a:picLocks noGrp="1" noChangeAspect="1"/>
+            <a:picLocks noChangeAspect="1"/>
           </p:cNvPicPr>
-          <p:nvPr>
-            <p:ph idx="1"/>
-          </p:nvPr>
+          <p:nvPr/>
         </p:nvPicPr>
         <p:blipFill>
-          <a:blip r:embed="rId2"/>
+          <a:blip r:embed="rId2">
+            <a:extLst>
+              <a:ext uri="{28A0092B-C50C-407E-A947-70E740481C1C}">
+                <a14:useLocalDpi xmlns:a14="http://schemas.microsoft.com/office/drawing/2010/main" val="0"/>
+              </a:ext>
+            </a:extLst>
+          </a:blip>
           <a:stretch>
             <a:fillRect/>
           </a:stretch>
         </p:blipFill>
         <p:spPr>
           <a:xfrm>
-            <a:off x="1003620" y="1462190"/>
-            <a:ext cx="10352539" cy="4259102"/>
-          </a:xfrm>
+            <a:off x="101600" y="2145994"/>
+            <a:ext cx="11988800" cy="4264111"/>
+          </a:xfrm>
+          <a:prstGeom prst="rect">
+            <a:avLst/>
+          </a:prstGeom>
         </p:spPr>
       </p:pic>
     </p:spTree>
     <p:extLst>
       <p:ext uri="{BB962C8B-B14F-4D97-AF65-F5344CB8AC3E}">
-        <p14:creationId xmlns:p14="http://schemas.microsoft.com/office/powerpoint/2010/main" val="2380875080"/>
+        <p14:creationId xmlns:p14="http://schemas.microsoft.com/office/powerpoint/2010/main" val="290907286"/>
       </p:ext>
     </p:extLst>
   </p:cSld>
@@ -7482,7 +7681,7 @@
           <p:cNvPr id="2" name="Title 1">
             <a:extLst>
               <a:ext uri="{FF2B5EF4-FFF2-40B4-BE49-F238E27FC236}">
-                <a16:creationId xmlns:a16="http://schemas.microsoft.com/office/drawing/2014/main" id="{DA75614F-B11B-424B-82E0-0AFF9AD0EB31}"/>
+                <a16:creationId xmlns:a16="http://schemas.microsoft.com/office/drawing/2014/main" id="{F6C9F67E-9840-483B-8A06-A0476774824C}"/>
               </a:ext>
             </a:extLst>
           </p:cNvPr>
@@ -7493,29 +7692,24 @@
             <p:ph type="title"/>
           </p:nvPr>
         </p:nvSpPr>
-        <p:spPr>
-          <a:xfrm>
-            <a:off x="665082" y="625820"/>
-            <a:ext cx="11029616" cy="615749"/>
-          </a:xfrm>
-        </p:spPr>
+        <p:spPr/>
         <p:txBody>
           <a:bodyPr/>
           <a:lstStyle/>
           <a:p>
             <a:r>
               <a:rPr lang="en-AU" dirty="0"/>
-              <a:t>Drink driving laws and influence on road fatalities</a:t>
+              <a:t>DEATHS IN OPEN/NO VEHICLE VS CLOSED</a:t>
             </a:r>
           </a:p>
         </p:txBody>
       </p:sp>
       <p:pic>
         <p:nvPicPr>
-          <p:cNvPr id="7" name="Picture 6" descr="Chart, box and whisker chart&#10;&#10;Description automatically generated">
-            <a:extLst>
-              <a:ext uri="{FF2B5EF4-FFF2-40B4-BE49-F238E27FC236}">
-                <a16:creationId xmlns:a16="http://schemas.microsoft.com/office/drawing/2014/main" id="{1D66413D-2DC6-4D77-B04D-7B0106646563}"/>
+          <p:cNvPr id="5" name="Picture 4">
+            <a:extLst>
+              <a:ext uri="{FF2B5EF4-FFF2-40B4-BE49-F238E27FC236}">
+                <a16:creationId xmlns:a16="http://schemas.microsoft.com/office/drawing/2014/main" id="{02016464-7506-4E3E-878E-AD840297F845}"/>
               </a:ext>
             </a:extLst>
           </p:cNvPr>
@@ -7525,367 +7719,31 @@
           <p:nvPr/>
         </p:nvPicPr>
         <p:blipFill>
-          <a:blip r:embed="rId2"/>
+          <a:blip r:embed="rId2">
+            <a:extLst>
+              <a:ext uri="{28A0092B-C50C-407E-A947-70E740481C1C}">
+                <a14:useLocalDpi xmlns:a14="http://schemas.microsoft.com/office/drawing/2010/main" val="0"/>
+              </a:ext>
+            </a:extLst>
+          </a:blip>
           <a:stretch>
             <a:fillRect/>
           </a:stretch>
         </p:blipFill>
         <p:spPr>
           <a:xfrm>
-            <a:off x="5930133" y="1181985"/>
-            <a:ext cx="5705397" cy="3803598"/>
+            <a:off x="101600" y="2026368"/>
+            <a:ext cx="11988800" cy="4334933"/>
           </a:xfrm>
           <a:prstGeom prst="rect">
             <a:avLst/>
           </a:prstGeom>
         </p:spPr>
       </p:pic>
-      <p:sp>
-        <p:nvSpPr>
-          <p:cNvPr id="8" name="Content Placeholder 2">
-            <a:extLst>
-              <a:ext uri="{FF2B5EF4-FFF2-40B4-BE49-F238E27FC236}">
-                <a16:creationId xmlns:a16="http://schemas.microsoft.com/office/drawing/2014/main" id="{AB240367-D123-4E86-9D2B-2937B4E33006}"/>
-              </a:ext>
-            </a:extLst>
-          </p:cNvPr>
-          <p:cNvSpPr>
-            <a:spLocks noGrp="1"/>
-          </p:cNvSpPr>
-          <p:nvPr>
-            <p:ph idx="1"/>
-          </p:nvPr>
-        </p:nvSpPr>
-        <p:spPr>
-          <a:xfrm>
-            <a:off x="790352" y="5045166"/>
-            <a:ext cx="5169366" cy="1622487"/>
-          </a:xfrm>
-        </p:spPr>
-        <p:txBody>
-          <a:bodyPr/>
-          <a:lstStyle/>
-          <a:p>
-            <a:r>
-              <a:rPr lang="en-US" dirty="0"/>
-              <a:t>Majority of countries surveyed attributed &lt;15% of traffic fatalities to incidents involving alcohol</a:t>
-            </a:r>
-          </a:p>
-          <a:p>
-            <a:r>
-              <a:rPr lang="en-US" dirty="0"/>
-              <a:t>Notwithstanding, some countries had a very high prevalence of fatalities related to DUI offences</a:t>
-            </a:r>
-          </a:p>
-        </p:txBody>
-      </p:sp>
-      <p:pic>
-        <p:nvPicPr>
-          <p:cNvPr id="10" name="Picture 9" descr="Chart, histogram&#10;&#10;Description automatically generated">
-            <a:extLst>
-              <a:ext uri="{FF2B5EF4-FFF2-40B4-BE49-F238E27FC236}">
-                <a16:creationId xmlns:a16="http://schemas.microsoft.com/office/drawing/2014/main" id="{8F38DBD1-64DC-4F97-AE3D-5A2DE2B047F0}"/>
-              </a:ext>
-            </a:extLst>
-          </p:cNvPr>
-          <p:cNvPicPr>
-            <a:picLocks noChangeAspect="1"/>
-          </p:cNvPicPr>
-          <p:nvPr/>
-        </p:nvPicPr>
-        <p:blipFill>
-          <a:blip r:embed="rId3"/>
-          <a:stretch>
-            <a:fillRect/>
-          </a:stretch>
-        </p:blipFill>
-        <p:spPr>
-          <a:xfrm>
-            <a:off x="475371" y="1360735"/>
-            <a:ext cx="5454762" cy="3741156"/>
-          </a:xfrm>
-          <a:prstGeom prst="rect">
-            <a:avLst/>
-          </a:prstGeom>
-        </p:spPr>
-      </p:pic>
-      <p:sp>
-        <p:nvSpPr>
-          <p:cNvPr id="13" name="Content Placeholder 2">
-            <a:extLst>
-              <a:ext uri="{FF2B5EF4-FFF2-40B4-BE49-F238E27FC236}">
-                <a16:creationId xmlns:a16="http://schemas.microsoft.com/office/drawing/2014/main" id="{F3880EAD-1FE1-429D-BF09-75E3987B8C95}"/>
-              </a:ext>
-            </a:extLst>
-          </p:cNvPr>
-          <p:cNvSpPr txBox="1">
-            <a:spLocks/>
-          </p:cNvSpPr>
-          <p:nvPr/>
-        </p:nvSpPr>
-        <p:spPr>
-          <a:xfrm>
-            <a:off x="6371248" y="4985583"/>
-            <a:ext cx="4823936" cy="1622487"/>
-          </a:xfrm>
-          <a:prstGeom prst="rect">
-            <a:avLst/>
-          </a:prstGeom>
-        </p:spPr>
-        <p:txBody>
-          <a:bodyPr vert="horz" lIns="91440" tIns="45720" rIns="91440" bIns="45720" rtlCol="0" anchor="ctr">
-            <a:normAutofit/>
-          </a:bodyPr>
-          <a:lstStyle>
-            <a:lvl1pPr marL="306000" indent="-306000" algn="l" defTabSz="457200" rtl="0" eaLnBrk="1" latinLnBrk="0" hangingPunct="1">
-              <a:lnSpc>
-                <a:spcPct val="100000"/>
-              </a:lnSpc>
-              <a:spcBef>
-                <a:spcPct val="20000"/>
-              </a:spcBef>
-              <a:spcAft>
-                <a:spcPts val="600"/>
-              </a:spcAft>
-              <a:buClr>
-                <a:schemeClr val="accent1"/>
-              </a:buClr>
-              <a:buSzPct val="92000"/>
-              <a:buFont typeface="Wingdings 2" panose="05020102010507070707" pitchFamily="18" charset="2"/>
-              <a:buChar char=""/>
-              <a:defRPr sz="1800" kern="1200">
-                <a:solidFill>
-                  <a:schemeClr val="tx1">
-                    <a:lumMod val="75000"/>
-                    <a:lumOff val="25000"/>
-                  </a:schemeClr>
-                </a:solidFill>
-                <a:latin typeface="+mn-lt"/>
-                <a:ea typeface="+mn-ea"/>
-                <a:cs typeface="+mn-cs"/>
-              </a:defRPr>
-            </a:lvl1pPr>
-            <a:lvl2pPr marL="630000" indent="-306000" algn="l" defTabSz="457200" rtl="0" eaLnBrk="1" latinLnBrk="0" hangingPunct="1">
-              <a:lnSpc>
-                <a:spcPct val="100000"/>
-              </a:lnSpc>
-              <a:spcBef>
-                <a:spcPct val="20000"/>
-              </a:spcBef>
-              <a:spcAft>
-                <a:spcPts val="600"/>
-              </a:spcAft>
-              <a:buClr>
-                <a:schemeClr val="accent1"/>
-              </a:buClr>
-              <a:buSzPct val="92000"/>
-              <a:buFont typeface="Wingdings 2" panose="05020102010507070707" pitchFamily="18" charset="2"/>
-              <a:buChar char=""/>
-              <a:defRPr sz="1600" kern="1200">
-                <a:solidFill>
-                  <a:schemeClr val="tx1">
-                    <a:lumMod val="75000"/>
-                    <a:lumOff val="25000"/>
-                  </a:schemeClr>
-                </a:solidFill>
-                <a:latin typeface="+mn-lt"/>
-                <a:ea typeface="+mn-ea"/>
-                <a:cs typeface="+mn-cs"/>
-              </a:defRPr>
-            </a:lvl2pPr>
-            <a:lvl3pPr marL="900000" indent="-270000" algn="l" defTabSz="457200" rtl="0" eaLnBrk="1" latinLnBrk="0" hangingPunct="1">
-              <a:lnSpc>
-                <a:spcPct val="100000"/>
-              </a:lnSpc>
-              <a:spcBef>
-                <a:spcPct val="20000"/>
-              </a:spcBef>
-              <a:spcAft>
-                <a:spcPts val="600"/>
-              </a:spcAft>
-              <a:buClr>
-                <a:schemeClr val="accent1"/>
-              </a:buClr>
-              <a:buSzPct val="92000"/>
-              <a:buFont typeface="Wingdings 2" panose="05020102010507070707" pitchFamily="18" charset="2"/>
-              <a:buChar char=""/>
-              <a:defRPr sz="1400" kern="1200">
-                <a:solidFill>
-                  <a:schemeClr val="tx1">
-                    <a:lumMod val="75000"/>
-                    <a:lumOff val="25000"/>
-                  </a:schemeClr>
-                </a:solidFill>
-                <a:latin typeface="+mn-lt"/>
-                <a:ea typeface="+mn-ea"/>
-                <a:cs typeface="+mn-cs"/>
-              </a:defRPr>
-            </a:lvl3pPr>
-            <a:lvl4pPr marL="1242000" indent="-234000" algn="l" defTabSz="457200" rtl="0" eaLnBrk="1" latinLnBrk="0" hangingPunct="1">
-              <a:lnSpc>
-                <a:spcPct val="100000"/>
-              </a:lnSpc>
-              <a:spcBef>
-                <a:spcPct val="20000"/>
-              </a:spcBef>
-              <a:spcAft>
-                <a:spcPts val="600"/>
-              </a:spcAft>
-              <a:buClr>
-                <a:schemeClr val="accent1"/>
-              </a:buClr>
-              <a:buSzPct val="92000"/>
-              <a:buFont typeface="Wingdings 2" panose="05020102010507070707" pitchFamily="18" charset="2"/>
-              <a:buChar char=""/>
-              <a:defRPr sz="1200" kern="1200">
-                <a:solidFill>
-                  <a:schemeClr val="tx1">
-                    <a:lumMod val="75000"/>
-                    <a:lumOff val="25000"/>
-                  </a:schemeClr>
-                </a:solidFill>
-                <a:latin typeface="+mn-lt"/>
-                <a:ea typeface="+mn-ea"/>
-                <a:cs typeface="+mn-cs"/>
-              </a:defRPr>
-            </a:lvl4pPr>
-            <a:lvl5pPr marL="1602000" indent="-234000" algn="l" defTabSz="457200" rtl="0" eaLnBrk="1" latinLnBrk="0" hangingPunct="1">
-              <a:lnSpc>
-                <a:spcPct val="100000"/>
-              </a:lnSpc>
-              <a:spcBef>
-                <a:spcPct val="20000"/>
-              </a:spcBef>
-              <a:spcAft>
-                <a:spcPts val="600"/>
-              </a:spcAft>
-              <a:buClr>
-                <a:schemeClr val="accent1"/>
-              </a:buClr>
-              <a:buSzPct val="92000"/>
-              <a:buFont typeface="Wingdings 2" panose="05020102010507070707" pitchFamily="18" charset="2"/>
-              <a:buChar char=""/>
-              <a:defRPr sz="1200" kern="1200">
-                <a:solidFill>
-                  <a:schemeClr val="tx1">
-                    <a:lumMod val="75000"/>
-                    <a:lumOff val="25000"/>
-                  </a:schemeClr>
-                </a:solidFill>
-                <a:latin typeface="+mn-lt"/>
-                <a:ea typeface="+mn-ea"/>
-                <a:cs typeface="+mn-cs"/>
-              </a:defRPr>
-            </a:lvl5pPr>
-            <a:lvl6pPr marL="1900000" indent="-228600" algn="l" defTabSz="457200" rtl="0" eaLnBrk="1" latinLnBrk="0" hangingPunct="1">
-              <a:spcBef>
-                <a:spcPct val="20000"/>
-              </a:spcBef>
-              <a:spcAft>
-                <a:spcPts val="600"/>
-              </a:spcAft>
-              <a:buClr>
-                <a:schemeClr val="accent2"/>
-              </a:buClr>
-              <a:buSzPct val="92000"/>
-              <a:buFont typeface="Wingdings 2" panose="05020102010507070707" pitchFamily="18" charset="2"/>
-              <a:buChar char=""/>
-              <a:defRPr sz="1200" kern="1200">
-                <a:solidFill>
-                  <a:schemeClr val="tx2"/>
-                </a:solidFill>
-                <a:latin typeface="+mn-lt"/>
-                <a:ea typeface="+mn-ea"/>
-                <a:cs typeface="+mn-cs"/>
-              </a:defRPr>
-            </a:lvl6pPr>
-            <a:lvl7pPr marL="2200000" indent="-228600" algn="l" defTabSz="457200" rtl="0" eaLnBrk="1" latinLnBrk="0" hangingPunct="1">
-              <a:spcBef>
-                <a:spcPct val="20000"/>
-              </a:spcBef>
-              <a:spcAft>
-                <a:spcPts val="600"/>
-              </a:spcAft>
-              <a:buClr>
-                <a:schemeClr val="accent2"/>
-              </a:buClr>
-              <a:buSzPct val="92000"/>
-              <a:buFont typeface="Wingdings 2" panose="05020102010507070707" pitchFamily="18" charset="2"/>
-              <a:buChar char=""/>
-              <a:defRPr sz="1200" kern="1200">
-                <a:solidFill>
-                  <a:schemeClr val="tx2"/>
-                </a:solidFill>
-                <a:latin typeface="+mn-lt"/>
-                <a:ea typeface="+mn-ea"/>
-                <a:cs typeface="+mn-cs"/>
-              </a:defRPr>
-            </a:lvl7pPr>
-            <a:lvl8pPr marL="2500000" indent="-228600" algn="l" defTabSz="457200" rtl="0" eaLnBrk="1" latinLnBrk="0" hangingPunct="1">
-              <a:spcBef>
-                <a:spcPct val="20000"/>
-              </a:spcBef>
-              <a:spcAft>
-                <a:spcPts val="600"/>
-              </a:spcAft>
-              <a:buClr>
-                <a:schemeClr val="accent2"/>
-              </a:buClr>
-              <a:buSzPct val="92000"/>
-              <a:buFont typeface="Wingdings 2" panose="05020102010507070707" pitchFamily="18" charset="2"/>
-              <a:buChar char=""/>
-              <a:defRPr sz="1200" kern="1200">
-                <a:solidFill>
-                  <a:schemeClr val="tx2"/>
-                </a:solidFill>
-                <a:latin typeface="+mn-lt"/>
-                <a:ea typeface="+mn-ea"/>
-                <a:cs typeface="+mn-cs"/>
-              </a:defRPr>
-            </a:lvl8pPr>
-            <a:lvl9pPr marL="2800000" indent="-228600" algn="l" defTabSz="457200" rtl="0" eaLnBrk="1" latinLnBrk="0" hangingPunct="1">
-              <a:spcBef>
-                <a:spcPct val="20000"/>
-              </a:spcBef>
-              <a:spcAft>
-                <a:spcPts val="600"/>
-              </a:spcAft>
-              <a:buClr>
-                <a:schemeClr val="accent2"/>
-              </a:buClr>
-              <a:buSzPct val="92000"/>
-              <a:buFont typeface="Wingdings 2" panose="05020102010507070707" pitchFamily="18" charset="2"/>
-              <a:buChar char=""/>
-              <a:defRPr sz="1200" kern="1200">
-                <a:solidFill>
-                  <a:schemeClr val="tx2"/>
-                </a:solidFill>
-                <a:latin typeface="+mn-lt"/>
-                <a:ea typeface="+mn-ea"/>
-                <a:cs typeface="+mn-cs"/>
-              </a:defRPr>
-            </a:lvl9pPr>
-          </a:lstStyle>
-          <a:p>
-            <a:r>
-              <a:rPr lang="en-US" dirty="0"/>
-              <a:t>The correlation between BAC limit and percentage of fatalities was found to be weak (r</a:t>
-            </a:r>
-            <a:r>
-              <a:rPr lang="en-US" baseline="30000" dirty="0"/>
-              <a:t>2</a:t>
-            </a:r>
-            <a:r>
-              <a:rPr lang="en-US" dirty="0"/>
-              <a:t> = 4%), therefore likely that correlation ≠ causation. </a:t>
-            </a:r>
-          </a:p>
-        </p:txBody>
-      </p:sp>
     </p:spTree>
     <p:extLst>
       <p:ext uri="{BB962C8B-B14F-4D97-AF65-F5344CB8AC3E}">
-        <p14:creationId xmlns:p14="http://schemas.microsoft.com/office/powerpoint/2010/main" val="3479678397"/>
+        <p14:creationId xmlns:p14="http://schemas.microsoft.com/office/powerpoint/2010/main" val="3884811812"/>
       </p:ext>
     </p:extLst>
   </p:cSld>
@@ -7912,41 +7770,40 @@
           <a:chExt cx="0" cy="0"/>
         </a:xfrm>
       </p:grpSpPr>
+      <p:sp>
+        <p:nvSpPr>
+          <p:cNvPr id="2" name="Title 1">
+            <a:extLst>
+              <a:ext uri="{FF2B5EF4-FFF2-40B4-BE49-F238E27FC236}">
+                <a16:creationId xmlns:a16="http://schemas.microsoft.com/office/drawing/2014/main" id="{A5C18E2F-2689-4E3D-A60D-9CE42AA81932}"/>
+              </a:ext>
+            </a:extLst>
+          </p:cNvPr>
+          <p:cNvSpPr>
+            <a:spLocks noGrp="1"/>
+          </p:cNvSpPr>
+          <p:nvPr>
+            <p:ph type="title"/>
+          </p:nvPr>
+        </p:nvSpPr>
+        <p:spPr/>
+        <p:txBody>
+          <a:bodyPr/>
+          <a:lstStyle/>
+          <a:p>
+            <a:r>
+              <a:rPr lang="en-AU" dirty="0"/>
+              <a:t>DO HELMET LAWS HELP?</a:t>
+            </a:r>
+          </a:p>
+        </p:txBody>
+      </p:sp>
       <p:pic>
         <p:nvPicPr>
-          <p:cNvPr id="5" name="Content Placeholder 4" descr="Chart, scatter chart, bubble chart&#10;&#10;Description automatically generated">
-            <a:extLst>
-              <a:ext uri="{FF2B5EF4-FFF2-40B4-BE49-F238E27FC236}">
-                <a16:creationId xmlns:a16="http://schemas.microsoft.com/office/drawing/2014/main" id="{16DA9EC3-564B-47AE-85B6-C57C3422F7EF}"/>
-              </a:ext>
-            </a:extLst>
-          </p:cNvPr>
-          <p:cNvPicPr>
-            <a:picLocks noGrp="1" noChangeAspect="1"/>
-          </p:cNvPicPr>
-          <p:nvPr>
-            <p:ph idx="1"/>
-          </p:nvPr>
-        </p:nvPicPr>
-        <p:blipFill>
-          <a:blip r:embed="rId2"/>
-          <a:stretch>
-            <a:fillRect/>
-          </a:stretch>
-        </p:blipFill>
-        <p:spPr>
-          <a:xfrm>
-            <a:off x="6179890" y="1455087"/>
-            <a:ext cx="3556916" cy="3578344"/>
-          </a:xfrm>
-        </p:spPr>
-      </p:pic>
-      <p:pic>
-        <p:nvPicPr>
-          <p:cNvPr id="7" name="Picture 6" descr="Chart&#10;&#10;Description automatically generated">
-            <a:extLst>
-              <a:ext uri="{FF2B5EF4-FFF2-40B4-BE49-F238E27FC236}">
-                <a16:creationId xmlns:a16="http://schemas.microsoft.com/office/drawing/2014/main" id="{953FB980-220A-4E38-9640-2BDAF174988C}"/>
+          <p:cNvPr id="5" name="Picture 4">
+            <a:extLst>
+              <a:ext uri="{FF2B5EF4-FFF2-40B4-BE49-F238E27FC236}">
+                <a16:creationId xmlns:a16="http://schemas.microsoft.com/office/drawing/2014/main" id="{EBE74ACC-D919-4172-8FBC-6FB700E0324D}"/>
               </a:ext>
             </a:extLst>
           </p:cNvPr>
@@ -7956,688 +7813,97 @@
           <p:nvPr/>
         </p:nvPicPr>
         <p:blipFill>
-          <a:blip r:embed="rId3"/>
+          <a:blip r:embed="rId2">
+            <a:extLst>
+              <a:ext uri="{28A0092B-C50C-407E-A947-70E740481C1C}">
+                <a14:useLocalDpi xmlns:a14="http://schemas.microsoft.com/office/drawing/2010/main" val="0"/>
+              </a:ext>
+            </a:extLst>
+          </a:blip>
           <a:stretch>
             <a:fillRect/>
           </a:stretch>
         </p:blipFill>
         <p:spPr>
           <a:xfrm>
-            <a:off x="665082" y="1241569"/>
-            <a:ext cx="4674665" cy="3671136"/>
+            <a:off x="216844" y="2032653"/>
+            <a:ext cx="9100108" cy="4452426"/>
           </a:xfrm>
           <a:prstGeom prst="rect">
             <a:avLst/>
           </a:prstGeom>
         </p:spPr>
       </p:pic>
-      <p:sp>
-        <p:nvSpPr>
-          <p:cNvPr id="16" name="Title 1">
-            <a:extLst>
-              <a:ext uri="{FF2B5EF4-FFF2-40B4-BE49-F238E27FC236}">
-                <a16:creationId xmlns:a16="http://schemas.microsoft.com/office/drawing/2014/main" id="{D4EAA9A9-B96C-45D2-8396-923D759D46A3}"/>
-              </a:ext>
-            </a:extLst>
-          </p:cNvPr>
-          <p:cNvSpPr txBox="1">
-            <a:spLocks/>
-          </p:cNvSpPr>
+      <p:pic>
+        <p:nvPicPr>
+          <p:cNvPr id="7" name="Picture 6">
+            <a:extLst>
+              <a:ext uri="{FF2B5EF4-FFF2-40B4-BE49-F238E27FC236}">
+                <a16:creationId xmlns:a16="http://schemas.microsoft.com/office/drawing/2014/main" id="{681362D5-C3DC-47AE-8173-C16A3DBEE610}"/>
+              </a:ext>
+            </a:extLst>
+          </p:cNvPr>
+          <p:cNvPicPr>
+            <a:picLocks noChangeAspect="1"/>
+          </p:cNvPicPr>
           <p:nvPr/>
-        </p:nvSpPr>
-        <p:spPr>
-          <a:xfrm>
-            <a:off x="665082" y="625820"/>
-            <a:ext cx="11029616" cy="615749"/>
+        </p:nvPicPr>
+        <p:blipFill>
+          <a:blip r:embed="rId3">
+            <a:extLst>
+              <a:ext uri="{28A0092B-C50C-407E-A947-70E740481C1C}">
+                <a14:useLocalDpi xmlns:a14="http://schemas.microsoft.com/office/drawing/2010/main" val="0"/>
+              </a:ext>
+            </a:extLst>
+          </a:blip>
+          <a:stretch>
+            <a:fillRect/>
+          </a:stretch>
+        </p:blipFill>
+        <p:spPr>
+          <a:xfrm>
+            <a:off x="8865526" y="2577937"/>
+            <a:ext cx="1762371" cy="2228954"/>
           </a:xfrm>
           <a:prstGeom prst="rect">
             <a:avLst/>
           </a:prstGeom>
         </p:spPr>
-        <p:txBody>
-          <a:bodyPr vert="horz" lIns="91440" tIns="45720" rIns="91440" bIns="45720" rtlCol="0" anchor="b">
-            <a:normAutofit/>
-          </a:bodyPr>
-          <a:lstStyle>
-            <a:lvl1pPr algn="l" defTabSz="457200" rtl="0" eaLnBrk="1" latinLnBrk="0" hangingPunct="1">
-              <a:lnSpc>
-                <a:spcPct val="100000"/>
-              </a:lnSpc>
-              <a:spcBef>
-                <a:spcPct val="0"/>
-              </a:spcBef>
-              <a:buNone/>
-              <a:defRPr sz="2800" b="0" kern="1200" cap="all">
-                <a:solidFill>
-                  <a:schemeClr val="tx1">
-                    <a:lumMod val="75000"/>
-                    <a:lumOff val="25000"/>
-                  </a:schemeClr>
-                </a:solidFill>
-                <a:latin typeface="+mj-lt"/>
-                <a:ea typeface="+mj-ea"/>
-                <a:cs typeface="+mj-cs"/>
-              </a:defRPr>
-            </a:lvl1pPr>
-            <a:lvl2pPr eaLnBrk="1" hangingPunct="1">
-              <a:defRPr>
-                <a:solidFill>
-                  <a:schemeClr val="tx2"/>
-                </a:solidFill>
-              </a:defRPr>
-            </a:lvl2pPr>
-            <a:lvl3pPr eaLnBrk="1" hangingPunct="1">
-              <a:defRPr>
-                <a:solidFill>
-                  <a:schemeClr val="tx2"/>
-                </a:solidFill>
-              </a:defRPr>
-            </a:lvl3pPr>
-            <a:lvl4pPr eaLnBrk="1" hangingPunct="1">
-              <a:defRPr>
-                <a:solidFill>
-                  <a:schemeClr val="tx2"/>
-                </a:solidFill>
-              </a:defRPr>
-            </a:lvl4pPr>
-            <a:lvl5pPr eaLnBrk="1" hangingPunct="1">
-              <a:defRPr>
-                <a:solidFill>
-                  <a:schemeClr val="tx2"/>
-                </a:solidFill>
-              </a:defRPr>
-            </a:lvl5pPr>
-            <a:lvl6pPr eaLnBrk="1" hangingPunct="1">
-              <a:defRPr>
-                <a:solidFill>
-                  <a:schemeClr val="tx2"/>
-                </a:solidFill>
-              </a:defRPr>
-            </a:lvl6pPr>
-            <a:lvl7pPr eaLnBrk="1" hangingPunct="1">
-              <a:defRPr>
-                <a:solidFill>
-                  <a:schemeClr val="tx2"/>
-                </a:solidFill>
-              </a:defRPr>
-            </a:lvl7pPr>
-            <a:lvl8pPr eaLnBrk="1" hangingPunct="1">
-              <a:defRPr>
-                <a:solidFill>
-                  <a:schemeClr val="tx2"/>
-                </a:solidFill>
-              </a:defRPr>
-            </a:lvl8pPr>
-            <a:lvl9pPr eaLnBrk="1" hangingPunct="1">
-              <a:defRPr>
-                <a:solidFill>
-                  <a:schemeClr val="tx2"/>
-                </a:solidFill>
-              </a:defRPr>
-            </a:lvl9pPr>
-          </a:lstStyle>
-          <a:p>
-            <a:r>
-              <a:rPr lang="en-AU" dirty="0"/>
-              <a:t>Drink driving laws and influence on road fatalities</a:t>
-            </a:r>
-          </a:p>
-        </p:txBody>
-      </p:sp>
-      <p:sp>
-        <p:nvSpPr>
-          <p:cNvPr id="19" name="Content Placeholder 2">
-            <a:extLst>
-              <a:ext uri="{FF2B5EF4-FFF2-40B4-BE49-F238E27FC236}">
-                <a16:creationId xmlns:a16="http://schemas.microsoft.com/office/drawing/2014/main" id="{8405397F-5799-41D2-B923-D378173F34DB}"/>
-              </a:ext>
-            </a:extLst>
-          </p:cNvPr>
-          <p:cNvSpPr txBox="1">
-            <a:spLocks/>
-          </p:cNvSpPr>
+      </p:pic>
+      <p:pic>
+        <p:nvPicPr>
+          <p:cNvPr id="11" name="Picture 10">
+            <a:extLst>
+              <a:ext uri="{FF2B5EF4-FFF2-40B4-BE49-F238E27FC236}">
+                <a16:creationId xmlns:a16="http://schemas.microsoft.com/office/drawing/2014/main" id="{45D6A8BA-C1E0-40B1-AB65-A088039EDD4E}"/>
+              </a:ext>
+            </a:extLst>
+          </p:cNvPr>
+          <p:cNvPicPr>
+            <a:picLocks noChangeAspect="1"/>
+          </p:cNvPicPr>
           <p:nvPr/>
-        </p:nvSpPr>
-        <p:spPr>
-          <a:xfrm>
-            <a:off x="760765" y="4913529"/>
-            <a:ext cx="4926971" cy="1622487"/>
+        </p:nvPicPr>
+        <p:blipFill>
+          <a:blip r:embed="rId4"/>
+          <a:stretch>
+            <a:fillRect/>
+          </a:stretch>
+        </p:blipFill>
+        <p:spPr>
+          <a:xfrm>
+            <a:off x="9424660" y="4961595"/>
+            <a:ext cx="1095528" cy="781159"/>
           </a:xfrm>
           <a:prstGeom prst="rect">
             <a:avLst/>
           </a:prstGeom>
         </p:spPr>
-        <p:txBody>
-          <a:bodyPr vert="horz" lIns="91440" tIns="45720" rIns="91440" bIns="45720" rtlCol="0" anchor="ctr">
-            <a:normAutofit/>
-          </a:bodyPr>
-          <a:lstStyle>
-            <a:lvl1pPr marL="306000" indent="-306000" algn="l" defTabSz="457200" rtl="0" eaLnBrk="1" latinLnBrk="0" hangingPunct="1">
-              <a:lnSpc>
-                <a:spcPct val="100000"/>
-              </a:lnSpc>
-              <a:spcBef>
-                <a:spcPct val="20000"/>
-              </a:spcBef>
-              <a:spcAft>
-                <a:spcPts val="600"/>
-              </a:spcAft>
-              <a:buClr>
-                <a:schemeClr val="accent1"/>
-              </a:buClr>
-              <a:buSzPct val="92000"/>
-              <a:buFont typeface="Wingdings 2" panose="05020102010507070707" pitchFamily="18" charset="2"/>
-              <a:buChar char=""/>
-              <a:defRPr sz="1800" kern="1200">
-                <a:solidFill>
-                  <a:schemeClr val="tx1">
-                    <a:lumMod val="75000"/>
-                    <a:lumOff val="25000"/>
-                  </a:schemeClr>
-                </a:solidFill>
-                <a:latin typeface="+mn-lt"/>
-                <a:ea typeface="+mn-ea"/>
-                <a:cs typeface="+mn-cs"/>
-              </a:defRPr>
-            </a:lvl1pPr>
-            <a:lvl2pPr marL="630000" indent="-306000" algn="l" defTabSz="457200" rtl="0" eaLnBrk="1" latinLnBrk="0" hangingPunct="1">
-              <a:lnSpc>
-                <a:spcPct val="100000"/>
-              </a:lnSpc>
-              <a:spcBef>
-                <a:spcPct val="20000"/>
-              </a:spcBef>
-              <a:spcAft>
-                <a:spcPts val="600"/>
-              </a:spcAft>
-              <a:buClr>
-                <a:schemeClr val="accent1"/>
-              </a:buClr>
-              <a:buSzPct val="92000"/>
-              <a:buFont typeface="Wingdings 2" panose="05020102010507070707" pitchFamily="18" charset="2"/>
-              <a:buChar char=""/>
-              <a:defRPr sz="1600" kern="1200">
-                <a:solidFill>
-                  <a:schemeClr val="tx1">
-                    <a:lumMod val="75000"/>
-                    <a:lumOff val="25000"/>
-                  </a:schemeClr>
-                </a:solidFill>
-                <a:latin typeface="+mn-lt"/>
-                <a:ea typeface="+mn-ea"/>
-                <a:cs typeface="+mn-cs"/>
-              </a:defRPr>
-            </a:lvl2pPr>
-            <a:lvl3pPr marL="900000" indent="-270000" algn="l" defTabSz="457200" rtl="0" eaLnBrk="1" latinLnBrk="0" hangingPunct="1">
-              <a:lnSpc>
-                <a:spcPct val="100000"/>
-              </a:lnSpc>
-              <a:spcBef>
-                <a:spcPct val="20000"/>
-              </a:spcBef>
-              <a:spcAft>
-                <a:spcPts val="600"/>
-              </a:spcAft>
-              <a:buClr>
-                <a:schemeClr val="accent1"/>
-              </a:buClr>
-              <a:buSzPct val="92000"/>
-              <a:buFont typeface="Wingdings 2" panose="05020102010507070707" pitchFamily="18" charset="2"/>
-              <a:buChar char=""/>
-              <a:defRPr sz="1400" kern="1200">
-                <a:solidFill>
-                  <a:schemeClr val="tx1">
-                    <a:lumMod val="75000"/>
-                    <a:lumOff val="25000"/>
-                  </a:schemeClr>
-                </a:solidFill>
-                <a:latin typeface="+mn-lt"/>
-                <a:ea typeface="+mn-ea"/>
-                <a:cs typeface="+mn-cs"/>
-              </a:defRPr>
-            </a:lvl3pPr>
-            <a:lvl4pPr marL="1242000" indent="-234000" algn="l" defTabSz="457200" rtl="0" eaLnBrk="1" latinLnBrk="0" hangingPunct="1">
-              <a:lnSpc>
-                <a:spcPct val="100000"/>
-              </a:lnSpc>
-              <a:spcBef>
-                <a:spcPct val="20000"/>
-              </a:spcBef>
-              <a:spcAft>
-                <a:spcPts val="600"/>
-              </a:spcAft>
-              <a:buClr>
-                <a:schemeClr val="accent1"/>
-              </a:buClr>
-              <a:buSzPct val="92000"/>
-              <a:buFont typeface="Wingdings 2" panose="05020102010507070707" pitchFamily="18" charset="2"/>
-              <a:buChar char=""/>
-              <a:defRPr sz="1200" kern="1200">
-                <a:solidFill>
-                  <a:schemeClr val="tx1">
-                    <a:lumMod val="75000"/>
-                    <a:lumOff val="25000"/>
-                  </a:schemeClr>
-                </a:solidFill>
-                <a:latin typeface="+mn-lt"/>
-                <a:ea typeface="+mn-ea"/>
-                <a:cs typeface="+mn-cs"/>
-              </a:defRPr>
-            </a:lvl4pPr>
-            <a:lvl5pPr marL="1602000" indent="-234000" algn="l" defTabSz="457200" rtl="0" eaLnBrk="1" latinLnBrk="0" hangingPunct="1">
-              <a:lnSpc>
-                <a:spcPct val="100000"/>
-              </a:lnSpc>
-              <a:spcBef>
-                <a:spcPct val="20000"/>
-              </a:spcBef>
-              <a:spcAft>
-                <a:spcPts val="600"/>
-              </a:spcAft>
-              <a:buClr>
-                <a:schemeClr val="accent1"/>
-              </a:buClr>
-              <a:buSzPct val="92000"/>
-              <a:buFont typeface="Wingdings 2" panose="05020102010507070707" pitchFamily="18" charset="2"/>
-              <a:buChar char=""/>
-              <a:defRPr sz="1200" kern="1200">
-                <a:solidFill>
-                  <a:schemeClr val="tx1">
-                    <a:lumMod val="75000"/>
-                    <a:lumOff val="25000"/>
-                  </a:schemeClr>
-                </a:solidFill>
-                <a:latin typeface="+mn-lt"/>
-                <a:ea typeface="+mn-ea"/>
-                <a:cs typeface="+mn-cs"/>
-              </a:defRPr>
-            </a:lvl5pPr>
-            <a:lvl6pPr marL="1900000" indent="-228600" algn="l" defTabSz="457200" rtl="0" eaLnBrk="1" latinLnBrk="0" hangingPunct="1">
-              <a:spcBef>
-                <a:spcPct val="20000"/>
-              </a:spcBef>
-              <a:spcAft>
-                <a:spcPts val="600"/>
-              </a:spcAft>
-              <a:buClr>
-                <a:schemeClr val="accent2"/>
-              </a:buClr>
-              <a:buSzPct val="92000"/>
-              <a:buFont typeface="Wingdings 2" panose="05020102010507070707" pitchFamily="18" charset="2"/>
-              <a:buChar char=""/>
-              <a:defRPr sz="1200" kern="1200">
-                <a:solidFill>
-                  <a:schemeClr val="tx2"/>
-                </a:solidFill>
-                <a:latin typeface="+mn-lt"/>
-                <a:ea typeface="+mn-ea"/>
-                <a:cs typeface="+mn-cs"/>
-              </a:defRPr>
-            </a:lvl6pPr>
-            <a:lvl7pPr marL="2200000" indent="-228600" algn="l" defTabSz="457200" rtl="0" eaLnBrk="1" latinLnBrk="0" hangingPunct="1">
-              <a:spcBef>
-                <a:spcPct val="20000"/>
-              </a:spcBef>
-              <a:spcAft>
-                <a:spcPts val="600"/>
-              </a:spcAft>
-              <a:buClr>
-                <a:schemeClr val="accent2"/>
-              </a:buClr>
-              <a:buSzPct val="92000"/>
-              <a:buFont typeface="Wingdings 2" panose="05020102010507070707" pitchFamily="18" charset="2"/>
-              <a:buChar char=""/>
-              <a:defRPr sz="1200" kern="1200">
-                <a:solidFill>
-                  <a:schemeClr val="tx2"/>
-                </a:solidFill>
-                <a:latin typeface="+mn-lt"/>
-                <a:ea typeface="+mn-ea"/>
-                <a:cs typeface="+mn-cs"/>
-              </a:defRPr>
-            </a:lvl7pPr>
-            <a:lvl8pPr marL="2500000" indent="-228600" algn="l" defTabSz="457200" rtl="0" eaLnBrk="1" latinLnBrk="0" hangingPunct="1">
-              <a:spcBef>
-                <a:spcPct val="20000"/>
-              </a:spcBef>
-              <a:spcAft>
-                <a:spcPts val="600"/>
-              </a:spcAft>
-              <a:buClr>
-                <a:schemeClr val="accent2"/>
-              </a:buClr>
-              <a:buSzPct val="92000"/>
-              <a:buFont typeface="Wingdings 2" panose="05020102010507070707" pitchFamily="18" charset="2"/>
-              <a:buChar char=""/>
-              <a:defRPr sz="1200" kern="1200">
-                <a:solidFill>
-                  <a:schemeClr val="tx2"/>
-                </a:solidFill>
-                <a:latin typeface="+mn-lt"/>
-                <a:ea typeface="+mn-ea"/>
-                <a:cs typeface="+mn-cs"/>
-              </a:defRPr>
-            </a:lvl8pPr>
-            <a:lvl9pPr marL="2800000" indent="-228600" algn="l" defTabSz="457200" rtl="0" eaLnBrk="1" latinLnBrk="0" hangingPunct="1">
-              <a:spcBef>
-                <a:spcPct val="20000"/>
-              </a:spcBef>
-              <a:spcAft>
-                <a:spcPts val="600"/>
-              </a:spcAft>
-              <a:buClr>
-                <a:schemeClr val="accent2"/>
-              </a:buClr>
-              <a:buSzPct val="92000"/>
-              <a:buFont typeface="Wingdings 2" panose="05020102010507070707" pitchFamily="18" charset="2"/>
-              <a:buChar char=""/>
-              <a:defRPr sz="1200" kern="1200">
-                <a:solidFill>
-                  <a:schemeClr val="tx2"/>
-                </a:solidFill>
-                <a:latin typeface="+mn-lt"/>
-                <a:ea typeface="+mn-ea"/>
-                <a:cs typeface="+mn-cs"/>
-              </a:defRPr>
-            </a:lvl9pPr>
-          </a:lstStyle>
-          <a:p>
-            <a:r>
-              <a:rPr lang="en-US" dirty="0"/>
-              <a:t>68% of countries had BAC limits between 0.03 and 0.05g/dl</a:t>
-            </a:r>
-          </a:p>
-          <a:p>
-            <a:r>
-              <a:rPr lang="en-US" dirty="0"/>
-              <a:t>Limits above 0.07g/l accounted for 19% of counties</a:t>
-            </a:r>
-          </a:p>
-        </p:txBody>
-      </p:sp>
-      <p:sp>
-        <p:nvSpPr>
-          <p:cNvPr id="23" name="Content Placeholder 2">
-            <a:extLst>
-              <a:ext uri="{FF2B5EF4-FFF2-40B4-BE49-F238E27FC236}">
-                <a16:creationId xmlns:a16="http://schemas.microsoft.com/office/drawing/2014/main" id="{AC5B34F1-982D-470F-889B-FD92313D3C55}"/>
-              </a:ext>
-            </a:extLst>
-          </p:cNvPr>
-          <p:cNvSpPr txBox="1">
-            <a:spLocks/>
-          </p:cNvSpPr>
-          <p:nvPr/>
-        </p:nvSpPr>
-        <p:spPr>
-          <a:xfrm>
-            <a:off x="6366009" y="4748206"/>
-            <a:ext cx="4926971" cy="1622487"/>
-          </a:xfrm>
-          <a:prstGeom prst="rect">
-            <a:avLst/>
-          </a:prstGeom>
-        </p:spPr>
-        <p:txBody>
-          <a:bodyPr vert="horz" lIns="91440" tIns="45720" rIns="91440" bIns="45720" rtlCol="0" anchor="ctr">
-            <a:normAutofit/>
-          </a:bodyPr>
-          <a:lstStyle>
-            <a:lvl1pPr marL="306000" indent="-306000" algn="l" defTabSz="457200" rtl="0" eaLnBrk="1" latinLnBrk="0" hangingPunct="1">
-              <a:lnSpc>
-                <a:spcPct val="100000"/>
-              </a:lnSpc>
-              <a:spcBef>
-                <a:spcPct val="20000"/>
-              </a:spcBef>
-              <a:spcAft>
-                <a:spcPts val="600"/>
-              </a:spcAft>
-              <a:buClr>
-                <a:schemeClr val="accent1"/>
-              </a:buClr>
-              <a:buSzPct val="92000"/>
-              <a:buFont typeface="Wingdings 2" panose="05020102010507070707" pitchFamily="18" charset="2"/>
-              <a:buChar char=""/>
-              <a:defRPr sz="1800" kern="1200">
-                <a:solidFill>
-                  <a:schemeClr val="tx1">
-                    <a:lumMod val="75000"/>
-                    <a:lumOff val="25000"/>
-                  </a:schemeClr>
-                </a:solidFill>
-                <a:latin typeface="+mn-lt"/>
-                <a:ea typeface="+mn-ea"/>
-                <a:cs typeface="+mn-cs"/>
-              </a:defRPr>
-            </a:lvl1pPr>
-            <a:lvl2pPr marL="630000" indent="-306000" algn="l" defTabSz="457200" rtl="0" eaLnBrk="1" latinLnBrk="0" hangingPunct="1">
-              <a:lnSpc>
-                <a:spcPct val="100000"/>
-              </a:lnSpc>
-              <a:spcBef>
-                <a:spcPct val="20000"/>
-              </a:spcBef>
-              <a:spcAft>
-                <a:spcPts val="600"/>
-              </a:spcAft>
-              <a:buClr>
-                <a:schemeClr val="accent1"/>
-              </a:buClr>
-              <a:buSzPct val="92000"/>
-              <a:buFont typeface="Wingdings 2" panose="05020102010507070707" pitchFamily="18" charset="2"/>
-              <a:buChar char=""/>
-              <a:defRPr sz="1600" kern="1200">
-                <a:solidFill>
-                  <a:schemeClr val="tx1">
-                    <a:lumMod val="75000"/>
-                    <a:lumOff val="25000"/>
-                  </a:schemeClr>
-                </a:solidFill>
-                <a:latin typeface="+mn-lt"/>
-                <a:ea typeface="+mn-ea"/>
-                <a:cs typeface="+mn-cs"/>
-              </a:defRPr>
-            </a:lvl2pPr>
-            <a:lvl3pPr marL="900000" indent="-270000" algn="l" defTabSz="457200" rtl="0" eaLnBrk="1" latinLnBrk="0" hangingPunct="1">
-              <a:lnSpc>
-                <a:spcPct val="100000"/>
-              </a:lnSpc>
-              <a:spcBef>
-                <a:spcPct val="20000"/>
-              </a:spcBef>
-              <a:spcAft>
-                <a:spcPts val="600"/>
-              </a:spcAft>
-              <a:buClr>
-                <a:schemeClr val="accent1"/>
-              </a:buClr>
-              <a:buSzPct val="92000"/>
-              <a:buFont typeface="Wingdings 2" panose="05020102010507070707" pitchFamily="18" charset="2"/>
-              <a:buChar char=""/>
-              <a:defRPr sz="1400" kern="1200">
-                <a:solidFill>
-                  <a:schemeClr val="tx1">
-                    <a:lumMod val="75000"/>
-                    <a:lumOff val="25000"/>
-                  </a:schemeClr>
-                </a:solidFill>
-                <a:latin typeface="+mn-lt"/>
-                <a:ea typeface="+mn-ea"/>
-                <a:cs typeface="+mn-cs"/>
-              </a:defRPr>
-            </a:lvl3pPr>
-            <a:lvl4pPr marL="1242000" indent="-234000" algn="l" defTabSz="457200" rtl="0" eaLnBrk="1" latinLnBrk="0" hangingPunct="1">
-              <a:lnSpc>
-                <a:spcPct val="100000"/>
-              </a:lnSpc>
-              <a:spcBef>
-                <a:spcPct val="20000"/>
-              </a:spcBef>
-              <a:spcAft>
-                <a:spcPts val="600"/>
-              </a:spcAft>
-              <a:buClr>
-                <a:schemeClr val="accent1"/>
-              </a:buClr>
-              <a:buSzPct val="92000"/>
-              <a:buFont typeface="Wingdings 2" panose="05020102010507070707" pitchFamily="18" charset="2"/>
-              <a:buChar char=""/>
-              <a:defRPr sz="1200" kern="1200">
-                <a:solidFill>
-                  <a:schemeClr val="tx1">
-                    <a:lumMod val="75000"/>
-                    <a:lumOff val="25000"/>
-                  </a:schemeClr>
-                </a:solidFill>
-                <a:latin typeface="+mn-lt"/>
-                <a:ea typeface="+mn-ea"/>
-                <a:cs typeface="+mn-cs"/>
-              </a:defRPr>
-            </a:lvl4pPr>
-            <a:lvl5pPr marL="1602000" indent="-234000" algn="l" defTabSz="457200" rtl="0" eaLnBrk="1" latinLnBrk="0" hangingPunct="1">
-              <a:lnSpc>
-                <a:spcPct val="100000"/>
-              </a:lnSpc>
-              <a:spcBef>
-                <a:spcPct val="20000"/>
-              </a:spcBef>
-              <a:spcAft>
-                <a:spcPts val="600"/>
-              </a:spcAft>
-              <a:buClr>
-                <a:schemeClr val="accent1"/>
-              </a:buClr>
-              <a:buSzPct val="92000"/>
-              <a:buFont typeface="Wingdings 2" panose="05020102010507070707" pitchFamily="18" charset="2"/>
-              <a:buChar char=""/>
-              <a:defRPr sz="1200" kern="1200">
-                <a:solidFill>
-                  <a:schemeClr val="tx1">
-                    <a:lumMod val="75000"/>
-                    <a:lumOff val="25000"/>
-                  </a:schemeClr>
-                </a:solidFill>
-                <a:latin typeface="+mn-lt"/>
-                <a:ea typeface="+mn-ea"/>
-                <a:cs typeface="+mn-cs"/>
-              </a:defRPr>
-            </a:lvl5pPr>
-            <a:lvl6pPr marL="1900000" indent="-228600" algn="l" defTabSz="457200" rtl="0" eaLnBrk="1" latinLnBrk="0" hangingPunct="1">
-              <a:spcBef>
-                <a:spcPct val="20000"/>
-              </a:spcBef>
-              <a:spcAft>
-                <a:spcPts val="600"/>
-              </a:spcAft>
-              <a:buClr>
-                <a:schemeClr val="accent2"/>
-              </a:buClr>
-              <a:buSzPct val="92000"/>
-              <a:buFont typeface="Wingdings 2" panose="05020102010507070707" pitchFamily="18" charset="2"/>
-              <a:buChar char=""/>
-              <a:defRPr sz="1200" kern="1200">
-                <a:solidFill>
-                  <a:schemeClr val="tx2"/>
-                </a:solidFill>
-                <a:latin typeface="+mn-lt"/>
-                <a:ea typeface="+mn-ea"/>
-                <a:cs typeface="+mn-cs"/>
-              </a:defRPr>
-            </a:lvl6pPr>
-            <a:lvl7pPr marL="2200000" indent="-228600" algn="l" defTabSz="457200" rtl="0" eaLnBrk="1" latinLnBrk="0" hangingPunct="1">
-              <a:spcBef>
-                <a:spcPct val="20000"/>
-              </a:spcBef>
-              <a:spcAft>
-                <a:spcPts val="600"/>
-              </a:spcAft>
-              <a:buClr>
-                <a:schemeClr val="accent2"/>
-              </a:buClr>
-              <a:buSzPct val="92000"/>
-              <a:buFont typeface="Wingdings 2" panose="05020102010507070707" pitchFamily="18" charset="2"/>
-              <a:buChar char=""/>
-              <a:defRPr sz="1200" kern="1200">
-                <a:solidFill>
-                  <a:schemeClr val="tx2"/>
-                </a:solidFill>
-                <a:latin typeface="+mn-lt"/>
-                <a:ea typeface="+mn-ea"/>
-                <a:cs typeface="+mn-cs"/>
-              </a:defRPr>
-            </a:lvl7pPr>
-            <a:lvl8pPr marL="2500000" indent="-228600" algn="l" defTabSz="457200" rtl="0" eaLnBrk="1" latinLnBrk="0" hangingPunct="1">
-              <a:spcBef>
-                <a:spcPct val="20000"/>
-              </a:spcBef>
-              <a:spcAft>
-                <a:spcPts val="600"/>
-              </a:spcAft>
-              <a:buClr>
-                <a:schemeClr val="accent2"/>
-              </a:buClr>
-              <a:buSzPct val="92000"/>
-              <a:buFont typeface="Wingdings 2" panose="05020102010507070707" pitchFamily="18" charset="2"/>
-              <a:buChar char=""/>
-              <a:defRPr sz="1200" kern="1200">
-                <a:solidFill>
-                  <a:schemeClr val="tx2"/>
-                </a:solidFill>
-                <a:latin typeface="+mn-lt"/>
-                <a:ea typeface="+mn-ea"/>
-                <a:cs typeface="+mn-cs"/>
-              </a:defRPr>
-            </a:lvl8pPr>
-            <a:lvl9pPr marL="2800000" indent="-228600" algn="l" defTabSz="457200" rtl="0" eaLnBrk="1" latinLnBrk="0" hangingPunct="1">
-              <a:spcBef>
-                <a:spcPct val="20000"/>
-              </a:spcBef>
-              <a:spcAft>
-                <a:spcPts val="600"/>
-              </a:spcAft>
-              <a:buClr>
-                <a:schemeClr val="accent2"/>
-              </a:buClr>
-              <a:buSzPct val="92000"/>
-              <a:buFont typeface="Wingdings 2" panose="05020102010507070707" pitchFamily="18" charset="2"/>
-              <a:buChar char=""/>
-              <a:defRPr sz="1200" kern="1200">
-                <a:solidFill>
-                  <a:schemeClr val="tx2"/>
-                </a:solidFill>
-                <a:latin typeface="+mn-lt"/>
-                <a:ea typeface="+mn-ea"/>
-                <a:cs typeface="+mn-cs"/>
-              </a:defRPr>
-            </a:lvl9pPr>
-          </a:lstStyle>
-          <a:p>
-            <a:r>
-              <a:rPr lang="en-US" dirty="0"/>
-              <a:t>Limited correlation between GNIPC and limits</a:t>
-            </a:r>
-          </a:p>
-          <a:p>
-            <a:r>
-              <a:rPr lang="en-US" dirty="0"/>
-              <a:t>Hypothesis: countries’ penalties may influence </a:t>
-            </a:r>
-            <a:r>
-              <a:rPr lang="en-US" dirty="0" err="1"/>
-              <a:t>behaviour</a:t>
-            </a:r>
-            <a:r>
-              <a:rPr lang="en-US" dirty="0"/>
-              <a:t> </a:t>
-            </a:r>
-          </a:p>
-        </p:txBody>
-      </p:sp>
+      </p:pic>
     </p:spTree>
     <p:extLst>
       <p:ext uri="{BB962C8B-B14F-4D97-AF65-F5344CB8AC3E}">
-        <p14:creationId xmlns:p14="http://schemas.microsoft.com/office/powerpoint/2010/main" val="295816866"/>
+        <p14:creationId xmlns:p14="http://schemas.microsoft.com/office/powerpoint/2010/main" val="450673987"/>
       </p:ext>
     </p:extLst>
   </p:cSld>
@@ -8666,6 +7932,1285 @@
       </p:grpSpPr>
       <p:sp>
         <p:nvSpPr>
+          <p:cNvPr id="2" name="Title 1">
+            <a:extLst>
+              <a:ext uri="{FF2B5EF4-FFF2-40B4-BE49-F238E27FC236}">
+                <a16:creationId xmlns:a16="http://schemas.microsoft.com/office/drawing/2014/main" id="{DA75614F-B11B-424B-82E0-0AFF9AD0EB31}"/>
+              </a:ext>
+            </a:extLst>
+          </p:cNvPr>
+          <p:cNvSpPr>
+            <a:spLocks noGrp="1"/>
+          </p:cNvSpPr>
+          <p:nvPr>
+            <p:ph type="title"/>
+          </p:nvPr>
+        </p:nvSpPr>
+        <p:spPr>
+          <a:xfrm>
+            <a:off x="665082" y="625820"/>
+            <a:ext cx="11029616" cy="615749"/>
+          </a:xfrm>
+        </p:spPr>
+        <p:txBody>
+          <a:bodyPr/>
+          <a:lstStyle/>
+          <a:p>
+            <a:r>
+              <a:rPr lang="en-AU" dirty="0"/>
+              <a:t>Drink driving laws and influence on road fatalities</a:t>
+            </a:r>
+          </a:p>
+        </p:txBody>
+      </p:sp>
+      <p:pic>
+        <p:nvPicPr>
+          <p:cNvPr id="5" name="Content Placeholder 4" descr="Map&#10;&#10;Description automatically generated">
+            <a:extLst>
+              <a:ext uri="{FF2B5EF4-FFF2-40B4-BE49-F238E27FC236}">
+                <a16:creationId xmlns:a16="http://schemas.microsoft.com/office/drawing/2014/main" id="{F1949C2F-9D5E-4E87-ACB1-E5E28C733D74}"/>
+              </a:ext>
+            </a:extLst>
+          </p:cNvPr>
+          <p:cNvPicPr>
+            <a:picLocks noGrp="1" noChangeAspect="1"/>
+          </p:cNvPicPr>
+          <p:nvPr>
+            <p:ph idx="1"/>
+          </p:nvPr>
+        </p:nvPicPr>
+        <p:blipFill>
+          <a:blip r:embed="rId2"/>
+          <a:stretch>
+            <a:fillRect/>
+          </a:stretch>
+        </p:blipFill>
+        <p:spPr>
+          <a:xfrm>
+            <a:off x="1003620" y="1462190"/>
+            <a:ext cx="10352539" cy="4259102"/>
+          </a:xfrm>
+        </p:spPr>
+      </p:pic>
+    </p:spTree>
+    <p:extLst>
+      <p:ext uri="{BB962C8B-B14F-4D97-AF65-F5344CB8AC3E}">
+        <p14:creationId xmlns:p14="http://schemas.microsoft.com/office/powerpoint/2010/main" val="2380875080"/>
+      </p:ext>
+    </p:extLst>
+  </p:cSld>
+  <p:clrMapOvr>
+    <a:masterClrMapping/>
+  </p:clrMapOvr>
+</p:sld>
+</file>
+
+<file path=ppt/slides/slide26.xml><?xml version="1.0" encoding="utf-8"?>
+<p:sld xmlns:a="http://schemas.openxmlformats.org/drawingml/2006/main" xmlns:r="http://schemas.openxmlformats.org/officeDocument/2006/relationships" xmlns:p="http://schemas.openxmlformats.org/presentationml/2006/main">
+  <p:cSld>
+    <p:spTree>
+      <p:nvGrpSpPr>
+        <p:cNvPr id="1" name=""/>
+        <p:cNvGrpSpPr/>
+        <p:nvPr/>
+      </p:nvGrpSpPr>
+      <p:grpSpPr>
+        <a:xfrm>
+          <a:off x="0" y="0"/>
+          <a:ext cx="0" cy="0"/>
+          <a:chOff x="0" y="0"/>
+          <a:chExt cx="0" cy="0"/>
+        </a:xfrm>
+      </p:grpSpPr>
+      <p:sp>
+        <p:nvSpPr>
+          <p:cNvPr id="2" name="Title 1">
+            <a:extLst>
+              <a:ext uri="{FF2B5EF4-FFF2-40B4-BE49-F238E27FC236}">
+                <a16:creationId xmlns:a16="http://schemas.microsoft.com/office/drawing/2014/main" id="{DA75614F-B11B-424B-82E0-0AFF9AD0EB31}"/>
+              </a:ext>
+            </a:extLst>
+          </p:cNvPr>
+          <p:cNvSpPr>
+            <a:spLocks noGrp="1"/>
+          </p:cNvSpPr>
+          <p:nvPr>
+            <p:ph type="title"/>
+          </p:nvPr>
+        </p:nvSpPr>
+        <p:spPr>
+          <a:xfrm>
+            <a:off x="665082" y="625820"/>
+            <a:ext cx="11029616" cy="615749"/>
+          </a:xfrm>
+        </p:spPr>
+        <p:txBody>
+          <a:bodyPr/>
+          <a:lstStyle/>
+          <a:p>
+            <a:r>
+              <a:rPr lang="en-AU" dirty="0"/>
+              <a:t>Drink driving laws and influence on road fatalities</a:t>
+            </a:r>
+          </a:p>
+        </p:txBody>
+      </p:sp>
+      <p:pic>
+        <p:nvPicPr>
+          <p:cNvPr id="7" name="Picture 6" descr="Chart, box and whisker chart&#10;&#10;Description automatically generated">
+            <a:extLst>
+              <a:ext uri="{FF2B5EF4-FFF2-40B4-BE49-F238E27FC236}">
+                <a16:creationId xmlns:a16="http://schemas.microsoft.com/office/drawing/2014/main" id="{1D66413D-2DC6-4D77-B04D-7B0106646563}"/>
+              </a:ext>
+            </a:extLst>
+          </p:cNvPr>
+          <p:cNvPicPr>
+            <a:picLocks noChangeAspect="1"/>
+          </p:cNvPicPr>
+          <p:nvPr/>
+        </p:nvPicPr>
+        <p:blipFill>
+          <a:blip r:embed="rId2"/>
+          <a:stretch>
+            <a:fillRect/>
+          </a:stretch>
+        </p:blipFill>
+        <p:spPr>
+          <a:xfrm>
+            <a:off x="5930133" y="1181985"/>
+            <a:ext cx="5705397" cy="3803598"/>
+          </a:xfrm>
+          <a:prstGeom prst="rect">
+            <a:avLst/>
+          </a:prstGeom>
+        </p:spPr>
+      </p:pic>
+      <p:sp>
+        <p:nvSpPr>
+          <p:cNvPr id="8" name="Content Placeholder 2">
+            <a:extLst>
+              <a:ext uri="{FF2B5EF4-FFF2-40B4-BE49-F238E27FC236}">
+                <a16:creationId xmlns:a16="http://schemas.microsoft.com/office/drawing/2014/main" id="{AB240367-D123-4E86-9D2B-2937B4E33006}"/>
+              </a:ext>
+            </a:extLst>
+          </p:cNvPr>
+          <p:cNvSpPr>
+            <a:spLocks noGrp="1"/>
+          </p:cNvSpPr>
+          <p:nvPr>
+            <p:ph idx="1"/>
+          </p:nvPr>
+        </p:nvSpPr>
+        <p:spPr>
+          <a:xfrm>
+            <a:off x="790352" y="5045166"/>
+            <a:ext cx="5169366" cy="1622487"/>
+          </a:xfrm>
+        </p:spPr>
+        <p:txBody>
+          <a:bodyPr/>
+          <a:lstStyle/>
+          <a:p>
+            <a:r>
+              <a:rPr lang="en-US" dirty="0"/>
+              <a:t>Majority of countries surveyed attributed &lt;15% of traffic fatalities to incidents involving alcohol</a:t>
+            </a:r>
+          </a:p>
+          <a:p>
+            <a:r>
+              <a:rPr lang="en-US" dirty="0"/>
+              <a:t>Notwithstanding, some countries had a very high prevalence of fatalities related to DUI offences</a:t>
+            </a:r>
+          </a:p>
+        </p:txBody>
+      </p:sp>
+      <p:pic>
+        <p:nvPicPr>
+          <p:cNvPr id="10" name="Picture 9" descr="Chart, histogram&#10;&#10;Description automatically generated">
+            <a:extLst>
+              <a:ext uri="{FF2B5EF4-FFF2-40B4-BE49-F238E27FC236}">
+                <a16:creationId xmlns:a16="http://schemas.microsoft.com/office/drawing/2014/main" id="{8F38DBD1-64DC-4F97-AE3D-5A2DE2B047F0}"/>
+              </a:ext>
+            </a:extLst>
+          </p:cNvPr>
+          <p:cNvPicPr>
+            <a:picLocks noChangeAspect="1"/>
+          </p:cNvPicPr>
+          <p:nvPr/>
+        </p:nvPicPr>
+        <p:blipFill>
+          <a:blip r:embed="rId3"/>
+          <a:stretch>
+            <a:fillRect/>
+          </a:stretch>
+        </p:blipFill>
+        <p:spPr>
+          <a:xfrm>
+            <a:off x="475371" y="1360735"/>
+            <a:ext cx="5454762" cy="3741156"/>
+          </a:xfrm>
+          <a:prstGeom prst="rect">
+            <a:avLst/>
+          </a:prstGeom>
+        </p:spPr>
+      </p:pic>
+      <p:sp>
+        <p:nvSpPr>
+          <p:cNvPr id="13" name="Content Placeholder 2">
+            <a:extLst>
+              <a:ext uri="{FF2B5EF4-FFF2-40B4-BE49-F238E27FC236}">
+                <a16:creationId xmlns:a16="http://schemas.microsoft.com/office/drawing/2014/main" id="{F3880EAD-1FE1-429D-BF09-75E3987B8C95}"/>
+              </a:ext>
+            </a:extLst>
+          </p:cNvPr>
+          <p:cNvSpPr txBox="1">
+            <a:spLocks/>
+          </p:cNvSpPr>
+          <p:nvPr/>
+        </p:nvSpPr>
+        <p:spPr>
+          <a:xfrm>
+            <a:off x="6371248" y="4985583"/>
+            <a:ext cx="4823936" cy="1622487"/>
+          </a:xfrm>
+          <a:prstGeom prst="rect">
+            <a:avLst/>
+          </a:prstGeom>
+        </p:spPr>
+        <p:txBody>
+          <a:bodyPr vert="horz" lIns="91440" tIns="45720" rIns="91440" bIns="45720" rtlCol="0" anchor="ctr">
+            <a:normAutofit/>
+          </a:bodyPr>
+          <a:lstStyle>
+            <a:lvl1pPr marL="306000" indent="-306000" algn="l" defTabSz="457200" rtl="0" eaLnBrk="1" latinLnBrk="0" hangingPunct="1">
+              <a:lnSpc>
+                <a:spcPct val="100000"/>
+              </a:lnSpc>
+              <a:spcBef>
+                <a:spcPct val="20000"/>
+              </a:spcBef>
+              <a:spcAft>
+                <a:spcPts val="600"/>
+              </a:spcAft>
+              <a:buClr>
+                <a:schemeClr val="accent1"/>
+              </a:buClr>
+              <a:buSzPct val="92000"/>
+              <a:buFont typeface="Wingdings 2" panose="05020102010507070707" pitchFamily="18" charset="2"/>
+              <a:buChar char=""/>
+              <a:defRPr sz="1800" kern="1200">
+                <a:solidFill>
+                  <a:schemeClr val="tx1">
+                    <a:lumMod val="75000"/>
+                    <a:lumOff val="25000"/>
+                  </a:schemeClr>
+                </a:solidFill>
+                <a:latin typeface="+mn-lt"/>
+                <a:ea typeface="+mn-ea"/>
+                <a:cs typeface="+mn-cs"/>
+              </a:defRPr>
+            </a:lvl1pPr>
+            <a:lvl2pPr marL="630000" indent="-306000" algn="l" defTabSz="457200" rtl="0" eaLnBrk="1" latinLnBrk="0" hangingPunct="1">
+              <a:lnSpc>
+                <a:spcPct val="100000"/>
+              </a:lnSpc>
+              <a:spcBef>
+                <a:spcPct val="20000"/>
+              </a:spcBef>
+              <a:spcAft>
+                <a:spcPts val="600"/>
+              </a:spcAft>
+              <a:buClr>
+                <a:schemeClr val="accent1"/>
+              </a:buClr>
+              <a:buSzPct val="92000"/>
+              <a:buFont typeface="Wingdings 2" panose="05020102010507070707" pitchFamily="18" charset="2"/>
+              <a:buChar char=""/>
+              <a:defRPr sz="1600" kern="1200">
+                <a:solidFill>
+                  <a:schemeClr val="tx1">
+                    <a:lumMod val="75000"/>
+                    <a:lumOff val="25000"/>
+                  </a:schemeClr>
+                </a:solidFill>
+                <a:latin typeface="+mn-lt"/>
+                <a:ea typeface="+mn-ea"/>
+                <a:cs typeface="+mn-cs"/>
+              </a:defRPr>
+            </a:lvl2pPr>
+            <a:lvl3pPr marL="900000" indent="-270000" algn="l" defTabSz="457200" rtl="0" eaLnBrk="1" latinLnBrk="0" hangingPunct="1">
+              <a:lnSpc>
+                <a:spcPct val="100000"/>
+              </a:lnSpc>
+              <a:spcBef>
+                <a:spcPct val="20000"/>
+              </a:spcBef>
+              <a:spcAft>
+                <a:spcPts val="600"/>
+              </a:spcAft>
+              <a:buClr>
+                <a:schemeClr val="accent1"/>
+              </a:buClr>
+              <a:buSzPct val="92000"/>
+              <a:buFont typeface="Wingdings 2" panose="05020102010507070707" pitchFamily="18" charset="2"/>
+              <a:buChar char=""/>
+              <a:defRPr sz="1400" kern="1200">
+                <a:solidFill>
+                  <a:schemeClr val="tx1">
+                    <a:lumMod val="75000"/>
+                    <a:lumOff val="25000"/>
+                  </a:schemeClr>
+                </a:solidFill>
+                <a:latin typeface="+mn-lt"/>
+                <a:ea typeface="+mn-ea"/>
+                <a:cs typeface="+mn-cs"/>
+              </a:defRPr>
+            </a:lvl3pPr>
+            <a:lvl4pPr marL="1242000" indent="-234000" algn="l" defTabSz="457200" rtl="0" eaLnBrk="1" latinLnBrk="0" hangingPunct="1">
+              <a:lnSpc>
+                <a:spcPct val="100000"/>
+              </a:lnSpc>
+              <a:spcBef>
+                <a:spcPct val="20000"/>
+              </a:spcBef>
+              <a:spcAft>
+                <a:spcPts val="600"/>
+              </a:spcAft>
+              <a:buClr>
+                <a:schemeClr val="accent1"/>
+              </a:buClr>
+              <a:buSzPct val="92000"/>
+              <a:buFont typeface="Wingdings 2" panose="05020102010507070707" pitchFamily="18" charset="2"/>
+              <a:buChar char=""/>
+              <a:defRPr sz="1200" kern="1200">
+                <a:solidFill>
+                  <a:schemeClr val="tx1">
+                    <a:lumMod val="75000"/>
+                    <a:lumOff val="25000"/>
+                  </a:schemeClr>
+                </a:solidFill>
+                <a:latin typeface="+mn-lt"/>
+                <a:ea typeface="+mn-ea"/>
+                <a:cs typeface="+mn-cs"/>
+              </a:defRPr>
+            </a:lvl4pPr>
+            <a:lvl5pPr marL="1602000" indent="-234000" algn="l" defTabSz="457200" rtl="0" eaLnBrk="1" latinLnBrk="0" hangingPunct="1">
+              <a:lnSpc>
+                <a:spcPct val="100000"/>
+              </a:lnSpc>
+              <a:spcBef>
+                <a:spcPct val="20000"/>
+              </a:spcBef>
+              <a:spcAft>
+                <a:spcPts val="600"/>
+              </a:spcAft>
+              <a:buClr>
+                <a:schemeClr val="accent1"/>
+              </a:buClr>
+              <a:buSzPct val="92000"/>
+              <a:buFont typeface="Wingdings 2" panose="05020102010507070707" pitchFamily="18" charset="2"/>
+              <a:buChar char=""/>
+              <a:defRPr sz="1200" kern="1200">
+                <a:solidFill>
+                  <a:schemeClr val="tx1">
+                    <a:lumMod val="75000"/>
+                    <a:lumOff val="25000"/>
+                  </a:schemeClr>
+                </a:solidFill>
+                <a:latin typeface="+mn-lt"/>
+                <a:ea typeface="+mn-ea"/>
+                <a:cs typeface="+mn-cs"/>
+              </a:defRPr>
+            </a:lvl5pPr>
+            <a:lvl6pPr marL="1900000" indent="-228600" algn="l" defTabSz="457200" rtl="0" eaLnBrk="1" latinLnBrk="0" hangingPunct="1">
+              <a:spcBef>
+                <a:spcPct val="20000"/>
+              </a:spcBef>
+              <a:spcAft>
+                <a:spcPts val="600"/>
+              </a:spcAft>
+              <a:buClr>
+                <a:schemeClr val="accent2"/>
+              </a:buClr>
+              <a:buSzPct val="92000"/>
+              <a:buFont typeface="Wingdings 2" panose="05020102010507070707" pitchFamily="18" charset="2"/>
+              <a:buChar char=""/>
+              <a:defRPr sz="1200" kern="1200">
+                <a:solidFill>
+                  <a:schemeClr val="tx2"/>
+                </a:solidFill>
+                <a:latin typeface="+mn-lt"/>
+                <a:ea typeface="+mn-ea"/>
+                <a:cs typeface="+mn-cs"/>
+              </a:defRPr>
+            </a:lvl6pPr>
+            <a:lvl7pPr marL="2200000" indent="-228600" algn="l" defTabSz="457200" rtl="0" eaLnBrk="1" latinLnBrk="0" hangingPunct="1">
+              <a:spcBef>
+                <a:spcPct val="20000"/>
+              </a:spcBef>
+              <a:spcAft>
+                <a:spcPts val="600"/>
+              </a:spcAft>
+              <a:buClr>
+                <a:schemeClr val="accent2"/>
+              </a:buClr>
+              <a:buSzPct val="92000"/>
+              <a:buFont typeface="Wingdings 2" panose="05020102010507070707" pitchFamily="18" charset="2"/>
+              <a:buChar char=""/>
+              <a:defRPr sz="1200" kern="1200">
+                <a:solidFill>
+                  <a:schemeClr val="tx2"/>
+                </a:solidFill>
+                <a:latin typeface="+mn-lt"/>
+                <a:ea typeface="+mn-ea"/>
+                <a:cs typeface="+mn-cs"/>
+              </a:defRPr>
+            </a:lvl7pPr>
+            <a:lvl8pPr marL="2500000" indent="-228600" algn="l" defTabSz="457200" rtl="0" eaLnBrk="1" latinLnBrk="0" hangingPunct="1">
+              <a:spcBef>
+                <a:spcPct val="20000"/>
+              </a:spcBef>
+              <a:spcAft>
+                <a:spcPts val="600"/>
+              </a:spcAft>
+              <a:buClr>
+                <a:schemeClr val="accent2"/>
+              </a:buClr>
+              <a:buSzPct val="92000"/>
+              <a:buFont typeface="Wingdings 2" panose="05020102010507070707" pitchFamily="18" charset="2"/>
+              <a:buChar char=""/>
+              <a:defRPr sz="1200" kern="1200">
+                <a:solidFill>
+                  <a:schemeClr val="tx2"/>
+                </a:solidFill>
+                <a:latin typeface="+mn-lt"/>
+                <a:ea typeface="+mn-ea"/>
+                <a:cs typeface="+mn-cs"/>
+              </a:defRPr>
+            </a:lvl8pPr>
+            <a:lvl9pPr marL="2800000" indent="-228600" algn="l" defTabSz="457200" rtl="0" eaLnBrk="1" latinLnBrk="0" hangingPunct="1">
+              <a:spcBef>
+                <a:spcPct val="20000"/>
+              </a:spcBef>
+              <a:spcAft>
+                <a:spcPts val="600"/>
+              </a:spcAft>
+              <a:buClr>
+                <a:schemeClr val="accent2"/>
+              </a:buClr>
+              <a:buSzPct val="92000"/>
+              <a:buFont typeface="Wingdings 2" panose="05020102010507070707" pitchFamily="18" charset="2"/>
+              <a:buChar char=""/>
+              <a:defRPr sz="1200" kern="1200">
+                <a:solidFill>
+                  <a:schemeClr val="tx2"/>
+                </a:solidFill>
+                <a:latin typeface="+mn-lt"/>
+                <a:ea typeface="+mn-ea"/>
+                <a:cs typeface="+mn-cs"/>
+              </a:defRPr>
+            </a:lvl9pPr>
+          </a:lstStyle>
+          <a:p>
+            <a:r>
+              <a:rPr lang="en-US" dirty="0"/>
+              <a:t>The correlation between BAC limit and percentage of fatalities was found to be weak (r</a:t>
+            </a:r>
+            <a:r>
+              <a:rPr lang="en-US" baseline="30000" dirty="0"/>
+              <a:t>2</a:t>
+            </a:r>
+            <a:r>
+              <a:rPr lang="en-US" dirty="0"/>
+              <a:t> = 4%), therefore likely that correlation ≠ causation. </a:t>
+            </a:r>
+          </a:p>
+        </p:txBody>
+      </p:sp>
+    </p:spTree>
+    <p:extLst>
+      <p:ext uri="{BB962C8B-B14F-4D97-AF65-F5344CB8AC3E}">
+        <p14:creationId xmlns:p14="http://schemas.microsoft.com/office/powerpoint/2010/main" val="3479678397"/>
+      </p:ext>
+    </p:extLst>
+  </p:cSld>
+  <p:clrMapOvr>
+    <a:masterClrMapping/>
+  </p:clrMapOvr>
+</p:sld>
+</file>
+
+<file path=ppt/slides/slide27.xml><?xml version="1.0" encoding="utf-8"?>
+<p:sld xmlns:a="http://schemas.openxmlformats.org/drawingml/2006/main" xmlns:r="http://schemas.openxmlformats.org/officeDocument/2006/relationships" xmlns:p="http://schemas.openxmlformats.org/presentationml/2006/main">
+  <p:cSld>
+    <p:spTree>
+      <p:nvGrpSpPr>
+        <p:cNvPr id="1" name=""/>
+        <p:cNvGrpSpPr/>
+        <p:nvPr/>
+      </p:nvGrpSpPr>
+      <p:grpSpPr>
+        <a:xfrm>
+          <a:off x="0" y="0"/>
+          <a:ext cx="0" cy="0"/>
+          <a:chOff x="0" y="0"/>
+          <a:chExt cx="0" cy="0"/>
+        </a:xfrm>
+      </p:grpSpPr>
+      <p:pic>
+        <p:nvPicPr>
+          <p:cNvPr id="5" name="Content Placeholder 4" descr="Chart, scatter chart, bubble chart&#10;&#10;Description automatically generated">
+            <a:extLst>
+              <a:ext uri="{FF2B5EF4-FFF2-40B4-BE49-F238E27FC236}">
+                <a16:creationId xmlns:a16="http://schemas.microsoft.com/office/drawing/2014/main" id="{16DA9EC3-564B-47AE-85B6-C57C3422F7EF}"/>
+              </a:ext>
+            </a:extLst>
+          </p:cNvPr>
+          <p:cNvPicPr>
+            <a:picLocks noGrp="1" noChangeAspect="1"/>
+          </p:cNvPicPr>
+          <p:nvPr>
+            <p:ph idx="1"/>
+          </p:nvPr>
+        </p:nvPicPr>
+        <p:blipFill>
+          <a:blip r:embed="rId2"/>
+          <a:stretch>
+            <a:fillRect/>
+          </a:stretch>
+        </p:blipFill>
+        <p:spPr>
+          <a:xfrm>
+            <a:off x="6179890" y="1455087"/>
+            <a:ext cx="3556916" cy="3578344"/>
+          </a:xfrm>
+        </p:spPr>
+      </p:pic>
+      <p:pic>
+        <p:nvPicPr>
+          <p:cNvPr id="7" name="Picture 6" descr="Chart&#10;&#10;Description automatically generated">
+            <a:extLst>
+              <a:ext uri="{FF2B5EF4-FFF2-40B4-BE49-F238E27FC236}">
+                <a16:creationId xmlns:a16="http://schemas.microsoft.com/office/drawing/2014/main" id="{953FB980-220A-4E38-9640-2BDAF174988C}"/>
+              </a:ext>
+            </a:extLst>
+          </p:cNvPr>
+          <p:cNvPicPr>
+            <a:picLocks noChangeAspect="1"/>
+          </p:cNvPicPr>
+          <p:nvPr/>
+        </p:nvPicPr>
+        <p:blipFill>
+          <a:blip r:embed="rId3"/>
+          <a:stretch>
+            <a:fillRect/>
+          </a:stretch>
+        </p:blipFill>
+        <p:spPr>
+          <a:xfrm>
+            <a:off x="665082" y="1241569"/>
+            <a:ext cx="4674665" cy="3671136"/>
+          </a:xfrm>
+          <a:prstGeom prst="rect">
+            <a:avLst/>
+          </a:prstGeom>
+        </p:spPr>
+      </p:pic>
+      <p:sp>
+        <p:nvSpPr>
+          <p:cNvPr id="16" name="Title 1">
+            <a:extLst>
+              <a:ext uri="{FF2B5EF4-FFF2-40B4-BE49-F238E27FC236}">
+                <a16:creationId xmlns:a16="http://schemas.microsoft.com/office/drawing/2014/main" id="{D4EAA9A9-B96C-45D2-8396-923D759D46A3}"/>
+              </a:ext>
+            </a:extLst>
+          </p:cNvPr>
+          <p:cNvSpPr txBox="1">
+            <a:spLocks/>
+          </p:cNvSpPr>
+          <p:nvPr/>
+        </p:nvSpPr>
+        <p:spPr>
+          <a:xfrm>
+            <a:off x="665082" y="625820"/>
+            <a:ext cx="11029616" cy="615749"/>
+          </a:xfrm>
+          <a:prstGeom prst="rect">
+            <a:avLst/>
+          </a:prstGeom>
+        </p:spPr>
+        <p:txBody>
+          <a:bodyPr vert="horz" lIns="91440" tIns="45720" rIns="91440" bIns="45720" rtlCol="0" anchor="b">
+            <a:normAutofit/>
+          </a:bodyPr>
+          <a:lstStyle>
+            <a:lvl1pPr algn="l" defTabSz="457200" rtl="0" eaLnBrk="1" latinLnBrk="0" hangingPunct="1">
+              <a:lnSpc>
+                <a:spcPct val="100000"/>
+              </a:lnSpc>
+              <a:spcBef>
+                <a:spcPct val="0"/>
+              </a:spcBef>
+              <a:buNone/>
+              <a:defRPr sz="2800" b="0" kern="1200" cap="all">
+                <a:solidFill>
+                  <a:schemeClr val="tx1">
+                    <a:lumMod val="75000"/>
+                    <a:lumOff val="25000"/>
+                  </a:schemeClr>
+                </a:solidFill>
+                <a:latin typeface="+mj-lt"/>
+                <a:ea typeface="+mj-ea"/>
+                <a:cs typeface="+mj-cs"/>
+              </a:defRPr>
+            </a:lvl1pPr>
+            <a:lvl2pPr eaLnBrk="1" hangingPunct="1">
+              <a:defRPr>
+                <a:solidFill>
+                  <a:schemeClr val="tx2"/>
+                </a:solidFill>
+              </a:defRPr>
+            </a:lvl2pPr>
+            <a:lvl3pPr eaLnBrk="1" hangingPunct="1">
+              <a:defRPr>
+                <a:solidFill>
+                  <a:schemeClr val="tx2"/>
+                </a:solidFill>
+              </a:defRPr>
+            </a:lvl3pPr>
+            <a:lvl4pPr eaLnBrk="1" hangingPunct="1">
+              <a:defRPr>
+                <a:solidFill>
+                  <a:schemeClr val="tx2"/>
+                </a:solidFill>
+              </a:defRPr>
+            </a:lvl4pPr>
+            <a:lvl5pPr eaLnBrk="1" hangingPunct="1">
+              <a:defRPr>
+                <a:solidFill>
+                  <a:schemeClr val="tx2"/>
+                </a:solidFill>
+              </a:defRPr>
+            </a:lvl5pPr>
+            <a:lvl6pPr eaLnBrk="1" hangingPunct="1">
+              <a:defRPr>
+                <a:solidFill>
+                  <a:schemeClr val="tx2"/>
+                </a:solidFill>
+              </a:defRPr>
+            </a:lvl6pPr>
+            <a:lvl7pPr eaLnBrk="1" hangingPunct="1">
+              <a:defRPr>
+                <a:solidFill>
+                  <a:schemeClr val="tx2"/>
+                </a:solidFill>
+              </a:defRPr>
+            </a:lvl7pPr>
+            <a:lvl8pPr eaLnBrk="1" hangingPunct="1">
+              <a:defRPr>
+                <a:solidFill>
+                  <a:schemeClr val="tx2"/>
+                </a:solidFill>
+              </a:defRPr>
+            </a:lvl8pPr>
+            <a:lvl9pPr eaLnBrk="1" hangingPunct="1">
+              <a:defRPr>
+                <a:solidFill>
+                  <a:schemeClr val="tx2"/>
+                </a:solidFill>
+              </a:defRPr>
+            </a:lvl9pPr>
+          </a:lstStyle>
+          <a:p>
+            <a:r>
+              <a:rPr lang="en-AU" dirty="0"/>
+              <a:t>Drink driving laws and influence on road fatalities</a:t>
+            </a:r>
+          </a:p>
+        </p:txBody>
+      </p:sp>
+      <p:sp>
+        <p:nvSpPr>
+          <p:cNvPr id="19" name="Content Placeholder 2">
+            <a:extLst>
+              <a:ext uri="{FF2B5EF4-FFF2-40B4-BE49-F238E27FC236}">
+                <a16:creationId xmlns:a16="http://schemas.microsoft.com/office/drawing/2014/main" id="{8405397F-5799-41D2-B923-D378173F34DB}"/>
+              </a:ext>
+            </a:extLst>
+          </p:cNvPr>
+          <p:cNvSpPr txBox="1">
+            <a:spLocks/>
+          </p:cNvSpPr>
+          <p:nvPr/>
+        </p:nvSpPr>
+        <p:spPr>
+          <a:xfrm>
+            <a:off x="760765" y="4913529"/>
+            <a:ext cx="4926971" cy="1622487"/>
+          </a:xfrm>
+          <a:prstGeom prst="rect">
+            <a:avLst/>
+          </a:prstGeom>
+        </p:spPr>
+        <p:txBody>
+          <a:bodyPr vert="horz" lIns="91440" tIns="45720" rIns="91440" bIns="45720" rtlCol="0" anchor="ctr">
+            <a:normAutofit/>
+          </a:bodyPr>
+          <a:lstStyle>
+            <a:lvl1pPr marL="306000" indent="-306000" algn="l" defTabSz="457200" rtl="0" eaLnBrk="1" latinLnBrk="0" hangingPunct="1">
+              <a:lnSpc>
+                <a:spcPct val="100000"/>
+              </a:lnSpc>
+              <a:spcBef>
+                <a:spcPct val="20000"/>
+              </a:spcBef>
+              <a:spcAft>
+                <a:spcPts val="600"/>
+              </a:spcAft>
+              <a:buClr>
+                <a:schemeClr val="accent1"/>
+              </a:buClr>
+              <a:buSzPct val="92000"/>
+              <a:buFont typeface="Wingdings 2" panose="05020102010507070707" pitchFamily="18" charset="2"/>
+              <a:buChar char=""/>
+              <a:defRPr sz="1800" kern="1200">
+                <a:solidFill>
+                  <a:schemeClr val="tx1">
+                    <a:lumMod val="75000"/>
+                    <a:lumOff val="25000"/>
+                  </a:schemeClr>
+                </a:solidFill>
+                <a:latin typeface="+mn-lt"/>
+                <a:ea typeface="+mn-ea"/>
+                <a:cs typeface="+mn-cs"/>
+              </a:defRPr>
+            </a:lvl1pPr>
+            <a:lvl2pPr marL="630000" indent="-306000" algn="l" defTabSz="457200" rtl="0" eaLnBrk="1" latinLnBrk="0" hangingPunct="1">
+              <a:lnSpc>
+                <a:spcPct val="100000"/>
+              </a:lnSpc>
+              <a:spcBef>
+                <a:spcPct val="20000"/>
+              </a:spcBef>
+              <a:spcAft>
+                <a:spcPts val="600"/>
+              </a:spcAft>
+              <a:buClr>
+                <a:schemeClr val="accent1"/>
+              </a:buClr>
+              <a:buSzPct val="92000"/>
+              <a:buFont typeface="Wingdings 2" panose="05020102010507070707" pitchFamily="18" charset="2"/>
+              <a:buChar char=""/>
+              <a:defRPr sz="1600" kern="1200">
+                <a:solidFill>
+                  <a:schemeClr val="tx1">
+                    <a:lumMod val="75000"/>
+                    <a:lumOff val="25000"/>
+                  </a:schemeClr>
+                </a:solidFill>
+                <a:latin typeface="+mn-lt"/>
+                <a:ea typeface="+mn-ea"/>
+                <a:cs typeface="+mn-cs"/>
+              </a:defRPr>
+            </a:lvl2pPr>
+            <a:lvl3pPr marL="900000" indent="-270000" algn="l" defTabSz="457200" rtl="0" eaLnBrk="1" latinLnBrk="0" hangingPunct="1">
+              <a:lnSpc>
+                <a:spcPct val="100000"/>
+              </a:lnSpc>
+              <a:spcBef>
+                <a:spcPct val="20000"/>
+              </a:spcBef>
+              <a:spcAft>
+                <a:spcPts val="600"/>
+              </a:spcAft>
+              <a:buClr>
+                <a:schemeClr val="accent1"/>
+              </a:buClr>
+              <a:buSzPct val="92000"/>
+              <a:buFont typeface="Wingdings 2" panose="05020102010507070707" pitchFamily="18" charset="2"/>
+              <a:buChar char=""/>
+              <a:defRPr sz="1400" kern="1200">
+                <a:solidFill>
+                  <a:schemeClr val="tx1">
+                    <a:lumMod val="75000"/>
+                    <a:lumOff val="25000"/>
+                  </a:schemeClr>
+                </a:solidFill>
+                <a:latin typeface="+mn-lt"/>
+                <a:ea typeface="+mn-ea"/>
+                <a:cs typeface="+mn-cs"/>
+              </a:defRPr>
+            </a:lvl3pPr>
+            <a:lvl4pPr marL="1242000" indent="-234000" algn="l" defTabSz="457200" rtl="0" eaLnBrk="1" latinLnBrk="0" hangingPunct="1">
+              <a:lnSpc>
+                <a:spcPct val="100000"/>
+              </a:lnSpc>
+              <a:spcBef>
+                <a:spcPct val="20000"/>
+              </a:spcBef>
+              <a:spcAft>
+                <a:spcPts val="600"/>
+              </a:spcAft>
+              <a:buClr>
+                <a:schemeClr val="accent1"/>
+              </a:buClr>
+              <a:buSzPct val="92000"/>
+              <a:buFont typeface="Wingdings 2" panose="05020102010507070707" pitchFamily="18" charset="2"/>
+              <a:buChar char=""/>
+              <a:defRPr sz="1200" kern="1200">
+                <a:solidFill>
+                  <a:schemeClr val="tx1">
+                    <a:lumMod val="75000"/>
+                    <a:lumOff val="25000"/>
+                  </a:schemeClr>
+                </a:solidFill>
+                <a:latin typeface="+mn-lt"/>
+                <a:ea typeface="+mn-ea"/>
+                <a:cs typeface="+mn-cs"/>
+              </a:defRPr>
+            </a:lvl4pPr>
+            <a:lvl5pPr marL="1602000" indent="-234000" algn="l" defTabSz="457200" rtl="0" eaLnBrk="1" latinLnBrk="0" hangingPunct="1">
+              <a:lnSpc>
+                <a:spcPct val="100000"/>
+              </a:lnSpc>
+              <a:spcBef>
+                <a:spcPct val="20000"/>
+              </a:spcBef>
+              <a:spcAft>
+                <a:spcPts val="600"/>
+              </a:spcAft>
+              <a:buClr>
+                <a:schemeClr val="accent1"/>
+              </a:buClr>
+              <a:buSzPct val="92000"/>
+              <a:buFont typeface="Wingdings 2" panose="05020102010507070707" pitchFamily="18" charset="2"/>
+              <a:buChar char=""/>
+              <a:defRPr sz="1200" kern="1200">
+                <a:solidFill>
+                  <a:schemeClr val="tx1">
+                    <a:lumMod val="75000"/>
+                    <a:lumOff val="25000"/>
+                  </a:schemeClr>
+                </a:solidFill>
+                <a:latin typeface="+mn-lt"/>
+                <a:ea typeface="+mn-ea"/>
+                <a:cs typeface="+mn-cs"/>
+              </a:defRPr>
+            </a:lvl5pPr>
+            <a:lvl6pPr marL="1900000" indent="-228600" algn="l" defTabSz="457200" rtl="0" eaLnBrk="1" latinLnBrk="0" hangingPunct="1">
+              <a:spcBef>
+                <a:spcPct val="20000"/>
+              </a:spcBef>
+              <a:spcAft>
+                <a:spcPts val="600"/>
+              </a:spcAft>
+              <a:buClr>
+                <a:schemeClr val="accent2"/>
+              </a:buClr>
+              <a:buSzPct val="92000"/>
+              <a:buFont typeface="Wingdings 2" panose="05020102010507070707" pitchFamily="18" charset="2"/>
+              <a:buChar char=""/>
+              <a:defRPr sz="1200" kern="1200">
+                <a:solidFill>
+                  <a:schemeClr val="tx2"/>
+                </a:solidFill>
+                <a:latin typeface="+mn-lt"/>
+                <a:ea typeface="+mn-ea"/>
+                <a:cs typeface="+mn-cs"/>
+              </a:defRPr>
+            </a:lvl6pPr>
+            <a:lvl7pPr marL="2200000" indent="-228600" algn="l" defTabSz="457200" rtl="0" eaLnBrk="1" latinLnBrk="0" hangingPunct="1">
+              <a:spcBef>
+                <a:spcPct val="20000"/>
+              </a:spcBef>
+              <a:spcAft>
+                <a:spcPts val="600"/>
+              </a:spcAft>
+              <a:buClr>
+                <a:schemeClr val="accent2"/>
+              </a:buClr>
+              <a:buSzPct val="92000"/>
+              <a:buFont typeface="Wingdings 2" panose="05020102010507070707" pitchFamily="18" charset="2"/>
+              <a:buChar char=""/>
+              <a:defRPr sz="1200" kern="1200">
+                <a:solidFill>
+                  <a:schemeClr val="tx2"/>
+                </a:solidFill>
+                <a:latin typeface="+mn-lt"/>
+                <a:ea typeface="+mn-ea"/>
+                <a:cs typeface="+mn-cs"/>
+              </a:defRPr>
+            </a:lvl7pPr>
+            <a:lvl8pPr marL="2500000" indent="-228600" algn="l" defTabSz="457200" rtl="0" eaLnBrk="1" latinLnBrk="0" hangingPunct="1">
+              <a:spcBef>
+                <a:spcPct val="20000"/>
+              </a:spcBef>
+              <a:spcAft>
+                <a:spcPts val="600"/>
+              </a:spcAft>
+              <a:buClr>
+                <a:schemeClr val="accent2"/>
+              </a:buClr>
+              <a:buSzPct val="92000"/>
+              <a:buFont typeface="Wingdings 2" panose="05020102010507070707" pitchFamily="18" charset="2"/>
+              <a:buChar char=""/>
+              <a:defRPr sz="1200" kern="1200">
+                <a:solidFill>
+                  <a:schemeClr val="tx2"/>
+                </a:solidFill>
+                <a:latin typeface="+mn-lt"/>
+                <a:ea typeface="+mn-ea"/>
+                <a:cs typeface="+mn-cs"/>
+              </a:defRPr>
+            </a:lvl8pPr>
+            <a:lvl9pPr marL="2800000" indent="-228600" algn="l" defTabSz="457200" rtl="0" eaLnBrk="1" latinLnBrk="0" hangingPunct="1">
+              <a:spcBef>
+                <a:spcPct val="20000"/>
+              </a:spcBef>
+              <a:spcAft>
+                <a:spcPts val="600"/>
+              </a:spcAft>
+              <a:buClr>
+                <a:schemeClr val="accent2"/>
+              </a:buClr>
+              <a:buSzPct val="92000"/>
+              <a:buFont typeface="Wingdings 2" panose="05020102010507070707" pitchFamily="18" charset="2"/>
+              <a:buChar char=""/>
+              <a:defRPr sz="1200" kern="1200">
+                <a:solidFill>
+                  <a:schemeClr val="tx2"/>
+                </a:solidFill>
+                <a:latin typeface="+mn-lt"/>
+                <a:ea typeface="+mn-ea"/>
+                <a:cs typeface="+mn-cs"/>
+              </a:defRPr>
+            </a:lvl9pPr>
+          </a:lstStyle>
+          <a:p>
+            <a:r>
+              <a:rPr lang="en-US" dirty="0"/>
+              <a:t>68% of countries had BAC limits between 0.03 and 0.05g/dl</a:t>
+            </a:r>
+          </a:p>
+          <a:p>
+            <a:r>
+              <a:rPr lang="en-US" dirty="0"/>
+              <a:t>Limits above 0.07g/l accounted for 19% of counties</a:t>
+            </a:r>
+          </a:p>
+        </p:txBody>
+      </p:sp>
+      <p:sp>
+        <p:nvSpPr>
+          <p:cNvPr id="23" name="Content Placeholder 2">
+            <a:extLst>
+              <a:ext uri="{FF2B5EF4-FFF2-40B4-BE49-F238E27FC236}">
+                <a16:creationId xmlns:a16="http://schemas.microsoft.com/office/drawing/2014/main" id="{AC5B34F1-982D-470F-889B-FD92313D3C55}"/>
+              </a:ext>
+            </a:extLst>
+          </p:cNvPr>
+          <p:cNvSpPr txBox="1">
+            <a:spLocks/>
+          </p:cNvSpPr>
+          <p:nvPr/>
+        </p:nvSpPr>
+        <p:spPr>
+          <a:xfrm>
+            <a:off x="6366009" y="4748206"/>
+            <a:ext cx="4926971" cy="1622487"/>
+          </a:xfrm>
+          <a:prstGeom prst="rect">
+            <a:avLst/>
+          </a:prstGeom>
+        </p:spPr>
+        <p:txBody>
+          <a:bodyPr vert="horz" lIns="91440" tIns="45720" rIns="91440" bIns="45720" rtlCol="0" anchor="ctr">
+            <a:normAutofit/>
+          </a:bodyPr>
+          <a:lstStyle>
+            <a:lvl1pPr marL="306000" indent="-306000" algn="l" defTabSz="457200" rtl="0" eaLnBrk="1" latinLnBrk="0" hangingPunct="1">
+              <a:lnSpc>
+                <a:spcPct val="100000"/>
+              </a:lnSpc>
+              <a:spcBef>
+                <a:spcPct val="20000"/>
+              </a:spcBef>
+              <a:spcAft>
+                <a:spcPts val="600"/>
+              </a:spcAft>
+              <a:buClr>
+                <a:schemeClr val="accent1"/>
+              </a:buClr>
+              <a:buSzPct val="92000"/>
+              <a:buFont typeface="Wingdings 2" panose="05020102010507070707" pitchFamily="18" charset="2"/>
+              <a:buChar char=""/>
+              <a:defRPr sz="1800" kern="1200">
+                <a:solidFill>
+                  <a:schemeClr val="tx1">
+                    <a:lumMod val="75000"/>
+                    <a:lumOff val="25000"/>
+                  </a:schemeClr>
+                </a:solidFill>
+                <a:latin typeface="+mn-lt"/>
+                <a:ea typeface="+mn-ea"/>
+                <a:cs typeface="+mn-cs"/>
+              </a:defRPr>
+            </a:lvl1pPr>
+            <a:lvl2pPr marL="630000" indent="-306000" algn="l" defTabSz="457200" rtl="0" eaLnBrk="1" latinLnBrk="0" hangingPunct="1">
+              <a:lnSpc>
+                <a:spcPct val="100000"/>
+              </a:lnSpc>
+              <a:spcBef>
+                <a:spcPct val="20000"/>
+              </a:spcBef>
+              <a:spcAft>
+                <a:spcPts val="600"/>
+              </a:spcAft>
+              <a:buClr>
+                <a:schemeClr val="accent1"/>
+              </a:buClr>
+              <a:buSzPct val="92000"/>
+              <a:buFont typeface="Wingdings 2" panose="05020102010507070707" pitchFamily="18" charset="2"/>
+              <a:buChar char=""/>
+              <a:defRPr sz="1600" kern="1200">
+                <a:solidFill>
+                  <a:schemeClr val="tx1">
+                    <a:lumMod val="75000"/>
+                    <a:lumOff val="25000"/>
+                  </a:schemeClr>
+                </a:solidFill>
+                <a:latin typeface="+mn-lt"/>
+                <a:ea typeface="+mn-ea"/>
+                <a:cs typeface="+mn-cs"/>
+              </a:defRPr>
+            </a:lvl2pPr>
+            <a:lvl3pPr marL="900000" indent="-270000" algn="l" defTabSz="457200" rtl="0" eaLnBrk="1" latinLnBrk="0" hangingPunct="1">
+              <a:lnSpc>
+                <a:spcPct val="100000"/>
+              </a:lnSpc>
+              <a:spcBef>
+                <a:spcPct val="20000"/>
+              </a:spcBef>
+              <a:spcAft>
+                <a:spcPts val="600"/>
+              </a:spcAft>
+              <a:buClr>
+                <a:schemeClr val="accent1"/>
+              </a:buClr>
+              <a:buSzPct val="92000"/>
+              <a:buFont typeface="Wingdings 2" panose="05020102010507070707" pitchFamily="18" charset="2"/>
+              <a:buChar char=""/>
+              <a:defRPr sz="1400" kern="1200">
+                <a:solidFill>
+                  <a:schemeClr val="tx1">
+                    <a:lumMod val="75000"/>
+                    <a:lumOff val="25000"/>
+                  </a:schemeClr>
+                </a:solidFill>
+                <a:latin typeface="+mn-lt"/>
+                <a:ea typeface="+mn-ea"/>
+                <a:cs typeface="+mn-cs"/>
+              </a:defRPr>
+            </a:lvl3pPr>
+            <a:lvl4pPr marL="1242000" indent="-234000" algn="l" defTabSz="457200" rtl="0" eaLnBrk="1" latinLnBrk="0" hangingPunct="1">
+              <a:lnSpc>
+                <a:spcPct val="100000"/>
+              </a:lnSpc>
+              <a:spcBef>
+                <a:spcPct val="20000"/>
+              </a:spcBef>
+              <a:spcAft>
+                <a:spcPts val="600"/>
+              </a:spcAft>
+              <a:buClr>
+                <a:schemeClr val="accent1"/>
+              </a:buClr>
+              <a:buSzPct val="92000"/>
+              <a:buFont typeface="Wingdings 2" panose="05020102010507070707" pitchFamily="18" charset="2"/>
+              <a:buChar char=""/>
+              <a:defRPr sz="1200" kern="1200">
+                <a:solidFill>
+                  <a:schemeClr val="tx1">
+                    <a:lumMod val="75000"/>
+                    <a:lumOff val="25000"/>
+                  </a:schemeClr>
+                </a:solidFill>
+                <a:latin typeface="+mn-lt"/>
+                <a:ea typeface="+mn-ea"/>
+                <a:cs typeface="+mn-cs"/>
+              </a:defRPr>
+            </a:lvl4pPr>
+            <a:lvl5pPr marL="1602000" indent="-234000" algn="l" defTabSz="457200" rtl="0" eaLnBrk="1" latinLnBrk="0" hangingPunct="1">
+              <a:lnSpc>
+                <a:spcPct val="100000"/>
+              </a:lnSpc>
+              <a:spcBef>
+                <a:spcPct val="20000"/>
+              </a:spcBef>
+              <a:spcAft>
+                <a:spcPts val="600"/>
+              </a:spcAft>
+              <a:buClr>
+                <a:schemeClr val="accent1"/>
+              </a:buClr>
+              <a:buSzPct val="92000"/>
+              <a:buFont typeface="Wingdings 2" panose="05020102010507070707" pitchFamily="18" charset="2"/>
+              <a:buChar char=""/>
+              <a:defRPr sz="1200" kern="1200">
+                <a:solidFill>
+                  <a:schemeClr val="tx1">
+                    <a:lumMod val="75000"/>
+                    <a:lumOff val="25000"/>
+                  </a:schemeClr>
+                </a:solidFill>
+                <a:latin typeface="+mn-lt"/>
+                <a:ea typeface="+mn-ea"/>
+                <a:cs typeface="+mn-cs"/>
+              </a:defRPr>
+            </a:lvl5pPr>
+            <a:lvl6pPr marL="1900000" indent="-228600" algn="l" defTabSz="457200" rtl="0" eaLnBrk="1" latinLnBrk="0" hangingPunct="1">
+              <a:spcBef>
+                <a:spcPct val="20000"/>
+              </a:spcBef>
+              <a:spcAft>
+                <a:spcPts val="600"/>
+              </a:spcAft>
+              <a:buClr>
+                <a:schemeClr val="accent2"/>
+              </a:buClr>
+              <a:buSzPct val="92000"/>
+              <a:buFont typeface="Wingdings 2" panose="05020102010507070707" pitchFamily="18" charset="2"/>
+              <a:buChar char=""/>
+              <a:defRPr sz="1200" kern="1200">
+                <a:solidFill>
+                  <a:schemeClr val="tx2"/>
+                </a:solidFill>
+                <a:latin typeface="+mn-lt"/>
+                <a:ea typeface="+mn-ea"/>
+                <a:cs typeface="+mn-cs"/>
+              </a:defRPr>
+            </a:lvl6pPr>
+            <a:lvl7pPr marL="2200000" indent="-228600" algn="l" defTabSz="457200" rtl="0" eaLnBrk="1" latinLnBrk="0" hangingPunct="1">
+              <a:spcBef>
+                <a:spcPct val="20000"/>
+              </a:spcBef>
+              <a:spcAft>
+                <a:spcPts val="600"/>
+              </a:spcAft>
+              <a:buClr>
+                <a:schemeClr val="accent2"/>
+              </a:buClr>
+              <a:buSzPct val="92000"/>
+              <a:buFont typeface="Wingdings 2" panose="05020102010507070707" pitchFamily="18" charset="2"/>
+              <a:buChar char=""/>
+              <a:defRPr sz="1200" kern="1200">
+                <a:solidFill>
+                  <a:schemeClr val="tx2"/>
+                </a:solidFill>
+                <a:latin typeface="+mn-lt"/>
+                <a:ea typeface="+mn-ea"/>
+                <a:cs typeface="+mn-cs"/>
+              </a:defRPr>
+            </a:lvl7pPr>
+            <a:lvl8pPr marL="2500000" indent="-228600" algn="l" defTabSz="457200" rtl="0" eaLnBrk="1" latinLnBrk="0" hangingPunct="1">
+              <a:spcBef>
+                <a:spcPct val="20000"/>
+              </a:spcBef>
+              <a:spcAft>
+                <a:spcPts val="600"/>
+              </a:spcAft>
+              <a:buClr>
+                <a:schemeClr val="accent2"/>
+              </a:buClr>
+              <a:buSzPct val="92000"/>
+              <a:buFont typeface="Wingdings 2" panose="05020102010507070707" pitchFamily="18" charset="2"/>
+              <a:buChar char=""/>
+              <a:defRPr sz="1200" kern="1200">
+                <a:solidFill>
+                  <a:schemeClr val="tx2"/>
+                </a:solidFill>
+                <a:latin typeface="+mn-lt"/>
+                <a:ea typeface="+mn-ea"/>
+                <a:cs typeface="+mn-cs"/>
+              </a:defRPr>
+            </a:lvl8pPr>
+            <a:lvl9pPr marL="2800000" indent="-228600" algn="l" defTabSz="457200" rtl="0" eaLnBrk="1" latinLnBrk="0" hangingPunct="1">
+              <a:spcBef>
+                <a:spcPct val="20000"/>
+              </a:spcBef>
+              <a:spcAft>
+                <a:spcPts val="600"/>
+              </a:spcAft>
+              <a:buClr>
+                <a:schemeClr val="accent2"/>
+              </a:buClr>
+              <a:buSzPct val="92000"/>
+              <a:buFont typeface="Wingdings 2" panose="05020102010507070707" pitchFamily="18" charset="2"/>
+              <a:buChar char=""/>
+              <a:defRPr sz="1200" kern="1200">
+                <a:solidFill>
+                  <a:schemeClr val="tx2"/>
+                </a:solidFill>
+                <a:latin typeface="+mn-lt"/>
+                <a:ea typeface="+mn-ea"/>
+                <a:cs typeface="+mn-cs"/>
+              </a:defRPr>
+            </a:lvl9pPr>
+          </a:lstStyle>
+          <a:p>
+            <a:r>
+              <a:rPr lang="en-US" dirty="0"/>
+              <a:t>Limited correlation between GNIPC and limits</a:t>
+            </a:r>
+          </a:p>
+          <a:p>
+            <a:r>
+              <a:rPr lang="en-US" dirty="0"/>
+              <a:t>Hypothesis: countries’ penalties may influence </a:t>
+            </a:r>
+            <a:r>
+              <a:rPr lang="en-US" dirty="0" err="1"/>
+              <a:t>behaviour</a:t>
+            </a:r>
+            <a:r>
+              <a:rPr lang="en-US" dirty="0"/>
+              <a:t> </a:t>
+            </a:r>
+          </a:p>
+        </p:txBody>
+      </p:sp>
+    </p:spTree>
+    <p:extLst>
+      <p:ext uri="{BB962C8B-B14F-4D97-AF65-F5344CB8AC3E}">
+        <p14:creationId xmlns:p14="http://schemas.microsoft.com/office/powerpoint/2010/main" val="295816866"/>
+      </p:ext>
+    </p:extLst>
+  </p:cSld>
+  <p:clrMapOvr>
+    <a:masterClrMapping/>
+  </p:clrMapOvr>
+</p:sld>
+</file>
+
+<file path=ppt/slides/slide28.xml><?xml version="1.0" encoding="utf-8"?>
+<p:sld xmlns:a="http://schemas.openxmlformats.org/drawingml/2006/main" xmlns:r="http://schemas.openxmlformats.org/officeDocument/2006/relationships" xmlns:p="http://schemas.openxmlformats.org/presentationml/2006/main">
+  <p:cSld>
+    <p:spTree>
+      <p:nvGrpSpPr>
+        <p:cNvPr id="1" name=""/>
+        <p:cNvGrpSpPr/>
+        <p:nvPr/>
+      </p:nvGrpSpPr>
+      <p:grpSpPr>
+        <a:xfrm>
+          <a:off x="0" y="0"/>
+          <a:ext cx="0" cy="0"/>
+          <a:chOff x="0" y="0"/>
+          <a:chExt cx="0" cy="0"/>
+        </a:xfrm>
+      </p:grpSpPr>
+      <p:sp>
+        <p:nvSpPr>
           <p:cNvPr id="4" name="Title 3">
             <a:extLst>
               <a:ext uri="{FF2B5EF4-FFF2-40B4-BE49-F238E27FC236}">
@@ -8744,7 +9289,7 @@
 </p:sld>
 </file>
 
-<file path=ppt/slides/slide26.xml><?xml version="1.0" encoding="utf-8"?>
+<file path=ppt/slides/slide29.xml><?xml version="1.0" encoding="utf-8"?>
 <p:sld xmlns:a="http://schemas.openxmlformats.org/drawingml/2006/main" xmlns:r="http://schemas.openxmlformats.org/officeDocument/2006/relationships" xmlns:p="http://schemas.openxmlformats.org/presentationml/2006/main">
   <p:cSld>
     <p:bg>
@@ -11433,115 +11978,12 @@
           <a:chExt cx="0" cy="0"/>
         </a:xfrm>
       </p:grpSpPr>
-      <p:sp>
-        <p:nvSpPr>
-          <p:cNvPr id="2" name="Title 1">
-            <a:extLst>
-              <a:ext uri="{FF2B5EF4-FFF2-40B4-BE49-F238E27FC236}">
-                <a16:creationId xmlns:a16="http://schemas.microsoft.com/office/drawing/2014/main" id="{CBC74787-E0FB-B945-BC62-FDBB3139736B}"/>
-              </a:ext>
-            </a:extLst>
-          </p:cNvPr>
-          <p:cNvSpPr>
-            <a:spLocks noGrp="1"/>
-          </p:cNvSpPr>
-          <p:nvPr>
-            <p:ph type="title"/>
-          </p:nvPr>
-        </p:nvSpPr>
-        <p:spPr>
-          <a:xfrm>
-            <a:off x="581192" y="702156"/>
-            <a:ext cx="11196826" cy="1188720"/>
-          </a:xfrm>
-        </p:spPr>
-        <p:txBody>
-          <a:bodyPr>
-            <a:normAutofit/>
-          </a:bodyPr>
-          <a:lstStyle/>
-          <a:p>
-            <a:r>
-              <a:rPr lang="en-HK" dirty="0"/>
-              <a:t>Proportion of population and road traffic deaths by countries income</a:t>
-            </a:r>
-            <a:endParaRPr lang="en-US" dirty="0"/>
-          </a:p>
-        </p:txBody>
-      </p:sp>
-      <p:sp>
-        <p:nvSpPr>
-          <p:cNvPr id="3" name="Content Placeholder 2">
-            <a:extLst>
-              <a:ext uri="{FF2B5EF4-FFF2-40B4-BE49-F238E27FC236}">
-                <a16:creationId xmlns:a16="http://schemas.microsoft.com/office/drawing/2014/main" id="{EC73AEA9-9E4E-6044-8719-40A74F74B8F9}"/>
-              </a:ext>
-            </a:extLst>
-          </p:cNvPr>
-          <p:cNvSpPr>
-            <a:spLocks noGrp="1"/>
-          </p:cNvSpPr>
-          <p:nvPr>
-            <p:ph idx="1"/>
-          </p:nvPr>
-        </p:nvSpPr>
-        <p:spPr>
-          <a:xfrm>
-            <a:off x="581193" y="2340864"/>
-            <a:ext cx="4102568" cy="3634486"/>
-          </a:xfrm>
-        </p:spPr>
-        <p:txBody>
-          <a:bodyPr/>
-          <a:lstStyle/>
-          <a:p>
-            <a:r>
-              <a:rPr lang="en-HK" dirty="0"/>
-              <a:t>Population, income level, education and laws are very effective in reducing the rate of road traffic deaths. Wealthy countries have this opportunity to invest in this area by providing enough information and education to their own people, and enforcing the law more efficiently. This is also assisted by using better technology and equipment to reach a high standard in car safety. </a:t>
-            </a:r>
-          </a:p>
-        </p:txBody>
-      </p:sp>
-      <p:sp>
-        <p:nvSpPr>
-          <p:cNvPr id="4" name="Rectangle 3">
-            <a:extLst>
-              <a:ext uri="{FF2B5EF4-FFF2-40B4-BE49-F238E27FC236}">
-                <a16:creationId xmlns:a16="http://schemas.microsoft.com/office/drawing/2014/main" id="{55677458-BB06-5F4D-93A5-905996A7074F}"/>
-              </a:ext>
-            </a:extLst>
-          </p:cNvPr>
-          <p:cNvSpPr/>
-          <p:nvPr/>
-        </p:nvSpPr>
-        <p:spPr>
-          <a:xfrm>
-            <a:off x="581192" y="6425338"/>
-            <a:ext cx="5946180" cy="369332"/>
-          </a:xfrm>
-          <a:prstGeom prst="rect">
-            <a:avLst/>
-          </a:prstGeom>
-        </p:spPr>
-        <p:txBody>
-          <a:bodyPr wrap="none">
-            <a:spAutoFit/>
-          </a:bodyPr>
-          <a:lstStyle/>
-          <a:p>
-            <a:r>
-              <a:rPr lang="en-HK" dirty="0"/>
-              <a:t>* Income levels are based on 2017 WORLD BANK classifiers.</a:t>
-            </a:r>
-          </a:p>
-        </p:txBody>
-      </p:sp>
       <p:pic>
         <p:nvPicPr>
-          <p:cNvPr id="5" name="piechart_populationbyincome.png" descr="piechart_populationbyincome.png">
-            <a:extLst>
-              <a:ext uri="{FF2B5EF4-FFF2-40B4-BE49-F238E27FC236}">
-                <a16:creationId xmlns:a16="http://schemas.microsoft.com/office/drawing/2014/main" id="{4879ACE3-7C81-3C40-A26F-C98D62DA8078}"/>
+          <p:cNvPr id="5" name="Picture 4">
+            <a:extLst>
+              <a:ext uri="{FF2B5EF4-FFF2-40B4-BE49-F238E27FC236}">
+                <a16:creationId xmlns:a16="http://schemas.microsoft.com/office/drawing/2014/main" id="{DF4526CD-4BA6-477F-9154-A5F40F57046D}"/>
               </a:ext>
             </a:extLst>
           </p:cNvPr>
@@ -11551,35 +11993,33 @@
           <p:nvPr/>
         </p:nvPicPr>
         <p:blipFill>
-          <a:blip r:embed="rId2"/>
+          <a:blip r:embed="rId2">
+            <a:extLst>
+              <a:ext uri="{28A0092B-C50C-407E-A947-70E740481C1C}">
+                <a14:useLocalDpi xmlns:a14="http://schemas.microsoft.com/office/drawing/2010/main" val="0"/>
+              </a:ext>
+            </a:extLst>
+          </a:blip>
           <a:stretch>
             <a:fillRect/>
           </a:stretch>
         </p:blipFill>
         <p:spPr>
           <a:xfrm>
-            <a:off x="4894233" y="2444819"/>
-            <a:ext cx="3426574" cy="3426574"/>
+            <a:off x="536896" y="1323734"/>
+            <a:ext cx="5169998" cy="2341931"/>
           </a:xfrm>
           <a:prstGeom prst="rect">
             <a:avLst/>
           </a:prstGeom>
-          <a:ln w="25400">
-            <a:miter lim="400000"/>
-          </a:ln>
-          <a:effectLst>
-            <a:outerShdw blurRad="292100" dist="50800" dir="5400000" sx="98000" sy="98000" algn="ctr" rotWithShape="0">
-              <a:srgbClr val="000000"/>
-            </a:outerShdw>
-          </a:effectLst>
         </p:spPr>
       </p:pic>
       <p:pic>
         <p:nvPicPr>
-          <p:cNvPr id="7" name="Picture 6" descr="A picture containing chart&#10;&#10;Description automatically generated">
-            <a:extLst>
-              <a:ext uri="{FF2B5EF4-FFF2-40B4-BE49-F238E27FC236}">
-                <a16:creationId xmlns:a16="http://schemas.microsoft.com/office/drawing/2014/main" id="{477D4308-6BBA-364F-AE29-C3D87E90ECBA}"/>
+          <p:cNvPr id="7" name="Picture 6">
+            <a:extLst>
+              <a:ext uri="{FF2B5EF4-FFF2-40B4-BE49-F238E27FC236}">
+                <a16:creationId xmlns:a16="http://schemas.microsoft.com/office/drawing/2014/main" id="{EAECAB2B-370E-45ED-A1A9-9DBA6CE087F2}"/>
               </a:ext>
             </a:extLst>
           </p:cNvPr>
@@ -11589,30 +12029,31 @@
           <p:nvPr/>
         </p:nvPicPr>
         <p:blipFill>
-          <a:blip r:embed="rId3"/>
+          <a:blip r:embed="rId3">
+            <a:extLst>
+              <a:ext uri="{28A0092B-C50C-407E-A947-70E740481C1C}">
+                <a14:useLocalDpi xmlns:a14="http://schemas.microsoft.com/office/drawing/2010/main" val="0"/>
+              </a:ext>
+            </a:extLst>
+          </a:blip>
           <a:stretch>
             <a:fillRect/>
           </a:stretch>
         </p:blipFill>
         <p:spPr>
           <a:xfrm>
-            <a:off x="8487128" y="2444819"/>
-            <a:ext cx="3426574" cy="3426574"/>
+            <a:off x="6096000" y="1323734"/>
+            <a:ext cx="5447548" cy="4645297"/>
           </a:xfrm>
           <a:prstGeom prst="rect">
             <a:avLst/>
           </a:prstGeom>
-          <a:effectLst>
-            <a:outerShdw blurRad="292100" dist="50800" dir="5400000" sx="98000" sy="98000" algn="ctr" rotWithShape="0">
-              <a:srgbClr val="000000"/>
-            </a:outerShdw>
-          </a:effectLst>
         </p:spPr>
       </p:pic>
     </p:spTree>
     <p:extLst>
       <p:ext uri="{BB962C8B-B14F-4D97-AF65-F5344CB8AC3E}">
-        <p14:creationId xmlns:p14="http://schemas.microsoft.com/office/powerpoint/2010/main" val="2008902233"/>
+        <p14:creationId xmlns:p14="http://schemas.microsoft.com/office/powerpoint/2010/main" val="3908083540"/>
       </p:ext>
     </p:extLst>
   </p:cSld>
@@ -11625,14 +12066,6 @@
 <file path=ppt/slides/slide9.xml><?xml version="1.0" encoding="utf-8"?>
 <p:sld xmlns:a="http://schemas.openxmlformats.org/drawingml/2006/main" xmlns:r="http://schemas.openxmlformats.org/officeDocument/2006/relationships" xmlns:p="http://schemas.openxmlformats.org/presentationml/2006/main">
   <p:cSld>
-    <p:bg>
-      <p:bgPr>
-        <a:solidFill>
-          <a:schemeClr val="bg1"/>
-        </a:solidFill>
-        <a:effectLst/>
-      </p:bgPr>
-    </p:bg>
     <p:spTree>
       <p:nvGrpSpPr>
         <p:cNvPr id="1" name=""/>
@@ -11649,67 +12082,10 @@
       </p:grpSpPr>
       <p:sp>
         <p:nvSpPr>
-          <p:cNvPr id="9" name="Rectangle 8">
-            <a:extLst>
-              <a:ext uri="{FF2B5EF4-FFF2-40B4-BE49-F238E27FC236}">
-                <a16:creationId xmlns:a16="http://schemas.microsoft.com/office/drawing/2014/main" id="{3CED7894-4F62-4A6C-8DB5-DB5BE08E9C03}"/>
-              </a:ext>
-              <a:ext uri="{C183D7F6-B498-43B3-948B-1728B52AA6E4}">
-                <adec:decorative xmlns:adec="http://schemas.microsoft.com/office/drawing/2017/decorative" val="1"/>
-              </a:ext>
-            </a:extLst>
-          </p:cNvPr>
-          <p:cNvSpPr>
-            <a:spLocks noGrp="1" noRot="1" noChangeAspect="1" noMove="1" noResize="1" noEditPoints="1" noAdjustHandles="1" noChangeArrowheads="1" noChangeShapeType="1" noTextEdit="1"/>
-          </p:cNvSpPr>
-          <p:nvPr>
-            <p:extLst>
-              <p:ext uri="{386F3935-93C4-4BCD-93E2-E3B085C9AB24}">
-                <p16:designElem xmlns:p16="http://schemas.microsoft.com/office/powerpoint/2015/main" val="1"/>
-              </p:ext>
-            </p:extLst>
-          </p:nvPr>
-        </p:nvSpPr>
-        <p:spPr>
-          <a:xfrm>
-            <a:off x="0" y="0"/>
-            <a:ext cx="12192000" cy="6858000"/>
-          </a:xfrm>
-          <a:prstGeom prst="rect">
-            <a:avLst/>
-          </a:prstGeom>
-          <a:solidFill>
-            <a:schemeClr val="bg1">
-              <a:lumMod val="75000"/>
-              <a:lumOff val="25000"/>
-            </a:schemeClr>
-          </a:solidFill>
-          <a:ln>
-            <a:noFill/>
-          </a:ln>
-          <a:effectLst/>
-        </p:spPr>
-        <p:style>
-          <a:lnRef idx="1">
-            <a:schemeClr val="accent1"/>
-          </a:lnRef>
-          <a:fillRef idx="3">
-            <a:schemeClr val="accent1"/>
-          </a:fillRef>
-          <a:effectRef idx="2">
-            <a:schemeClr val="accent1"/>
-          </a:effectRef>
-          <a:fontRef idx="minor">
-            <a:schemeClr val="lt1"/>
-          </a:fontRef>
-        </p:style>
-      </p:sp>
-      <p:sp>
-        <p:nvSpPr>
           <p:cNvPr id="2" name="Title 1">
             <a:extLst>
               <a:ext uri="{FF2B5EF4-FFF2-40B4-BE49-F238E27FC236}">
-                <a16:creationId xmlns:a16="http://schemas.microsoft.com/office/drawing/2014/main" id="{6DAC1D67-5DB9-ED4A-8C92-8E4ECD0368CC}"/>
+                <a16:creationId xmlns:a16="http://schemas.microsoft.com/office/drawing/2014/main" id="{CBC74787-E0FB-B945-BC62-FDBB3139736B}"/>
               </a:ext>
             </a:extLst>
           </p:cNvPr>
@@ -11722,8 +12098,8 @@
         </p:nvSpPr>
         <p:spPr>
           <a:xfrm>
-            <a:off x="609906" y="702155"/>
-            <a:ext cx="3568661" cy="1269713"/>
+            <a:off x="581192" y="702156"/>
+            <a:ext cx="11196826" cy="1188720"/>
           </a:xfrm>
         </p:spPr>
         <p:txBody>
@@ -11732,130 +12108,87 @@
           </a:bodyPr>
           <a:lstStyle/>
           <a:p>
-            <a:pPr>
-              <a:lnSpc>
-                <a:spcPct val="90000"/>
-              </a:lnSpc>
-            </a:pPr>
-            <a:r>
-              <a:rPr lang="en-HK" sz="2400"/>
-              <a:t>Influence of child restraints laws on road traffic deaths</a:t>
-            </a:r>
-            <a:endParaRPr lang="en-US" sz="2400"/>
+            <a:r>
+              <a:rPr lang="en-HK" dirty="0"/>
+              <a:t>Proportion of population and road traffic deaths by countries income</a:t>
+            </a:r>
+            <a:endParaRPr lang="en-US" dirty="0"/>
           </a:p>
         </p:txBody>
       </p:sp>
       <p:sp>
         <p:nvSpPr>
-          <p:cNvPr id="11" name="Rectangle 10">
-            <a:extLst>
-              <a:ext uri="{FF2B5EF4-FFF2-40B4-BE49-F238E27FC236}">
-                <a16:creationId xmlns:a16="http://schemas.microsoft.com/office/drawing/2014/main" id="{E536F3B4-50F6-4C52-8F76-4EB1214719DC}"/>
-              </a:ext>
-              <a:ext uri="{C183D7F6-B498-43B3-948B-1728B52AA6E4}">
-                <adec:decorative xmlns:adec="http://schemas.microsoft.com/office/drawing/2017/decorative" val="1"/>
-              </a:ext>
-            </a:extLst>
-          </p:cNvPr>
-          <p:cNvSpPr>
-            <a:spLocks noGrp="1" noRot="1" noChangeAspect="1" noMove="1" noResize="1" noEditPoints="1" noAdjustHandles="1" noChangeArrowheads="1" noChangeShapeType="1" noTextEdit="1"/>
-          </p:cNvSpPr>
-          <p:nvPr>
-            <p:extLst>
-              <p:ext uri="{386F3935-93C4-4BCD-93E2-E3B085C9AB24}">
-                <p16:designElem xmlns:p16="http://schemas.microsoft.com/office/powerpoint/2015/main" val="1"/>
-              </p:ext>
-            </p:extLst>
-          </p:nvPr>
-        </p:nvSpPr>
-        <p:spPr>
-          <a:xfrm>
-            <a:off x="638620" y="457200"/>
-            <a:ext cx="3511233" cy="91439"/>
+          <p:cNvPr id="3" name="Content Placeholder 2">
+            <a:extLst>
+              <a:ext uri="{FF2B5EF4-FFF2-40B4-BE49-F238E27FC236}">
+                <a16:creationId xmlns:a16="http://schemas.microsoft.com/office/drawing/2014/main" id="{EC73AEA9-9E4E-6044-8719-40A74F74B8F9}"/>
+              </a:ext>
+            </a:extLst>
+          </p:cNvPr>
+          <p:cNvSpPr>
+            <a:spLocks noGrp="1"/>
+          </p:cNvSpPr>
+          <p:nvPr>
+            <p:ph idx="1"/>
+          </p:nvPr>
+        </p:nvSpPr>
+        <p:spPr>
+          <a:xfrm>
+            <a:off x="581193" y="2340864"/>
+            <a:ext cx="4102568" cy="3634486"/>
+          </a:xfrm>
+        </p:spPr>
+        <p:txBody>
+          <a:bodyPr/>
+          <a:lstStyle/>
+          <a:p>
+            <a:r>
+              <a:rPr lang="en-HK" dirty="0"/>
+              <a:t>Population, income level, education and laws are very effective in reducing the rate of road traffic deaths. Wealthy countries have this opportunity to invest in this area by providing enough information and education to their own people, and enforcing the law more efficiently. This is also assisted by using better technology and equipment to reach a high standard in car safety. </a:t>
+            </a:r>
+          </a:p>
+        </p:txBody>
+      </p:sp>
+      <p:sp>
+        <p:nvSpPr>
+          <p:cNvPr id="4" name="Rectangle 3">
+            <a:extLst>
+              <a:ext uri="{FF2B5EF4-FFF2-40B4-BE49-F238E27FC236}">
+                <a16:creationId xmlns:a16="http://schemas.microsoft.com/office/drawing/2014/main" id="{55677458-BB06-5F4D-93A5-905996A7074F}"/>
+              </a:ext>
+            </a:extLst>
+          </p:cNvPr>
+          <p:cNvSpPr/>
+          <p:nvPr/>
+        </p:nvSpPr>
+        <p:spPr>
+          <a:xfrm>
+            <a:off x="581192" y="6425338"/>
+            <a:ext cx="5946180" cy="369332"/>
           </a:xfrm>
           <a:prstGeom prst="rect">
             <a:avLst/>
           </a:prstGeom>
-          <a:solidFill>
-            <a:schemeClr val="accent1"/>
-          </a:solidFill>
-          <a:ln>
-            <a:noFill/>
-          </a:ln>
-          <a:effectLst/>
-        </p:spPr>
-        <p:style>
-          <a:lnRef idx="1">
-            <a:schemeClr val="accent1"/>
-          </a:lnRef>
-          <a:fillRef idx="3">
-            <a:schemeClr val="accent1"/>
-          </a:fillRef>
-          <a:effectRef idx="2">
-            <a:schemeClr val="accent1"/>
-          </a:effectRef>
-          <a:fontRef idx="minor">
-            <a:schemeClr val="lt1"/>
-          </a:fontRef>
-        </p:style>
-      </p:sp>
-      <p:sp>
-        <p:nvSpPr>
-          <p:cNvPr id="3" name="Content Placeholder 2">
-            <a:extLst>
-              <a:ext uri="{FF2B5EF4-FFF2-40B4-BE49-F238E27FC236}">
-                <a16:creationId xmlns:a16="http://schemas.microsoft.com/office/drawing/2014/main" id="{99E3D4C1-D2AA-834D-9CAB-B3944ECB0BEA}"/>
-              </a:ext>
-            </a:extLst>
-          </p:cNvPr>
-          <p:cNvSpPr>
-            <a:spLocks noGrp="1"/>
-          </p:cNvSpPr>
-          <p:nvPr>
-            <p:ph idx="1"/>
-          </p:nvPr>
-        </p:nvSpPr>
-        <p:spPr>
-          <a:xfrm>
-            <a:off x="609906" y="2125384"/>
-            <a:ext cx="3568661" cy="4275416"/>
-          </a:xfrm>
         </p:spPr>
         <p:txBody>
-          <a:bodyPr>
-            <a:normAutofit/>
+          <a:bodyPr wrap="none">
+            <a:spAutoFit/>
           </a:bodyPr>
           <a:lstStyle/>
           <a:p>
-            <a:pPr>
-              <a:lnSpc>
-                <a:spcPct val="90000"/>
-              </a:lnSpc>
-            </a:pPr>
-            <a:r>
-              <a:rPr lang="en-US" dirty="0"/>
-              <a:t>Although children are very vulnerable and based on WHO reports the first cause of death between them is driving accidents but only 84 countries of 175 countries used child restraints laws which is just 48% in all around the world.</a:t>
-            </a:r>
-          </a:p>
-          <a:p>
-            <a:pPr>
-              <a:lnSpc>
-                <a:spcPct val="90000"/>
-              </a:lnSpc>
-            </a:pPr>
-            <a:r>
-              <a:rPr lang="en-US" dirty="0"/>
-              <a:t>We can see in this bar chart, 90% of countries with high income level are using this law. This percentage for middle income countries is 36% and just 17% of low income countries are protecting children in this area. </a:t>
+            <a:r>
+              <a:rPr lang="en-HK" dirty="0"/>
+              <a:t>* Income levels are based on 2017 WORLD BANK classifiers.</a:t>
             </a:r>
           </a:p>
         </p:txBody>
       </p:sp>
       <p:pic>
         <p:nvPicPr>
-          <p:cNvPr id="4" name="child_restraints_income.png" descr="child_restraints_income.png">
-            <a:extLst>
-              <a:ext uri="{FF2B5EF4-FFF2-40B4-BE49-F238E27FC236}">
-                <a16:creationId xmlns:a16="http://schemas.microsoft.com/office/drawing/2014/main" id="{253863C4-5DD0-8A4A-9176-C0981A7711C6}"/>
+          <p:cNvPr id="5" name="piechart_populationbyincome.png" descr="piechart_populationbyincome.png">
+            <a:extLst>
+              <a:ext uri="{FF2B5EF4-FFF2-40B4-BE49-F238E27FC236}">
+                <a16:creationId xmlns:a16="http://schemas.microsoft.com/office/drawing/2014/main" id="{4879ACE3-7C81-3C40-A26F-C98D62DA8078}"/>
               </a:ext>
             </a:extLst>
           </p:cNvPr>
@@ -11872,18 +12205,61 @@
         </p:blipFill>
         <p:spPr>
           <a:xfrm>
-            <a:off x="4654295" y="1093662"/>
-            <a:ext cx="7322533" cy="4881687"/>
+            <a:off x="4894233" y="2444819"/>
+            <a:ext cx="3426574" cy="3426574"/>
           </a:xfrm>
           <a:prstGeom prst="rect">
             <a:avLst/>
           </a:prstGeom>
+          <a:ln w="25400">
+            <a:miter lim="400000"/>
+          </a:ln>
+          <a:effectLst>
+            <a:outerShdw blurRad="292100" dist="50800" dir="5400000" sx="98000" sy="98000" algn="ctr" rotWithShape="0">
+              <a:srgbClr val="000000"/>
+            </a:outerShdw>
+          </a:effectLst>
+        </p:spPr>
+      </p:pic>
+      <p:pic>
+        <p:nvPicPr>
+          <p:cNvPr id="7" name="Picture 6" descr="A picture containing chart&#10;&#10;Description automatically generated">
+            <a:extLst>
+              <a:ext uri="{FF2B5EF4-FFF2-40B4-BE49-F238E27FC236}">
+                <a16:creationId xmlns:a16="http://schemas.microsoft.com/office/drawing/2014/main" id="{477D4308-6BBA-364F-AE29-C3D87E90ECBA}"/>
+              </a:ext>
+            </a:extLst>
+          </p:cNvPr>
+          <p:cNvPicPr>
+            <a:picLocks noChangeAspect="1"/>
+          </p:cNvPicPr>
+          <p:nvPr/>
+        </p:nvPicPr>
+        <p:blipFill>
+          <a:blip r:embed="rId3"/>
+          <a:stretch>
+            <a:fillRect/>
+          </a:stretch>
+        </p:blipFill>
+        <p:spPr>
+          <a:xfrm>
+            <a:off x="8487128" y="2444819"/>
+            <a:ext cx="3426574" cy="3426574"/>
+          </a:xfrm>
+          <a:prstGeom prst="rect">
+            <a:avLst/>
+          </a:prstGeom>
+          <a:effectLst>
+            <a:outerShdw blurRad="292100" dist="50800" dir="5400000" sx="98000" sy="98000" algn="ctr" rotWithShape="0">
+              <a:srgbClr val="000000"/>
+            </a:outerShdw>
+          </a:effectLst>
         </p:spPr>
       </p:pic>
     </p:spTree>
     <p:extLst>
       <p:ext uri="{BB962C8B-B14F-4D97-AF65-F5344CB8AC3E}">
-        <p14:creationId xmlns:p14="http://schemas.microsoft.com/office/powerpoint/2010/main" val="2913941793"/>
+        <p14:creationId xmlns:p14="http://schemas.microsoft.com/office/powerpoint/2010/main" val="2008902233"/>
       </p:ext>
     </p:extLst>
   </p:cSld>
